--- a/Image/Diagram/Canvas.pptx
+++ b/Image/Diagram/Canvas.pptx
@@ -5,10 +5,10 @@
     <p:sldMasterId id="2147483648" r:id="rId1"/>
   </p:sldMasterIdLst>
   <p:notesMasterIdLst>
-    <p:notesMasterId r:id="rId24"/>
+    <p:notesMasterId r:id="rId26"/>
   </p:notesMasterIdLst>
   <p:handoutMasterIdLst>
-    <p:handoutMasterId r:id="rId25"/>
+    <p:handoutMasterId r:id="rId27"/>
   </p:handoutMasterIdLst>
   <p:sldIdLst>
     <p:sldId id="278" r:id="rId2"/>
@@ -33,6 +33,8 @@
     <p:sldId id="277" r:id="rId21"/>
     <p:sldId id="275" r:id="rId22"/>
     <p:sldId id="276" r:id="rId23"/>
+    <p:sldId id="279" r:id="rId24"/>
+    <p:sldId id="280" r:id="rId25"/>
   </p:sldIdLst>
   <p:sldSz cx="12192000" cy="6858000"/>
   <p:notesSz cx="6858000" cy="9144000"/>
@@ -236,7 +238,7 @@
           <a:p>
             <a:fld id="{29F43AEA-EBFF-4648-88A2-B3AE8909EBED}" type="datetimeFigureOut">
               <a:rPr lang="ko-KR" altLang="en-US" smtClean="0"/>
-              <a:t>2022-08-31</a:t>
+              <a:t>2022-09-02</a:t>
             </a:fld>
             <a:endParaRPr lang="ko-KR" altLang="en-US"/>
           </a:p>
@@ -413,7 +415,7 @@
           <a:p>
             <a:fld id="{D4F45FAA-3284-44C8-A10C-F89E7A7A9D0D}" type="datetimeFigureOut">
               <a:rPr lang="ko-KR" altLang="en-US" smtClean="0"/>
-              <a:t>2022-08-31</a:t>
+              <a:t>2022-09-02</a:t>
             </a:fld>
             <a:endParaRPr lang="ko-KR" altLang="en-US"/>
           </a:p>
@@ -809,7 +811,7 @@
           <a:p>
             <a:fld id="{B5FEAD0D-239A-466E-9319-07628EC22FD2}" type="datetimeFigureOut">
               <a:rPr lang="ko-KR" altLang="en-US" smtClean="0"/>
-              <a:t>2022-08-31</a:t>
+              <a:t>2022-09-02</a:t>
             </a:fld>
             <a:endParaRPr lang="ko-KR" altLang="en-US"/>
           </a:p>
@@ -977,7 +979,7 @@
           <a:p>
             <a:fld id="{B5FEAD0D-239A-466E-9319-07628EC22FD2}" type="datetimeFigureOut">
               <a:rPr lang="ko-KR" altLang="en-US" smtClean="0"/>
-              <a:t>2022-08-31</a:t>
+              <a:t>2022-09-02</a:t>
             </a:fld>
             <a:endParaRPr lang="ko-KR" altLang="en-US"/>
           </a:p>
@@ -1155,7 +1157,7 @@
           <a:p>
             <a:fld id="{B5FEAD0D-239A-466E-9319-07628EC22FD2}" type="datetimeFigureOut">
               <a:rPr lang="ko-KR" altLang="en-US" smtClean="0"/>
-              <a:t>2022-08-31</a:t>
+              <a:t>2022-09-02</a:t>
             </a:fld>
             <a:endParaRPr lang="ko-KR" altLang="en-US"/>
           </a:p>
@@ -1250,7 +1252,7 @@
           <a:p>
             <a:fld id="{B5FEAD0D-239A-466E-9319-07628EC22FD2}" type="datetimeFigureOut">
               <a:rPr lang="ko-KR" altLang="en-US" smtClean="0"/>
-              <a:t>2022-08-31</a:t>
+              <a:t>2022-09-02</a:t>
             </a:fld>
             <a:endParaRPr lang="ko-KR" altLang="en-US"/>
           </a:p>
@@ -1495,7 +1497,7 @@
           <a:p>
             <a:fld id="{B5FEAD0D-239A-466E-9319-07628EC22FD2}" type="datetimeFigureOut">
               <a:rPr lang="ko-KR" altLang="en-US" smtClean="0"/>
-              <a:t>2022-08-31</a:t>
+              <a:t>2022-09-02</a:t>
             </a:fld>
             <a:endParaRPr lang="ko-KR" altLang="en-US"/>
           </a:p>
@@ -1724,7 +1726,7 @@
           <a:p>
             <a:fld id="{B5FEAD0D-239A-466E-9319-07628EC22FD2}" type="datetimeFigureOut">
               <a:rPr lang="ko-KR" altLang="en-US" smtClean="0"/>
-              <a:t>2022-08-31</a:t>
+              <a:t>2022-09-02</a:t>
             </a:fld>
             <a:endParaRPr lang="ko-KR" altLang="en-US"/>
           </a:p>
@@ -2088,7 +2090,7 @@
           <a:p>
             <a:fld id="{B5FEAD0D-239A-466E-9319-07628EC22FD2}" type="datetimeFigureOut">
               <a:rPr lang="ko-KR" altLang="en-US" smtClean="0"/>
-              <a:t>2022-08-31</a:t>
+              <a:t>2022-09-02</a:t>
             </a:fld>
             <a:endParaRPr lang="ko-KR" altLang="en-US"/>
           </a:p>
@@ -2205,7 +2207,7 @@
           <a:p>
             <a:fld id="{B5FEAD0D-239A-466E-9319-07628EC22FD2}" type="datetimeFigureOut">
               <a:rPr lang="ko-KR" altLang="en-US" smtClean="0"/>
-              <a:t>2022-08-31</a:t>
+              <a:t>2022-09-02</a:t>
             </a:fld>
             <a:endParaRPr lang="ko-KR" altLang="en-US"/>
           </a:p>
@@ -2300,7 +2302,7 @@
           <a:p>
             <a:fld id="{B5FEAD0D-239A-466E-9319-07628EC22FD2}" type="datetimeFigureOut">
               <a:rPr lang="ko-KR" altLang="en-US" smtClean="0"/>
-              <a:t>2022-08-31</a:t>
+              <a:t>2022-09-02</a:t>
             </a:fld>
             <a:endParaRPr lang="ko-KR" altLang="en-US"/>
           </a:p>
@@ -2575,7 +2577,7 @@
           <a:p>
             <a:fld id="{B5FEAD0D-239A-466E-9319-07628EC22FD2}" type="datetimeFigureOut">
               <a:rPr lang="ko-KR" altLang="en-US" smtClean="0"/>
-              <a:t>2022-08-31</a:t>
+              <a:t>2022-09-02</a:t>
             </a:fld>
             <a:endParaRPr lang="ko-KR" altLang="en-US"/>
           </a:p>
@@ -2827,7 +2829,7 @@
           <a:p>
             <a:fld id="{B5FEAD0D-239A-466E-9319-07628EC22FD2}" type="datetimeFigureOut">
               <a:rPr lang="ko-KR" altLang="en-US" smtClean="0"/>
-              <a:t>2022-08-31</a:t>
+              <a:t>2022-09-02</a:t>
             </a:fld>
             <a:endParaRPr lang="ko-KR" altLang="en-US"/>
           </a:p>
@@ -3038,7 +3040,7 @@
           <a:p>
             <a:fld id="{B5FEAD0D-239A-466E-9319-07628EC22FD2}" type="datetimeFigureOut">
               <a:rPr lang="ko-KR" altLang="en-US" smtClean="0"/>
-              <a:t>2022-08-31</a:t>
+              <a:t>2022-09-02</a:t>
             </a:fld>
             <a:endParaRPr lang="ko-KR" altLang="en-US"/>
           </a:p>
@@ -19831,6 +19833,2890 @@
     <p:extLst>
       <p:ext uri="{BB962C8B-B14F-4D97-AF65-F5344CB8AC3E}">
         <p14:creationId xmlns:p14="http://schemas.microsoft.com/office/powerpoint/2010/main" val="663724919"/>
+      </p:ext>
+    </p:extLst>
+  </p:cSld>
+  <p:clrMapOvr>
+    <a:masterClrMapping/>
+  </p:clrMapOvr>
+</p:sld>
+</file>
+
+<file path=ppt/slides/slide23.xml><?xml version="1.0" encoding="utf-8"?>
+<p:sld xmlns:a="http://schemas.openxmlformats.org/drawingml/2006/main" xmlns:r="http://schemas.openxmlformats.org/officeDocument/2006/relationships" xmlns:p="http://schemas.openxmlformats.org/presentationml/2006/main">
+  <p:cSld>
+    <p:spTree>
+      <p:nvGrpSpPr>
+        <p:cNvPr id="1" name=""/>
+        <p:cNvGrpSpPr/>
+        <p:nvPr/>
+      </p:nvGrpSpPr>
+      <p:grpSpPr>
+        <a:xfrm>
+          <a:off x="0" y="0"/>
+          <a:ext cx="0" cy="0"/>
+          <a:chOff x="0" y="0"/>
+          <a:chExt cx="0" cy="0"/>
+        </a:xfrm>
+      </p:grpSpPr>
+      <p:sp>
+        <p:nvSpPr>
+          <p:cNvPr id="2" name="직사각형 1">
+            <a:extLst>
+              <a:ext uri="{FF2B5EF4-FFF2-40B4-BE49-F238E27FC236}">
+                <a16:creationId xmlns:a16="http://schemas.microsoft.com/office/drawing/2014/main" id="{ED2D55BD-C669-7DDA-F697-5AAFF8256D44}"/>
+              </a:ext>
+            </a:extLst>
+          </p:cNvPr>
+          <p:cNvSpPr/>
+          <p:nvPr/>
+        </p:nvSpPr>
+        <p:spPr>
+          <a:xfrm>
+            <a:off x="0" y="-92650"/>
+            <a:ext cx="12192000" cy="6950650"/>
+          </a:xfrm>
+          <a:prstGeom prst="rect">
+            <a:avLst/>
+          </a:prstGeom>
+          <a:solidFill>
+            <a:schemeClr val="bg1"/>
+          </a:solidFill>
+          <a:ln>
+            <a:noFill/>
+          </a:ln>
+        </p:spPr>
+        <p:style>
+          <a:lnRef idx="2">
+            <a:schemeClr val="accent1">
+              <a:shade val="50000"/>
+            </a:schemeClr>
+          </a:lnRef>
+          <a:fillRef idx="1">
+            <a:schemeClr val="accent1"/>
+          </a:fillRef>
+          <a:effectRef idx="0">
+            <a:schemeClr val="accent1"/>
+          </a:effectRef>
+          <a:fontRef idx="minor">
+            <a:schemeClr val="lt1"/>
+          </a:fontRef>
+        </p:style>
+        <p:txBody>
+          <a:bodyPr rtlCol="0" anchor="ctr"/>
+          <a:lstStyle/>
+          <a:p>
+            <a:pPr algn="ctr"/>
+            <a:endParaRPr lang="ko-KR" altLang="en-US"/>
+          </a:p>
+        </p:txBody>
+      </p:sp>
+      <p:sp>
+        <p:nvSpPr>
+          <p:cNvPr id="3" name="TextBox 2">
+            <a:extLst>
+              <a:ext uri="{FF2B5EF4-FFF2-40B4-BE49-F238E27FC236}">
+                <a16:creationId xmlns:a16="http://schemas.microsoft.com/office/drawing/2014/main" id="{2AA05B50-F361-5BF2-C5B6-D7643478F6E1}"/>
+              </a:ext>
+            </a:extLst>
+          </p:cNvPr>
+          <p:cNvSpPr txBox="1"/>
+          <p:nvPr/>
+        </p:nvSpPr>
+        <p:spPr>
+          <a:xfrm>
+            <a:off x="4386173" y="241964"/>
+            <a:ext cx="2436701" cy="461665"/>
+          </a:xfrm>
+          <a:prstGeom prst="rect">
+            <a:avLst/>
+          </a:prstGeom>
+          <a:noFill/>
+        </p:spPr>
+        <p:txBody>
+          <a:bodyPr wrap="square">
+            <a:spAutoFit/>
+          </a:bodyPr>
+          <a:lstStyle/>
+          <a:p>
+            <a:pPr algn="ctr"/>
+            <a:r>
+              <a:rPr lang="en-US" altLang="ko-KR" sz="2400" b="1" dirty="0"/>
+              <a:t>REDUX</a:t>
+            </a:r>
+            <a:r>
+              <a:rPr lang="ko-KR" altLang="en-US" sz="2400" b="1" dirty="0"/>
+              <a:t> </a:t>
+            </a:r>
+            <a:r>
+              <a:rPr lang="en-US" altLang="ko-KR" sz="2400" b="1" dirty="0"/>
+              <a:t>FLOW</a:t>
+            </a:r>
+            <a:endParaRPr lang="ko-KR" altLang="en-US" sz="2400" b="1" dirty="0"/>
+          </a:p>
+        </p:txBody>
+      </p:sp>
+      <p:sp>
+        <p:nvSpPr>
+          <p:cNvPr id="4" name="직사각형 3">
+            <a:extLst>
+              <a:ext uri="{FF2B5EF4-FFF2-40B4-BE49-F238E27FC236}">
+                <a16:creationId xmlns:a16="http://schemas.microsoft.com/office/drawing/2014/main" id="{D2FDA20E-E904-593A-CC8A-7E92D6253094}"/>
+              </a:ext>
+            </a:extLst>
+          </p:cNvPr>
+          <p:cNvSpPr/>
+          <p:nvPr/>
+        </p:nvSpPr>
+        <p:spPr>
+          <a:xfrm>
+            <a:off x="207508" y="2381217"/>
+            <a:ext cx="2287707" cy="982461"/>
+          </a:xfrm>
+          <a:prstGeom prst="rect">
+            <a:avLst/>
+          </a:prstGeom>
+          <a:solidFill>
+            <a:srgbClr val="9999FF"/>
+          </a:solidFill>
+          <a:ln>
+            <a:noFill/>
+          </a:ln>
+        </p:spPr>
+        <p:style>
+          <a:lnRef idx="2">
+            <a:schemeClr val="accent1">
+              <a:shade val="50000"/>
+            </a:schemeClr>
+          </a:lnRef>
+          <a:fillRef idx="1">
+            <a:schemeClr val="accent1"/>
+          </a:fillRef>
+          <a:effectRef idx="0">
+            <a:schemeClr val="accent1"/>
+          </a:effectRef>
+          <a:fontRef idx="minor">
+            <a:schemeClr val="lt1"/>
+          </a:fontRef>
+        </p:style>
+        <p:txBody>
+          <a:bodyPr rtlCol="0" anchor="ctr"/>
+          <a:lstStyle/>
+          <a:p>
+            <a:pPr algn="ctr"/>
+            <a:endParaRPr lang="ko-KR" altLang="en-US"/>
+          </a:p>
+        </p:txBody>
+      </p:sp>
+      <p:sp>
+        <p:nvSpPr>
+          <p:cNvPr id="5" name="TextBox 4">
+            <a:extLst>
+              <a:ext uri="{FF2B5EF4-FFF2-40B4-BE49-F238E27FC236}">
+                <a16:creationId xmlns:a16="http://schemas.microsoft.com/office/drawing/2014/main" id="{051FE837-C0C4-D354-0AEF-F8E812EE1308}"/>
+              </a:ext>
+            </a:extLst>
+          </p:cNvPr>
+          <p:cNvSpPr txBox="1"/>
+          <p:nvPr/>
+        </p:nvSpPr>
+        <p:spPr>
+          <a:xfrm>
+            <a:off x="351711" y="2477166"/>
+            <a:ext cx="1999298" cy="369332"/>
+          </a:xfrm>
+          <a:prstGeom prst="rect">
+            <a:avLst/>
+          </a:prstGeom>
+          <a:noFill/>
+        </p:spPr>
+        <p:txBody>
+          <a:bodyPr wrap="square">
+            <a:spAutoFit/>
+          </a:bodyPr>
+          <a:lstStyle/>
+          <a:p>
+            <a:pPr algn="ctr"/>
+            <a:r>
+              <a:rPr lang="en-US" altLang="ko-KR" dirty="0"/>
+              <a:t>Action Creators</a:t>
+            </a:r>
+            <a:endParaRPr lang="ko-KR" altLang="en-US" dirty="0"/>
+          </a:p>
+        </p:txBody>
+      </p:sp>
+      <p:sp>
+        <p:nvSpPr>
+          <p:cNvPr id="6" name="직사각형 5">
+            <a:extLst>
+              <a:ext uri="{FF2B5EF4-FFF2-40B4-BE49-F238E27FC236}">
+                <a16:creationId xmlns:a16="http://schemas.microsoft.com/office/drawing/2014/main" id="{4D473626-E95D-B548-DA98-8392C585A2F8}"/>
+              </a:ext>
+            </a:extLst>
+          </p:cNvPr>
+          <p:cNvSpPr/>
+          <p:nvPr/>
+        </p:nvSpPr>
+        <p:spPr>
+          <a:xfrm>
+            <a:off x="7704621" y="2389028"/>
+            <a:ext cx="4311991" cy="1917401"/>
+          </a:xfrm>
+          <a:prstGeom prst="rect">
+            <a:avLst/>
+          </a:prstGeom>
+          <a:solidFill>
+            <a:srgbClr val="2155CD"/>
+          </a:solidFill>
+          <a:ln>
+            <a:noFill/>
+          </a:ln>
+        </p:spPr>
+        <p:style>
+          <a:lnRef idx="2">
+            <a:schemeClr val="accent1">
+              <a:shade val="50000"/>
+            </a:schemeClr>
+          </a:lnRef>
+          <a:fillRef idx="1">
+            <a:schemeClr val="accent1"/>
+          </a:fillRef>
+          <a:effectRef idx="0">
+            <a:schemeClr val="accent1"/>
+          </a:effectRef>
+          <a:fontRef idx="minor">
+            <a:schemeClr val="lt1"/>
+          </a:fontRef>
+        </p:style>
+        <p:txBody>
+          <a:bodyPr rtlCol="0" anchor="ctr"/>
+          <a:lstStyle/>
+          <a:p>
+            <a:pPr algn="ctr"/>
+            <a:endParaRPr lang="ko-KR" altLang="en-US"/>
+          </a:p>
+        </p:txBody>
+      </p:sp>
+      <p:sp>
+        <p:nvSpPr>
+          <p:cNvPr id="7" name="직사각형 6">
+            <a:extLst>
+              <a:ext uri="{FF2B5EF4-FFF2-40B4-BE49-F238E27FC236}">
+                <a16:creationId xmlns:a16="http://schemas.microsoft.com/office/drawing/2014/main" id="{39481A15-B82D-5A10-14BB-AABC99F990D7}"/>
+              </a:ext>
+            </a:extLst>
+          </p:cNvPr>
+          <p:cNvSpPr/>
+          <p:nvPr/>
+        </p:nvSpPr>
+        <p:spPr>
+          <a:xfrm>
+            <a:off x="7797375" y="2883165"/>
+            <a:ext cx="4003239" cy="600487"/>
+          </a:xfrm>
+          <a:prstGeom prst="rect">
+            <a:avLst/>
+          </a:prstGeom>
+          <a:solidFill>
+            <a:srgbClr val="79DAE8"/>
+          </a:solidFill>
+          <a:ln>
+            <a:noFill/>
+          </a:ln>
+        </p:spPr>
+        <p:style>
+          <a:lnRef idx="2">
+            <a:schemeClr val="accent1">
+              <a:shade val="50000"/>
+            </a:schemeClr>
+          </a:lnRef>
+          <a:fillRef idx="1">
+            <a:schemeClr val="accent1"/>
+          </a:fillRef>
+          <a:effectRef idx="0">
+            <a:schemeClr val="accent1"/>
+          </a:effectRef>
+          <a:fontRef idx="minor">
+            <a:schemeClr val="lt1"/>
+          </a:fontRef>
+        </p:style>
+        <p:txBody>
+          <a:bodyPr rtlCol="0" anchor="ctr"/>
+          <a:lstStyle/>
+          <a:p>
+            <a:pPr algn="ctr"/>
+            <a:endParaRPr lang="ko-KR" altLang="en-US" dirty="0"/>
+          </a:p>
+        </p:txBody>
+      </p:sp>
+      <p:sp>
+        <p:nvSpPr>
+          <p:cNvPr id="8" name="TextBox 7">
+            <a:extLst>
+              <a:ext uri="{FF2B5EF4-FFF2-40B4-BE49-F238E27FC236}">
+                <a16:creationId xmlns:a16="http://schemas.microsoft.com/office/drawing/2014/main" id="{623DEF71-DB60-B4F0-3621-92921EE0F3F1}"/>
+              </a:ext>
+            </a:extLst>
+          </p:cNvPr>
+          <p:cNvSpPr txBox="1"/>
+          <p:nvPr/>
+        </p:nvSpPr>
+        <p:spPr>
+          <a:xfrm>
+            <a:off x="7855415" y="3055902"/>
+            <a:ext cx="3945199" cy="307777"/>
+          </a:xfrm>
+          <a:prstGeom prst="rect">
+            <a:avLst/>
+          </a:prstGeom>
+          <a:noFill/>
+        </p:spPr>
+        <p:txBody>
+          <a:bodyPr wrap="square">
+            <a:spAutoFit/>
+          </a:bodyPr>
+          <a:lstStyle/>
+          <a:p>
+            <a:r>
+              <a:rPr lang="en-US" altLang="ko-KR" sz="1400" dirty="0">
+                <a:latin typeface="Consolas" panose="020B0609020204030204" pitchFamily="49" charset="0"/>
+              </a:rPr>
+              <a:t>Reducer(</a:t>
+            </a:r>
+            <a:r>
+              <a:rPr lang="en-US" altLang="ko-KR" sz="1400" b="0" dirty="0">
+                <a:effectLst/>
+                <a:latin typeface="Consolas" panose="020B0609020204030204" pitchFamily="49" charset="0"/>
+              </a:rPr>
+              <a:t>state = Initial State, action)</a:t>
+            </a:r>
+          </a:p>
+        </p:txBody>
+      </p:sp>
+      <p:sp>
+        <p:nvSpPr>
+          <p:cNvPr id="9" name="직사각형 8">
+            <a:extLst>
+              <a:ext uri="{FF2B5EF4-FFF2-40B4-BE49-F238E27FC236}">
+                <a16:creationId xmlns:a16="http://schemas.microsoft.com/office/drawing/2014/main" id="{BAE172DE-CE9A-935C-38FD-FDEE23FA1D43}"/>
+              </a:ext>
+            </a:extLst>
+          </p:cNvPr>
+          <p:cNvSpPr/>
+          <p:nvPr/>
+        </p:nvSpPr>
+        <p:spPr>
+          <a:xfrm>
+            <a:off x="7704621" y="5104540"/>
+            <a:ext cx="2387042" cy="1016110"/>
+          </a:xfrm>
+          <a:prstGeom prst="rect">
+            <a:avLst/>
+          </a:prstGeom>
+          <a:solidFill>
+            <a:srgbClr val="0AA1DD"/>
+          </a:solidFill>
+          <a:ln>
+            <a:noFill/>
+          </a:ln>
+        </p:spPr>
+        <p:style>
+          <a:lnRef idx="2">
+            <a:schemeClr val="accent1">
+              <a:shade val="50000"/>
+            </a:schemeClr>
+          </a:lnRef>
+          <a:fillRef idx="1">
+            <a:schemeClr val="accent1"/>
+          </a:fillRef>
+          <a:effectRef idx="0">
+            <a:schemeClr val="accent1"/>
+          </a:effectRef>
+          <a:fontRef idx="minor">
+            <a:schemeClr val="lt1"/>
+          </a:fontRef>
+        </p:style>
+        <p:txBody>
+          <a:bodyPr rtlCol="0" anchor="ctr"/>
+          <a:lstStyle/>
+          <a:p>
+            <a:pPr algn="ctr"/>
+            <a:endParaRPr lang="ko-KR" altLang="en-US"/>
+          </a:p>
+        </p:txBody>
+      </p:sp>
+      <p:sp>
+        <p:nvSpPr>
+          <p:cNvPr id="10" name="TextBox 9">
+            <a:extLst>
+              <a:ext uri="{FF2B5EF4-FFF2-40B4-BE49-F238E27FC236}">
+                <a16:creationId xmlns:a16="http://schemas.microsoft.com/office/drawing/2014/main" id="{A750AA20-A573-8881-C610-77D529868035}"/>
+              </a:ext>
+            </a:extLst>
+          </p:cNvPr>
+          <p:cNvSpPr txBox="1"/>
+          <p:nvPr/>
+        </p:nvSpPr>
+        <p:spPr>
+          <a:xfrm>
+            <a:off x="8301173" y="5226388"/>
+            <a:ext cx="1293567" cy="369332"/>
+          </a:xfrm>
+          <a:prstGeom prst="rect">
+            <a:avLst/>
+          </a:prstGeom>
+          <a:noFill/>
+        </p:spPr>
+        <p:txBody>
+          <a:bodyPr wrap="square">
+            <a:spAutoFit/>
+          </a:bodyPr>
+          <a:lstStyle/>
+          <a:p>
+            <a:pPr algn="ctr"/>
+            <a:r>
+              <a:rPr lang="en-US" altLang="ko-KR" dirty="0">
+                <a:solidFill>
+                  <a:schemeClr val="bg1"/>
+                </a:solidFill>
+              </a:rPr>
+              <a:t>View</a:t>
+            </a:r>
+            <a:endParaRPr lang="ko-KR" altLang="en-US" dirty="0">
+              <a:solidFill>
+                <a:schemeClr val="bg1"/>
+              </a:solidFill>
+            </a:endParaRPr>
+          </a:p>
+        </p:txBody>
+      </p:sp>
+      <p:sp>
+        <p:nvSpPr>
+          <p:cNvPr id="11" name="TextBox 10">
+            <a:extLst>
+              <a:ext uri="{FF2B5EF4-FFF2-40B4-BE49-F238E27FC236}">
+                <a16:creationId xmlns:a16="http://schemas.microsoft.com/office/drawing/2014/main" id="{4726F5F4-CD49-CA50-CB84-F8BFFD0E4BD6}"/>
+              </a:ext>
+            </a:extLst>
+          </p:cNvPr>
+          <p:cNvSpPr txBox="1"/>
+          <p:nvPr/>
+        </p:nvSpPr>
+        <p:spPr>
+          <a:xfrm>
+            <a:off x="7767673" y="5647959"/>
+            <a:ext cx="2260938" cy="338554"/>
+          </a:xfrm>
+          <a:prstGeom prst="rect">
+            <a:avLst/>
+          </a:prstGeom>
+          <a:noFill/>
+        </p:spPr>
+        <p:txBody>
+          <a:bodyPr wrap="square">
+            <a:spAutoFit/>
+          </a:bodyPr>
+          <a:lstStyle/>
+          <a:p>
+            <a:pPr algn="ctr"/>
+            <a:r>
+              <a:rPr lang="en-US" altLang="ko-KR" sz="1600" dirty="0">
+                <a:solidFill>
+                  <a:schemeClr val="bg1"/>
+                </a:solidFill>
+              </a:rPr>
+              <a:t>React Components</a:t>
+            </a:r>
+            <a:endParaRPr lang="ko-KR" altLang="en-US" sz="1600" dirty="0">
+              <a:solidFill>
+                <a:schemeClr val="bg1"/>
+              </a:solidFill>
+            </a:endParaRPr>
+          </a:p>
+        </p:txBody>
+      </p:sp>
+      <p:cxnSp>
+        <p:nvCxnSpPr>
+          <p:cNvPr id="12" name="직선 화살표 연결선 11">
+            <a:extLst>
+              <a:ext uri="{FF2B5EF4-FFF2-40B4-BE49-F238E27FC236}">
+                <a16:creationId xmlns:a16="http://schemas.microsoft.com/office/drawing/2014/main" id="{F8DF1785-EFB6-C148-A138-4EB215A59D0E}"/>
+              </a:ext>
+            </a:extLst>
+          </p:cNvPr>
+          <p:cNvCxnSpPr>
+            <a:cxnSpLocks/>
+          </p:cNvCxnSpPr>
+          <p:nvPr/>
+        </p:nvCxnSpPr>
+        <p:spPr>
+          <a:xfrm>
+            <a:off x="2662428" y="3005572"/>
+            <a:ext cx="4949938" cy="0"/>
+          </a:xfrm>
+          <a:prstGeom prst="straightConnector1">
+            <a:avLst/>
+          </a:prstGeom>
+          <a:ln w="38100">
+            <a:solidFill>
+              <a:srgbClr val="FF0000"/>
+            </a:solidFill>
+            <a:tailEnd type="triangle"/>
+          </a:ln>
+        </p:spPr>
+        <p:style>
+          <a:lnRef idx="1">
+            <a:schemeClr val="accent1"/>
+          </a:lnRef>
+          <a:fillRef idx="0">
+            <a:schemeClr val="accent1"/>
+          </a:fillRef>
+          <a:effectRef idx="0">
+            <a:schemeClr val="accent1"/>
+          </a:effectRef>
+          <a:fontRef idx="minor">
+            <a:schemeClr val="tx1"/>
+          </a:fontRef>
+        </p:style>
+      </p:cxnSp>
+      <p:sp>
+        <p:nvSpPr>
+          <p:cNvPr id="13" name="TextBox 12">
+            <a:extLst>
+              <a:ext uri="{FF2B5EF4-FFF2-40B4-BE49-F238E27FC236}">
+                <a16:creationId xmlns:a16="http://schemas.microsoft.com/office/drawing/2014/main" id="{7F0C55F1-0087-A8AC-6073-52C2C6586AD0}"/>
+              </a:ext>
+            </a:extLst>
+          </p:cNvPr>
+          <p:cNvSpPr txBox="1"/>
+          <p:nvPr/>
+        </p:nvSpPr>
+        <p:spPr>
+          <a:xfrm>
+            <a:off x="3520000" y="5194211"/>
+            <a:ext cx="2092912" cy="338554"/>
+          </a:xfrm>
+          <a:prstGeom prst="rect">
+            <a:avLst/>
+          </a:prstGeom>
+          <a:noFill/>
+        </p:spPr>
+        <p:txBody>
+          <a:bodyPr wrap="square">
+            <a:spAutoFit/>
+          </a:bodyPr>
+          <a:lstStyle/>
+          <a:p>
+            <a:pPr algn="ctr"/>
+            <a:r>
+              <a:rPr lang="en-US" altLang="ko-KR" sz="1600" dirty="0">
+                <a:latin typeface="Consolas" panose="020B0609020204030204" pitchFamily="49" charset="0"/>
+              </a:rPr>
+              <a:t>Ayn Event</a:t>
+            </a:r>
+            <a:endParaRPr lang="ko-KR" altLang="en-US" sz="1600" dirty="0">
+              <a:latin typeface="Consolas" panose="020B0609020204030204" pitchFamily="49" charset="0"/>
+            </a:endParaRPr>
+          </a:p>
+        </p:txBody>
+      </p:sp>
+      <p:sp>
+        <p:nvSpPr>
+          <p:cNvPr id="14" name="TextBox 13">
+            <a:extLst>
+              <a:ext uri="{FF2B5EF4-FFF2-40B4-BE49-F238E27FC236}">
+                <a16:creationId xmlns:a16="http://schemas.microsoft.com/office/drawing/2014/main" id="{2ECF2F4C-4AD9-E954-06DC-F6DFE5C9EDEF}"/>
+              </a:ext>
+            </a:extLst>
+          </p:cNvPr>
+          <p:cNvSpPr txBox="1"/>
+          <p:nvPr/>
+        </p:nvSpPr>
+        <p:spPr>
+          <a:xfrm>
+            <a:off x="2555415" y="2550894"/>
+            <a:ext cx="5149205" cy="307777"/>
+          </a:xfrm>
+          <a:prstGeom prst="rect">
+            <a:avLst/>
+          </a:prstGeom>
+          <a:noFill/>
+        </p:spPr>
+        <p:txBody>
+          <a:bodyPr wrap="square">
+            <a:spAutoFit/>
+          </a:bodyPr>
+          <a:lstStyle/>
+          <a:p>
+            <a:r>
+              <a:rPr lang="en-US" altLang="ko-KR" sz="1400" dirty="0">
+                <a:latin typeface="Consolas" panose="020B0609020204030204" pitchFamily="49" charset="0"/>
+              </a:rPr>
+              <a:t>dispatch(action{type:ANY_ACTION_TYPE, ETC-Field…})</a:t>
+            </a:r>
+            <a:endParaRPr lang="ko-KR" altLang="en-US" sz="1400" dirty="0">
+              <a:latin typeface="Consolas" panose="020B0609020204030204" pitchFamily="49" charset="0"/>
+            </a:endParaRPr>
+          </a:p>
+        </p:txBody>
+      </p:sp>
+      <p:cxnSp>
+        <p:nvCxnSpPr>
+          <p:cNvPr id="15" name="연결선: 꺾임 14">
+            <a:extLst>
+              <a:ext uri="{FF2B5EF4-FFF2-40B4-BE49-F238E27FC236}">
+                <a16:creationId xmlns:a16="http://schemas.microsoft.com/office/drawing/2014/main" id="{3241F8D1-7933-9DBB-8CC8-ADA15C501E33}"/>
+              </a:ext>
+            </a:extLst>
+          </p:cNvPr>
+          <p:cNvCxnSpPr>
+            <a:cxnSpLocks/>
+          </p:cNvCxnSpPr>
+          <p:nvPr/>
+        </p:nvCxnSpPr>
+        <p:spPr>
+          <a:xfrm rot="10800000">
+            <a:off x="7599666" y="3279480"/>
+            <a:ext cx="12700" cy="677011"/>
+          </a:xfrm>
+          <a:prstGeom prst="bentConnector3">
+            <a:avLst>
+              <a:gd name="adj1" fmla="val 34905882"/>
+            </a:avLst>
+          </a:prstGeom>
+          <a:ln w="38100">
+            <a:solidFill>
+              <a:srgbClr val="FF0000"/>
+            </a:solidFill>
+            <a:tailEnd type="triangle"/>
+          </a:ln>
+        </p:spPr>
+        <p:style>
+          <a:lnRef idx="1">
+            <a:schemeClr val="accent1"/>
+          </a:lnRef>
+          <a:fillRef idx="0">
+            <a:schemeClr val="accent1"/>
+          </a:fillRef>
+          <a:effectRef idx="0">
+            <a:schemeClr val="accent1"/>
+          </a:effectRef>
+          <a:fontRef idx="minor">
+            <a:schemeClr val="tx1"/>
+          </a:fontRef>
+        </p:style>
+      </p:cxnSp>
+      <p:sp>
+        <p:nvSpPr>
+          <p:cNvPr id="16" name="TextBox 15">
+            <a:extLst>
+              <a:ext uri="{FF2B5EF4-FFF2-40B4-BE49-F238E27FC236}">
+                <a16:creationId xmlns:a16="http://schemas.microsoft.com/office/drawing/2014/main" id="{F4AB6FC7-9E2E-3276-3D95-AC2CA8CFBEBD}"/>
+              </a:ext>
+            </a:extLst>
+          </p:cNvPr>
+          <p:cNvSpPr txBox="1"/>
+          <p:nvPr/>
+        </p:nvSpPr>
+        <p:spPr>
+          <a:xfrm>
+            <a:off x="3277864" y="3448708"/>
+            <a:ext cx="2335049" cy="338554"/>
+          </a:xfrm>
+          <a:prstGeom prst="rect">
+            <a:avLst/>
+          </a:prstGeom>
+          <a:noFill/>
+        </p:spPr>
+        <p:txBody>
+          <a:bodyPr wrap="square">
+            <a:spAutoFit/>
+          </a:bodyPr>
+          <a:lstStyle/>
+          <a:p>
+            <a:r>
+              <a:rPr lang="en-US" altLang="ko-KR" sz="1600" dirty="0">
+                <a:latin typeface="Consolas" panose="020B0609020204030204" pitchFamily="49" charset="0"/>
+              </a:rPr>
+              <a:t>Current </a:t>
+            </a:r>
+            <a:r>
+              <a:rPr lang="en-US" altLang="ko-KR" sz="1600" b="0" dirty="0">
+                <a:effectLst/>
+                <a:latin typeface="Consolas" panose="020B0609020204030204" pitchFamily="49" charset="0"/>
+              </a:rPr>
+              <a:t>State</a:t>
+            </a:r>
+          </a:p>
+        </p:txBody>
+      </p:sp>
+      <p:cxnSp>
+        <p:nvCxnSpPr>
+          <p:cNvPr id="17" name="직선 화살표 연결선 16">
+            <a:extLst>
+              <a:ext uri="{FF2B5EF4-FFF2-40B4-BE49-F238E27FC236}">
+                <a16:creationId xmlns:a16="http://schemas.microsoft.com/office/drawing/2014/main" id="{521900A1-642F-078B-35F5-F8C04078531C}"/>
+              </a:ext>
+            </a:extLst>
+          </p:cNvPr>
+          <p:cNvCxnSpPr>
+            <a:cxnSpLocks/>
+          </p:cNvCxnSpPr>
+          <p:nvPr/>
+        </p:nvCxnSpPr>
+        <p:spPr>
+          <a:xfrm flipH="1">
+            <a:off x="8945264" y="4394092"/>
+            <a:ext cx="2121" cy="658209"/>
+          </a:xfrm>
+          <a:prstGeom prst="straightConnector1">
+            <a:avLst/>
+          </a:prstGeom>
+          <a:ln w="38100">
+            <a:solidFill>
+              <a:srgbClr val="FF0000"/>
+            </a:solidFill>
+            <a:tailEnd type="triangle"/>
+          </a:ln>
+        </p:spPr>
+        <p:style>
+          <a:lnRef idx="1">
+            <a:schemeClr val="accent1"/>
+          </a:lnRef>
+          <a:fillRef idx="0">
+            <a:schemeClr val="accent1"/>
+          </a:fillRef>
+          <a:effectRef idx="0">
+            <a:schemeClr val="accent1"/>
+          </a:effectRef>
+          <a:fontRef idx="minor">
+            <a:schemeClr val="tx1"/>
+          </a:fontRef>
+        </p:style>
+      </p:cxnSp>
+      <p:cxnSp>
+        <p:nvCxnSpPr>
+          <p:cNvPr id="18" name="연결선: 꺾임 17">
+            <a:extLst>
+              <a:ext uri="{FF2B5EF4-FFF2-40B4-BE49-F238E27FC236}">
+                <a16:creationId xmlns:a16="http://schemas.microsoft.com/office/drawing/2014/main" id="{1A2838E8-59C9-5646-82E3-9B5CCA2ED655}"/>
+              </a:ext>
+            </a:extLst>
+          </p:cNvPr>
+          <p:cNvCxnSpPr>
+            <a:cxnSpLocks/>
+          </p:cNvCxnSpPr>
+          <p:nvPr/>
+        </p:nvCxnSpPr>
+        <p:spPr>
+          <a:xfrm rot="10800000">
+            <a:off x="1351361" y="3365847"/>
+            <a:ext cx="6353259" cy="2248917"/>
+          </a:xfrm>
+          <a:prstGeom prst="bentConnector2">
+            <a:avLst/>
+          </a:prstGeom>
+          <a:ln w="38100">
+            <a:solidFill>
+              <a:srgbClr val="FF0000"/>
+            </a:solidFill>
+            <a:tailEnd type="triangle"/>
+          </a:ln>
+        </p:spPr>
+        <p:style>
+          <a:lnRef idx="1">
+            <a:schemeClr val="accent1"/>
+          </a:lnRef>
+          <a:fillRef idx="0">
+            <a:schemeClr val="accent1"/>
+          </a:fillRef>
+          <a:effectRef idx="0">
+            <a:schemeClr val="accent1"/>
+          </a:effectRef>
+          <a:fontRef idx="minor">
+            <a:schemeClr val="tx1"/>
+          </a:fontRef>
+        </p:style>
+      </p:cxnSp>
+      <p:sp>
+        <p:nvSpPr>
+          <p:cNvPr id="19" name="TextBox 18">
+            <a:extLst>
+              <a:ext uri="{FF2B5EF4-FFF2-40B4-BE49-F238E27FC236}">
+                <a16:creationId xmlns:a16="http://schemas.microsoft.com/office/drawing/2014/main" id="{5AB07C05-0621-F8EB-EBF9-93021545FEE2}"/>
+              </a:ext>
+            </a:extLst>
+          </p:cNvPr>
+          <p:cNvSpPr txBox="1"/>
+          <p:nvPr/>
+        </p:nvSpPr>
+        <p:spPr>
+          <a:xfrm>
+            <a:off x="10181294" y="3624726"/>
+            <a:ext cx="1605852" cy="307777"/>
+          </a:xfrm>
+          <a:prstGeom prst="rect">
+            <a:avLst/>
+          </a:prstGeom>
+          <a:noFill/>
+        </p:spPr>
+        <p:txBody>
+          <a:bodyPr wrap="square">
+            <a:spAutoFit/>
+          </a:bodyPr>
+          <a:lstStyle/>
+          <a:p>
+            <a:r>
+              <a:rPr lang="en-US" altLang="ko-KR" sz="1400" dirty="0">
+                <a:solidFill>
+                  <a:schemeClr val="bg1"/>
+                </a:solidFill>
+                <a:latin typeface="Consolas" panose="020B0609020204030204" pitchFamily="49" charset="0"/>
+              </a:rPr>
+              <a:t>New State</a:t>
+            </a:r>
+            <a:endParaRPr lang="en-US" altLang="ko-KR" sz="1400" b="0" dirty="0">
+              <a:solidFill>
+                <a:schemeClr val="bg1"/>
+              </a:solidFill>
+              <a:effectLst/>
+              <a:latin typeface="Consolas" panose="020B0609020204030204" pitchFamily="49" charset="0"/>
+            </a:endParaRPr>
+          </a:p>
+        </p:txBody>
+      </p:sp>
+      <p:sp>
+        <p:nvSpPr>
+          <p:cNvPr id="20" name="TextBox 19">
+            <a:extLst>
+              <a:ext uri="{FF2B5EF4-FFF2-40B4-BE49-F238E27FC236}">
+                <a16:creationId xmlns:a16="http://schemas.microsoft.com/office/drawing/2014/main" id="{A05E0C3B-5002-8B56-61FB-63C98F647754}"/>
+              </a:ext>
+            </a:extLst>
+          </p:cNvPr>
+          <p:cNvSpPr txBox="1"/>
+          <p:nvPr/>
+        </p:nvSpPr>
+        <p:spPr>
+          <a:xfrm>
+            <a:off x="318516" y="2851684"/>
+            <a:ext cx="2065689" cy="307777"/>
+          </a:xfrm>
+          <a:prstGeom prst="rect">
+            <a:avLst/>
+          </a:prstGeom>
+          <a:noFill/>
+        </p:spPr>
+        <p:txBody>
+          <a:bodyPr wrap="square">
+            <a:spAutoFit/>
+          </a:bodyPr>
+          <a:lstStyle/>
+          <a:p>
+            <a:pPr algn="ctr"/>
+            <a:r>
+              <a:rPr lang="en-US" altLang="ko-KR" sz="1400" dirty="0">
+                <a:latin typeface="Consolas" panose="020B0609020204030204" pitchFamily="49" charset="0"/>
+              </a:rPr>
+              <a:t>(ANY_ACTION_TYPE)</a:t>
+            </a:r>
+            <a:endParaRPr lang="ko-KR" altLang="en-US" sz="1400" dirty="0"/>
+          </a:p>
+        </p:txBody>
+      </p:sp>
+      <p:sp>
+        <p:nvSpPr>
+          <p:cNvPr id="21" name="TextBox 20">
+            <a:extLst>
+              <a:ext uri="{FF2B5EF4-FFF2-40B4-BE49-F238E27FC236}">
+                <a16:creationId xmlns:a16="http://schemas.microsoft.com/office/drawing/2014/main" id="{5AB35C32-A610-3931-5356-903BE156DB52}"/>
+              </a:ext>
+            </a:extLst>
+          </p:cNvPr>
+          <p:cNvSpPr txBox="1"/>
+          <p:nvPr/>
+        </p:nvSpPr>
+        <p:spPr>
+          <a:xfrm>
+            <a:off x="9215399" y="2477166"/>
+            <a:ext cx="1183342" cy="369332"/>
+          </a:xfrm>
+          <a:prstGeom prst="rect">
+            <a:avLst/>
+          </a:prstGeom>
+          <a:noFill/>
+        </p:spPr>
+        <p:txBody>
+          <a:bodyPr wrap="square">
+            <a:spAutoFit/>
+          </a:bodyPr>
+          <a:lstStyle/>
+          <a:p>
+            <a:pPr algn="ctr"/>
+            <a:r>
+              <a:rPr lang="en-US" altLang="ko-KR" dirty="0">
+                <a:solidFill>
+                  <a:schemeClr val="bg1"/>
+                </a:solidFill>
+              </a:rPr>
+              <a:t>Store</a:t>
+            </a:r>
+            <a:endParaRPr lang="ko-KR" altLang="en-US" dirty="0">
+              <a:solidFill>
+                <a:schemeClr val="bg1"/>
+              </a:solidFill>
+            </a:endParaRPr>
+          </a:p>
+        </p:txBody>
+      </p:sp>
+      <p:sp>
+        <p:nvSpPr>
+          <p:cNvPr id="22" name="직사각형 21">
+            <a:extLst>
+              <a:ext uri="{FF2B5EF4-FFF2-40B4-BE49-F238E27FC236}">
+                <a16:creationId xmlns:a16="http://schemas.microsoft.com/office/drawing/2014/main" id="{0498CB49-F214-3D0D-16F9-D11D322095AF}"/>
+              </a:ext>
+            </a:extLst>
+          </p:cNvPr>
+          <p:cNvSpPr/>
+          <p:nvPr/>
+        </p:nvSpPr>
+        <p:spPr>
+          <a:xfrm>
+            <a:off x="7801632" y="3620515"/>
+            <a:ext cx="2287407" cy="547722"/>
+          </a:xfrm>
+          <a:prstGeom prst="rect">
+            <a:avLst/>
+          </a:prstGeom>
+          <a:solidFill>
+            <a:srgbClr val="FFD966"/>
+          </a:solidFill>
+          <a:ln>
+            <a:noFill/>
+          </a:ln>
+        </p:spPr>
+        <p:style>
+          <a:lnRef idx="2">
+            <a:schemeClr val="accent1">
+              <a:shade val="50000"/>
+            </a:schemeClr>
+          </a:lnRef>
+          <a:fillRef idx="1">
+            <a:schemeClr val="accent1"/>
+          </a:fillRef>
+          <a:effectRef idx="0">
+            <a:schemeClr val="accent1"/>
+          </a:effectRef>
+          <a:fontRef idx="minor">
+            <a:schemeClr val="lt1"/>
+          </a:fontRef>
+        </p:style>
+        <p:txBody>
+          <a:bodyPr rtlCol="0" anchor="ctr"/>
+          <a:lstStyle/>
+          <a:p>
+            <a:pPr algn="ctr"/>
+            <a:endParaRPr lang="ko-KR" altLang="en-US"/>
+          </a:p>
+        </p:txBody>
+      </p:sp>
+      <p:sp>
+        <p:nvSpPr>
+          <p:cNvPr id="23" name="TextBox 22">
+            <a:extLst>
+              <a:ext uri="{FF2B5EF4-FFF2-40B4-BE49-F238E27FC236}">
+                <a16:creationId xmlns:a16="http://schemas.microsoft.com/office/drawing/2014/main" id="{29D798B6-0A12-5CE8-3D8D-7769D93AFC05}"/>
+              </a:ext>
+            </a:extLst>
+          </p:cNvPr>
+          <p:cNvSpPr txBox="1"/>
+          <p:nvPr/>
+        </p:nvSpPr>
+        <p:spPr>
+          <a:xfrm>
+            <a:off x="8398391" y="3740487"/>
+            <a:ext cx="1093887" cy="307777"/>
+          </a:xfrm>
+          <a:prstGeom prst="rect">
+            <a:avLst/>
+          </a:prstGeom>
+          <a:noFill/>
+        </p:spPr>
+        <p:txBody>
+          <a:bodyPr wrap="square">
+            <a:spAutoFit/>
+          </a:bodyPr>
+          <a:lstStyle/>
+          <a:p>
+            <a:pPr algn="ctr"/>
+            <a:r>
+              <a:rPr lang="en-US" altLang="ko-KR" sz="1400" dirty="0">
+                <a:latin typeface="Consolas" panose="020B0609020204030204" pitchFamily="49" charset="0"/>
+              </a:rPr>
+              <a:t>State</a:t>
+            </a:r>
+            <a:endParaRPr lang="ko-KR" altLang="en-US" sz="1400" dirty="0">
+              <a:latin typeface="Consolas" panose="020B0609020204030204" pitchFamily="49" charset="0"/>
+            </a:endParaRPr>
+          </a:p>
+        </p:txBody>
+      </p:sp>
+      <p:cxnSp>
+        <p:nvCxnSpPr>
+          <p:cNvPr id="24" name="연결선: 꺾임 23">
+            <a:extLst>
+              <a:ext uri="{FF2B5EF4-FFF2-40B4-BE49-F238E27FC236}">
+                <a16:creationId xmlns:a16="http://schemas.microsoft.com/office/drawing/2014/main" id="{AEB5AF41-F256-E905-1D99-A32E982ABF78}"/>
+              </a:ext>
+            </a:extLst>
+          </p:cNvPr>
+          <p:cNvCxnSpPr>
+            <a:cxnSpLocks/>
+            <a:stCxn id="7" idx="3"/>
+          </p:cNvCxnSpPr>
+          <p:nvPr/>
+        </p:nvCxnSpPr>
+        <p:spPr>
+          <a:xfrm flipH="1">
+            <a:off x="10194762" y="3183409"/>
+            <a:ext cx="1605852" cy="828915"/>
+          </a:xfrm>
+          <a:prstGeom prst="bentConnector3">
+            <a:avLst>
+              <a:gd name="adj1" fmla="val -6399"/>
+            </a:avLst>
+          </a:prstGeom>
+          <a:ln w="38100">
+            <a:solidFill>
+              <a:srgbClr val="FF0000"/>
+            </a:solidFill>
+            <a:tailEnd type="triangle"/>
+          </a:ln>
+        </p:spPr>
+        <p:style>
+          <a:lnRef idx="1">
+            <a:schemeClr val="accent1"/>
+          </a:lnRef>
+          <a:fillRef idx="0">
+            <a:schemeClr val="accent1"/>
+          </a:fillRef>
+          <a:effectRef idx="0">
+            <a:schemeClr val="accent1"/>
+          </a:effectRef>
+          <a:fontRef idx="minor">
+            <a:schemeClr val="tx1"/>
+          </a:fontRef>
+        </p:style>
+      </p:cxnSp>
+      <p:sp>
+        <p:nvSpPr>
+          <p:cNvPr id="25" name="TextBox 24">
+            <a:extLst>
+              <a:ext uri="{FF2B5EF4-FFF2-40B4-BE49-F238E27FC236}">
+                <a16:creationId xmlns:a16="http://schemas.microsoft.com/office/drawing/2014/main" id="{2B35963D-8D07-536D-96F9-4264FC8D5D73}"/>
+              </a:ext>
+            </a:extLst>
+          </p:cNvPr>
+          <p:cNvSpPr txBox="1"/>
+          <p:nvPr/>
+        </p:nvSpPr>
+        <p:spPr>
+          <a:xfrm>
+            <a:off x="9042339" y="4536405"/>
+            <a:ext cx="726141" cy="307777"/>
+          </a:xfrm>
+          <a:prstGeom prst="rect">
+            <a:avLst/>
+          </a:prstGeom>
+          <a:noFill/>
+        </p:spPr>
+        <p:txBody>
+          <a:bodyPr wrap="square">
+            <a:spAutoFit/>
+          </a:bodyPr>
+          <a:lstStyle/>
+          <a:p>
+            <a:r>
+              <a:rPr lang="en-US" altLang="ko-KR" sz="1400" b="0" dirty="0">
+                <a:effectLst/>
+                <a:latin typeface="Consolas" panose="020B0609020204030204" pitchFamily="49" charset="0"/>
+              </a:rPr>
+              <a:t>State</a:t>
+            </a:r>
+            <a:endParaRPr lang="ko-KR" altLang="en-US" sz="1400" dirty="0"/>
+          </a:p>
+        </p:txBody>
+      </p:sp>
+      <p:sp>
+        <p:nvSpPr>
+          <p:cNvPr id="26" name="구름 25">
+            <a:extLst>
+              <a:ext uri="{FF2B5EF4-FFF2-40B4-BE49-F238E27FC236}">
+                <a16:creationId xmlns:a16="http://schemas.microsoft.com/office/drawing/2014/main" id="{C9D2D27F-FBCB-E943-EDD1-66CB8A8B374E}"/>
+              </a:ext>
+            </a:extLst>
+          </p:cNvPr>
+          <p:cNvSpPr/>
+          <p:nvPr/>
+        </p:nvSpPr>
+        <p:spPr>
+          <a:xfrm>
+            <a:off x="8777194" y="579722"/>
+            <a:ext cx="1982571" cy="1021684"/>
+          </a:xfrm>
+          <a:prstGeom prst="cloud">
+            <a:avLst/>
+          </a:prstGeom>
+          <a:solidFill>
+            <a:srgbClr val="9ADCFF"/>
+          </a:solidFill>
+          <a:ln>
+            <a:noFill/>
+          </a:ln>
+        </p:spPr>
+        <p:style>
+          <a:lnRef idx="2">
+            <a:schemeClr val="accent1">
+              <a:shade val="50000"/>
+            </a:schemeClr>
+          </a:lnRef>
+          <a:fillRef idx="1">
+            <a:schemeClr val="accent1"/>
+          </a:fillRef>
+          <a:effectRef idx="0">
+            <a:schemeClr val="accent1"/>
+          </a:effectRef>
+          <a:fontRef idx="minor">
+            <a:schemeClr val="lt1"/>
+          </a:fontRef>
+        </p:style>
+        <p:txBody>
+          <a:bodyPr rtlCol="0" anchor="ctr"/>
+          <a:lstStyle/>
+          <a:p>
+            <a:pPr algn="ctr"/>
+            <a:endParaRPr lang="ko-KR" altLang="en-US"/>
+          </a:p>
+        </p:txBody>
+      </p:sp>
+      <p:sp>
+        <p:nvSpPr>
+          <p:cNvPr id="28" name="TextBox 27">
+            <a:extLst>
+              <a:ext uri="{FF2B5EF4-FFF2-40B4-BE49-F238E27FC236}">
+                <a16:creationId xmlns:a16="http://schemas.microsoft.com/office/drawing/2014/main" id="{755670F6-F371-2B81-A816-B35DAD03378C}"/>
+              </a:ext>
+            </a:extLst>
+          </p:cNvPr>
+          <p:cNvSpPr txBox="1"/>
+          <p:nvPr/>
+        </p:nvSpPr>
+        <p:spPr>
+          <a:xfrm>
+            <a:off x="9176808" y="911073"/>
+            <a:ext cx="1183342" cy="369332"/>
+          </a:xfrm>
+          <a:prstGeom prst="rect">
+            <a:avLst/>
+          </a:prstGeom>
+          <a:noFill/>
+        </p:spPr>
+        <p:txBody>
+          <a:bodyPr wrap="square">
+            <a:spAutoFit/>
+          </a:bodyPr>
+          <a:lstStyle/>
+          <a:p>
+            <a:pPr algn="ctr"/>
+            <a:r>
+              <a:rPr lang="en-US" altLang="ko-KR" dirty="0"/>
+              <a:t>Network</a:t>
+            </a:r>
+            <a:endParaRPr lang="ko-KR" altLang="en-US" dirty="0"/>
+          </a:p>
+        </p:txBody>
+      </p:sp>
+      <p:cxnSp>
+        <p:nvCxnSpPr>
+          <p:cNvPr id="30" name="직선 화살표 연결선 29">
+            <a:extLst>
+              <a:ext uri="{FF2B5EF4-FFF2-40B4-BE49-F238E27FC236}">
+                <a16:creationId xmlns:a16="http://schemas.microsoft.com/office/drawing/2014/main" id="{53A346DC-7FA8-4177-CC0D-66993604BE38}"/>
+              </a:ext>
+            </a:extLst>
+          </p:cNvPr>
+          <p:cNvCxnSpPr>
+            <a:cxnSpLocks/>
+          </p:cNvCxnSpPr>
+          <p:nvPr/>
+        </p:nvCxnSpPr>
+        <p:spPr>
+          <a:xfrm flipV="1">
+            <a:off x="9324456" y="1317072"/>
+            <a:ext cx="0" cy="1738830"/>
+          </a:xfrm>
+          <a:prstGeom prst="straightConnector1">
+            <a:avLst/>
+          </a:prstGeom>
+          <a:ln w="38100">
+            <a:solidFill>
+              <a:srgbClr val="00B050"/>
+            </a:solidFill>
+            <a:tailEnd type="triangle"/>
+          </a:ln>
+        </p:spPr>
+        <p:style>
+          <a:lnRef idx="1">
+            <a:schemeClr val="accent1"/>
+          </a:lnRef>
+          <a:fillRef idx="0">
+            <a:schemeClr val="accent1"/>
+          </a:fillRef>
+          <a:effectRef idx="0">
+            <a:schemeClr val="accent1"/>
+          </a:effectRef>
+          <a:fontRef idx="minor">
+            <a:schemeClr val="tx1"/>
+          </a:fontRef>
+        </p:style>
+      </p:cxnSp>
+      <p:cxnSp>
+        <p:nvCxnSpPr>
+          <p:cNvPr id="40" name="직선 화살표 연결선 39">
+            <a:extLst>
+              <a:ext uri="{FF2B5EF4-FFF2-40B4-BE49-F238E27FC236}">
+                <a16:creationId xmlns:a16="http://schemas.microsoft.com/office/drawing/2014/main" id="{869B76B8-FCEE-4AAC-0093-5223B2B2E2A0}"/>
+              </a:ext>
+            </a:extLst>
+          </p:cNvPr>
+          <p:cNvCxnSpPr>
+            <a:cxnSpLocks/>
+          </p:cNvCxnSpPr>
+          <p:nvPr/>
+        </p:nvCxnSpPr>
+        <p:spPr>
+          <a:xfrm>
+            <a:off x="10297579" y="1317072"/>
+            <a:ext cx="0" cy="1738830"/>
+          </a:xfrm>
+          <a:prstGeom prst="straightConnector1">
+            <a:avLst/>
+          </a:prstGeom>
+          <a:ln w="38100">
+            <a:solidFill>
+              <a:schemeClr val="accent4"/>
+            </a:solidFill>
+            <a:tailEnd type="triangle"/>
+          </a:ln>
+        </p:spPr>
+        <p:style>
+          <a:lnRef idx="1">
+            <a:schemeClr val="accent1"/>
+          </a:lnRef>
+          <a:fillRef idx="0">
+            <a:schemeClr val="accent1"/>
+          </a:fillRef>
+          <a:effectRef idx="0">
+            <a:schemeClr val="accent1"/>
+          </a:effectRef>
+          <a:fontRef idx="minor">
+            <a:schemeClr val="tx1"/>
+          </a:fontRef>
+        </p:style>
+      </p:cxnSp>
+      <p:sp>
+        <p:nvSpPr>
+          <p:cNvPr id="44" name="TextBox 43">
+            <a:extLst>
+              <a:ext uri="{FF2B5EF4-FFF2-40B4-BE49-F238E27FC236}">
+                <a16:creationId xmlns:a16="http://schemas.microsoft.com/office/drawing/2014/main" id="{015E0501-95C6-AE22-00F7-AC1C562C9686}"/>
+              </a:ext>
+            </a:extLst>
+          </p:cNvPr>
+          <p:cNvSpPr txBox="1"/>
+          <p:nvPr/>
+        </p:nvSpPr>
+        <p:spPr>
+          <a:xfrm>
+            <a:off x="8214950" y="1809994"/>
+            <a:ext cx="1008345" cy="276999"/>
+          </a:xfrm>
+          <a:prstGeom prst="rect">
+            <a:avLst/>
+          </a:prstGeom>
+          <a:noFill/>
+        </p:spPr>
+        <p:txBody>
+          <a:bodyPr wrap="square">
+            <a:spAutoFit/>
+          </a:bodyPr>
+          <a:lstStyle/>
+          <a:p>
+            <a:pPr algn="ctr"/>
+            <a:r>
+              <a:rPr lang="en-US" altLang="ko-KR" sz="1200" b="1" dirty="0">
+                <a:latin typeface="Consolas" panose="020B0609020204030204" pitchFamily="49" charset="0"/>
+              </a:rPr>
+              <a:t>Request</a:t>
+            </a:r>
+            <a:endParaRPr lang="ko-KR" altLang="en-US" sz="1200" b="1" dirty="0"/>
+          </a:p>
+        </p:txBody>
+      </p:sp>
+      <p:sp>
+        <p:nvSpPr>
+          <p:cNvPr id="45" name="TextBox 44">
+            <a:extLst>
+              <a:ext uri="{FF2B5EF4-FFF2-40B4-BE49-F238E27FC236}">
+                <a16:creationId xmlns:a16="http://schemas.microsoft.com/office/drawing/2014/main" id="{A20DEECA-53B3-D015-F90C-6DA00CF2A805}"/>
+              </a:ext>
+            </a:extLst>
+          </p:cNvPr>
+          <p:cNvSpPr txBox="1"/>
+          <p:nvPr/>
+        </p:nvSpPr>
+        <p:spPr>
+          <a:xfrm>
+            <a:off x="10398741" y="1809994"/>
+            <a:ext cx="1008345" cy="276999"/>
+          </a:xfrm>
+          <a:prstGeom prst="rect">
+            <a:avLst/>
+          </a:prstGeom>
+          <a:noFill/>
+        </p:spPr>
+        <p:txBody>
+          <a:bodyPr wrap="square">
+            <a:spAutoFit/>
+          </a:bodyPr>
+          <a:lstStyle/>
+          <a:p>
+            <a:pPr algn="ctr"/>
+            <a:r>
+              <a:rPr lang="en-US" altLang="ko-KR" sz="1200" b="1" dirty="0">
+                <a:latin typeface="Consolas" panose="020B0609020204030204" pitchFamily="49" charset="0"/>
+              </a:rPr>
+              <a:t>Response</a:t>
+            </a:r>
+            <a:endParaRPr lang="ko-KR" altLang="en-US" sz="1200" b="1" dirty="0"/>
+          </a:p>
+        </p:txBody>
+      </p:sp>
+    </p:spTree>
+    <p:extLst>
+      <p:ext uri="{BB962C8B-B14F-4D97-AF65-F5344CB8AC3E}">
+        <p14:creationId xmlns:p14="http://schemas.microsoft.com/office/powerpoint/2010/main" val="1659159478"/>
+      </p:ext>
+    </p:extLst>
+  </p:cSld>
+  <p:clrMapOvr>
+    <a:masterClrMapping/>
+  </p:clrMapOvr>
+</p:sld>
+</file>
+
+<file path=ppt/slides/slide24.xml><?xml version="1.0" encoding="utf-8"?>
+<p:sld xmlns:a="http://schemas.openxmlformats.org/drawingml/2006/main" xmlns:r="http://schemas.openxmlformats.org/officeDocument/2006/relationships" xmlns:p="http://schemas.openxmlformats.org/presentationml/2006/main">
+  <p:cSld>
+    <p:spTree>
+      <p:nvGrpSpPr>
+        <p:cNvPr id="1" name=""/>
+        <p:cNvGrpSpPr/>
+        <p:nvPr/>
+      </p:nvGrpSpPr>
+      <p:grpSpPr>
+        <a:xfrm>
+          <a:off x="0" y="0"/>
+          <a:ext cx="0" cy="0"/>
+          <a:chOff x="0" y="0"/>
+          <a:chExt cx="0" cy="0"/>
+        </a:xfrm>
+      </p:grpSpPr>
+      <p:sp>
+        <p:nvSpPr>
+          <p:cNvPr id="2" name="직사각형 1">
+            <a:extLst>
+              <a:ext uri="{FF2B5EF4-FFF2-40B4-BE49-F238E27FC236}">
+                <a16:creationId xmlns:a16="http://schemas.microsoft.com/office/drawing/2014/main" id="{ED2D55BD-C669-7DDA-F697-5AAFF8256D44}"/>
+              </a:ext>
+            </a:extLst>
+          </p:cNvPr>
+          <p:cNvSpPr/>
+          <p:nvPr/>
+        </p:nvSpPr>
+        <p:spPr>
+          <a:xfrm>
+            <a:off x="0" y="-92650"/>
+            <a:ext cx="12192000" cy="6950650"/>
+          </a:xfrm>
+          <a:prstGeom prst="rect">
+            <a:avLst/>
+          </a:prstGeom>
+          <a:solidFill>
+            <a:schemeClr val="bg1"/>
+          </a:solidFill>
+          <a:ln>
+            <a:noFill/>
+          </a:ln>
+        </p:spPr>
+        <p:style>
+          <a:lnRef idx="2">
+            <a:schemeClr val="accent1">
+              <a:shade val="50000"/>
+            </a:schemeClr>
+          </a:lnRef>
+          <a:fillRef idx="1">
+            <a:schemeClr val="accent1"/>
+          </a:fillRef>
+          <a:effectRef idx="0">
+            <a:schemeClr val="accent1"/>
+          </a:effectRef>
+          <a:fontRef idx="minor">
+            <a:schemeClr val="lt1"/>
+          </a:fontRef>
+        </p:style>
+        <p:txBody>
+          <a:bodyPr rtlCol="0" anchor="ctr"/>
+          <a:lstStyle/>
+          <a:p>
+            <a:pPr algn="ctr"/>
+            <a:endParaRPr lang="ko-KR" altLang="en-US"/>
+          </a:p>
+        </p:txBody>
+      </p:sp>
+      <p:sp>
+        <p:nvSpPr>
+          <p:cNvPr id="3" name="TextBox 2">
+            <a:extLst>
+              <a:ext uri="{FF2B5EF4-FFF2-40B4-BE49-F238E27FC236}">
+                <a16:creationId xmlns:a16="http://schemas.microsoft.com/office/drawing/2014/main" id="{2AA05B50-F361-5BF2-C5B6-D7643478F6E1}"/>
+              </a:ext>
+            </a:extLst>
+          </p:cNvPr>
+          <p:cNvSpPr txBox="1"/>
+          <p:nvPr/>
+        </p:nvSpPr>
+        <p:spPr>
+          <a:xfrm>
+            <a:off x="4386173" y="241964"/>
+            <a:ext cx="2436701" cy="461665"/>
+          </a:xfrm>
+          <a:prstGeom prst="rect">
+            <a:avLst/>
+          </a:prstGeom>
+          <a:noFill/>
+        </p:spPr>
+        <p:txBody>
+          <a:bodyPr wrap="square">
+            <a:spAutoFit/>
+          </a:bodyPr>
+          <a:lstStyle/>
+          <a:p>
+            <a:pPr algn="ctr"/>
+            <a:r>
+              <a:rPr lang="en-US" altLang="ko-KR" sz="2400" b="1" dirty="0"/>
+              <a:t>REDUX</a:t>
+            </a:r>
+            <a:r>
+              <a:rPr lang="ko-KR" altLang="en-US" sz="2400" b="1" dirty="0"/>
+              <a:t> </a:t>
+            </a:r>
+            <a:r>
+              <a:rPr lang="en-US" altLang="ko-KR" sz="2400" b="1" dirty="0"/>
+              <a:t>FLOW</a:t>
+            </a:r>
+            <a:endParaRPr lang="ko-KR" altLang="en-US" sz="2400" b="1" dirty="0"/>
+          </a:p>
+        </p:txBody>
+      </p:sp>
+      <p:sp>
+        <p:nvSpPr>
+          <p:cNvPr id="4" name="직사각형 3">
+            <a:extLst>
+              <a:ext uri="{FF2B5EF4-FFF2-40B4-BE49-F238E27FC236}">
+                <a16:creationId xmlns:a16="http://schemas.microsoft.com/office/drawing/2014/main" id="{D2FDA20E-E904-593A-CC8A-7E92D6253094}"/>
+              </a:ext>
+            </a:extLst>
+          </p:cNvPr>
+          <p:cNvSpPr/>
+          <p:nvPr/>
+        </p:nvSpPr>
+        <p:spPr>
+          <a:xfrm>
+            <a:off x="207508" y="2381217"/>
+            <a:ext cx="2287707" cy="982461"/>
+          </a:xfrm>
+          <a:prstGeom prst="rect">
+            <a:avLst/>
+          </a:prstGeom>
+          <a:solidFill>
+            <a:srgbClr val="9999FF"/>
+          </a:solidFill>
+          <a:ln>
+            <a:noFill/>
+          </a:ln>
+        </p:spPr>
+        <p:style>
+          <a:lnRef idx="2">
+            <a:schemeClr val="accent1">
+              <a:shade val="50000"/>
+            </a:schemeClr>
+          </a:lnRef>
+          <a:fillRef idx="1">
+            <a:schemeClr val="accent1"/>
+          </a:fillRef>
+          <a:effectRef idx="0">
+            <a:schemeClr val="accent1"/>
+          </a:effectRef>
+          <a:fontRef idx="minor">
+            <a:schemeClr val="lt1"/>
+          </a:fontRef>
+        </p:style>
+        <p:txBody>
+          <a:bodyPr rtlCol="0" anchor="ctr"/>
+          <a:lstStyle/>
+          <a:p>
+            <a:pPr algn="ctr"/>
+            <a:endParaRPr lang="ko-KR" altLang="en-US"/>
+          </a:p>
+        </p:txBody>
+      </p:sp>
+      <p:sp>
+        <p:nvSpPr>
+          <p:cNvPr id="5" name="TextBox 4">
+            <a:extLst>
+              <a:ext uri="{FF2B5EF4-FFF2-40B4-BE49-F238E27FC236}">
+                <a16:creationId xmlns:a16="http://schemas.microsoft.com/office/drawing/2014/main" id="{051FE837-C0C4-D354-0AEF-F8E812EE1308}"/>
+              </a:ext>
+            </a:extLst>
+          </p:cNvPr>
+          <p:cNvSpPr txBox="1"/>
+          <p:nvPr/>
+        </p:nvSpPr>
+        <p:spPr>
+          <a:xfrm>
+            <a:off x="351711" y="2477166"/>
+            <a:ext cx="1999298" cy="369332"/>
+          </a:xfrm>
+          <a:prstGeom prst="rect">
+            <a:avLst/>
+          </a:prstGeom>
+          <a:noFill/>
+        </p:spPr>
+        <p:txBody>
+          <a:bodyPr wrap="square">
+            <a:spAutoFit/>
+          </a:bodyPr>
+          <a:lstStyle/>
+          <a:p>
+            <a:pPr algn="ctr"/>
+            <a:r>
+              <a:rPr lang="en-US" altLang="ko-KR" dirty="0"/>
+              <a:t>Action Creators</a:t>
+            </a:r>
+            <a:endParaRPr lang="ko-KR" altLang="en-US" dirty="0"/>
+          </a:p>
+        </p:txBody>
+      </p:sp>
+      <p:sp>
+        <p:nvSpPr>
+          <p:cNvPr id="6" name="직사각형 5">
+            <a:extLst>
+              <a:ext uri="{FF2B5EF4-FFF2-40B4-BE49-F238E27FC236}">
+                <a16:creationId xmlns:a16="http://schemas.microsoft.com/office/drawing/2014/main" id="{4D473626-E95D-B548-DA98-8392C585A2F8}"/>
+              </a:ext>
+            </a:extLst>
+          </p:cNvPr>
+          <p:cNvSpPr/>
+          <p:nvPr/>
+        </p:nvSpPr>
+        <p:spPr>
+          <a:xfrm>
+            <a:off x="7704621" y="2389028"/>
+            <a:ext cx="4311991" cy="1917401"/>
+          </a:xfrm>
+          <a:prstGeom prst="rect">
+            <a:avLst/>
+          </a:prstGeom>
+          <a:solidFill>
+            <a:srgbClr val="2155CD"/>
+          </a:solidFill>
+          <a:ln>
+            <a:noFill/>
+          </a:ln>
+        </p:spPr>
+        <p:style>
+          <a:lnRef idx="2">
+            <a:schemeClr val="accent1">
+              <a:shade val="50000"/>
+            </a:schemeClr>
+          </a:lnRef>
+          <a:fillRef idx="1">
+            <a:schemeClr val="accent1"/>
+          </a:fillRef>
+          <a:effectRef idx="0">
+            <a:schemeClr val="accent1"/>
+          </a:effectRef>
+          <a:fontRef idx="minor">
+            <a:schemeClr val="lt1"/>
+          </a:fontRef>
+        </p:style>
+        <p:txBody>
+          <a:bodyPr rtlCol="0" anchor="ctr"/>
+          <a:lstStyle/>
+          <a:p>
+            <a:pPr algn="ctr"/>
+            <a:endParaRPr lang="ko-KR" altLang="en-US"/>
+          </a:p>
+        </p:txBody>
+      </p:sp>
+      <p:sp>
+        <p:nvSpPr>
+          <p:cNvPr id="7" name="직사각형 6">
+            <a:extLst>
+              <a:ext uri="{FF2B5EF4-FFF2-40B4-BE49-F238E27FC236}">
+                <a16:creationId xmlns:a16="http://schemas.microsoft.com/office/drawing/2014/main" id="{39481A15-B82D-5A10-14BB-AABC99F990D7}"/>
+              </a:ext>
+            </a:extLst>
+          </p:cNvPr>
+          <p:cNvSpPr/>
+          <p:nvPr/>
+        </p:nvSpPr>
+        <p:spPr>
+          <a:xfrm>
+            <a:off x="7797375" y="2883165"/>
+            <a:ext cx="4003239" cy="600487"/>
+          </a:xfrm>
+          <a:prstGeom prst="rect">
+            <a:avLst/>
+          </a:prstGeom>
+          <a:solidFill>
+            <a:srgbClr val="79DAE8"/>
+          </a:solidFill>
+          <a:ln>
+            <a:noFill/>
+          </a:ln>
+        </p:spPr>
+        <p:style>
+          <a:lnRef idx="2">
+            <a:schemeClr val="accent1">
+              <a:shade val="50000"/>
+            </a:schemeClr>
+          </a:lnRef>
+          <a:fillRef idx="1">
+            <a:schemeClr val="accent1"/>
+          </a:fillRef>
+          <a:effectRef idx="0">
+            <a:schemeClr val="accent1"/>
+          </a:effectRef>
+          <a:fontRef idx="minor">
+            <a:schemeClr val="lt1"/>
+          </a:fontRef>
+        </p:style>
+        <p:txBody>
+          <a:bodyPr rtlCol="0" anchor="ctr"/>
+          <a:lstStyle/>
+          <a:p>
+            <a:pPr algn="ctr"/>
+            <a:endParaRPr lang="ko-KR" altLang="en-US" dirty="0"/>
+          </a:p>
+        </p:txBody>
+      </p:sp>
+      <p:sp>
+        <p:nvSpPr>
+          <p:cNvPr id="8" name="TextBox 7">
+            <a:extLst>
+              <a:ext uri="{FF2B5EF4-FFF2-40B4-BE49-F238E27FC236}">
+                <a16:creationId xmlns:a16="http://schemas.microsoft.com/office/drawing/2014/main" id="{623DEF71-DB60-B4F0-3621-92921EE0F3F1}"/>
+              </a:ext>
+            </a:extLst>
+          </p:cNvPr>
+          <p:cNvSpPr txBox="1"/>
+          <p:nvPr/>
+        </p:nvSpPr>
+        <p:spPr>
+          <a:xfrm>
+            <a:off x="7855415" y="3055902"/>
+            <a:ext cx="3945199" cy="307777"/>
+          </a:xfrm>
+          <a:prstGeom prst="rect">
+            <a:avLst/>
+          </a:prstGeom>
+          <a:noFill/>
+        </p:spPr>
+        <p:txBody>
+          <a:bodyPr wrap="square">
+            <a:spAutoFit/>
+          </a:bodyPr>
+          <a:lstStyle/>
+          <a:p>
+            <a:r>
+              <a:rPr lang="en-US" altLang="ko-KR" sz="1400" dirty="0">
+                <a:latin typeface="Consolas" panose="020B0609020204030204" pitchFamily="49" charset="0"/>
+              </a:rPr>
+              <a:t>Reducer(</a:t>
+            </a:r>
+            <a:r>
+              <a:rPr lang="en-US" altLang="ko-KR" sz="1400" b="0" dirty="0">
+                <a:effectLst/>
+                <a:latin typeface="Consolas" panose="020B0609020204030204" pitchFamily="49" charset="0"/>
+              </a:rPr>
+              <a:t>state = Initial State, action)</a:t>
+            </a:r>
+          </a:p>
+        </p:txBody>
+      </p:sp>
+      <p:sp>
+        <p:nvSpPr>
+          <p:cNvPr id="9" name="직사각형 8">
+            <a:extLst>
+              <a:ext uri="{FF2B5EF4-FFF2-40B4-BE49-F238E27FC236}">
+                <a16:creationId xmlns:a16="http://schemas.microsoft.com/office/drawing/2014/main" id="{BAE172DE-CE9A-935C-38FD-FDEE23FA1D43}"/>
+              </a:ext>
+            </a:extLst>
+          </p:cNvPr>
+          <p:cNvSpPr/>
+          <p:nvPr/>
+        </p:nvSpPr>
+        <p:spPr>
+          <a:xfrm>
+            <a:off x="7704621" y="5104540"/>
+            <a:ext cx="2387042" cy="1016110"/>
+          </a:xfrm>
+          <a:prstGeom prst="rect">
+            <a:avLst/>
+          </a:prstGeom>
+          <a:solidFill>
+            <a:srgbClr val="0AA1DD"/>
+          </a:solidFill>
+          <a:ln>
+            <a:noFill/>
+          </a:ln>
+        </p:spPr>
+        <p:style>
+          <a:lnRef idx="2">
+            <a:schemeClr val="accent1">
+              <a:shade val="50000"/>
+            </a:schemeClr>
+          </a:lnRef>
+          <a:fillRef idx="1">
+            <a:schemeClr val="accent1"/>
+          </a:fillRef>
+          <a:effectRef idx="0">
+            <a:schemeClr val="accent1"/>
+          </a:effectRef>
+          <a:fontRef idx="minor">
+            <a:schemeClr val="lt1"/>
+          </a:fontRef>
+        </p:style>
+        <p:txBody>
+          <a:bodyPr rtlCol="0" anchor="ctr"/>
+          <a:lstStyle/>
+          <a:p>
+            <a:pPr algn="ctr"/>
+            <a:endParaRPr lang="ko-KR" altLang="en-US"/>
+          </a:p>
+        </p:txBody>
+      </p:sp>
+      <p:sp>
+        <p:nvSpPr>
+          <p:cNvPr id="10" name="TextBox 9">
+            <a:extLst>
+              <a:ext uri="{FF2B5EF4-FFF2-40B4-BE49-F238E27FC236}">
+                <a16:creationId xmlns:a16="http://schemas.microsoft.com/office/drawing/2014/main" id="{A750AA20-A573-8881-C610-77D529868035}"/>
+              </a:ext>
+            </a:extLst>
+          </p:cNvPr>
+          <p:cNvSpPr txBox="1"/>
+          <p:nvPr/>
+        </p:nvSpPr>
+        <p:spPr>
+          <a:xfrm>
+            <a:off x="8301173" y="5226388"/>
+            <a:ext cx="1293567" cy="369332"/>
+          </a:xfrm>
+          <a:prstGeom prst="rect">
+            <a:avLst/>
+          </a:prstGeom>
+          <a:noFill/>
+        </p:spPr>
+        <p:txBody>
+          <a:bodyPr wrap="square">
+            <a:spAutoFit/>
+          </a:bodyPr>
+          <a:lstStyle/>
+          <a:p>
+            <a:pPr algn="ctr"/>
+            <a:r>
+              <a:rPr lang="en-US" altLang="ko-KR" dirty="0">
+                <a:solidFill>
+                  <a:schemeClr val="bg1"/>
+                </a:solidFill>
+              </a:rPr>
+              <a:t>View</a:t>
+            </a:r>
+            <a:endParaRPr lang="ko-KR" altLang="en-US" dirty="0">
+              <a:solidFill>
+                <a:schemeClr val="bg1"/>
+              </a:solidFill>
+            </a:endParaRPr>
+          </a:p>
+        </p:txBody>
+      </p:sp>
+      <p:sp>
+        <p:nvSpPr>
+          <p:cNvPr id="11" name="TextBox 10">
+            <a:extLst>
+              <a:ext uri="{FF2B5EF4-FFF2-40B4-BE49-F238E27FC236}">
+                <a16:creationId xmlns:a16="http://schemas.microsoft.com/office/drawing/2014/main" id="{4726F5F4-CD49-CA50-CB84-F8BFFD0E4BD6}"/>
+              </a:ext>
+            </a:extLst>
+          </p:cNvPr>
+          <p:cNvSpPr txBox="1"/>
+          <p:nvPr/>
+        </p:nvSpPr>
+        <p:spPr>
+          <a:xfrm>
+            <a:off x="7767673" y="5647959"/>
+            <a:ext cx="2260938" cy="338554"/>
+          </a:xfrm>
+          <a:prstGeom prst="rect">
+            <a:avLst/>
+          </a:prstGeom>
+          <a:noFill/>
+        </p:spPr>
+        <p:txBody>
+          <a:bodyPr wrap="square">
+            <a:spAutoFit/>
+          </a:bodyPr>
+          <a:lstStyle/>
+          <a:p>
+            <a:pPr algn="ctr"/>
+            <a:r>
+              <a:rPr lang="en-US" altLang="ko-KR" sz="1600" dirty="0">
+                <a:solidFill>
+                  <a:schemeClr val="bg1"/>
+                </a:solidFill>
+              </a:rPr>
+              <a:t>React Components</a:t>
+            </a:r>
+            <a:endParaRPr lang="ko-KR" altLang="en-US" sz="1600" dirty="0">
+              <a:solidFill>
+                <a:schemeClr val="bg1"/>
+              </a:solidFill>
+            </a:endParaRPr>
+          </a:p>
+        </p:txBody>
+      </p:sp>
+      <p:cxnSp>
+        <p:nvCxnSpPr>
+          <p:cNvPr id="12" name="직선 화살표 연결선 11">
+            <a:extLst>
+              <a:ext uri="{FF2B5EF4-FFF2-40B4-BE49-F238E27FC236}">
+                <a16:creationId xmlns:a16="http://schemas.microsoft.com/office/drawing/2014/main" id="{F8DF1785-EFB6-C148-A138-4EB215A59D0E}"/>
+              </a:ext>
+            </a:extLst>
+          </p:cNvPr>
+          <p:cNvCxnSpPr>
+            <a:cxnSpLocks/>
+          </p:cNvCxnSpPr>
+          <p:nvPr/>
+        </p:nvCxnSpPr>
+        <p:spPr>
+          <a:xfrm>
+            <a:off x="2662428" y="3005572"/>
+            <a:ext cx="857572" cy="0"/>
+          </a:xfrm>
+          <a:prstGeom prst="straightConnector1">
+            <a:avLst/>
+          </a:prstGeom>
+          <a:ln w="38100">
+            <a:solidFill>
+              <a:srgbClr val="FF0000"/>
+            </a:solidFill>
+            <a:tailEnd type="triangle"/>
+          </a:ln>
+        </p:spPr>
+        <p:style>
+          <a:lnRef idx="1">
+            <a:schemeClr val="accent1"/>
+          </a:lnRef>
+          <a:fillRef idx="0">
+            <a:schemeClr val="accent1"/>
+          </a:fillRef>
+          <a:effectRef idx="0">
+            <a:schemeClr val="accent1"/>
+          </a:effectRef>
+          <a:fontRef idx="minor">
+            <a:schemeClr val="tx1"/>
+          </a:fontRef>
+        </p:style>
+      </p:cxnSp>
+      <p:sp>
+        <p:nvSpPr>
+          <p:cNvPr id="13" name="TextBox 12">
+            <a:extLst>
+              <a:ext uri="{FF2B5EF4-FFF2-40B4-BE49-F238E27FC236}">
+                <a16:creationId xmlns:a16="http://schemas.microsoft.com/office/drawing/2014/main" id="{7F0C55F1-0087-A8AC-6073-52C2C6586AD0}"/>
+              </a:ext>
+            </a:extLst>
+          </p:cNvPr>
+          <p:cNvSpPr txBox="1"/>
+          <p:nvPr/>
+        </p:nvSpPr>
+        <p:spPr>
+          <a:xfrm>
+            <a:off x="3520000" y="5194211"/>
+            <a:ext cx="2092912" cy="338554"/>
+          </a:xfrm>
+          <a:prstGeom prst="rect">
+            <a:avLst/>
+          </a:prstGeom>
+          <a:noFill/>
+        </p:spPr>
+        <p:txBody>
+          <a:bodyPr wrap="square">
+            <a:spAutoFit/>
+          </a:bodyPr>
+          <a:lstStyle/>
+          <a:p>
+            <a:pPr algn="ctr"/>
+            <a:r>
+              <a:rPr lang="en-US" altLang="ko-KR" sz="1600" dirty="0">
+                <a:latin typeface="Consolas" panose="020B0609020204030204" pitchFamily="49" charset="0"/>
+              </a:rPr>
+              <a:t>Ayn Event</a:t>
+            </a:r>
+            <a:endParaRPr lang="ko-KR" altLang="en-US" sz="1600" dirty="0">
+              <a:latin typeface="Consolas" panose="020B0609020204030204" pitchFamily="49" charset="0"/>
+            </a:endParaRPr>
+          </a:p>
+        </p:txBody>
+      </p:sp>
+      <p:sp>
+        <p:nvSpPr>
+          <p:cNvPr id="14" name="TextBox 13">
+            <a:extLst>
+              <a:ext uri="{FF2B5EF4-FFF2-40B4-BE49-F238E27FC236}">
+                <a16:creationId xmlns:a16="http://schemas.microsoft.com/office/drawing/2014/main" id="{2ECF2F4C-4AD9-E954-06DC-F6DFE5C9EDEF}"/>
+              </a:ext>
+            </a:extLst>
+          </p:cNvPr>
+          <p:cNvSpPr txBox="1"/>
+          <p:nvPr/>
+        </p:nvSpPr>
+        <p:spPr>
+          <a:xfrm>
+            <a:off x="2572511" y="2564670"/>
+            <a:ext cx="1077018" cy="307777"/>
+          </a:xfrm>
+          <a:prstGeom prst="rect">
+            <a:avLst/>
+          </a:prstGeom>
+          <a:noFill/>
+        </p:spPr>
+        <p:txBody>
+          <a:bodyPr wrap="square">
+            <a:spAutoFit/>
+          </a:bodyPr>
+          <a:lstStyle/>
+          <a:p>
+            <a:r>
+              <a:rPr lang="en-US" altLang="ko-KR" sz="1400" dirty="0">
+                <a:latin typeface="Consolas" panose="020B0609020204030204" pitchFamily="49" charset="0"/>
+              </a:rPr>
+              <a:t>dispatch</a:t>
+            </a:r>
+            <a:endParaRPr lang="ko-KR" altLang="en-US" sz="1400" dirty="0">
+              <a:latin typeface="Consolas" panose="020B0609020204030204" pitchFamily="49" charset="0"/>
+            </a:endParaRPr>
+          </a:p>
+        </p:txBody>
+      </p:sp>
+      <p:cxnSp>
+        <p:nvCxnSpPr>
+          <p:cNvPr id="15" name="연결선: 꺾임 14">
+            <a:extLst>
+              <a:ext uri="{FF2B5EF4-FFF2-40B4-BE49-F238E27FC236}">
+                <a16:creationId xmlns:a16="http://schemas.microsoft.com/office/drawing/2014/main" id="{3241F8D1-7933-9DBB-8CC8-ADA15C501E33}"/>
+              </a:ext>
+            </a:extLst>
+          </p:cNvPr>
+          <p:cNvCxnSpPr>
+            <a:cxnSpLocks/>
+          </p:cNvCxnSpPr>
+          <p:nvPr/>
+        </p:nvCxnSpPr>
+        <p:spPr>
+          <a:xfrm rot="10800000">
+            <a:off x="7599666" y="3279480"/>
+            <a:ext cx="12700" cy="677011"/>
+          </a:xfrm>
+          <a:prstGeom prst="bentConnector3">
+            <a:avLst>
+              <a:gd name="adj1" fmla="val 14428811"/>
+            </a:avLst>
+          </a:prstGeom>
+          <a:ln w="38100">
+            <a:solidFill>
+              <a:srgbClr val="FF0000"/>
+            </a:solidFill>
+            <a:tailEnd type="triangle"/>
+          </a:ln>
+        </p:spPr>
+        <p:style>
+          <a:lnRef idx="1">
+            <a:schemeClr val="accent1"/>
+          </a:lnRef>
+          <a:fillRef idx="0">
+            <a:schemeClr val="accent1"/>
+          </a:fillRef>
+          <a:effectRef idx="0">
+            <a:schemeClr val="accent1"/>
+          </a:effectRef>
+          <a:fontRef idx="minor">
+            <a:schemeClr val="tx1"/>
+          </a:fontRef>
+        </p:style>
+      </p:cxnSp>
+      <p:sp>
+        <p:nvSpPr>
+          <p:cNvPr id="16" name="TextBox 15">
+            <a:extLst>
+              <a:ext uri="{FF2B5EF4-FFF2-40B4-BE49-F238E27FC236}">
+                <a16:creationId xmlns:a16="http://schemas.microsoft.com/office/drawing/2014/main" id="{F4AB6FC7-9E2E-3276-3D95-AC2CA8CFBEBD}"/>
+              </a:ext>
+            </a:extLst>
+          </p:cNvPr>
+          <p:cNvSpPr txBox="1"/>
+          <p:nvPr/>
+        </p:nvSpPr>
+        <p:spPr>
+          <a:xfrm>
+            <a:off x="5827852" y="3455449"/>
+            <a:ext cx="1652382" cy="338554"/>
+          </a:xfrm>
+          <a:prstGeom prst="rect">
+            <a:avLst/>
+          </a:prstGeom>
+          <a:noFill/>
+        </p:spPr>
+        <p:txBody>
+          <a:bodyPr wrap="square">
+            <a:spAutoFit/>
+          </a:bodyPr>
+          <a:lstStyle/>
+          <a:p>
+            <a:r>
+              <a:rPr lang="en-US" altLang="ko-KR" sz="1600" dirty="0">
+                <a:latin typeface="Consolas" panose="020B0609020204030204" pitchFamily="49" charset="0"/>
+              </a:rPr>
+              <a:t>Current </a:t>
+            </a:r>
+            <a:r>
+              <a:rPr lang="en-US" altLang="ko-KR" sz="1600" b="0" dirty="0">
+                <a:effectLst/>
+                <a:latin typeface="Consolas" panose="020B0609020204030204" pitchFamily="49" charset="0"/>
+              </a:rPr>
+              <a:t>State</a:t>
+            </a:r>
+          </a:p>
+        </p:txBody>
+      </p:sp>
+      <p:cxnSp>
+        <p:nvCxnSpPr>
+          <p:cNvPr id="17" name="직선 화살표 연결선 16">
+            <a:extLst>
+              <a:ext uri="{FF2B5EF4-FFF2-40B4-BE49-F238E27FC236}">
+                <a16:creationId xmlns:a16="http://schemas.microsoft.com/office/drawing/2014/main" id="{521900A1-642F-078B-35F5-F8C04078531C}"/>
+              </a:ext>
+            </a:extLst>
+          </p:cNvPr>
+          <p:cNvCxnSpPr>
+            <a:cxnSpLocks/>
+          </p:cNvCxnSpPr>
+          <p:nvPr/>
+        </p:nvCxnSpPr>
+        <p:spPr>
+          <a:xfrm flipH="1">
+            <a:off x="8945264" y="4394092"/>
+            <a:ext cx="2121" cy="658209"/>
+          </a:xfrm>
+          <a:prstGeom prst="straightConnector1">
+            <a:avLst/>
+          </a:prstGeom>
+          <a:ln w="38100">
+            <a:solidFill>
+              <a:srgbClr val="FF0000"/>
+            </a:solidFill>
+            <a:tailEnd type="triangle"/>
+          </a:ln>
+        </p:spPr>
+        <p:style>
+          <a:lnRef idx="1">
+            <a:schemeClr val="accent1"/>
+          </a:lnRef>
+          <a:fillRef idx="0">
+            <a:schemeClr val="accent1"/>
+          </a:fillRef>
+          <a:effectRef idx="0">
+            <a:schemeClr val="accent1"/>
+          </a:effectRef>
+          <a:fontRef idx="minor">
+            <a:schemeClr val="tx1"/>
+          </a:fontRef>
+        </p:style>
+      </p:cxnSp>
+      <p:cxnSp>
+        <p:nvCxnSpPr>
+          <p:cNvPr id="18" name="연결선: 꺾임 17">
+            <a:extLst>
+              <a:ext uri="{FF2B5EF4-FFF2-40B4-BE49-F238E27FC236}">
+                <a16:creationId xmlns:a16="http://schemas.microsoft.com/office/drawing/2014/main" id="{1A2838E8-59C9-5646-82E3-9B5CCA2ED655}"/>
+              </a:ext>
+            </a:extLst>
+          </p:cNvPr>
+          <p:cNvCxnSpPr>
+            <a:cxnSpLocks/>
+          </p:cNvCxnSpPr>
+          <p:nvPr/>
+        </p:nvCxnSpPr>
+        <p:spPr>
+          <a:xfrm rot="10800000">
+            <a:off x="1351361" y="3365847"/>
+            <a:ext cx="6353259" cy="2248917"/>
+          </a:xfrm>
+          <a:prstGeom prst="bentConnector2">
+            <a:avLst/>
+          </a:prstGeom>
+          <a:ln w="38100">
+            <a:solidFill>
+              <a:srgbClr val="FF0000"/>
+            </a:solidFill>
+            <a:tailEnd type="triangle"/>
+          </a:ln>
+        </p:spPr>
+        <p:style>
+          <a:lnRef idx="1">
+            <a:schemeClr val="accent1"/>
+          </a:lnRef>
+          <a:fillRef idx="0">
+            <a:schemeClr val="accent1"/>
+          </a:fillRef>
+          <a:effectRef idx="0">
+            <a:schemeClr val="accent1"/>
+          </a:effectRef>
+          <a:fontRef idx="minor">
+            <a:schemeClr val="tx1"/>
+          </a:fontRef>
+        </p:style>
+      </p:cxnSp>
+      <p:sp>
+        <p:nvSpPr>
+          <p:cNvPr id="19" name="TextBox 18">
+            <a:extLst>
+              <a:ext uri="{FF2B5EF4-FFF2-40B4-BE49-F238E27FC236}">
+                <a16:creationId xmlns:a16="http://schemas.microsoft.com/office/drawing/2014/main" id="{5AB07C05-0621-F8EB-EBF9-93021545FEE2}"/>
+              </a:ext>
+            </a:extLst>
+          </p:cNvPr>
+          <p:cNvSpPr txBox="1"/>
+          <p:nvPr/>
+        </p:nvSpPr>
+        <p:spPr>
+          <a:xfrm>
+            <a:off x="10181294" y="3624726"/>
+            <a:ext cx="1605852" cy="307777"/>
+          </a:xfrm>
+          <a:prstGeom prst="rect">
+            <a:avLst/>
+          </a:prstGeom>
+          <a:noFill/>
+        </p:spPr>
+        <p:txBody>
+          <a:bodyPr wrap="square">
+            <a:spAutoFit/>
+          </a:bodyPr>
+          <a:lstStyle/>
+          <a:p>
+            <a:r>
+              <a:rPr lang="en-US" altLang="ko-KR" sz="1400" dirty="0">
+                <a:solidFill>
+                  <a:schemeClr val="bg1"/>
+                </a:solidFill>
+                <a:latin typeface="Consolas" panose="020B0609020204030204" pitchFamily="49" charset="0"/>
+              </a:rPr>
+              <a:t>New State</a:t>
+            </a:r>
+            <a:endParaRPr lang="en-US" altLang="ko-KR" sz="1400" b="0" dirty="0">
+              <a:solidFill>
+                <a:schemeClr val="bg1"/>
+              </a:solidFill>
+              <a:effectLst/>
+              <a:latin typeface="Consolas" panose="020B0609020204030204" pitchFamily="49" charset="0"/>
+            </a:endParaRPr>
+          </a:p>
+        </p:txBody>
+      </p:sp>
+      <p:sp>
+        <p:nvSpPr>
+          <p:cNvPr id="20" name="TextBox 19">
+            <a:extLst>
+              <a:ext uri="{FF2B5EF4-FFF2-40B4-BE49-F238E27FC236}">
+                <a16:creationId xmlns:a16="http://schemas.microsoft.com/office/drawing/2014/main" id="{A05E0C3B-5002-8B56-61FB-63C98F647754}"/>
+              </a:ext>
+            </a:extLst>
+          </p:cNvPr>
+          <p:cNvSpPr txBox="1"/>
+          <p:nvPr/>
+        </p:nvSpPr>
+        <p:spPr>
+          <a:xfrm>
+            <a:off x="318516" y="2851684"/>
+            <a:ext cx="2065689" cy="307777"/>
+          </a:xfrm>
+          <a:prstGeom prst="rect">
+            <a:avLst/>
+          </a:prstGeom>
+          <a:noFill/>
+        </p:spPr>
+        <p:txBody>
+          <a:bodyPr wrap="square">
+            <a:spAutoFit/>
+          </a:bodyPr>
+          <a:lstStyle/>
+          <a:p>
+            <a:pPr algn="ctr"/>
+            <a:r>
+              <a:rPr lang="en-US" altLang="ko-KR" sz="1400" dirty="0">
+                <a:latin typeface="Consolas" panose="020B0609020204030204" pitchFamily="49" charset="0"/>
+              </a:rPr>
+              <a:t>(ANY_ACTION_TYPE)</a:t>
+            </a:r>
+            <a:endParaRPr lang="ko-KR" altLang="en-US" sz="1400" dirty="0"/>
+          </a:p>
+        </p:txBody>
+      </p:sp>
+      <p:sp>
+        <p:nvSpPr>
+          <p:cNvPr id="21" name="TextBox 20">
+            <a:extLst>
+              <a:ext uri="{FF2B5EF4-FFF2-40B4-BE49-F238E27FC236}">
+                <a16:creationId xmlns:a16="http://schemas.microsoft.com/office/drawing/2014/main" id="{5AB35C32-A610-3931-5356-903BE156DB52}"/>
+              </a:ext>
+            </a:extLst>
+          </p:cNvPr>
+          <p:cNvSpPr txBox="1"/>
+          <p:nvPr/>
+        </p:nvSpPr>
+        <p:spPr>
+          <a:xfrm>
+            <a:off x="9215399" y="2477166"/>
+            <a:ext cx="1183342" cy="369332"/>
+          </a:xfrm>
+          <a:prstGeom prst="rect">
+            <a:avLst/>
+          </a:prstGeom>
+          <a:noFill/>
+        </p:spPr>
+        <p:txBody>
+          <a:bodyPr wrap="square">
+            <a:spAutoFit/>
+          </a:bodyPr>
+          <a:lstStyle/>
+          <a:p>
+            <a:pPr algn="ctr"/>
+            <a:r>
+              <a:rPr lang="en-US" altLang="ko-KR" dirty="0">
+                <a:solidFill>
+                  <a:schemeClr val="bg1"/>
+                </a:solidFill>
+              </a:rPr>
+              <a:t>Store</a:t>
+            </a:r>
+            <a:endParaRPr lang="ko-KR" altLang="en-US" dirty="0">
+              <a:solidFill>
+                <a:schemeClr val="bg1"/>
+              </a:solidFill>
+            </a:endParaRPr>
+          </a:p>
+        </p:txBody>
+      </p:sp>
+      <p:sp>
+        <p:nvSpPr>
+          <p:cNvPr id="22" name="직사각형 21">
+            <a:extLst>
+              <a:ext uri="{FF2B5EF4-FFF2-40B4-BE49-F238E27FC236}">
+                <a16:creationId xmlns:a16="http://schemas.microsoft.com/office/drawing/2014/main" id="{0498CB49-F214-3D0D-16F9-D11D322095AF}"/>
+              </a:ext>
+            </a:extLst>
+          </p:cNvPr>
+          <p:cNvSpPr/>
+          <p:nvPr/>
+        </p:nvSpPr>
+        <p:spPr>
+          <a:xfrm>
+            <a:off x="7801632" y="3620515"/>
+            <a:ext cx="2287407" cy="547722"/>
+          </a:xfrm>
+          <a:prstGeom prst="rect">
+            <a:avLst/>
+          </a:prstGeom>
+          <a:solidFill>
+            <a:srgbClr val="FFD966"/>
+          </a:solidFill>
+          <a:ln>
+            <a:noFill/>
+          </a:ln>
+        </p:spPr>
+        <p:style>
+          <a:lnRef idx="2">
+            <a:schemeClr val="accent1">
+              <a:shade val="50000"/>
+            </a:schemeClr>
+          </a:lnRef>
+          <a:fillRef idx="1">
+            <a:schemeClr val="accent1"/>
+          </a:fillRef>
+          <a:effectRef idx="0">
+            <a:schemeClr val="accent1"/>
+          </a:effectRef>
+          <a:fontRef idx="minor">
+            <a:schemeClr val="lt1"/>
+          </a:fontRef>
+        </p:style>
+        <p:txBody>
+          <a:bodyPr rtlCol="0" anchor="ctr"/>
+          <a:lstStyle/>
+          <a:p>
+            <a:pPr algn="ctr"/>
+            <a:endParaRPr lang="ko-KR" altLang="en-US"/>
+          </a:p>
+        </p:txBody>
+      </p:sp>
+      <p:sp>
+        <p:nvSpPr>
+          <p:cNvPr id="23" name="TextBox 22">
+            <a:extLst>
+              <a:ext uri="{FF2B5EF4-FFF2-40B4-BE49-F238E27FC236}">
+                <a16:creationId xmlns:a16="http://schemas.microsoft.com/office/drawing/2014/main" id="{29D798B6-0A12-5CE8-3D8D-7769D93AFC05}"/>
+              </a:ext>
+            </a:extLst>
+          </p:cNvPr>
+          <p:cNvSpPr txBox="1"/>
+          <p:nvPr/>
+        </p:nvSpPr>
+        <p:spPr>
+          <a:xfrm>
+            <a:off x="8398391" y="3740487"/>
+            <a:ext cx="1093887" cy="307777"/>
+          </a:xfrm>
+          <a:prstGeom prst="rect">
+            <a:avLst/>
+          </a:prstGeom>
+          <a:noFill/>
+        </p:spPr>
+        <p:txBody>
+          <a:bodyPr wrap="square">
+            <a:spAutoFit/>
+          </a:bodyPr>
+          <a:lstStyle/>
+          <a:p>
+            <a:pPr algn="ctr"/>
+            <a:r>
+              <a:rPr lang="en-US" altLang="ko-KR" sz="1400" dirty="0">
+                <a:latin typeface="Consolas" panose="020B0609020204030204" pitchFamily="49" charset="0"/>
+              </a:rPr>
+              <a:t>State</a:t>
+            </a:r>
+            <a:endParaRPr lang="ko-KR" altLang="en-US" sz="1400" dirty="0">
+              <a:latin typeface="Consolas" panose="020B0609020204030204" pitchFamily="49" charset="0"/>
+            </a:endParaRPr>
+          </a:p>
+        </p:txBody>
+      </p:sp>
+      <p:cxnSp>
+        <p:nvCxnSpPr>
+          <p:cNvPr id="24" name="연결선: 꺾임 23">
+            <a:extLst>
+              <a:ext uri="{FF2B5EF4-FFF2-40B4-BE49-F238E27FC236}">
+                <a16:creationId xmlns:a16="http://schemas.microsoft.com/office/drawing/2014/main" id="{AEB5AF41-F256-E905-1D99-A32E982ABF78}"/>
+              </a:ext>
+            </a:extLst>
+          </p:cNvPr>
+          <p:cNvCxnSpPr>
+            <a:cxnSpLocks/>
+            <a:stCxn id="7" idx="3"/>
+          </p:cNvCxnSpPr>
+          <p:nvPr/>
+        </p:nvCxnSpPr>
+        <p:spPr>
+          <a:xfrm flipH="1">
+            <a:off x="10194762" y="3183409"/>
+            <a:ext cx="1605852" cy="828915"/>
+          </a:xfrm>
+          <a:prstGeom prst="bentConnector3">
+            <a:avLst>
+              <a:gd name="adj1" fmla="val -6399"/>
+            </a:avLst>
+          </a:prstGeom>
+          <a:ln w="38100">
+            <a:solidFill>
+              <a:srgbClr val="FF0000"/>
+            </a:solidFill>
+            <a:tailEnd type="triangle"/>
+          </a:ln>
+        </p:spPr>
+        <p:style>
+          <a:lnRef idx="1">
+            <a:schemeClr val="accent1"/>
+          </a:lnRef>
+          <a:fillRef idx="0">
+            <a:schemeClr val="accent1"/>
+          </a:fillRef>
+          <a:effectRef idx="0">
+            <a:schemeClr val="accent1"/>
+          </a:effectRef>
+          <a:fontRef idx="minor">
+            <a:schemeClr val="tx1"/>
+          </a:fontRef>
+        </p:style>
+      </p:cxnSp>
+      <p:sp>
+        <p:nvSpPr>
+          <p:cNvPr id="25" name="TextBox 24">
+            <a:extLst>
+              <a:ext uri="{FF2B5EF4-FFF2-40B4-BE49-F238E27FC236}">
+                <a16:creationId xmlns:a16="http://schemas.microsoft.com/office/drawing/2014/main" id="{2B35963D-8D07-536D-96F9-4264FC8D5D73}"/>
+              </a:ext>
+            </a:extLst>
+          </p:cNvPr>
+          <p:cNvSpPr txBox="1"/>
+          <p:nvPr/>
+        </p:nvSpPr>
+        <p:spPr>
+          <a:xfrm>
+            <a:off x="9042339" y="4536405"/>
+            <a:ext cx="726141" cy="307777"/>
+          </a:xfrm>
+          <a:prstGeom prst="rect">
+            <a:avLst/>
+          </a:prstGeom>
+          <a:noFill/>
+        </p:spPr>
+        <p:txBody>
+          <a:bodyPr wrap="square">
+            <a:spAutoFit/>
+          </a:bodyPr>
+          <a:lstStyle/>
+          <a:p>
+            <a:r>
+              <a:rPr lang="en-US" altLang="ko-KR" sz="1400" b="0" dirty="0">
+                <a:effectLst/>
+                <a:latin typeface="Consolas" panose="020B0609020204030204" pitchFamily="49" charset="0"/>
+              </a:rPr>
+              <a:t>State</a:t>
+            </a:r>
+            <a:endParaRPr lang="ko-KR" altLang="en-US" sz="1400" dirty="0"/>
+          </a:p>
+        </p:txBody>
+      </p:sp>
+      <p:sp>
+        <p:nvSpPr>
+          <p:cNvPr id="33" name="직사각형 32">
+            <a:extLst>
+              <a:ext uri="{FF2B5EF4-FFF2-40B4-BE49-F238E27FC236}">
+                <a16:creationId xmlns:a16="http://schemas.microsoft.com/office/drawing/2014/main" id="{7731CC35-2E61-41A4-1462-6526C9A4A61C}"/>
+              </a:ext>
+            </a:extLst>
+          </p:cNvPr>
+          <p:cNvSpPr/>
+          <p:nvPr/>
+        </p:nvSpPr>
+        <p:spPr>
+          <a:xfrm>
+            <a:off x="3816742" y="2381217"/>
+            <a:ext cx="1725651" cy="982460"/>
+          </a:xfrm>
+          <a:prstGeom prst="rect">
+            <a:avLst/>
+          </a:prstGeom>
+          <a:solidFill>
+            <a:schemeClr val="accent5">
+              <a:lumMod val="60000"/>
+              <a:lumOff val="40000"/>
+            </a:schemeClr>
+          </a:solidFill>
+          <a:ln>
+            <a:noFill/>
+          </a:ln>
+        </p:spPr>
+        <p:style>
+          <a:lnRef idx="2">
+            <a:schemeClr val="accent1">
+              <a:shade val="50000"/>
+            </a:schemeClr>
+          </a:lnRef>
+          <a:fillRef idx="1">
+            <a:schemeClr val="accent1"/>
+          </a:fillRef>
+          <a:effectRef idx="0">
+            <a:schemeClr val="accent1"/>
+          </a:effectRef>
+          <a:fontRef idx="minor">
+            <a:schemeClr val="lt1"/>
+          </a:fontRef>
+        </p:style>
+        <p:txBody>
+          <a:bodyPr rtlCol="0" anchor="ctr"/>
+          <a:lstStyle/>
+          <a:p>
+            <a:pPr algn="ctr"/>
+            <a:endParaRPr lang="ko-KR" altLang="en-US"/>
+          </a:p>
+        </p:txBody>
+      </p:sp>
+      <p:cxnSp>
+        <p:nvCxnSpPr>
+          <p:cNvPr id="36" name="직선 화살표 연결선 35">
+            <a:extLst>
+              <a:ext uri="{FF2B5EF4-FFF2-40B4-BE49-F238E27FC236}">
+                <a16:creationId xmlns:a16="http://schemas.microsoft.com/office/drawing/2014/main" id="{75699DEC-17F1-3F84-FE0C-F81AC99BF799}"/>
+              </a:ext>
+            </a:extLst>
+          </p:cNvPr>
+          <p:cNvCxnSpPr>
+            <a:cxnSpLocks/>
+          </p:cNvCxnSpPr>
+          <p:nvPr/>
+        </p:nvCxnSpPr>
+        <p:spPr>
+          <a:xfrm>
+            <a:off x="5604523" y="3005572"/>
+            <a:ext cx="2390185" cy="0"/>
+          </a:xfrm>
+          <a:prstGeom prst="straightConnector1">
+            <a:avLst/>
+          </a:prstGeom>
+          <a:ln w="38100">
+            <a:solidFill>
+              <a:srgbClr val="FF0000"/>
+            </a:solidFill>
+            <a:tailEnd type="triangle"/>
+          </a:ln>
+        </p:spPr>
+        <p:style>
+          <a:lnRef idx="1">
+            <a:schemeClr val="accent1"/>
+          </a:lnRef>
+          <a:fillRef idx="0">
+            <a:schemeClr val="accent1"/>
+          </a:fillRef>
+          <a:effectRef idx="0">
+            <a:schemeClr val="accent1"/>
+          </a:effectRef>
+          <a:fontRef idx="minor">
+            <a:schemeClr val="tx1"/>
+          </a:fontRef>
+        </p:style>
+      </p:cxnSp>
+      <p:sp>
+        <p:nvSpPr>
+          <p:cNvPr id="43" name="TextBox 42">
+            <a:extLst>
+              <a:ext uri="{FF2B5EF4-FFF2-40B4-BE49-F238E27FC236}">
+                <a16:creationId xmlns:a16="http://schemas.microsoft.com/office/drawing/2014/main" id="{68163D51-6636-70D0-C77D-25B8281E9E13}"/>
+              </a:ext>
+            </a:extLst>
+          </p:cNvPr>
+          <p:cNvSpPr txBox="1"/>
+          <p:nvPr/>
+        </p:nvSpPr>
+        <p:spPr>
+          <a:xfrm>
+            <a:off x="3815340" y="2697527"/>
+            <a:ext cx="1725650" cy="338554"/>
+          </a:xfrm>
+          <a:prstGeom prst="rect">
+            <a:avLst/>
+          </a:prstGeom>
+          <a:noFill/>
+        </p:spPr>
+        <p:txBody>
+          <a:bodyPr wrap="square">
+            <a:spAutoFit/>
+          </a:bodyPr>
+          <a:lstStyle/>
+          <a:p>
+            <a:pPr algn="ctr"/>
+            <a:r>
+              <a:rPr lang="en-US" altLang="ko-KR" sz="1600" dirty="0"/>
+              <a:t>Middleware</a:t>
+            </a:r>
+            <a:endParaRPr lang="ko-KR" altLang="en-US" sz="1600" dirty="0"/>
+          </a:p>
+        </p:txBody>
+      </p:sp>
+      <p:sp>
+        <p:nvSpPr>
+          <p:cNvPr id="26" name="구름 25">
+            <a:extLst>
+              <a:ext uri="{FF2B5EF4-FFF2-40B4-BE49-F238E27FC236}">
+                <a16:creationId xmlns:a16="http://schemas.microsoft.com/office/drawing/2014/main" id="{C9D2D27F-FBCB-E943-EDD1-66CB8A8B374E}"/>
+              </a:ext>
+            </a:extLst>
+          </p:cNvPr>
+          <p:cNvSpPr/>
+          <p:nvPr/>
+        </p:nvSpPr>
+        <p:spPr>
+          <a:xfrm>
+            <a:off x="3733663" y="977799"/>
+            <a:ext cx="1982571" cy="1021684"/>
+          </a:xfrm>
+          <a:prstGeom prst="cloud">
+            <a:avLst/>
+          </a:prstGeom>
+          <a:solidFill>
+            <a:srgbClr val="9ADCFF"/>
+          </a:solidFill>
+          <a:ln>
+            <a:noFill/>
+          </a:ln>
+        </p:spPr>
+        <p:style>
+          <a:lnRef idx="2">
+            <a:schemeClr val="accent1">
+              <a:shade val="50000"/>
+            </a:schemeClr>
+          </a:lnRef>
+          <a:fillRef idx="1">
+            <a:schemeClr val="accent1"/>
+          </a:fillRef>
+          <a:effectRef idx="0">
+            <a:schemeClr val="accent1"/>
+          </a:effectRef>
+          <a:fontRef idx="minor">
+            <a:schemeClr val="lt1"/>
+          </a:fontRef>
+        </p:style>
+        <p:txBody>
+          <a:bodyPr rtlCol="0" anchor="ctr"/>
+          <a:lstStyle/>
+          <a:p>
+            <a:pPr algn="ctr"/>
+            <a:endParaRPr lang="ko-KR" altLang="en-US"/>
+          </a:p>
+        </p:txBody>
+      </p:sp>
+      <p:cxnSp>
+        <p:nvCxnSpPr>
+          <p:cNvPr id="30" name="직선 화살표 연결선 29">
+            <a:extLst>
+              <a:ext uri="{FF2B5EF4-FFF2-40B4-BE49-F238E27FC236}">
+                <a16:creationId xmlns:a16="http://schemas.microsoft.com/office/drawing/2014/main" id="{53A346DC-7FA8-4177-CC0D-66993604BE38}"/>
+              </a:ext>
+            </a:extLst>
+          </p:cNvPr>
+          <p:cNvCxnSpPr>
+            <a:cxnSpLocks/>
+          </p:cNvCxnSpPr>
+          <p:nvPr/>
+        </p:nvCxnSpPr>
+        <p:spPr>
+          <a:xfrm flipV="1">
+            <a:off x="4160633" y="1677289"/>
+            <a:ext cx="0" cy="887381"/>
+          </a:xfrm>
+          <a:prstGeom prst="straightConnector1">
+            <a:avLst/>
+          </a:prstGeom>
+          <a:ln w="38100">
+            <a:solidFill>
+              <a:srgbClr val="00B050"/>
+            </a:solidFill>
+            <a:tailEnd type="triangle"/>
+          </a:ln>
+        </p:spPr>
+        <p:style>
+          <a:lnRef idx="1">
+            <a:schemeClr val="accent1"/>
+          </a:lnRef>
+          <a:fillRef idx="0">
+            <a:schemeClr val="accent1"/>
+          </a:fillRef>
+          <a:effectRef idx="0">
+            <a:schemeClr val="accent1"/>
+          </a:effectRef>
+          <a:fontRef idx="minor">
+            <a:schemeClr val="tx1"/>
+          </a:fontRef>
+        </p:style>
+      </p:cxnSp>
+      <p:cxnSp>
+        <p:nvCxnSpPr>
+          <p:cNvPr id="40" name="직선 화살표 연결선 39">
+            <a:extLst>
+              <a:ext uri="{FF2B5EF4-FFF2-40B4-BE49-F238E27FC236}">
+                <a16:creationId xmlns:a16="http://schemas.microsoft.com/office/drawing/2014/main" id="{869B76B8-FCEE-4AAC-0093-5223B2B2E2A0}"/>
+              </a:ext>
+            </a:extLst>
+          </p:cNvPr>
+          <p:cNvCxnSpPr>
+            <a:cxnSpLocks/>
+          </p:cNvCxnSpPr>
+          <p:nvPr/>
+        </p:nvCxnSpPr>
+        <p:spPr>
+          <a:xfrm>
+            <a:off x="5230629" y="1677289"/>
+            <a:ext cx="0" cy="887381"/>
+          </a:xfrm>
+          <a:prstGeom prst="straightConnector1">
+            <a:avLst/>
+          </a:prstGeom>
+          <a:ln w="38100">
+            <a:solidFill>
+              <a:schemeClr val="accent4"/>
+            </a:solidFill>
+            <a:tailEnd type="triangle"/>
+          </a:ln>
+        </p:spPr>
+        <p:style>
+          <a:lnRef idx="1">
+            <a:schemeClr val="accent1"/>
+          </a:lnRef>
+          <a:fillRef idx="0">
+            <a:schemeClr val="accent1"/>
+          </a:fillRef>
+          <a:effectRef idx="0">
+            <a:schemeClr val="accent1"/>
+          </a:effectRef>
+          <a:fontRef idx="minor">
+            <a:schemeClr val="tx1"/>
+          </a:fontRef>
+        </p:style>
+      </p:cxnSp>
+      <p:sp>
+        <p:nvSpPr>
+          <p:cNvPr id="44" name="TextBox 43">
+            <a:extLst>
+              <a:ext uri="{FF2B5EF4-FFF2-40B4-BE49-F238E27FC236}">
+                <a16:creationId xmlns:a16="http://schemas.microsoft.com/office/drawing/2014/main" id="{015E0501-95C6-AE22-00F7-AC1C562C9686}"/>
+              </a:ext>
+            </a:extLst>
+          </p:cNvPr>
+          <p:cNvSpPr txBox="1"/>
+          <p:nvPr/>
+        </p:nvSpPr>
+        <p:spPr>
+          <a:xfrm>
+            <a:off x="3150904" y="1986034"/>
+            <a:ext cx="1008345" cy="276999"/>
+          </a:xfrm>
+          <a:prstGeom prst="rect">
+            <a:avLst/>
+          </a:prstGeom>
+          <a:noFill/>
+        </p:spPr>
+        <p:txBody>
+          <a:bodyPr wrap="square">
+            <a:spAutoFit/>
+          </a:bodyPr>
+          <a:lstStyle/>
+          <a:p>
+            <a:pPr algn="ctr"/>
+            <a:r>
+              <a:rPr lang="en-US" altLang="ko-KR" sz="1200" b="1" dirty="0">
+                <a:latin typeface="Consolas" panose="020B0609020204030204" pitchFamily="49" charset="0"/>
+              </a:rPr>
+              <a:t>Request</a:t>
+            </a:r>
+            <a:endParaRPr lang="ko-KR" altLang="en-US" sz="1200" b="1" dirty="0"/>
+          </a:p>
+        </p:txBody>
+      </p:sp>
+      <p:sp>
+        <p:nvSpPr>
+          <p:cNvPr id="45" name="TextBox 44">
+            <a:extLst>
+              <a:ext uri="{FF2B5EF4-FFF2-40B4-BE49-F238E27FC236}">
+                <a16:creationId xmlns:a16="http://schemas.microsoft.com/office/drawing/2014/main" id="{A20DEECA-53B3-D015-F90C-6DA00CF2A805}"/>
+              </a:ext>
+            </a:extLst>
+          </p:cNvPr>
+          <p:cNvSpPr txBox="1"/>
+          <p:nvPr/>
+        </p:nvSpPr>
+        <p:spPr>
+          <a:xfrm>
+            <a:off x="5231732" y="2001653"/>
+            <a:ext cx="1008345" cy="276999"/>
+          </a:xfrm>
+          <a:prstGeom prst="rect">
+            <a:avLst/>
+          </a:prstGeom>
+          <a:noFill/>
+        </p:spPr>
+        <p:txBody>
+          <a:bodyPr wrap="square">
+            <a:spAutoFit/>
+          </a:bodyPr>
+          <a:lstStyle/>
+          <a:p>
+            <a:pPr algn="ctr"/>
+            <a:r>
+              <a:rPr lang="en-US" altLang="ko-KR" sz="1200" b="1" dirty="0">
+                <a:latin typeface="Consolas" panose="020B0609020204030204" pitchFamily="49" charset="0"/>
+              </a:rPr>
+              <a:t>Response</a:t>
+            </a:r>
+            <a:endParaRPr lang="ko-KR" altLang="en-US" sz="1200" b="1" dirty="0"/>
+          </a:p>
+        </p:txBody>
+      </p:sp>
+      <p:sp>
+        <p:nvSpPr>
+          <p:cNvPr id="28" name="TextBox 27">
+            <a:extLst>
+              <a:ext uri="{FF2B5EF4-FFF2-40B4-BE49-F238E27FC236}">
+                <a16:creationId xmlns:a16="http://schemas.microsoft.com/office/drawing/2014/main" id="{755670F6-F371-2B81-A816-B35DAD03378C}"/>
+              </a:ext>
+            </a:extLst>
+          </p:cNvPr>
+          <p:cNvSpPr txBox="1"/>
+          <p:nvPr/>
+        </p:nvSpPr>
+        <p:spPr>
+          <a:xfrm>
+            <a:off x="4086494" y="1310872"/>
+            <a:ext cx="1183342" cy="338554"/>
+          </a:xfrm>
+          <a:prstGeom prst="rect">
+            <a:avLst/>
+          </a:prstGeom>
+          <a:noFill/>
+        </p:spPr>
+        <p:txBody>
+          <a:bodyPr wrap="square">
+            <a:spAutoFit/>
+          </a:bodyPr>
+          <a:lstStyle/>
+          <a:p>
+            <a:pPr algn="ctr"/>
+            <a:r>
+              <a:rPr lang="en-US" altLang="ko-KR" sz="1600" dirty="0"/>
+              <a:t>Network</a:t>
+            </a:r>
+            <a:endParaRPr lang="ko-KR" altLang="en-US" sz="1600" dirty="0"/>
+          </a:p>
+        </p:txBody>
+      </p:sp>
+    </p:spTree>
+    <p:extLst>
+      <p:ext uri="{BB962C8B-B14F-4D97-AF65-F5344CB8AC3E}">
+        <p14:creationId xmlns:p14="http://schemas.microsoft.com/office/powerpoint/2010/main" val="3297696192"/>
       </p:ext>
     </p:extLst>
   </p:cSld>

--- a/Image/Diagram/Canvas.pptx
+++ b/Image/Diagram/Canvas.pptx
@@ -5,10 +5,10 @@
     <p:sldMasterId id="2147483648" r:id="rId1"/>
   </p:sldMasterIdLst>
   <p:notesMasterIdLst>
-    <p:notesMasterId r:id="rId26"/>
+    <p:notesMasterId r:id="rId27"/>
   </p:notesMasterIdLst>
   <p:handoutMasterIdLst>
-    <p:handoutMasterId r:id="rId27"/>
+    <p:handoutMasterId r:id="rId28"/>
   </p:handoutMasterIdLst>
   <p:sldIdLst>
     <p:sldId id="278" r:id="rId2"/>
@@ -30,11 +30,12 @@
     <p:sldId id="273" r:id="rId18"/>
     <p:sldId id="272" r:id="rId19"/>
     <p:sldId id="274" r:id="rId20"/>
-    <p:sldId id="277" r:id="rId21"/>
-    <p:sldId id="275" r:id="rId22"/>
-    <p:sldId id="276" r:id="rId23"/>
-    <p:sldId id="279" r:id="rId24"/>
-    <p:sldId id="280" r:id="rId25"/>
+    <p:sldId id="281" r:id="rId21"/>
+    <p:sldId id="277" r:id="rId22"/>
+    <p:sldId id="275" r:id="rId23"/>
+    <p:sldId id="276" r:id="rId24"/>
+    <p:sldId id="279" r:id="rId25"/>
+    <p:sldId id="280" r:id="rId26"/>
   </p:sldIdLst>
   <p:sldSz cx="12192000" cy="6858000"/>
   <p:notesSz cx="6858000" cy="9144000"/>
@@ -238,7 +239,7 @@
           <a:p>
             <a:fld id="{29F43AEA-EBFF-4648-88A2-B3AE8909EBED}" type="datetimeFigureOut">
               <a:rPr lang="ko-KR" altLang="en-US" smtClean="0"/>
-              <a:t>2022-09-02</a:t>
+              <a:t>2022-09-05</a:t>
             </a:fld>
             <a:endParaRPr lang="ko-KR" altLang="en-US"/>
           </a:p>
@@ -415,7 +416,7 @@
           <a:p>
             <a:fld id="{D4F45FAA-3284-44C8-A10C-F89E7A7A9D0D}" type="datetimeFigureOut">
               <a:rPr lang="ko-KR" altLang="en-US" smtClean="0"/>
-              <a:t>2022-09-02</a:t>
+              <a:t>2022-09-05</a:t>
             </a:fld>
             <a:endParaRPr lang="ko-KR" altLang="en-US"/>
           </a:p>
@@ -811,7 +812,7 @@
           <a:p>
             <a:fld id="{B5FEAD0D-239A-466E-9319-07628EC22FD2}" type="datetimeFigureOut">
               <a:rPr lang="ko-KR" altLang="en-US" smtClean="0"/>
-              <a:t>2022-09-02</a:t>
+              <a:t>2022-09-05</a:t>
             </a:fld>
             <a:endParaRPr lang="ko-KR" altLang="en-US"/>
           </a:p>
@@ -979,7 +980,7 @@
           <a:p>
             <a:fld id="{B5FEAD0D-239A-466E-9319-07628EC22FD2}" type="datetimeFigureOut">
               <a:rPr lang="ko-KR" altLang="en-US" smtClean="0"/>
-              <a:t>2022-09-02</a:t>
+              <a:t>2022-09-05</a:t>
             </a:fld>
             <a:endParaRPr lang="ko-KR" altLang="en-US"/>
           </a:p>
@@ -1157,7 +1158,7 @@
           <a:p>
             <a:fld id="{B5FEAD0D-239A-466E-9319-07628EC22FD2}" type="datetimeFigureOut">
               <a:rPr lang="ko-KR" altLang="en-US" smtClean="0"/>
-              <a:t>2022-09-02</a:t>
+              <a:t>2022-09-05</a:t>
             </a:fld>
             <a:endParaRPr lang="ko-KR" altLang="en-US"/>
           </a:p>
@@ -1252,7 +1253,7 @@
           <a:p>
             <a:fld id="{B5FEAD0D-239A-466E-9319-07628EC22FD2}" type="datetimeFigureOut">
               <a:rPr lang="ko-KR" altLang="en-US" smtClean="0"/>
-              <a:t>2022-09-02</a:t>
+              <a:t>2022-09-05</a:t>
             </a:fld>
             <a:endParaRPr lang="ko-KR" altLang="en-US"/>
           </a:p>
@@ -1497,7 +1498,7 @@
           <a:p>
             <a:fld id="{B5FEAD0D-239A-466E-9319-07628EC22FD2}" type="datetimeFigureOut">
               <a:rPr lang="ko-KR" altLang="en-US" smtClean="0"/>
-              <a:t>2022-09-02</a:t>
+              <a:t>2022-09-05</a:t>
             </a:fld>
             <a:endParaRPr lang="ko-KR" altLang="en-US"/>
           </a:p>
@@ -1726,7 +1727,7 @@
           <a:p>
             <a:fld id="{B5FEAD0D-239A-466E-9319-07628EC22FD2}" type="datetimeFigureOut">
               <a:rPr lang="ko-KR" altLang="en-US" smtClean="0"/>
-              <a:t>2022-09-02</a:t>
+              <a:t>2022-09-05</a:t>
             </a:fld>
             <a:endParaRPr lang="ko-KR" altLang="en-US"/>
           </a:p>
@@ -2090,7 +2091,7 @@
           <a:p>
             <a:fld id="{B5FEAD0D-239A-466E-9319-07628EC22FD2}" type="datetimeFigureOut">
               <a:rPr lang="ko-KR" altLang="en-US" smtClean="0"/>
-              <a:t>2022-09-02</a:t>
+              <a:t>2022-09-05</a:t>
             </a:fld>
             <a:endParaRPr lang="ko-KR" altLang="en-US"/>
           </a:p>
@@ -2207,7 +2208,7 @@
           <a:p>
             <a:fld id="{B5FEAD0D-239A-466E-9319-07628EC22FD2}" type="datetimeFigureOut">
               <a:rPr lang="ko-KR" altLang="en-US" smtClean="0"/>
-              <a:t>2022-09-02</a:t>
+              <a:t>2022-09-05</a:t>
             </a:fld>
             <a:endParaRPr lang="ko-KR" altLang="en-US"/>
           </a:p>
@@ -2302,7 +2303,7 @@
           <a:p>
             <a:fld id="{B5FEAD0D-239A-466E-9319-07628EC22FD2}" type="datetimeFigureOut">
               <a:rPr lang="ko-KR" altLang="en-US" smtClean="0"/>
-              <a:t>2022-09-02</a:t>
+              <a:t>2022-09-05</a:t>
             </a:fld>
             <a:endParaRPr lang="ko-KR" altLang="en-US"/>
           </a:p>
@@ -2577,7 +2578,7 @@
           <a:p>
             <a:fld id="{B5FEAD0D-239A-466E-9319-07628EC22FD2}" type="datetimeFigureOut">
               <a:rPr lang="ko-KR" altLang="en-US" smtClean="0"/>
-              <a:t>2022-09-02</a:t>
+              <a:t>2022-09-05</a:t>
             </a:fld>
             <a:endParaRPr lang="ko-KR" altLang="en-US"/>
           </a:p>
@@ -2829,7 +2830,7 @@
           <a:p>
             <a:fld id="{B5FEAD0D-239A-466E-9319-07628EC22FD2}" type="datetimeFigureOut">
               <a:rPr lang="ko-KR" altLang="en-US" smtClean="0"/>
-              <a:t>2022-09-02</a:t>
+              <a:t>2022-09-05</a:t>
             </a:fld>
             <a:endParaRPr lang="ko-KR" altLang="en-US"/>
           </a:p>
@@ -3040,7 +3041,7 @@
           <a:p>
             <a:fld id="{B5FEAD0D-239A-466E-9319-07628EC22FD2}" type="datetimeFigureOut">
               <a:rPr lang="ko-KR" altLang="en-US" smtClean="0"/>
-              <a:t>2022-09-02</a:t>
+              <a:t>2022-09-05</a:t>
             </a:fld>
             <a:endParaRPr lang="ko-KR" altLang="en-US"/>
           </a:p>
@@ -16631,6 +16632,644 @@
           <a:chExt cx="0" cy="0"/>
         </a:xfrm>
       </p:grpSpPr>
+      <p:sp>
+        <p:nvSpPr>
+          <p:cNvPr id="3" name="직사각형 2">
+            <a:extLst>
+              <a:ext uri="{FF2B5EF4-FFF2-40B4-BE49-F238E27FC236}">
+                <a16:creationId xmlns:a16="http://schemas.microsoft.com/office/drawing/2014/main" id="{397FE327-ADB8-E051-D09E-D391131DFAF1}"/>
+              </a:ext>
+            </a:extLst>
+          </p:cNvPr>
+          <p:cNvSpPr/>
+          <p:nvPr/>
+        </p:nvSpPr>
+        <p:spPr>
+          <a:xfrm>
+            <a:off x="690283" y="860612"/>
+            <a:ext cx="4165882" cy="1039906"/>
+          </a:xfrm>
+          <a:prstGeom prst="rect">
+            <a:avLst/>
+          </a:prstGeom>
+          <a:solidFill>
+            <a:srgbClr val="0070C0"/>
+          </a:solidFill>
+          <a:ln>
+            <a:solidFill>
+              <a:schemeClr val="accent1"/>
+            </a:solidFill>
+          </a:ln>
+        </p:spPr>
+        <p:style>
+          <a:lnRef idx="2">
+            <a:schemeClr val="accent1">
+              <a:shade val="50000"/>
+            </a:schemeClr>
+          </a:lnRef>
+          <a:fillRef idx="1">
+            <a:schemeClr val="accent1"/>
+          </a:fillRef>
+          <a:effectRef idx="0">
+            <a:schemeClr val="accent1"/>
+          </a:effectRef>
+          <a:fontRef idx="minor">
+            <a:schemeClr val="lt1"/>
+          </a:fontRef>
+        </p:style>
+        <p:txBody>
+          <a:bodyPr rtlCol="0" anchor="ctr"/>
+          <a:lstStyle/>
+          <a:p>
+            <a:pPr algn="ctr"/>
+            <a:endParaRPr lang="ko-KR" altLang="en-US"/>
+          </a:p>
+        </p:txBody>
+      </p:sp>
+      <p:sp>
+        <p:nvSpPr>
+          <p:cNvPr id="5" name="TextBox 4">
+            <a:extLst>
+              <a:ext uri="{FF2B5EF4-FFF2-40B4-BE49-F238E27FC236}">
+                <a16:creationId xmlns:a16="http://schemas.microsoft.com/office/drawing/2014/main" id="{F3ED8D10-0F60-0304-EE4E-D4B057760059}"/>
+              </a:ext>
+            </a:extLst>
+          </p:cNvPr>
+          <p:cNvSpPr txBox="1"/>
+          <p:nvPr/>
+        </p:nvSpPr>
+        <p:spPr>
+          <a:xfrm>
+            <a:off x="981635" y="1088177"/>
+            <a:ext cx="3110753" cy="584775"/>
+          </a:xfrm>
+          <a:prstGeom prst="rect">
+            <a:avLst/>
+          </a:prstGeom>
+          <a:noFill/>
+        </p:spPr>
+        <p:txBody>
+          <a:bodyPr wrap="square" rtlCol="0">
+            <a:spAutoFit/>
+          </a:bodyPr>
+          <a:lstStyle/>
+          <a:p>
+            <a:r>
+              <a:rPr lang="en-US" altLang="ko-KR" b="1" dirty="0">
+                <a:solidFill>
+                  <a:schemeClr val="bg1"/>
+                </a:solidFill>
+              </a:rPr>
+              <a:t>Views</a:t>
+            </a:r>
+            <a:br>
+              <a:rPr lang="en-US" altLang="ko-KR" dirty="0">
+                <a:solidFill>
+                  <a:schemeClr val="bg1"/>
+                </a:solidFill>
+              </a:rPr>
+            </a:br>
+            <a:r>
+              <a:rPr lang="en-US" altLang="ko-KR" sz="1400" dirty="0">
+                <a:solidFill>
+                  <a:schemeClr val="bg1"/>
+                </a:solidFill>
+              </a:rPr>
+              <a:t>XAML(Window, User Control)</a:t>
+            </a:r>
+            <a:endParaRPr lang="ko-KR" altLang="en-US" sz="1400" dirty="0">
+              <a:solidFill>
+                <a:schemeClr val="bg1"/>
+              </a:solidFill>
+            </a:endParaRPr>
+          </a:p>
+        </p:txBody>
+      </p:sp>
+      <p:sp>
+        <p:nvSpPr>
+          <p:cNvPr id="7" name="직사각형 6">
+            <a:extLst>
+              <a:ext uri="{FF2B5EF4-FFF2-40B4-BE49-F238E27FC236}">
+                <a16:creationId xmlns:a16="http://schemas.microsoft.com/office/drawing/2014/main" id="{F2766095-9E7D-50AD-8818-B54145147ED5}"/>
+              </a:ext>
+            </a:extLst>
+          </p:cNvPr>
+          <p:cNvSpPr/>
+          <p:nvPr/>
+        </p:nvSpPr>
+        <p:spPr>
+          <a:xfrm>
+            <a:off x="690283" y="2817625"/>
+            <a:ext cx="4165882" cy="1039906"/>
+          </a:xfrm>
+          <a:prstGeom prst="rect">
+            <a:avLst/>
+          </a:prstGeom>
+          <a:solidFill>
+            <a:srgbClr val="0070C0"/>
+          </a:solidFill>
+          <a:ln>
+            <a:solidFill>
+              <a:schemeClr val="accent1"/>
+            </a:solidFill>
+          </a:ln>
+        </p:spPr>
+        <p:style>
+          <a:lnRef idx="2">
+            <a:schemeClr val="accent1">
+              <a:shade val="50000"/>
+            </a:schemeClr>
+          </a:lnRef>
+          <a:fillRef idx="1">
+            <a:schemeClr val="accent1"/>
+          </a:fillRef>
+          <a:effectRef idx="0">
+            <a:schemeClr val="accent1"/>
+          </a:effectRef>
+          <a:fontRef idx="minor">
+            <a:schemeClr val="lt1"/>
+          </a:fontRef>
+        </p:style>
+        <p:txBody>
+          <a:bodyPr rtlCol="0" anchor="ctr"/>
+          <a:lstStyle/>
+          <a:p>
+            <a:pPr algn="ctr"/>
+            <a:endParaRPr lang="ko-KR" altLang="en-US"/>
+          </a:p>
+        </p:txBody>
+      </p:sp>
+      <p:sp>
+        <p:nvSpPr>
+          <p:cNvPr id="9" name="TextBox 8">
+            <a:extLst>
+              <a:ext uri="{FF2B5EF4-FFF2-40B4-BE49-F238E27FC236}">
+                <a16:creationId xmlns:a16="http://schemas.microsoft.com/office/drawing/2014/main" id="{122500C0-273B-394C-1CDD-8C7C09280C76}"/>
+              </a:ext>
+            </a:extLst>
+          </p:cNvPr>
+          <p:cNvSpPr txBox="1"/>
+          <p:nvPr/>
+        </p:nvSpPr>
+        <p:spPr>
+          <a:xfrm>
+            <a:off x="981635" y="3045190"/>
+            <a:ext cx="3285565" cy="584775"/>
+          </a:xfrm>
+          <a:prstGeom prst="rect">
+            <a:avLst/>
+          </a:prstGeom>
+          <a:noFill/>
+        </p:spPr>
+        <p:txBody>
+          <a:bodyPr wrap="square" rtlCol="0">
+            <a:spAutoFit/>
+          </a:bodyPr>
+          <a:lstStyle/>
+          <a:p>
+            <a:r>
+              <a:rPr lang="en-US" altLang="ko-KR" b="1" dirty="0">
+                <a:solidFill>
+                  <a:schemeClr val="bg1"/>
+                </a:solidFill>
+              </a:rPr>
+              <a:t>View Models</a:t>
+            </a:r>
+            <a:br>
+              <a:rPr lang="en-US" altLang="ko-KR" dirty="0">
+                <a:solidFill>
+                  <a:schemeClr val="bg1"/>
+                </a:solidFill>
+              </a:rPr>
+            </a:br>
+            <a:r>
+              <a:rPr lang="en-US" altLang="ko-KR" sz="1400" dirty="0">
+                <a:solidFill>
+                  <a:schemeClr val="bg1"/>
+                </a:solidFill>
+              </a:rPr>
+              <a:t>Binding, ICommands, DataTemplates</a:t>
+            </a:r>
+            <a:endParaRPr lang="ko-KR" altLang="en-US" sz="1400" dirty="0">
+              <a:solidFill>
+                <a:schemeClr val="bg1"/>
+              </a:solidFill>
+            </a:endParaRPr>
+          </a:p>
+        </p:txBody>
+      </p:sp>
+      <p:sp>
+        <p:nvSpPr>
+          <p:cNvPr id="11" name="직사각형 10">
+            <a:extLst>
+              <a:ext uri="{FF2B5EF4-FFF2-40B4-BE49-F238E27FC236}">
+                <a16:creationId xmlns:a16="http://schemas.microsoft.com/office/drawing/2014/main" id="{E264C8B0-00B2-F41B-33EC-BA978BC91A02}"/>
+              </a:ext>
+            </a:extLst>
+          </p:cNvPr>
+          <p:cNvSpPr/>
+          <p:nvPr/>
+        </p:nvSpPr>
+        <p:spPr>
+          <a:xfrm>
+            <a:off x="693646" y="4774638"/>
+            <a:ext cx="1640540" cy="1039906"/>
+          </a:xfrm>
+          <a:prstGeom prst="rect">
+            <a:avLst/>
+          </a:prstGeom>
+          <a:solidFill>
+            <a:srgbClr val="0070C0"/>
+          </a:solidFill>
+          <a:ln>
+            <a:solidFill>
+              <a:schemeClr val="accent1"/>
+            </a:solidFill>
+          </a:ln>
+        </p:spPr>
+        <p:style>
+          <a:lnRef idx="2">
+            <a:schemeClr val="accent1">
+              <a:shade val="50000"/>
+            </a:schemeClr>
+          </a:lnRef>
+          <a:fillRef idx="1">
+            <a:schemeClr val="accent1"/>
+          </a:fillRef>
+          <a:effectRef idx="0">
+            <a:schemeClr val="accent1"/>
+          </a:effectRef>
+          <a:fontRef idx="minor">
+            <a:schemeClr val="lt1"/>
+          </a:fontRef>
+        </p:style>
+        <p:txBody>
+          <a:bodyPr rtlCol="0" anchor="ctr"/>
+          <a:lstStyle/>
+          <a:p>
+            <a:pPr algn="ctr"/>
+            <a:endParaRPr lang="ko-KR" altLang="en-US"/>
+          </a:p>
+        </p:txBody>
+      </p:sp>
+      <p:sp>
+        <p:nvSpPr>
+          <p:cNvPr id="13" name="TextBox 12">
+            <a:extLst>
+              <a:ext uri="{FF2B5EF4-FFF2-40B4-BE49-F238E27FC236}">
+                <a16:creationId xmlns:a16="http://schemas.microsoft.com/office/drawing/2014/main" id="{A1E8A5FA-295B-C854-6AF8-49303ACD3329}"/>
+              </a:ext>
+            </a:extLst>
+          </p:cNvPr>
+          <p:cNvSpPr txBox="1"/>
+          <p:nvPr/>
+        </p:nvSpPr>
+        <p:spPr>
+          <a:xfrm>
+            <a:off x="1088652" y="5002203"/>
+            <a:ext cx="1062318" cy="584775"/>
+          </a:xfrm>
+          <a:prstGeom prst="rect">
+            <a:avLst/>
+          </a:prstGeom>
+          <a:noFill/>
+        </p:spPr>
+        <p:txBody>
+          <a:bodyPr wrap="square" rtlCol="0">
+            <a:spAutoFit/>
+          </a:bodyPr>
+          <a:lstStyle/>
+          <a:p>
+            <a:r>
+              <a:rPr lang="en-US" altLang="ko-KR" b="1" dirty="0">
+                <a:solidFill>
+                  <a:schemeClr val="bg1"/>
+                </a:solidFill>
+              </a:rPr>
+              <a:t>Model</a:t>
+            </a:r>
+            <a:br>
+              <a:rPr lang="en-US" altLang="ko-KR" dirty="0">
+                <a:solidFill>
+                  <a:schemeClr val="bg1"/>
+                </a:solidFill>
+              </a:rPr>
+            </a:br>
+            <a:r>
+              <a:rPr lang="en-US" altLang="ko-KR" sz="1400" dirty="0">
+                <a:solidFill>
+                  <a:schemeClr val="bg1"/>
+                </a:solidFill>
+              </a:rPr>
+              <a:t>Entities</a:t>
+            </a:r>
+            <a:endParaRPr lang="ko-KR" altLang="en-US" sz="1400" dirty="0">
+              <a:solidFill>
+                <a:schemeClr val="bg1"/>
+              </a:solidFill>
+            </a:endParaRPr>
+          </a:p>
+        </p:txBody>
+      </p:sp>
+      <p:sp>
+        <p:nvSpPr>
+          <p:cNvPr id="15" name="직사각형 14">
+            <a:extLst>
+              <a:ext uri="{FF2B5EF4-FFF2-40B4-BE49-F238E27FC236}">
+                <a16:creationId xmlns:a16="http://schemas.microsoft.com/office/drawing/2014/main" id="{77E2EE75-FF22-24B8-3116-C3FEA7C89ED1}"/>
+              </a:ext>
+            </a:extLst>
+          </p:cNvPr>
+          <p:cNvSpPr/>
+          <p:nvPr/>
+        </p:nvSpPr>
+        <p:spPr>
+          <a:xfrm>
+            <a:off x="3215625" y="4774638"/>
+            <a:ext cx="1640540" cy="1039906"/>
+          </a:xfrm>
+          <a:prstGeom prst="rect">
+            <a:avLst/>
+          </a:prstGeom>
+          <a:solidFill>
+            <a:srgbClr val="0070C0"/>
+          </a:solidFill>
+          <a:ln>
+            <a:solidFill>
+              <a:schemeClr val="accent1"/>
+            </a:solidFill>
+          </a:ln>
+        </p:spPr>
+        <p:style>
+          <a:lnRef idx="2">
+            <a:schemeClr val="accent1">
+              <a:shade val="50000"/>
+            </a:schemeClr>
+          </a:lnRef>
+          <a:fillRef idx="1">
+            <a:schemeClr val="accent1"/>
+          </a:fillRef>
+          <a:effectRef idx="0">
+            <a:schemeClr val="accent1"/>
+          </a:effectRef>
+          <a:fontRef idx="minor">
+            <a:schemeClr val="lt1"/>
+          </a:fontRef>
+        </p:style>
+        <p:txBody>
+          <a:bodyPr rtlCol="0" anchor="ctr"/>
+          <a:lstStyle/>
+          <a:p>
+            <a:pPr algn="ctr"/>
+            <a:endParaRPr lang="ko-KR" altLang="en-US"/>
+          </a:p>
+        </p:txBody>
+      </p:sp>
+      <p:sp>
+        <p:nvSpPr>
+          <p:cNvPr id="17" name="TextBox 16">
+            <a:extLst>
+              <a:ext uri="{FF2B5EF4-FFF2-40B4-BE49-F238E27FC236}">
+                <a16:creationId xmlns:a16="http://schemas.microsoft.com/office/drawing/2014/main" id="{6B866663-F286-5E7E-47AF-922E7C83C19D}"/>
+              </a:ext>
+            </a:extLst>
+          </p:cNvPr>
+          <p:cNvSpPr txBox="1"/>
+          <p:nvPr/>
+        </p:nvSpPr>
+        <p:spPr>
+          <a:xfrm>
+            <a:off x="3425174" y="5002203"/>
+            <a:ext cx="1353014" cy="584775"/>
+          </a:xfrm>
+          <a:prstGeom prst="rect">
+            <a:avLst/>
+          </a:prstGeom>
+          <a:noFill/>
+        </p:spPr>
+        <p:txBody>
+          <a:bodyPr wrap="square" rtlCol="0">
+            <a:spAutoFit/>
+          </a:bodyPr>
+          <a:lstStyle/>
+          <a:p>
+            <a:r>
+              <a:rPr lang="en-US" altLang="ko-KR" b="1" dirty="0">
+                <a:solidFill>
+                  <a:schemeClr val="bg1"/>
+                </a:solidFill>
+              </a:rPr>
+              <a:t>Database</a:t>
+            </a:r>
+            <a:br>
+              <a:rPr lang="en-US" altLang="ko-KR" dirty="0">
+                <a:solidFill>
+                  <a:schemeClr val="bg1"/>
+                </a:solidFill>
+              </a:rPr>
+            </a:br>
+            <a:r>
+              <a:rPr lang="en-US" altLang="ko-KR" sz="1400" dirty="0">
+                <a:solidFill>
+                  <a:schemeClr val="bg1"/>
+                </a:solidFill>
+              </a:rPr>
+              <a:t>DBMS</a:t>
+            </a:r>
+            <a:endParaRPr lang="ko-KR" altLang="en-US" sz="1400" dirty="0">
+              <a:solidFill>
+                <a:schemeClr val="bg1"/>
+              </a:solidFill>
+            </a:endParaRPr>
+          </a:p>
+        </p:txBody>
+      </p:sp>
+      <p:sp>
+        <p:nvSpPr>
+          <p:cNvPr id="19" name="화살표: 위쪽/아래쪽 18">
+            <a:extLst>
+              <a:ext uri="{FF2B5EF4-FFF2-40B4-BE49-F238E27FC236}">
+                <a16:creationId xmlns:a16="http://schemas.microsoft.com/office/drawing/2014/main" id="{06CB2DF7-7614-8D3D-D80A-143EBCBA33B1}"/>
+              </a:ext>
+            </a:extLst>
+          </p:cNvPr>
+          <p:cNvSpPr/>
+          <p:nvPr/>
+        </p:nvSpPr>
+        <p:spPr>
+          <a:xfrm>
+            <a:off x="981635" y="1999129"/>
+            <a:ext cx="286871" cy="719884"/>
+          </a:xfrm>
+          <a:prstGeom prst="upDownArrow">
+            <a:avLst/>
+          </a:prstGeom>
+          <a:solidFill>
+            <a:schemeClr val="accent4"/>
+          </a:solidFill>
+          <a:ln>
+            <a:noFill/>
+          </a:ln>
+        </p:spPr>
+        <p:style>
+          <a:lnRef idx="2">
+            <a:schemeClr val="accent1">
+              <a:shade val="50000"/>
+            </a:schemeClr>
+          </a:lnRef>
+          <a:fillRef idx="1">
+            <a:schemeClr val="accent1"/>
+          </a:fillRef>
+          <a:effectRef idx="0">
+            <a:schemeClr val="accent1"/>
+          </a:effectRef>
+          <a:fontRef idx="minor">
+            <a:schemeClr val="lt1"/>
+          </a:fontRef>
+        </p:style>
+        <p:txBody>
+          <a:bodyPr rtlCol="0" anchor="ctr"/>
+          <a:lstStyle/>
+          <a:p>
+            <a:pPr algn="ctr"/>
+            <a:endParaRPr lang="ko-KR" altLang="en-US"/>
+          </a:p>
+        </p:txBody>
+      </p:sp>
+      <p:sp>
+        <p:nvSpPr>
+          <p:cNvPr id="21" name="화살표: 위쪽/아래쪽 20">
+            <a:extLst>
+              <a:ext uri="{FF2B5EF4-FFF2-40B4-BE49-F238E27FC236}">
+                <a16:creationId xmlns:a16="http://schemas.microsoft.com/office/drawing/2014/main" id="{A14AB868-56BB-AAA9-6FA5-0F45936B2854}"/>
+              </a:ext>
+            </a:extLst>
+          </p:cNvPr>
+          <p:cNvSpPr/>
+          <p:nvPr/>
+        </p:nvSpPr>
+        <p:spPr>
+          <a:xfrm>
+            <a:off x="981635" y="3956142"/>
+            <a:ext cx="286871" cy="719884"/>
+          </a:xfrm>
+          <a:prstGeom prst="upDownArrow">
+            <a:avLst/>
+          </a:prstGeom>
+          <a:solidFill>
+            <a:schemeClr val="accent4"/>
+          </a:solidFill>
+          <a:ln>
+            <a:noFill/>
+          </a:ln>
+        </p:spPr>
+        <p:style>
+          <a:lnRef idx="2">
+            <a:schemeClr val="accent1">
+              <a:shade val="50000"/>
+            </a:schemeClr>
+          </a:lnRef>
+          <a:fillRef idx="1">
+            <a:schemeClr val="accent1"/>
+          </a:fillRef>
+          <a:effectRef idx="0">
+            <a:schemeClr val="accent1"/>
+          </a:effectRef>
+          <a:fontRef idx="minor">
+            <a:schemeClr val="lt1"/>
+          </a:fontRef>
+        </p:style>
+        <p:txBody>
+          <a:bodyPr rtlCol="0" anchor="ctr"/>
+          <a:lstStyle/>
+          <a:p>
+            <a:pPr algn="ctr"/>
+            <a:endParaRPr lang="ko-KR" altLang="en-US"/>
+          </a:p>
+        </p:txBody>
+      </p:sp>
+      <p:sp>
+        <p:nvSpPr>
+          <p:cNvPr id="23" name="화살표: 왼쪽/오른쪽 22">
+            <a:extLst>
+              <a:ext uri="{FF2B5EF4-FFF2-40B4-BE49-F238E27FC236}">
+                <a16:creationId xmlns:a16="http://schemas.microsoft.com/office/drawing/2014/main" id="{3D78153B-A2EC-8C77-9821-E0B907959092}"/>
+              </a:ext>
+            </a:extLst>
+          </p:cNvPr>
+          <p:cNvSpPr/>
+          <p:nvPr/>
+        </p:nvSpPr>
+        <p:spPr>
+          <a:xfrm>
+            <a:off x="2414965" y="5151155"/>
+            <a:ext cx="719881" cy="286870"/>
+          </a:xfrm>
+          <a:prstGeom prst="leftRightArrow">
+            <a:avLst/>
+          </a:prstGeom>
+          <a:solidFill>
+            <a:schemeClr val="accent4"/>
+          </a:solidFill>
+          <a:ln>
+            <a:noFill/>
+          </a:ln>
+        </p:spPr>
+        <p:style>
+          <a:lnRef idx="2">
+            <a:schemeClr val="accent1">
+              <a:shade val="50000"/>
+            </a:schemeClr>
+          </a:lnRef>
+          <a:fillRef idx="1">
+            <a:schemeClr val="accent1"/>
+          </a:fillRef>
+          <a:effectRef idx="0">
+            <a:schemeClr val="accent1"/>
+          </a:effectRef>
+          <a:fontRef idx="minor">
+            <a:schemeClr val="lt1"/>
+          </a:fontRef>
+        </p:style>
+        <p:txBody>
+          <a:bodyPr rtlCol="0" anchor="ctr"/>
+          <a:lstStyle/>
+          <a:p>
+            <a:pPr algn="ctr"/>
+            <a:endParaRPr lang="ko-KR" altLang="en-US"/>
+          </a:p>
+        </p:txBody>
+      </p:sp>
+    </p:spTree>
+    <p:extLst>
+      <p:ext uri="{BB962C8B-B14F-4D97-AF65-F5344CB8AC3E}">
+        <p14:creationId xmlns:p14="http://schemas.microsoft.com/office/powerpoint/2010/main" val="371553290"/>
+      </p:ext>
+    </p:extLst>
+  </p:cSld>
+  <p:clrMapOvr>
+    <a:masterClrMapping/>
+  </p:clrMapOvr>
+</p:sld>
+</file>
+
+<file path=ppt/slides/slide21.xml><?xml version="1.0" encoding="utf-8"?>
+<p:sld xmlns:a="http://schemas.openxmlformats.org/drawingml/2006/main" xmlns:r="http://schemas.openxmlformats.org/officeDocument/2006/relationships" xmlns:p="http://schemas.openxmlformats.org/presentationml/2006/main">
+  <p:cSld>
+    <p:spTree>
+      <p:nvGrpSpPr>
+        <p:cNvPr id="1" name=""/>
+        <p:cNvGrpSpPr/>
+        <p:nvPr/>
+      </p:nvGrpSpPr>
+      <p:grpSpPr>
+        <a:xfrm>
+          <a:off x="0" y="0"/>
+          <a:ext cx="0" cy="0"/>
+          <a:chOff x="0" y="0"/>
+          <a:chExt cx="0" cy="0"/>
+        </a:xfrm>
+      </p:grpSpPr>
       <p:pic>
         <p:nvPicPr>
           <p:cNvPr id="4" name="그림 3">
@@ -17852,1669 +18491,6 @@
 </p:sld>
 </file>
 
-<file path=ppt/slides/slide21.xml><?xml version="1.0" encoding="utf-8"?>
-<p:sld xmlns:a="http://schemas.openxmlformats.org/drawingml/2006/main" xmlns:r="http://schemas.openxmlformats.org/officeDocument/2006/relationships" xmlns:p="http://schemas.openxmlformats.org/presentationml/2006/main">
-  <p:cSld>
-    <p:spTree>
-      <p:nvGrpSpPr>
-        <p:cNvPr id="1" name=""/>
-        <p:cNvGrpSpPr/>
-        <p:nvPr/>
-      </p:nvGrpSpPr>
-      <p:grpSpPr>
-        <a:xfrm>
-          <a:off x="0" y="0"/>
-          <a:ext cx="0" cy="0"/>
-          <a:chOff x="0" y="0"/>
-          <a:chExt cx="0" cy="0"/>
-        </a:xfrm>
-      </p:grpSpPr>
-      <p:sp>
-        <p:nvSpPr>
-          <p:cNvPr id="76" name="직사각형 75">
-            <a:extLst>
-              <a:ext uri="{FF2B5EF4-FFF2-40B4-BE49-F238E27FC236}">
-                <a16:creationId xmlns:a16="http://schemas.microsoft.com/office/drawing/2014/main" id="{DFEC3D0B-83BF-99E4-8198-812C75DEC08B}"/>
-              </a:ext>
-            </a:extLst>
-          </p:cNvPr>
-          <p:cNvSpPr/>
-          <p:nvPr/>
-        </p:nvSpPr>
-        <p:spPr>
-          <a:xfrm>
-            <a:off x="259976" y="116541"/>
-            <a:ext cx="11564471" cy="5827059"/>
-          </a:xfrm>
-          <a:prstGeom prst="rect">
-            <a:avLst/>
-          </a:prstGeom>
-          <a:solidFill>
-            <a:schemeClr val="bg1"/>
-          </a:solidFill>
-          <a:ln>
-            <a:noFill/>
-          </a:ln>
-        </p:spPr>
-        <p:style>
-          <a:lnRef idx="2">
-            <a:schemeClr val="accent1">
-              <a:shade val="50000"/>
-            </a:schemeClr>
-          </a:lnRef>
-          <a:fillRef idx="1">
-            <a:schemeClr val="accent1"/>
-          </a:fillRef>
-          <a:effectRef idx="0">
-            <a:schemeClr val="accent1"/>
-          </a:effectRef>
-          <a:fontRef idx="minor">
-            <a:schemeClr val="lt1"/>
-          </a:fontRef>
-        </p:style>
-        <p:txBody>
-          <a:bodyPr rtlCol="0" anchor="ctr"/>
-          <a:lstStyle/>
-          <a:p>
-            <a:pPr algn="ctr"/>
-            <a:endParaRPr lang="ko-KR" altLang="en-US"/>
-          </a:p>
-        </p:txBody>
-      </p:sp>
-      <p:cxnSp>
-        <p:nvCxnSpPr>
-          <p:cNvPr id="25" name="직선 연결선 24">
-            <a:extLst>
-              <a:ext uri="{FF2B5EF4-FFF2-40B4-BE49-F238E27FC236}">
-                <a16:creationId xmlns:a16="http://schemas.microsoft.com/office/drawing/2014/main" id="{589B53A2-D17D-BD3C-F179-930124FEB715}"/>
-              </a:ext>
-            </a:extLst>
-          </p:cNvPr>
-          <p:cNvCxnSpPr>
-            <a:cxnSpLocks/>
-            <a:stCxn id="5" idx="2"/>
-            <a:endCxn id="9" idx="0"/>
-          </p:cNvCxnSpPr>
-          <p:nvPr/>
-        </p:nvCxnSpPr>
-        <p:spPr>
-          <a:xfrm flipH="1">
-            <a:off x="1452281" y="2551659"/>
-            <a:ext cx="2940423" cy="553845"/>
-          </a:xfrm>
-          <a:prstGeom prst="line">
-            <a:avLst/>
-          </a:prstGeom>
-          <a:ln w="38100">
-            <a:solidFill>
-              <a:schemeClr val="tx1"/>
-            </a:solidFill>
-          </a:ln>
-        </p:spPr>
-        <p:style>
-          <a:lnRef idx="1">
-            <a:schemeClr val="accent1"/>
-          </a:lnRef>
-          <a:fillRef idx="0">
-            <a:schemeClr val="accent1"/>
-          </a:fillRef>
-          <a:effectRef idx="0">
-            <a:schemeClr val="accent1"/>
-          </a:effectRef>
-          <a:fontRef idx="minor">
-            <a:schemeClr val="tx1"/>
-          </a:fontRef>
-        </p:style>
-      </p:cxnSp>
-      <p:cxnSp>
-        <p:nvCxnSpPr>
-          <p:cNvPr id="28" name="직선 연결선 27">
-            <a:extLst>
-              <a:ext uri="{FF2B5EF4-FFF2-40B4-BE49-F238E27FC236}">
-                <a16:creationId xmlns:a16="http://schemas.microsoft.com/office/drawing/2014/main" id="{D045EB02-11E0-04B7-92E8-D26E80F6FB3D}"/>
-              </a:ext>
-            </a:extLst>
-          </p:cNvPr>
-          <p:cNvCxnSpPr>
-            <a:cxnSpLocks/>
-            <a:stCxn id="5" idx="2"/>
-            <a:endCxn id="11" idx="0"/>
-          </p:cNvCxnSpPr>
-          <p:nvPr/>
-        </p:nvCxnSpPr>
-        <p:spPr>
-          <a:xfrm>
-            <a:off x="4392704" y="2551659"/>
-            <a:ext cx="2940423" cy="553845"/>
-          </a:xfrm>
-          <a:prstGeom prst="line">
-            <a:avLst/>
-          </a:prstGeom>
-          <a:ln w="38100">
-            <a:solidFill>
-              <a:schemeClr val="tx1"/>
-            </a:solidFill>
-          </a:ln>
-        </p:spPr>
-        <p:style>
-          <a:lnRef idx="1">
-            <a:schemeClr val="accent1"/>
-          </a:lnRef>
-          <a:fillRef idx="0">
-            <a:schemeClr val="accent1"/>
-          </a:fillRef>
-          <a:effectRef idx="0">
-            <a:schemeClr val="accent1"/>
-          </a:effectRef>
-          <a:fontRef idx="minor">
-            <a:schemeClr val="tx1"/>
-          </a:fontRef>
-        </p:style>
-      </p:cxnSp>
-      <p:sp>
-        <p:nvSpPr>
-          <p:cNvPr id="3" name="직사각형 2">
-            <a:extLst>
-              <a:ext uri="{FF2B5EF4-FFF2-40B4-BE49-F238E27FC236}">
-                <a16:creationId xmlns:a16="http://schemas.microsoft.com/office/drawing/2014/main" id="{1EAC7F0C-2487-735B-89BA-8A62F9B13694}"/>
-              </a:ext>
-            </a:extLst>
-          </p:cNvPr>
-          <p:cNvSpPr/>
-          <p:nvPr/>
-        </p:nvSpPr>
-        <p:spPr>
-          <a:xfrm>
-            <a:off x="3484067" y="434862"/>
-            <a:ext cx="1817273" cy="790431"/>
-          </a:xfrm>
-          <a:prstGeom prst="rect">
-            <a:avLst/>
-          </a:prstGeom>
-          <a:solidFill>
-            <a:srgbClr val="9999FF"/>
-          </a:solidFill>
-          <a:ln>
-            <a:noFill/>
-          </a:ln>
-        </p:spPr>
-        <p:style>
-          <a:lnRef idx="2">
-            <a:schemeClr val="accent1">
-              <a:shade val="50000"/>
-            </a:schemeClr>
-          </a:lnRef>
-          <a:fillRef idx="1">
-            <a:schemeClr val="accent1"/>
-          </a:fillRef>
-          <a:effectRef idx="0">
-            <a:schemeClr val="accent1"/>
-          </a:effectRef>
-          <a:fontRef idx="minor">
-            <a:schemeClr val="lt1"/>
-          </a:fontRef>
-        </p:style>
-        <p:txBody>
-          <a:bodyPr rtlCol="0" anchor="ctr"/>
-          <a:lstStyle/>
-          <a:p>
-            <a:pPr algn="ctr"/>
-            <a:endParaRPr lang="ko-KR" altLang="en-US" dirty="0"/>
-          </a:p>
-        </p:txBody>
-      </p:sp>
-      <p:sp>
-        <p:nvSpPr>
-          <p:cNvPr id="4" name="TextBox 3">
-            <a:extLst>
-              <a:ext uri="{FF2B5EF4-FFF2-40B4-BE49-F238E27FC236}">
-                <a16:creationId xmlns:a16="http://schemas.microsoft.com/office/drawing/2014/main" id="{CC762211-1081-FAD1-89A8-38D0EE1A1C26}"/>
-              </a:ext>
-            </a:extLst>
-          </p:cNvPr>
-          <p:cNvSpPr txBox="1"/>
-          <p:nvPr/>
-        </p:nvSpPr>
-        <p:spPr>
-          <a:xfrm>
-            <a:off x="3484067" y="660801"/>
-            <a:ext cx="1817273" cy="338554"/>
-          </a:xfrm>
-          <a:prstGeom prst="rect">
-            <a:avLst/>
-          </a:prstGeom>
-          <a:noFill/>
-        </p:spPr>
-        <p:txBody>
-          <a:bodyPr wrap="square">
-            <a:spAutoFit/>
-          </a:bodyPr>
-          <a:lstStyle/>
-          <a:p>
-            <a:pPr algn="ctr"/>
-            <a:r>
-              <a:rPr lang="en-US" altLang="ko-KR" sz="1600" dirty="0">
-                <a:latin typeface="Consolas" panose="020B0609020204030204" pitchFamily="49" charset="0"/>
-              </a:rPr>
-              <a:t>index.js</a:t>
-            </a:r>
-            <a:endParaRPr lang="ko-KR" altLang="en-US" sz="1600" dirty="0">
-              <a:latin typeface="Consolas" panose="020B0609020204030204" pitchFamily="49" charset="0"/>
-            </a:endParaRPr>
-          </a:p>
-        </p:txBody>
-      </p:sp>
-      <p:sp>
-        <p:nvSpPr>
-          <p:cNvPr id="5" name="직사각형 4">
-            <a:extLst>
-              <a:ext uri="{FF2B5EF4-FFF2-40B4-BE49-F238E27FC236}">
-                <a16:creationId xmlns:a16="http://schemas.microsoft.com/office/drawing/2014/main" id="{661625D7-CF4D-B4A0-C306-C840686AD243}"/>
-              </a:ext>
-            </a:extLst>
-          </p:cNvPr>
-          <p:cNvSpPr/>
-          <p:nvPr/>
-        </p:nvSpPr>
-        <p:spPr>
-          <a:xfrm>
-            <a:off x="3484067" y="1761228"/>
-            <a:ext cx="1817273" cy="790431"/>
-          </a:xfrm>
-          <a:prstGeom prst="rect">
-            <a:avLst/>
-          </a:prstGeom>
-          <a:solidFill>
-            <a:srgbClr val="9ADCFF"/>
-          </a:solidFill>
-          <a:ln>
-            <a:noFill/>
-          </a:ln>
-        </p:spPr>
-        <p:style>
-          <a:lnRef idx="2">
-            <a:schemeClr val="accent1">
-              <a:shade val="50000"/>
-            </a:schemeClr>
-          </a:lnRef>
-          <a:fillRef idx="1">
-            <a:schemeClr val="accent1"/>
-          </a:fillRef>
-          <a:effectRef idx="0">
-            <a:schemeClr val="accent1"/>
-          </a:effectRef>
-          <a:fontRef idx="minor">
-            <a:schemeClr val="lt1"/>
-          </a:fontRef>
-        </p:style>
-        <p:txBody>
-          <a:bodyPr rtlCol="0" anchor="ctr"/>
-          <a:lstStyle/>
-          <a:p>
-            <a:pPr algn="ctr"/>
-            <a:endParaRPr lang="ko-KR" altLang="en-US" dirty="0"/>
-          </a:p>
-        </p:txBody>
-      </p:sp>
-      <p:sp>
-        <p:nvSpPr>
-          <p:cNvPr id="6" name="TextBox 5">
-            <a:extLst>
-              <a:ext uri="{FF2B5EF4-FFF2-40B4-BE49-F238E27FC236}">
-                <a16:creationId xmlns:a16="http://schemas.microsoft.com/office/drawing/2014/main" id="{7644D3C6-0D33-E2C7-0989-FC25A04618F3}"/>
-              </a:ext>
-            </a:extLst>
-          </p:cNvPr>
-          <p:cNvSpPr txBox="1"/>
-          <p:nvPr/>
-        </p:nvSpPr>
-        <p:spPr>
-          <a:xfrm>
-            <a:off x="3484067" y="1987166"/>
-            <a:ext cx="1817273" cy="338554"/>
-          </a:xfrm>
-          <a:prstGeom prst="rect">
-            <a:avLst/>
-          </a:prstGeom>
-          <a:noFill/>
-        </p:spPr>
-        <p:txBody>
-          <a:bodyPr wrap="square">
-            <a:spAutoFit/>
-          </a:bodyPr>
-          <a:lstStyle/>
-          <a:p>
-            <a:pPr algn="ctr"/>
-            <a:r>
-              <a:rPr lang="en-US" altLang="ko-KR" sz="1600" dirty="0">
-                <a:latin typeface="Consolas" panose="020B0609020204030204" pitchFamily="49" charset="0"/>
-              </a:rPr>
-              <a:t>App.js</a:t>
-            </a:r>
-            <a:endParaRPr lang="ko-KR" altLang="en-US" sz="1600" dirty="0">
-              <a:latin typeface="Consolas" panose="020B0609020204030204" pitchFamily="49" charset="0"/>
-            </a:endParaRPr>
-          </a:p>
-        </p:txBody>
-      </p:sp>
-      <p:sp>
-        <p:nvSpPr>
-          <p:cNvPr id="7" name="직사각형 6">
-            <a:extLst>
-              <a:ext uri="{FF2B5EF4-FFF2-40B4-BE49-F238E27FC236}">
-                <a16:creationId xmlns:a16="http://schemas.microsoft.com/office/drawing/2014/main" id="{BE8EE336-2A7E-8809-E1C4-C314B6EF22C2}"/>
-              </a:ext>
-            </a:extLst>
-          </p:cNvPr>
-          <p:cNvSpPr/>
-          <p:nvPr/>
-        </p:nvSpPr>
-        <p:spPr>
-          <a:xfrm>
-            <a:off x="3484067" y="3105504"/>
-            <a:ext cx="1817273" cy="790431"/>
-          </a:xfrm>
-          <a:prstGeom prst="rect">
-            <a:avLst/>
-          </a:prstGeom>
-          <a:solidFill>
-            <a:srgbClr val="FFD966"/>
-          </a:solidFill>
-          <a:ln>
-            <a:noFill/>
-          </a:ln>
-        </p:spPr>
-        <p:style>
-          <a:lnRef idx="2">
-            <a:schemeClr val="accent1">
-              <a:shade val="50000"/>
-            </a:schemeClr>
-          </a:lnRef>
-          <a:fillRef idx="1">
-            <a:schemeClr val="accent1"/>
-          </a:fillRef>
-          <a:effectRef idx="0">
-            <a:schemeClr val="accent1"/>
-          </a:effectRef>
-          <a:fontRef idx="minor">
-            <a:schemeClr val="lt1"/>
-          </a:fontRef>
-        </p:style>
-        <p:txBody>
-          <a:bodyPr rtlCol="0" anchor="ctr"/>
-          <a:lstStyle/>
-          <a:p>
-            <a:pPr algn="ctr"/>
-            <a:endParaRPr lang="ko-KR" altLang="en-US" dirty="0"/>
-          </a:p>
-        </p:txBody>
-      </p:sp>
-      <p:sp>
-        <p:nvSpPr>
-          <p:cNvPr id="8" name="TextBox 7">
-            <a:extLst>
-              <a:ext uri="{FF2B5EF4-FFF2-40B4-BE49-F238E27FC236}">
-                <a16:creationId xmlns:a16="http://schemas.microsoft.com/office/drawing/2014/main" id="{D19C9420-E42B-03DF-38CE-FA05B6E532ED}"/>
-              </a:ext>
-            </a:extLst>
-          </p:cNvPr>
-          <p:cNvSpPr txBox="1"/>
-          <p:nvPr/>
-        </p:nvSpPr>
-        <p:spPr>
-          <a:xfrm>
-            <a:off x="3484067" y="3331442"/>
-            <a:ext cx="1817273" cy="338554"/>
-          </a:xfrm>
-          <a:prstGeom prst="rect">
-            <a:avLst/>
-          </a:prstGeom>
-          <a:noFill/>
-        </p:spPr>
-        <p:txBody>
-          <a:bodyPr wrap="square">
-            <a:spAutoFit/>
-          </a:bodyPr>
-          <a:lstStyle/>
-          <a:p>
-            <a:pPr algn="ctr"/>
-            <a:r>
-              <a:rPr lang="en-US" altLang="ko-KR" sz="1600" dirty="0">
-                <a:latin typeface="Consolas" panose="020B0609020204030204" pitchFamily="49" charset="0"/>
-              </a:rPr>
-              <a:t>Body.js</a:t>
-            </a:r>
-            <a:endParaRPr lang="ko-KR" altLang="en-US" sz="1600" dirty="0">
-              <a:latin typeface="Consolas" panose="020B0609020204030204" pitchFamily="49" charset="0"/>
-            </a:endParaRPr>
-          </a:p>
-        </p:txBody>
-      </p:sp>
-      <p:sp>
-        <p:nvSpPr>
-          <p:cNvPr id="9" name="직사각형 8">
-            <a:extLst>
-              <a:ext uri="{FF2B5EF4-FFF2-40B4-BE49-F238E27FC236}">
-                <a16:creationId xmlns:a16="http://schemas.microsoft.com/office/drawing/2014/main" id="{C32F15E6-041E-F426-090B-B4B5D269507F}"/>
-              </a:ext>
-            </a:extLst>
-          </p:cNvPr>
-          <p:cNvSpPr/>
-          <p:nvPr/>
-        </p:nvSpPr>
-        <p:spPr>
-          <a:xfrm>
-            <a:off x="543644" y="3105504"/>
-            <a:ext cx="1817273" cy="790431"/>
-          </a:xfrm>
-          <a:prstGeom prst="rect">
-            <a:avLst/>
-          </a:prstGeom>
-          <a:solidFill>
-            <a:srgbClr val="FFD966"/>
-          </a:solidFill>
-          <a:ln>
-            <a:noFill/>
-          </a:ln>
-        </p:spPr>
-        <p:style>
-          <a:lnRef idx="2">
-            <a:schemeClr val="accent1">
-              <a:shade val="50000"/>
-            </a:schemeClr>
-          </a:lnRef>
-          <a:fillRef idx="1">
-            <a:schemeClr val="accent1"/>
-          </a:fillRef>
-          <a:effectRef idx="0">
-            <a:schemeClr val="accent1"/>
-          </a:effectRef>
-          <a:fontRef idx="minor">
-            <a:schemeClr val="lt1"/>
-          </a:fontRef>
-        </p:style>
-        <p:txBody>
-          <a:bodyPr rtlCol="0" anchor="ctr"/>
-          <a:lstStyle/>
-          <a:p>
-            <a:pPr algn="ctr"/>
-            <a:endParaRPr lang="ko-KR" altLang="en-US" dirty="0"/>
-          </a:p>
-        </p:txBody>
-      </p:sp>
-      <p:sp>
-        <p:nvSpPr>
-          <p:cNvPr id="10" name="TextBox 9">
-            <a:extLst>
-              <a:ext uri="{FF2B5EF4-FFF2-40B4-BE49-F238E27FC236}">
-                <a16:creationId xmlns:a16="http://schemas.microsoft.com/office/drawing/2014/main" id="{D50FBC27-0D34-478D-C2AC-A5F67052EFF4}"/>
-              </a:ext>
-            </a:extLst>
-          </p:cNvPr>
-          <p:cNvSpPr txBox="1"/>
-          <p:nvPr/>
-        </p:nvSpPr>
-        <p:spPr>
-          <a:xfrm>
-            <a:off x="543644" y="3331442"/>
-            <a:ext cx="1817273" cy="338554"/>
-          </a:xfrm>
-          <a:prstGeom prst="rect">
-            <a:avLst/>
-          </a:prstGeom>
-          <a:noFill/>
-        </p:spPr>
-        <p:txBody>
-          <a:bodyPr wrap="square">
-            <a:spAutoFit/>
-          </a:bodyPr>
-          <a:lstStyle/>
-          <a:p>
-            <a:pPr algn="ctr"/>
-            <a:r>
-              <a:rPr lang="en-US" altLang="ko-KR" sz="1600" dirty="0">
-                <a:latin typeface="Consolas" panose="020B0609020204030204" pitchFamily="49" charset="0"/>
-              </a:rPr>
-              <a:t>Header.js</a:t>
-            </a:r>
-            <a:endParaRPr lang="ko-KR" altLang="en-US" sz="1600" dirty="0">
-              <a:latin typeface="Consolas" panose="020B0609020204030204" pitchFamily="49" charset="0"/>
-            </a:endParaRPr>
-          </a:p>
-        </p:txBody>
-      </p:sp>
-      <p:sp>
-        <p:nvSpPr>
-          <p:cNvPr id="11" name="직사각형 10">
-            <a:extLst>
-              <a:ext uri="{FF2B5EF4-FFF2-40B4-BE49-F238E27FC236}">
-                <a16:creationId xmlns:a16="http://schemas.microsoft.com/office/drawing/2014/main" id="{7C1CE65C-7F66-11AA-2CE3-DC48A377D7A6}"/>
-              </a:ext>
-            </a:extLst>
-          </p:cNvPr>
-          <p:cNvSpPr/>
-          <p:nvPr/>
-        </p:nvSpPr>
-        <p:spPr>
-          <a:xfrm>
-            <a:off x="6424490" y="3105504"/>
-            <a:ext cx="1817273" cy="790431"/>
-          </a:xfrm>
-          <a:prstGeom prst="rect">
-            <a:avLst/>
-          </a:prstGeom>
-          <a:solidFill>
-            <a:srgbClr val="FFD966"/>
-          </a:solidFill>
-          <a:ln>
-            <a:noFill/>
-          </a:ln>
-        </p:spPr>
-        <p:style>
-          <a:lnRef idx="2">
-            <a:schemeClr val="accent1">
-              <a:shade val="50000"/>
-            </a:schemeClr>
-          </a:lnRef>
-          <a:fillRef idx="1">
-            <a:schemeClr val="accent1"/>
-          </a:fillRef>
-          <a:effectRef idx="0">
-            <a:schemeClr val="accent1"/>
-          </a:effectRef>
-          <a:fontRef idx="minor">
-            <a:schemeClr val="lt1"/>
-          </a:fontRef>
-        </p:style>
-        <p:txBody>
-          <a:bodyPr rtlCol="0" anchor="ctr"/>
-          <a:lstStyle/>
-          <a:p>
-            <a:pPr algn="ctr"/>
-            <a:endParaRPr lang="ko-KR" altLang="en-US" dirty="0"/>
-          </a:p>
-        </p:txBody>
-      </p:sp>
-      <p:sp>
-        <p:nvSpPr>
-          <p:cNvPr id="12" name="TextBox 11">
-            <a:extLst>
-              <a:ext uri="{FF2B5EF4-FFF2-40B4-BE49-F238E27FC236}">
-                <a16:creationId xmlns:a16="http://schemas.microsoft.com/office/drawing/2014/main" id="{5DEE405F-D374-6304-0141-3117251057F8}"/>
-              </a:ext>
-            </a:extLst>
-          </p:cNvPr>
-          <p:cNvSpPr txBox="1"/>
-          <p:nvPr/>
-        </p:nvSpPr>
-        <p:spPr>
-          <a:xfrm>
-            <a:off x="6424490" y="3331442"/>
-            <a:ext cx="1817273" cy="338554"/>
-          </a:xfrm>
-          <a:prstGeom prst="rect">
-            <a:avLst/>
-          </a:prstGeom>
-          <a:noFill/>
-        </p:spPr>
-        <p:txBody>
-          <a:bodyPr wrap="square">
-            <a:spAutoFit/>
-          </a:bodyPr>
-          <a:lstStyle/>
-          <a:p>
-            <a:pPr algn="ctr"/>
-            <a:r>
-              <a:rPr lang="en-US" altLang="ko-KR" sz="1600" dirty="0">
-                <a:latin typeface="Consolas" panose="020B0609020204030204" pitchFamily="49" charset="0"/>
-              </a:rPr>
-              <a:t>Footer.js</a:t>
-            </a:r>
-            <a:endParaRPr lang="ko-KR" altLang="en-US" sz="1600" dirty="0">
-              <a:latin typeface="Consolas" panose="020B0609020204030204" pitchFamily="49" charset="0"/>
-            </a:endParaRPr>
-          </a:p>
-        </p:txBody>
-      </p:sp>
-      <p:sp>
-        <p:nvSpPr>
-          <p:cNvPr id="13" name="직사각형 12">
-            <a:extLst>
-              <a:ext uri="{FF2B5EF4-FFF2-40B4-BE49-F238E27FC236}">
-                <a16:creationId xmlns:a16="http://schemas.microsoft.com/office/drawing/2014/main" id="{231351DA-3C25-4E3B-BC1F-62A73BFB508E}"/>
-              </a:ext>
-            </a:extLst>
-          </p:cNvPr>
-          <p:cNvSpPr/>
-          <p:nvPr/>
-        </p:nvSpPr>
-        <p:spPr>
-          <a:xfrm>
-            <a:off x="543644" y="4441246"/>
-            <a:ext cx="1817273" cy="790431"/>
-          </a:xfrm>
-          <a:prstGeom prst="rect">
-            <a:avLst/>
-          </a:prstGeom>
-          <a:solidFill>
-            <a:srgbClr val="FFF89A"/>
-          </a:solidFill>
-          <a:ln>
-            <a:noFill/>
-          </a:ln>
-        </p:spPr>
-        <p:style>
-          <a:lnRef idx="2">
-            <a:schemeClr val="accent1">
-              <a:shade val="50000"/>
-            </a:schemeClr>
-          </a:lnRef>
-          <a:fillRef idx="1">
-            <a:schemeClr val="accent1"/>
-          </a:fillRef>
-          <a:effectRef idx="0">
-            <a:schemeClr val="accent1"/>
-          </a:effectRef>
-          <a:fontRef idx="minor">
-            <a:schemeClr val="lt1"/>
-          </a:fontRef>
-        </p:style>
-        <p:txBody>
-          <a:bodyPr rtlCol="0" anchor="ctr"/>
-          <a:lstStyle/>
-          <a:p>
-            <a:pPr algn="ctr"/>
-            <a:endParaRPr lang="ko-KR" altLang="en-US" dirty="0"/>
-          </a:p>
-        </p:txBody>
-      </p:sp>
-      <p:sp>
-        <p:nvSpPr>
-          <p:cNvPr id="14" name="TextBox 13">
-            <a:extLst>
-              <a:ext uri="{FF2B5EF4-FFF2-40B4-BE49-F238E27FC236}">
-                <a16:creationId xmlns:a16="http://schemas.microsoft.com/office/drawing/2014/main" id="{579DC2DD-AFE9-4FB9-C682-F9922C46E5FB}"/>
-              </a:ext>
-            </a:extLst>
-          </p:cNvPr>
-          <p:cNvSpPr txBox="1"/>
-          <p:nvPr/>
-        </p:nvSpPr>
-        <p:spPr>
-          <a:xfrm>
-            <a:off x="543644" y="4667184"/>
-            <a:ext cx="1817273" cy="338554"/>
-          </a:xfrm>
-          <a:prstGeom prst="rect">
-            <a:avLst/>
-          </a:prstGeom>
-          <a:noFill/>
-        </p:spPr>
-        <p:txBody>
-          <a:bodyPr wrap="square">
-            <a:spAutoFit/>
-          </a:bodyPr>
-          <a:lstStyle/>
-          <a:p>
-            <a:pPr algn="ctr"/>
-            <a:r>
-              <a:rPr lang="en-US" altLang="ko-KR" sz="1600" dirty="0">
-                <a:latin typeface="Consolas" panose="020B0609020204030204" pitchFamily="49" charset="0"/>
-              </a:rPr>
-              <a:t>Navbar.js</a:t>
-            </a:r>
-            <a:endParaRPr lang="ko-KR" altLang="en-US" sz="1600" dirty="0">
-              <a:latin typeface="Consolas" panose="020B0609020204030204" pitchFamily="49" charset="0"/>
-            </a:endParaRPr>
-          </a:p>
-        </p:txBody>
-      </p:sp>
-      <p:sp>
-        <p:nvSpPr>
-          <p:cNvPr id="15" name="직사각형 14">
-            <a:extLst>
-              <a:ext uri="{FF2B5EF4-FFF2-40B4-BE49-F238E27FC236}">
-                <a16:creationId xmlns:a16="http://schemas.microsoft.com/office/drawing/2014/main" id="{E46A1A5C-D425-4C4A-2272-53E83D1D8AAC}"/>
-              </a:ext>
-            </a:extLst>
-          </p:cNvPr>
-          <p:cNvSpPr/>
-          <p:nvPr/>
-        </p:nvSpPr>
-        <p:spPr>
-          <a:xfrm>
-            <a:off x="3484067" y="4441246"/>
-            <a:ext cx="1817273" cy="790431"/>
-          </a:xfrm>
-          <a:prstGeom prst="rect">
-            <a:avLst/>
-          </a:prstGeom>
-          <a:solidFill>
-            <a:srgbClr val="FFF89A"/>
-          </a:solidFill>
-          <a:ln>
-            <a:noFill/>
-          </a:ln>
-        </p:spPr>
-        <p:style>
-          <a:lnRef idx="2">
-            <a:schemeClr val="accent1">
-              <a:shade val="50000"/>
-            </a:schemeClr>
-          </a:lnRef>
-          <a:fillRef idx="1">
-            <a:schemeClr val="accent1"/>
-          </a:fillRef>
-          <a:effectRef idx="0">
-            <a:schemeClr val="accent1"/>
-          </a:effectRef>
-          <a:fontRef idx="minor">
-            <a:schemeClr val="lt1"/>
-          </a:fontRef>
-        </p:style>
-        <p:txBody>
-          <a:bodyPr rtlCol="0" anchor="ctr"/>
-          <a:lstStyle/>
-          <a:p>
-            <a:pPr algn="ctr"/>
-            <a:endParaRPr lang="ko-KR" altLang="en-US" dirty="0"/>
-          </a:p>
-        </p:txBody>
-      </p:sp>
-      <p:sp>
-        <p:nvSpPr>
-          <p:cNvPr id="16" name="TextBox 15">
-            <a:extLst>
-              <a:ext uri="{FF2B5EF4-FFF2-40B4-BE49-F238E27FC236}">
-                <a16:creationId xmlns:a16="http://schemas.microsoft.com/office/drawing/2014/main" id="{D06902E1-C8FD-F380-B852-B64F1FD68966}"/>
-              </a:ext>
-            </a:extLst>
-          </p:cNvPr>
-          <p:cNvSpPr txBox="1"/>
-          <p:nvPr/>
-        </p:nvSpPr>
-        <p:spPr>
-          <a:xfrm>
-            <a:off x="3484067" y="4667184"/>
-            <a:ext cx="1817273" cy="338554"/>
-          </a:xfrm>
-          <a:prstGeom prst="rect">
-            <a:avLst/>
-          </a:prstGeom>
-          <a:noFill/>
-        </p:spPr>
-        <p:txBody>
-          <a:bodyPr wrap="square">
-            <a:spAutoFit/>
-          </a:bodyPr>
-          <a:lstStyle/>
-          <a:p>
-            <a:pPr algn="ctr"/>
-            <a:r>
-              <a:rPr lang="en-US" altLang="ko-KR" sz="1600" dirty="0">
-                <a:latin typeface="Consolas" panose="020B0609020204030204" pitchFamily="49" charset="0"/>
-              </a:rPr>
-              <a:t>TodoList.js</a:t>
-            </a:r>
-            <a:endParaRPr lang="ko-KR" altLang="en-US" sz="1600" dirty="0">
-              <a:latin typeface="Consolas" panose="020B0609020204030204" pitchFamily="49" charset="0"/>
-            </a:endParaRPr>
-          </a:p>
-        </p:txBody>
-      </p:sp>
-      <p:sp>
-        <p:nvSpPr>
-          <p:cNvPr id="17" name="직사각형 16">
-            <a:extLst>
-              <a:ext uri="{FF2B5EF4-FFF2-40B4-BE49-F238E27FC236}">
-                <a16:creationId xmlns:a16="http://schemas.microsoft.com/office/drawing/2014/main" id="{AECC2858-6432-4164-C45D-5CC32DBEDB34}"/>
-              </a:ext>
-            </a:extLst>
-          </p:cNvPr>
-          <p:cNvSpPr/>
-          <p:nvPr/>
-        </p:nvSpPr>
-        <p:spPr>
-          <a:xfrm>
-            <a:off x="6424490" y="4441246"/>
-            <a:ext cx="1817273" cy="790431"/>
-          </a:xfrm>
-          <a:prstGeom prst="rect">
-            <a:avLst/>
-          </a:prstGeom>
-          <a:solidFill>
-            <a:srgbClr val="FFF89A"/>
-          </a:solidFill>
-          <a:ln>
-            <a:noFill/>
-          </a:ln>
-        </p:spPr>
-        <p:style>
-          <a:lnRef idx="2">
-            <a:schemeClr val="accent1">
-              <a:shade val="50000"/>
-            </a:schemeClr>
-          </a:lnRef>
-          <a:fillRef idx="1">
-            <a:schemeClr val="accent1"/>
-          </a:fillRef>
-          <a:effectRef idx="0">
-            <a:schemeClr val="accent1"/>
-          </a:effectRef>
-          <a:fontRef idx="minor">
-            <a:schemeClr val="lt1"/>
-          </a:fontRef>
-        </p:style>
-        <p:txBody>
-          <a:bodyPr rtlCol="0" anchor="ctr"/>
-          <a:lstStyle/>
-          <a:p>
-            <a:pPr algn="ctr"/>
-            <a:endParaRPr lang="ko-KR" altLang="en-US" dirty="0"/>
-          </a:p>
-        </p:txBody>
-      </p:sp>
-      <p:sp>
-        <p:nvSpPr>
-          <p:cNvPr id="18" name="TextBox 17">
-            <a:extLst>
-              <a:ext uri="{FF2B5EF4-FFF2-40B4-BE49-F238E27FC236}">
-                <a16:creationId xmlns:a16="http://schemas.microsoft.com/office/drawing/2014/main" id="{E1E88C22-33A1-AC4A-1AD0-39294A091D67}"/>
-              </a:ext>
-            </a:extLst>
-          </p:cNvPr>
-          <p:cNvSpPr txBox="1"/>
-          <p:nvPr/>
-        </p:nvSpPr>
-        <p:spPr>
-          <a:xfrm>
-            <a:off x="6424490" y="4667184"/>
-            <a:ext cx="1817273" cy="338554"/>
-          </a:xfrm>
-          <a:prstGeom prst="rect">
-            <a:avLst/>
-          </a:prstGeom>
-          <a:noFill/>
-        </p:spPr>
-        <p:txBody>
-          <a:bodyPr wrap="square">
-            <a:spAutoFit/>
-          </a:bodyPr>
-          <a:lstStyle/>
-          <a:p>
-            <a:pPr algn="ctr"/>
-            <a:r>
-              <a:rPr lang="en-US" altLang="ko-KR" sz="1600" dirty="0">
-                <a:latin typeface="Consolas" panose="020B0609020204030204" pitchFamily="49" charset="0"/>
-              </a:rPr>
-              <a:t>Copylight.js</a:t>
-            </a:r>
-            <a:endParaRPr lang="ko-KR" altLang="en-US" sz="1600" dirty="0">
-              <a:latin typeface="Consolas" panose="020B0609020204030204" pitchFamily="49" charset="0"/>
-            </a:endParaRPr>
-          </a:p>
-        </p:txBody>
-      </p:sp>
-      <p:cxnSp>
-        <p:nvCxnSpPr>
-          <p:cNvPr id="20" name="직선 연결선 19">
-            <a:extLst>
-              <a:ext uri="{FF2B5EF4-FFF2-40B4-BE49-F238E27FC236}">
-                <a16:creationId xmlns:a16="http://schemas.microsoft.com/office/drawing/2014/main" id="{68E90AEA-C8F8-BE30-E2E9-17A1EC4ADFE8}"/>
-              </a:ext>
-            </a:extLst>
-          </p:cNvPr>
-          <p:cNvCxnSpPr>
-            <a:stCxn id="3" idx="2"/>
-            <a:endCxn id="5" idx="0"/>
-          </p:cNvCxnSpPr>
-          <p:nvPr/>
-        </p:nvCxnSpPr>
-        <p:spPr>
-          <a:xfrm>
-            <a:off x="4392704" y="1225293"/>
-            <a:ext cx="0" cy="535935"/>
-          </a:xfrm>
-          <a:prstGeom prst="line">
-            <a:avLst/>
-          </a:prstGeom>
-          <a:ln w="38100">
-            <a:solidFill>
-              <a:schemeClr val="tx1"/>
-            </a:solidFill>
-          </a:ln>
-        </p:spPr>
-        <p:style>
-          <a:lnRef idx="1">
-            <a:schemeClr val="accent1"/>
-          </a:lnRef>
-          <a:fillRef idx="0">
-            <a:schemeClr val="accent1"/>
-          </a:fillRef>
-          <a:effectRef idx="0">
-            <a:schemeClr val="accent1"/>
-          </a:effectRef>
-          <a:fontRef idx="minor">
-            <a:schemeClr val="tx1"/>
-          </a:fontRef>
-        </p:style>
-      </p:cxnSp>
-      <p:cxnSp>
-        <p:nvCxnSpPr>
-          <p:cNvPr id="22" name="직선 연결선 21">
-            <a:extLst>
-              <a:ext uri="{FF2B5EF4-FFF2-40B4-BE49-F238E27FC236}">
-                <a16:creationId xmlns:a16="http://schemas.microsoft.com/office/drawing/2014/main" id="{4931EB8D-7EA6-2B45-19C0-1B3803585033}"/>
-              </a:ext>
-            </a:extLst>
-          </p:cNvPr>
-          <p:cNvCxnSpPr>
-            <a:cxnSpLocks/>
-            <a:stCxn id="5" idx="2"/>
-            <a:endCxn id="7" idx="0"/>
-          </p:cNvCxnSpPr>
-          <p:nvPr/>
-        </p:nvCxnSpPr>
-        <p:spPr>
-          <a:xfrm>
-            <a:off x="4392704" y="2551659"/>
-            <a:ext cx="0" cy="553845"/>
-          </a:xfrm>
-          <a:prstGeom prst="line">
-            <a:avLst/>
-          </a:prstGeom>
-          <a:ln w="38100">
-            <a:solidFill>
-              <a:schemeClr val="tx1"/>
-            </a:solidFill>
-          </a:ln>
-        </p:spPr>
-        <p:style>
-          <a:lnRef idx="1">
-            <a:schemeClr val="accent1"/>
-          </a:lnRef>
-          <a:fillRef idx="0">
-            <a:schemeClr val="accent1"/>
-          </a:fillRef>
-          <a:effectRef idx="0">
-            <a:schemeClr val="accent1"/>
-          </a:effectRef>
-          <a:fontRef idx="minor">
-            <a:schemeClr val="tx1"/>
-          </a:fontRef>
-        </p:style>
-      </p:cxnSp>
-      <p:cxnSp>
-        <p:nvCxnSpPr>
-          <p:cNvPr id="31" name="직선 연결선 30">
-            <a:extLst>
-              <a:ext uri="{FF2B5EF4-FFF2-40B4-BE49-F238E27FC236}">
-                <a16:creationId xmlns:a16="http://schemas.microsoft.com/office/drawing/2014/main" id="{9FBE12DD-AE25-21B9-A406-5E0C2CB17FBF}"/>
-              </a:ext>
-            </a:extLst>
-          </p:cNvPr>
-          <p:cNvCxnSpPr>
-            <a:cxnSpLocks/>
-            <a:stCxn id="7" idx="2"/>
-            <a:endCxn id="15" idx="0"/>
-          </p:cNvCxnSpPr>
-          <p:nvPr/>
-        </p:nvCxnSpPr>
-        <p:spPr>
-          <a:xfrm>
-            <a:off x="4392704" y="3895935"/>
-            <a:ext cx="0" cy="545311"/>
-          </a:xfrm>
-          <a:prstGeom prst="line">
-            <a:avLst/>
-          </a:prstGeom>
-          <a:ln w="38100">
-            <a:solidFill>
-              <a:schemeClr val="tx1"/>
-            </a:solidFill>
-          </a:ln>
-        </p:spPr>
-        <p:style>
-          <a:lnRef idx="1">
-            <a:schemeClr val="accent1"/>
-          </a:lnRef>
-          <a:fillRef idx="0">
-            <a:schemeClr val="accent1"/>
-          </a:fillRef>
-          <a:effectRef idx="0">
-            <a:schemeClr val="accent1"/>
-          </a:effectRef>
-          <a:fontRef idx="minor">
-            <a:schemeClr val="tx1"/>
-          </a:fontRef>
-        </p:style>
-      </p:cxnSp>
-      <p:cxnSp>
-        <p:nvCxnSpPr>
-          <p:cNvPr id="35" name="직선 연결선 34">
-            <a:extLst>
-              <a:ext uri="{FF2B5EF4-FFF2-40B4-BE49-F238E27FC236}">
-                <a16:creationId xmlns:a16="http://schemas.microsoft.com/office/drawing/2014/main" id="{5F1F85B0-9CEE-14DE-68A4-3478F31A8878}"/>
-              </a:ext>
-            </a:extLst>
-          </p:cNvPr>
-          <p:cNvCxnSpPr>
-            <a:cxnSpLocks/>
-            <a:stCxn id="9" idx="2"/>
-            <a:endCxn id="13" idx="0"/>
-          </p:cNvCxnSpPr>
-          <p:nvPr/>
-        </p:nvCxnSpPr>
-        <p:spPr>
-          <a:xfrm>
-            <a:off x="1452281" y="3895935"/>
-            <a:ext cx="0" cy="545311"/>
-          </a:xfrm>
-          <a:prstGeom prst="line">
-            <a:avLst/>
-          </a:prstGeom>
-          <a:ln w="38100">
-            <a:solidFill>
-              <a:schemeClr val="tx1"/>
-            </a:solidFill>
-          </a:ln>
-        </p:spPr>
-        <p:style>
-          <a:lnRef idx="1">
-            <a:schemeClr val="accent1"/>
-          </a:lnRef>
-          <a:fillRef idx="0">
-            <a:schemeClr val="accent1"/>
-          </a:fillRef>
-          <a:effectRef idx="0">
-            <a:schemeClr val="accent1"/>
-          </a:effectRef>
-          <a:fontRef idx="minor">
-            <a:schemeClr val="tx1"/>
-          </a:fontRef>
-        </p:style>
-      </p:cxnSp>
-      <p:cxnSp>
-        <p:nvCxnSpPr>
-          <p:cNvPr id="38" name="직선 연결선 37">
-            <a:extLst>
-              <a:ext uri="{FF2B5EF4-FFF2-40B4-BE49-F238E27FC236}">
-                <a16:creationId xmlns:a16="http://schemas.microsoft.com/office/drawing/2014/main" id="{F618C174-2335-DE89-314B-5EC471CC172F}"/>
-              </a:ext>
-            </a:extLst>
-          </p:cNvPr>
-          <p:cNvCxnSpPr>
-            <a:cxnSpLocks/>
-            <a:stCxn id="11" idx="2"/>
-            <a:endCxn id="17" idx="0"/>
-          </p:cNvCxnSpPr>
-          <p:nvPr/>
-        </p:nvCxnSpPr>
-        <p:spPr>
-          <a:xfrm>
-            <a:off x="7333127" y="3895935"/>
-            <a:ext cx="0" cy="545311"/>
-          </a:xfrm>
-          <a:prstGeom prst="line">
-            <a:avLst/>
-          </a:prstGeom>
-          <a:ln w="38100">
-            <a:solidFill>
-              <a:schemeClr val="tx1"/>
-            </a:solidFill>
-          </a:ln>
-        </p:spPr>
-        <p:style>
-          <a:lnRef idx="1">
-            <a:schemeClr val="accent1"/>
-          </a:lnRef>
-          <a:fillRef idx="0">
-            <a:schemeClr val="accent1"/>
-          </a:fillRef>
-          <a:effectRef idx="0">
-            <a:schemeClr val="accent1"/>
-          </a:effectRef>
-          <a:fontRef idx="minor">
-            <a:schemeClr val="tx1"/>
-          </a:fontRef>
-        </p:style>
-      </p:cxnSp>
-      <p:sp>
-        <p:nvSpPr>
-          <p:cNvPr id="2" name="직사각형 1">
-            <a:extLst>
-              <a:ext uri="{FF2B5EF4-FFF2-40B4-BE49-F238E27FC236}">
-                <a16:creationId xmlns:a16="http://schemas.microsoft.com/office/drawing/2014/main" id="{701E3040-A5AC-1DF9-AEAE-2EE2C0DFF6DF}"/>
-              </a:ext>
-            </a:extLst>
-          </p:cNvPr>
-          <p:cNvSpPr/>
-          <p:nvPr/>
-        </p:nvSpPr>
-        <p:spPr>
-          <a:xfrm>
-            <a:off x="8435789" y="1225293"/>
-            <a:ext cx="3093457" cy="1880211"/>
-          </a:xfrm>
-          <a:prstGeom prst="rect">
-            <a:avLst/>
-          </a:prstGeom>
-          <a:solidFill>
-            <a:srgbClr val="764ABC"/>
-          </a:solidFill>
-          <a:ln>
-            <a:noFill/>
-          </a:ln>
-        </p:spPr>
-        <p:style>
-          <a:lnRef idx="2">
-            <a:schemeClr val="accent1">
-              <a:shade val="50000"/>
-            </a:schemeClr>
-          </a:lnRef>
-          <a:fillRef idx="1">
-            <a:schemeClr val="accent1"/>
-          </a:fillRef>
-          <a:effectRef idx="0">
-            <a:schemeClr val="accent1"/>
-          </a:effectRef>
-          <a:fontRef idx="minor">
-            <a:schemeClr val="lt1"/>
-          </a:fontRef>
-        </p:style>
-        <p:txBody>
-          <a:bodyPr rtlCol="0" anchor="ctr"/>
-          <a:lstStyle/>
-          <a:p>
-            <a:pPr algn="ctr"/>
-            <a:endParaRPr lang="ko-KR" altLang="en-US"/>
-          </a:p>
-        </p:txBody>
-      </p:sp>
-      <p:cxnSp>
-        <p:nvCxnSpPr>
-          <p:cNvPr id="29" name="연결선: 꺾임 28">
-            <a:extLst>
-              <a:ext uri="{FF2B5EF4-FFF2-40B4-BE49-F238E27FC236}">
-                <a16:creationId xmlns:a16="http://schemas.microsoft.com/office/drawing/2014/main" id="{4154FE32-1C2C-EA48-2869-55BA36E11348}"/>
-              </a:ext>
-            </a:extLst>
-          </p:cNvPr>
-          <p:cNvCxnSpPr>
-            <a:cxnSpLocks/>
-            <a:stCxn id="2" idx="2"/>
-            <a:endCxn id="15" idx="2"/>
-          </p:cNvCxnSpPr>
-          <p:nvPr/>
-        </p:nvCxnSpPr>
-        <p:spPr>
-          <a:xfrm rot="5400000">
-            <a:off x="6124525" y="1373683"/>
-            <a:ext cx="2126173" cy="5589814"/>
-          </a:xfrm>
-          <a:prstGeom prst="bentConnector3">
-            <a:avLst>
-              <a:gd name="adj1" fmla="val 110752"/>
-            </a:avLst>
-          </a:prstGeom>
-          <a:ln w="38100">
-            <a:solidFill>
-              <a:srgbClr val="FF0000"/>
-            </a:solidFill>
-            <a:tailEnd type="triangle"/>
-          </a:ln>
-        </p:spPr>
-        <p:style>
-          <a:lnRef idx="1">
-            <a:schemeClr val="accent1"/>
-          </a:lnRef>
-          <a:fillRef idx="0">
-            <a:schemeClr val="accent1"/>
-          </a:fillRef>
-          <a:effectRef idx="0">
-            <a:schemeClr val="accent1"/>
-          </a:effectRef>
-          <a:fontRef idx="minor">
-            <a:schemeClr val="tx1"/>
-          </a:fontRef>
-        </p:style>
-      </p:cxnSp>
-      <p:cxnSp>
-        <p:nvCxnSpPr>
-          <p:cNvPr id="32" name="연결선: 꺾임 31">
-            <a:extLst>
-              <a:ext uri="{FF2B5EF4-FFF2-40B4-BE49-F238E27FC236}">
-                <a16:creationId xmlns:a16="http://schemas.microsoft.com/office/drawing/2014/main" id="{61CCDC6F-433D-BB98-6503-9A96B0D67A19}"/>
-              </a:ext>
-            </a:extLst>
-          </p:cNvPr>
-          <p:cNvCxnSpPr>
-            <a:cxnSpLocks/>
-            <a:stCxn id="4" idx="3"/>
-            <a:endCxn id="2" idx="0"/>
-          </p:cNvCxnSpPr>
-          <p:nvPr/>
-        </p:nvCxnSpPr>
-        <p:spPr>
-          <a:xfrm>
-            <a:off x="5301340" y="830078"/>
-            <a:ext cx="4681178" cy="395215"/>
-          </a:xfrm>
-          <a:prstGeom prst="bentConnector2">
-            <a:avLst/>
-          </a:prstGeom>
-          <a:ln w="38100">
-            <a:solidFill>
-              <a:srgbClr val="FF0000"/>
-            </a:solidFill>
-            <a:tailEnd type="triangle"/>
-          </a:ln>
-        </p:spPr>
-        <p:style>
-          <a:lnRef idx="1">
-            <a:schemeClr val="accent1"/>
-          </a:lnRef>
-          <a:fillRef idx="0">
-            <a:schemeClr val="accent1"/>
-          </a:fillRef>
-          <a:effectRef idx="0">
-            <a:schemeClr val="accent1"/>
-          </a:effectRef>
-          <a:fontRef idx="minor">
-            <a:schemeClr val="tx1"/>
-          </a:fontRef>
-        </p:style>
-      </p:cxnSp>
-      <p:sp>
-        <p:nvSpPr>
-          <p:cNvPr id="36" name="TextBox 35">
-            <a:extLst>
-              <a:ext uri="{FF2B5EF4-FFF2-40B4-BE49-F238E27FC236}">
-                <a16:creationId xmlns:a16="http://schemas.microsoft.com/office/drawing/2014/main" id="{297AFD8F-D5B2-712A-4B59-B72878648976}"/>
-              </a:ext>
-            </a:extLst>
-          </p:cNvPr>
-          <p:cNvSpPr txBox="1"/>
-          <p:nvPr/>
-        </p:nvSpPr>
-        <p:spPr>
-          <a:xfrm>
-            <a:off x="9495221" y="1281954"/>
-            <a:ext cx="974592" cy="307777"/>
-          </a:xfrm>
-          <a:prstGeom prst="rect">
-            <a:avLst/>
-          </a:prstGeom>
-          <a:noFill/>
-        </p:spPr>
-        <p:txBody>
-          <a:bodyPr wrap="square" rtlCol="0">
-            <a:spAutoFit/>
-          </a:bodyPr>
-          <a:lstStyle/>
-          <a:p>
-            <a:pPr algn="ctr"/>
-            <a:r>
-              <a:rPr lang="en-US" altLang="ko-KR" sz="1400" dirty="0">
-                <a:solidFill>
-                  <a:schemeClr val="bg1"/>
-                </a:solidFill>
-                <a:latin typeface="Consolas" panose="020B0609020204030204" pitchFamily="49" charset="0"/>
-              </a:rPr>
-              <a:t>Redux</a:t>
-            </a:r>
-            <a:endParaRPr lang="ko-KR" altLang="en-US" sz="1400" dirty="0">
-              <a:solidFill>
-                <a:schemeClr val="bg1"/>
-              </a:solidFill>
-              <a:latin typeface="Consolas" panose="020B0609020204030204" pitchFamily="49" charset="0"/>
-            </a:endParaRPr>
-          </a:p>
-        </p:txBody>
-      </p:sp>
-      <p:sp>
-        <p:nvSpPr>
-          <p:cNvPr id="55" name="직사각형 54">
-            <a:extLst>
-              <a:ext uri="{FF2B5EF4-FFF2-40B4-BE49-F238E27FC236}">
-                <a16:creationId xmlns:a16="http://schemas.microsoft.com/office/drawing/2014/main" id="{6F53C8A0-9B1B-E79F-9B24-FBA5ACF73358}"/>
-              </a:ext>
-            </a:extLst>
-          </p:cNvPr>
-          <p:cNvSpPr/>
-          <p:nvPr/>
-        </p:nvSpPr>
-        <p:spPr>
-          <a:xfrm>
-            <a:off x="8525435" y="1646392"/>
-            <a:ext cx="2931459" cy="1374715"/>
-          </a:xfrm>
-          <a:prstGeom prst="rect">
-            <a:avLst/>
-          </a:prstGeom>
-          <a:solidFill>
-            <a:srgbClr val="9ADCFF"/>
-          </a:solidFill>
-          <a:ln>
-            <a:noFill/>
-          </a:ln>
-        </p:spPr>
-        <p:style>
-          <a:lnRef idx="2">
-            <a:schemeClr val="accent1">
-              <a:shade val="50000"/>
-            </a:schemeClr>
-          </a:lnRef>
-          <a:fillRef idx="1">
-            <a:schemeClr val="accent1"/>
-          </a:fillRef>
-          <a:effectRef idx="0">
-            <a:schemeClr val="accent1"/>
-          </a:effectRef>
-          <a:fontRef idx="minor">
-            <a:schemeClr val="lt1"/>
-          </a:fontRef>
-        </p:style>
-        <p:txBody>
-          <a:bodyPr rtlCol="0" anchor="ctr"/>
-          <a:lstStyle/>
-          <a:p>
-            <a:pPr algn="ctr"/>
-            <a:endParaRPr lang="ko-KR" altLang="en-US"/>
-          </a:p>
-        </p:txBody>
-      </p:sp>
-      <p:sp>
-        <p:nvSpPr>
-          <p:cNvPr id="68" name="직사각형 67">
-            <a:extLst>
-              <a:ext uri="{FF2B5EF4-FFF2-40B4-BE49-F238E27FC236}">
-                <a16:creationId xmlns:a16="http://schemas.microsoft.com/office/drawing/2014/main" id="{CAD94270-3DDC-BF5F-CB0F-D247AB4744DC}"/>
-              </a:ext>
-            </a:extLst>
-          </p:cNvPr>
-          <p:cNvSpPr/>
-          <p:nvPr/>
-        </p:nvSpPr>
-        <p:spPr>
-          <a:xfrm>
-            <a:off x="8589485" y="2409565"/>
-            <a:ext cx="1393033" cy="547722"/>
-          </a:xfrm>
-          <a:prstGeom prst="rect">
-            <a:avLst/>
-          </a:prstGeom>
-          <a:solidFill>
-            <a:srgbClr val="FFD966"/>
-          </a:solidFill>
-          <a:ln>
-            <a:noFill/>
-          </a:ln>
-        </p:spPr>
-        <p:style>
-          <a:lnRef idx="2">
-            <a:schemeClr val="accent1">
-              <a:shade val="50000"/>
-            </a:schemeClr>
-          </a:lnRef>
-          <a:fillRef idx="1">
-            <a:schemeClr val="accent1"/>
-          </a:fillRef>
-          <a:effectRef idx="0">
-            <a:schemeClr val="accent1"/>
-          </a:effectRef>
-          <a:fontRef idx="minor">
-            <a:schemeClr val="lt1"/>
-          </a:fontRef>
-        </p:style>
-        <p:txBody>
-          <a:bodyPr rtlCol="0" anchor="ctr"/>
-          <a:lstStyle/>
-          <a:p>
-            <a:pPr algn="ctr"/>
-            <a:endParaRPr lang="ko-KR" altLang="en-US"/>
-          </a:p>
-        </p:txBody>
-      </p:sp>
-      <p:sp>
-        <p:nvSpPr>
-          <p:cNvPr id="69" name="TextBox 68">
-            <a:extLst>
-              <a:ext uri="{FF2B5EF4-FFF2-40B4-BE49-F238E27FC236}">
-                <a16:creationId xmlns:a16="http://schemas.microsoft.com/office/drawing/2014/main" id="{E523C75E-C5F0-92C8-C476-033C4E8B2C99}"/>
-              </a:ext>
-            </a:extLst>
-          </p:cNvPr>
-          <p:cNvSpPr txBox="1"/>
-          <p:nvPr/>
-        </p:nvSpPr>
-        <p:spPr>
-          <a:xfrm>
-            <a:off x="8739057" y="2527532"/>
-            <a:ext cx="1093887" cy="307777"/>
-          </a:xfrm>
-          <a:prstGeom prst="rect">
-            <a:avLst/>
-          </a:prstGeom>
-          <a:noFill/>
-        </p:spPr>
-        <p:txBody>
-          <a:bodyPr wrap="square">
-            <a:spAutoFit/>
-          </a:bodyPr>
-          <a:lstStyle/>
-          <a:p>
-            <a:pPr algn="ctr"/>
-            <a:r>
-              <a:rPr lang="en-US" altLang="ko-KR" sz="1400" dirty="0">
-                <a:latin typeface="Consolas" panose="020B0609020204030204" pitchFamily="49" charset="0"/>
-              </a:rPr>
-              <a:t>State</a:t>
-            </a:r>
-            <a:endParaRPr lang="ko-KR" altLang="en-US" sz="1400" dirty="0">
-              <a:latin typeface="Consolas" panose="020B0609020204030204" pitchFamily="49" charset="0"/>
-            </a:endParaRPr>
-          </a:p>
-        </p:txBody>
-      </p:sp>
-      <p:sp>
-        <p:nvSpPr>
-          <p:cNvPr id="70" name="TextBox 69">
-            <a:extLst>
-              <a:ext uri="{FF2B5EF4-FFF2-40B4-BE49-F238E27FC236}">
-                <a16:creationId xmlns:a16="http://schemas.microsoft.com/office/drawing/2014/main" id="{93107B24-F1E8-D826-13C5-30FB6A89FE34}"/>
-              </a:ext>
-            </a:extLst>
-          </p:cNvPr>
-          <p:cNvSpPr txBox="1"/>
-          <p:nvPr/>
-        </p:nvSpPr>
-        <p:spPr>
-          <a:xfrm>
-            <a:off x="10072164" y="2447248"/>
-            <a:ext cx="1088896" cy="307777"/>
-          </a:xfrm>
-          <a:prstGeom prst="rect">
-            <a:avLst/>
-          </a:prstGeom>
-          <a:noFill/>
-        </p:spPr>
-        <p:txBody>
-          <a:bodyPr wrap="square">
-            <a:spAutoFit/>
-          </a:bodyPr>
-          <a:lstStyle/>
-          <a:p>
-            <a:pPr algn="ctr"/>
-            <a:r>
-              <a:rPr lang="en-US" altLang="ko-KR" sz="1400" dirty="0">
-                <a:latin typeface="Consolas" panose="020B0609020204030204" pitchFamily="49" charset="0"/>
-              </a:rPr>
-              <a:t>New State</a:t>
-            </a:r>
-            <a:endParaRPr lang="en-US" altLang="ko-KR" sz="1400" b="0" dirty="0">
-              <a:effectLst/>
-              <a:latin typeface="Consolas" panose="020B0609020204030204" pitchFamily="49" charset="0"/>
-            </a:endParaRPr>
-          </a:p>
-        </p:txBody>
-      </p:sp>
-      <p:cxnSp>
-        <p:nvCxnSpPr>
-          <p:cNvPr id="71" name="연결선: 꺾임 70">
-            <a:extLst>
-              <a:ext uri="{FF2B5EF4-FFF2-40B4-BE49-F238E27FC236}">
-                <a16:creationId xmlns:a16="http://schemas.microsoft.com/office/drawing/2014/main" id="{5C00005F-961D-6843-9084-C5ECFFB4A96E}"/>
-              </a:ext>
-            </a:extLst>
-          </p:cNvPr>
-          <p:cNvCxnSpPr>
-            <a:cxnSpLocks/>
-            <a:stCxn id="73" idx="3"/>
-          </p:cNvCxnSpPr>
-          <p:nvPr/>
-        </p:nvCxnSpPr>
-        <p:spPr>
-          <a:xfrm flipH="1">
-            <a:off x="10028804" y="2023089"/>
-            <a:ext cx="1024679" cy="812220"/>
-          </a:xfrm>
-          <a:prstGeom prst="bentConnector3">
-            <a:avLst>
-              <a:gd name="adj1" fmla="val -22309"/>
-            </a:avLst>
-          </a:prstGeom>
-          <a:ln w="38100">
-            <a:solidFill>
-              <a:srgbClr val="FF0000"/>
-            </a:solidFill>
-            <a:tailEnd type="triangle"/>
-          </a:ln>
-        </p:spPr>
-        <p:style>
-          <a:lnRef idx="1">
-            <a:schemeClr val="accent1"/>
-          </a:lnRef>
-          <a:fillRef idx="0">
-            <a:schemeClr val="accent1"/>
-          </a:fillRef>
-          <a:effectRef idx="0">
-            <a:schemeClr val="accent1"/>
-          </a:effectRef>
-          <a:fontRef idx="minor">
-            <a:schemeClr val="tx1"/>
-          </a:fontRef>
-        </p:style>
-      </p:cxnSp>
-      <p:sp>
-        <p:nvSpPr>
-          <p:cNvPr id="73" name="직사각형 72">
-            <a:extLst>
-              <a:ext uri="{FF2B5EF4-FFF2-40B4-BE49-F238E27FC236}">
-                <a16:creationId xmlns:a16="http://schemas.microsoft.com/office/drawing/2014/main" id="{923908B5-A214-74DE-F316-41BA59B92911}"/>
-              </a:ext>
-            </a:extLst>
-          </p:cNvPr>
-          <p:cNvSpPr/>
-          <p:nvPr/>
-        </p:nvSpPr>
-        <p:spPr>
-          <a:xfrm>
-            <a:off x="8589485" y="1761228"/>
-            <a:ext cx="2463998" cy="523722"/>
-          </a:xfrm>
-          <a:prstGeom prst="rect">
-            <a:avLst/>
-          </a:prstGeom>
-          <a:solidFill>
-            <a:srgbClr val="FFD966"/>
-          </a:solidFill>
-          <a:ln>
-            <a:noFill/>
-          </a:ln>
-        </p:spPr>
-        <p:style>
-          <a:lnRef idx="2">
-            <a:schemeClr val="accent1">
-              <a:shade val="50000"/>
-            </a:schemeClr>
-          </a:lnRef>
-          <a:fillRef idx="1">
-            <a:schemeClr val="accent1"/>
-          </a:fillRef>
-          <a:effectRef idx="0">
-            <a:schemeClr val="accent1"/>
-          </a:effectRef>
-          <a:fontRef idx="minor">
-            <a:schemeClr val="lt1"/>
-          </a:fontRef>
-        </p:style>
-        <p:txBody>
-          <a:bodyPr rtlCol="0" anchor="ctr"/>
-          <a:lstStyle/>
-          <a:p>
-            <a:pPr algn="ctr"/>
-            <a:endParaRPr lang="ko-KR" altLang="en-US"/>
-          </a:p>
-        </p:txBody>
-      </p:sp>
-      <p:sp>
-        <p:nvSpPr>
-          <p:cNvPr id="72" name="TextBox 71">
-            <a:extLst>
-              <a:ext uri="{FF2B5EF4-FFF2-40B4-BE49-F238E27FC236}">
-                <a16:creationId xmlns:a16="http://schemas.microsoft.com/office/drawing/2014/main" id="{A7C5832B-3D3D-D455-C430-57ECF5246C44}"/>
-              </a:ext>
-            </a:extLst>
-          </p:cNvPr>
-          <p:cNvSpPr txBox="1"/>
-          <p:nvPr/>
-        </p:nvSpPr>
-        <p:spPr>
-          <a:xfrm>
-            <a:off x="8632867" y="1856941"/>
-            <a:ext cx="2420616" cy="307777"/>
-          </a:xfrm>
-          <a:prstGeom prst="rect">
-            <a:avLst/>
-          </a:prstGeom>
-          <a:noFill/>
-        </p:spPr>
-        <p:txBody>
-          <a:bodyPr wrap="square">
-            <a:spAutoFit/>
-          </a:bodyPr>
-          <a:lstStyle/>
-          <a:p>
-            <a:r>
-              <a:rPr lang="en-US" altLang="ko-KR" sz="1400" dirty="0">
-                <a:latin typeface="Consolas" panose="020B0609020204030204" pitchFamily="49" charset="0"/>
-              </a:rPr>
-              <a:t>Reducer(</a:t>
-            </a:r>
-            <a:r>
-              <a:rPr lang="en-US" altLang="ko-KR" sz="1400" b="0" dirty="0">
-                <a:effectLst/>
-                <a:latin typeface="Consolas" panose="020B0609020204030204" pitchFamily="49" charset="0"/>
-              </a:rPr>
-              <a:t>state, action)</a:t>
-            </a:r>
-          </a:p>
-        </p:txBody>
-      </p:sp>
-    </p:spTree>
-    <p:extLst>
-      <p:ext uri="{BB962C8B-B14F-4D97-AF65-F5344CB8AC3E}">
-        <p14:creationId xmlns:p14="http://schemas.microsoft.com/office/powerpoint/2010/main" val="2717365359"/>
-      </p:ext>
-    </p:extLst>
-  </p:cSld>
-  <p:clrMapOvr>
-    <a:masterClrMapping/>
-  </p:clrMapOvr>
-</p:sld>
-</file>
-
 <file path=ppt/slides/slide22.xml><?xml version="1.0" encoding="utf-8"?>
 <p:sld xmlns:a="http://schemas.openxmlformats.org/drawingml/2006/main" xmlns:r="http://schemas.openxmlformats.org/officeDocument/2006/relationships" xmlns:p="http://schemas.openxmlformats.org/presentationml/2006/main">
   <p:cSld>
@@ -19534,10 +18510,10 @@
       </p:grpSpPr>
       <p:sp>
         <p:nvSpPr>
-          <p:cNvPr id="2" name="직사각형 1">
-            <a:extLst>
-              <a:ext uri="{FF2B5EF4-FFF2-40B4-BE49-F238E27FC236}">
-                <a16:creationId xmlns:a16="http://schemas.microsoft.com/office/drawing/2014/main" id="{0D7D8B67-EF5C-8769-4A40-B05FF75C0107}"/>
+          <p:cNvPr id="76" name="직사각형 75">
+            <a:extLst>
+              <a:ext uri="{FF2B5EF4-FFF2-40B4-BE49-F238E27FC236}">
+                <a16:creationId xmlns:a16="http://schemas.microsoft.com/office/drawing/2014/main" id="{DFEC3D0B-83BF-99E4-8198-812C75DEC08B}"/>
               </a:ext>
             </a:extLst>
           </p:cNvPr>
@@ -19546,14 +18522,14 @@
         </p:nvSpPr>
         <p:spPr>
           <a:xfrm>
-            <a:off x="293913" y="304799"/>
-            <a:ext cx="4528458" cy="5519057"/>
+            <a:off x="259976" y="116541"/>
+            <a:ext cx="11564471" cy="5827059"/>
           </a:xfrm>
           <a:prstGeom prst="rect">
             <a:avLst/>
           </a:prstGeom>
           <a:solidFill>
-            <a:srgbClr val="9999FF"/>
+            <a:schemeClr val="bg1"/>
           </a:solidFill>
           <a:ln>
             <a:noFill/>
@@ -19584,12 +18560,102 @@
           </a:p>
         </p:txBody>
       </p:sp>
+      <p:cxnSp>
+        <p:nvCxnSpPr>
+          <p:cNvPr id="25" name="직선 연결선 24">
+            <a:extLst>
+              <a:ext uri="{FF2B5EF4-FFF2-40B4-BE49-F238E27FC236}">
+                <a16:creationId xmlns:a16="http://schemas.microsoft.com/office/drawing/2014/main" id="{589B53A2-D17D-BD3C-F179-930124FEB715}"/>
+              </a:ext>
+            </a:extLst>
+          </p:cNvPr>
+          <p:cNvCxnSpPr>
+            <a:cxnSpLocks/>
+            <a:stCxn id="5" idx="2"/>
+            <a:endCxn id="9" idx="0"/>
+          </p:cNvCxnSpPr>
+          <p:nvPr/>
+        </p:nvCxnSpPr>
+        <p:spPr>
+          <a:xfrm flipH="1">
+            <a:off x="1452281" y="2551659"/>
+            <a:ext cx="2940423" cy="553845"/>
+          </a:xfrm>
+          <a:prstGeom prst="line">
+            <a:avLst/>
+          </a:prstGeom>
+          <a:ln w="38100">
+            <a:solidFill>
+              <a:schemeClr val="tx1"/>
+            </a:solidFill>
+          </a:ln>
+        </p:spPr>
+        <p:style>
+          <a:lnRef idx="1">
+            <a:schemeClr val="accent1"/>
+          </a:lnRef>
+          <a:fillRef idx="0">
+            <a:schemeClr val="accent1"/>
+          </a:fillRef>
+          <a:effectRef idx="0">
+            <a:schemeClr val="accent1"/>
+          </a:effectRef>
+          <a:fontRef idx="minor">
+            <a:schemeClr val="tx1"/>
+          </a:fontRef>
+        </p:style>
+      </p:cxnSp>
+      <p:cxnSp>
+        <p:nvCxnSpPr>
+          <p:cNvPr id="28" name="직선 연결선 27">
+            <a:extLst>
+              <a:ext uri="{FF2B5EF4-FFF2-40B4-BE49-F238E27FC236}">
+                <a16:creationId xmlns:a16="http://schemas.microsoft.com/office/drawing/2014/main" id="{D045EB02-11E0-04B7-92E8-D26E80F6FB3D}"/>
+              </a:ext>
+            </a:extLst>
+          </p:cNvPr>
+          <p:cNvCxnSpPr>
+            <a:cxnSpLocks/>
+            <a:stCxn id="5" idx="2"/>
+            <a:endCxn id="11" idx="0"/>
+          </p:cNvCxnSpPr>
+          <p:nvPr/>
+        </p:nvCxnSpPr>
+        <p:spPr>
+          <a:xfrm>
+            <a:off x="4392704" y="2551659"/>
+            <a:ext cx="2940423" cy="553845"/>
+          </a:xfrm>
+          <a:prstGeom prst="line">
+            <a:avLst/>
+          </a:prstGeom>
+          <a:ln w="38100">
+            <a:solidFill>
+              <a:schemeClr val="tx1"/>
+            </a:solidFill>
+          </a:ln>
+        </p:spPr>
+        <p:style>
+          <a:lnRef idx="1">
+            <a:schemeClr val="accent1"/>
+          </a:lnRef>
+          <a:fillRef idx="0">
+            <a:schemeClr val="accent1"/>
+          </a:fillRef>
+          <a:effectRef idx="0">
+            <a:schemeClr val="accent1"/>
+          </a:effectRef>
+          <a:fontRef idx="minor">
+            <a:schemeClr val="tx1"/>
+          </a:fontRef>
+        </p:style>
+      </p:cxnSp>
       <p:sp>
         <p:nvSpPr>
           <p:cNvPr id="3" name="직사각형 2">
             <a:extLst>
               <a:ext uri="{FF2B5EF4-FFF2-40B4-BE49-F238E27FC236}">
-                <a16:creationId xmlns:a16="http://schemas.microsoft.com/office/drawing/2014/main" id="{BCF6B801-239F-D912-4CC6-89B0697E402F}"/>
+                <a16:creationId xmlns:a16="http://schemas.microsoft.com/office/drawing/2014/main" id="{1EAC7F0C-2487-735B-89BA-8A62F9B13694}"/>
               </a:ext>
             </a:extLst>
           </p:cNvPr>
@@ -19598,14 +18664,14 @@
         </p:nvSpPr>
         <p:spPr>
           <a:xfrm>
-            <a:off x="514348" y="859970"/>
-            <a:ext cx="4087587" cy="4735285"/>
+            <a:off x="3484067" y="434862"/>
+            <a:ext cx="1817273" cy="790431"/>
           </a:xfrm>
           <a:prstGeom prst="rect">
             <a:avLst/>
           </a:prstGeom>
           <a:solidFill>
-            <a:srgbClr val="FFD966"/>
+            <a:srgbClr val="9999FF"/>
           </a:solidFill>
           <a:ln>
             <a:noFill/>
@@ -19632,16 +18698,16 @@
           <a:lstStyle/>
           <a:p>
             <a:pPr algn="ctr"/>
-            <a:endParaRPr lang="ko-KR" altLang="en-US"/>
-          </a:p>
-        </p:txBody>
-      </p:sp>
-      <p:sp>
-        <p:nvSpPr>
-          <p:cNvPr id="5" name="TextBox 4">
-            <a:extLst>
-              <a:ext uri="{FF2B5EF4-FFF2-40B4-BE49-F238E27FC236}">
-                <a16:creationId xmlns:a16="http://schemas.microsoft.com/office/drawing/2014/main" id="{1FAD1540-E3A4-D3E9-8C5F-B91357B28673}"/>
+            <a:endParaRPr lang="ko-KR" altLang="en-US" dirty="0"/>
+          </a:p>
+        </p:txBody>
+      </p:sp>
+      <p:sp>
+        <p:nvSpPr>
+          <p:cNvPr id="4" name="TextBox 3">
+            <a:extLst>
+              <a:ext uri="{FF2B5EF4-FFF2-40B4-BE49-F238E27FC236}">
+                <a16:creationId xmlns:a16="http://schemas.microsoft.com/office/drawing/2014/main" id="{CC762211-1081-FAD1-89A8-38D0EE1A1C26}"/>
               </a:ext>
             </a:extLst>
           </p:cNvPr>
@@ -19650,8 +18716,8 @@
         </p:nvSpPr>
         <p:spPr>
           <a:xfrm>
-            <a:off x="715552" y="397719"/>
-            <a:ext cx="3685178" cy="369332"/>
+            <a:off x="3484067" y="660801"/>
+            <a:ext cx="1817273" cy="338554"/>
           </a:xfrm>
           <a:prstGeom prst="rect">
             <a:avLst/>
@@ -19666,14 +18732,65 @@
           <a:p>
             <a:pPr algn="ctr"/>
             <a:r>
-              <a:rPr lang="en-US" altLang="ko-KR" b="0" i="0" dirty="0">
-                <a:solidFill>
-                  <a:srgbClr val="292929"/>
-                </a:solidFill>
-                <a:effectLst/>
+              <a:rPr lang="en-US" altLang="ko-KR" sz="1600" dirty="0">
+                <a:latin typeface="Consolas" panose="020B0609020204030204" pitchFamily="49" charset="0"/>
               </a:rPr>
-              <a:t>URI(Uniform resource Identifier)</a:t>
-            </a:r>
+              <a:t>index.js</a:t>
+            </a:r>
+            <a:endParaRPr lang="ko-KR" altLang="en-US" sz="1600" dirty="0">
+              <a:latin typeface="Consolas" panose="020B0609020204030204" pitchFamily="49" charset="0"/>
+            </a:endParaRPr>
+          </a:p>
+        </p:txBody>
+      </p:sp>
+      <p:sp>
+        <p:nvSpPr>
+          <p:cNvPr id="5" name="직사각형 4">
+            <a:extLst>
+              <a:ext uri="{FF2B5EF4-FFF2-40B4-BE49-F238E27FC236}">
+                <a16:creationId xmlns:a16="http://schemas.microsoft.com/office/drawing/2014/main" id="{661625D7-CF4D-B4A0-C306-C840686AD243}"/>
+              </a:ext>
+            </a:extLst>
+          </p:cNvPr>
+          <p:cNvSpPr/>
+          <p:nvPr/>
+        </p:nvSpPr>
+        <p:spPr>
+          <a:xfrm>
+            <a:off x="3484067" y="1761228"/>
+            <a:ext cx="1817273" cy="790431"/>
+          </a:xfrm>
+          <a:prstGeom prst="rect">
+            <a:avLst/>
+          </a:prstGeom>
+          <a:solidFill>
+            <a:srgbClr val="9ADCFF"/>
+          </a:solidFill>
+          <a:ln>
+            <a:noFill/>
+          </a:ln>
+        </p:spPr>
+        <p:style>
+          <a:lnRef idx="2">
+            <a:schemeClr val="accent1">
+              <a:shade val="50000"/>
+            </a:schemeClr>
+          </a:lnRef>
+          <a:fillRef idx="1">
+            <a:schemeClr val="accent1"/>
+          </a:fillRef>
+          <a:effectRef idx="0">
+            <a:schemeClr val="accent1"/>
+          </a:effectRef>
+          <a:fontRef idx="minor">
+            <a:schemeClr val="lt1"/>
+          </a:fontRef>
+        </p:style>
+        <p:txBody>
+          <a:bodyPr rtlCol="0" anchor="ctr"/>
+          <a:lstStyle/>
+          <a:p>
+            <a:pPr algn="ctr"/>
             <a:endParaRPr lang="ko-KR" altLang="en-US" dirty="0"/>
           </a:p>
         </p:txBody>
@@ -19683,7 +18800,7 @@
           <p:cNvPr id="6" name="TextBox 5">
             <a:extLst>
               <a:ext uri="{FF2B5EF4-FFF2-40B4-BE49-F238E27FC236}">
-                <a16:creationId xmlns:a16="http://schemas.microsoft.com/office/drawing/2014/main" id="{FB495288-2C54-FF53-F4B9-7BC8FD2D2F4E}"/>
+                <a16:creationId xmlns:a16="http://schemas.microsoft.com/office/drawing/2014/main" id="{7644D3C6-0D33-E2C7-0989-FC25A04618F3}"/>
               </a:ext>
             </a:extLst>
           </p:cNvPr>
@@ -19692,8 +18809,8 @@
         </p:nvSpPr>
         <p:spPr>
           <a:xfrm>
-            <a:off x="715552" y="1034144"/>
-            <a:ext cx="3685178" cy="369332"/>
+            <a:off x="3484067" y="1987166"/>
+            <a:ext cx="1817273" cy="338554"/>
           </a:xfrm>
           <a:prstGeom prst="rect">
             <a:avLst/>
@@ -19708,27 +18825,75 @@
           <a:p>
             <a:pPr algn="ctr"/>
             <a:r>
-              <a:rPr lang="en-US" altLang="ko-KR" b="0" i="0" dirty="0">
-                <a:solidFill>
-                  <a:srgbClr val="292929"/>
-                </a:solidFill>
-                <a:effectLst/>
-                <a:latin typeface="+mj-lt"/>
+              <a:rPr lang="en-US" altLang="ko-KR" sz="1600" dirty="0">
+                <a:latin typeface="Consolas" panose="020B0609020204030204" pitchFamily="49" charset="0"/>
               </a:rPr>
-              <a:t>URL(Uniform Resource Locator)</a:t>
-            </a:r>
-            <a:endParaRPr lang="ko-KR" altLang="en-US" dirty="0">
-              <a:latin typeface="+mj-lt"/>
+              <a:t>App.js</a:t>
+            </a:r>
+            <a:endParaRPr lang="ko-KR" altLang="en-US" sz="1600" dirty="0">
+              <a:latin typeface="Consolas" panose="020B0609020204030204" pitchFamily="49" charset="0"/>
             </a:endParaRPr>
           </a:p>
         </p:txBody>
       </p:sp>
       <p:sp>
         <p:nvSpPr>
+          <p:cNvPr id="7" name="직사각형 6">
+            <a:extLst>
+              <a:ext uri="{FF2B5EF4-FFF2-40B4-BE49-F238E27FC236}">
+                <a16:creationId xmlns:a16="http://schemas.microsoft.com/office/drawing/2014/main" id="{BE8EE336-2A7E-8809-E1C4-C314B6EF22C2}"/>
+              </a:ext>
+            </a:extLst>
+          </p:cNvPr>
+          <p:cNvSpPr/>
+          <p:nvPr/>
+        </p:nvSpPr>
+        <p:spPr>
+          <a:xfrm>
+            <a:off x="3484067" y="3105504"/>
+            <a:ext cx="1817273" cy="790431"/>
+          </a:xfrm>
+          <a:prstGeom prst="rect">
+            <a:avLst/>
+          </a:prstGeom>
+          <a:solidFill>
+            <a:srgbClr val="FFD966"/>
+          </a:solidFill>
+          <a:ln>
+            <a:noFill/>
+          </a:ln>
+        </p:spPr>
+        <p:style>
+          <a:lnRef idx="2">
+            <a:schemeClr val="accent1">
+              <a:shade val="50000"/>
+            </a:schemeClr>
+          </a:lnRef>
+          <a:fillRef idx="1">
+            <a:schemeClr val="accent1"/>
+          </a:fillRef>
+          <a:effectRef idx="0">
+            <a:schemeClr val="accent1"/>
+          </a:effectRef>
+          <a:fontRef idx="minor">
+            <a:schemeClr val="lt1"/>
+          </a:fontRef>
+        </p:style>
+        <p:txBody>
+          <a:bodyPr rtlCol="0" anchor="ctr"/>
+          <a:lstStyle/>
+          <a:p>
+            <a:pPr algn="ctr"/>
+            <a:endParaRPr lang="ko-KR" altLang="en-US" dirty="0"/>
+          </a:p>
+        </p:txBody>
+      </p:sp>
+      <p:sp>
+        <p:nvSpPr>
           <p:cNvPr id="8" name="TextBox 7">
             <a:extLst>
               <a:ext uri="{FF2B5EF4-FFF2-40B4-BE49-F238E27FC236}">
-                <a16:creationId xmlns:a16="http://schemas.microsoft.com/office/drawing/2014/main" id="{48A83208-55E0-0A97-1F34-D5FE16B6A40A}"/>
+                <a16:creationId xmlns:a16="http://schemas.microsoft.com/office/drawing/2014/main" id="{D19C9420-E42B-03DF-38CE-FA05B6E532ED}"/>
               </a:ext>
             </a:extLst>
           </p:cNvPr>
@@ -19737,8 +18902,8 @@
         </p:nvSpPr>
         <p:spPr>
           <a:xfrm>
-            <a:off x="4917300" y="397719"/>
-            <a:ext cx="6639807" cy="338554"/>
+            <a:off x="3484067" y="3331442"/>
+            <a:ext cx="1817273" cy="338554"/>
           </a:xfrm>
           <a:prstGeom prst="rect">
             <a:avLst/>
@@ -19751,88 +18916,1235 @@
           </a:bodyPr>
           <a:lstStyle/>
           <a:p>
+            <a:pPr algn="ctr"/>
             <a:r>
               <a:rPr lang="en-US" altLang="ko-KR" sz="1600" dirty="0">
-                <a:latin typeface="+mj-lt"/>
+                <a:latin typeface="Consolas" panose="020B0609020204030204" pitchFamily="49" charset="0"/>
               </a:rPr>
-              <a:t>https://</a:t>
-            </a:r>
-            <a:r>
-              <a:rPr lang="ko-KR" altLang="en-US" sz="1600" dirty="0">
-                <a:latin typeface="+mj-lt"/>
+              <a:t>Body.js</a:t>
+            </a:r>
+            <a:endParaRPr lang="ko-KR" altLang="en-US" sz="1600" dirty="0">
+              <a:latin typeface="Consolas" panose="020B0609020204030204" pitchFamily="49" charset="0"/>
+            </a:endParaRPr>
+          </a:p>
+        </p:txBody>
+      </p:sp>
+      <p:sp>
+        <p:nvSpPr>
+          <p:cNvPr id="9" name="직사각형 8">
+            <a:extLst>
+              <a:ext uri="{FF2B5EF4-FFF2-40B4-BE49-F238E27FC236}">
+                <a16:creationId xmlns:a16="http://schemas.microsoft.com/office/drawing/2014/main" id="{C32F15E6-041E-F426-090B-B4B5D269507F}"/>
+              </a:ext>
+            </a:extLst>
+          </p:cNvPr>
+          <p:cNvSpPr/>
+          <p:nvPr/>
+        </p:nvSpPr>
+        <p:spPr>
+          <a:xfrm>
+            <a:off x="543644" y="3105504"/>
+            <a:ext cx="1817273" cy="790431"/>
+          </a:xfrm>
+          <a:prstGeom prst="rect">
+            <a:avLst/>
+          </a:prstGeom>
+          <a:solidFill>
+            <a:srgbClr val="FFD966"/>
+          </a:solidFill>
+          <a:ln>
+            <a:noFill/>
+          </a:ln>
+        </p:spPr>
+        <p:style>
+          <a:lnRef idx="2">
+            <a:schemeClr val="accent1">
+              <a:shade val="50000"/>
+            </a:schemeClr>
+          </a:lnRef>
+          <a:fillRef idx="1">
+            <a:schemeClr val="accent1"/>
+          </a:fillRef>
+          <a:effectRef idx="0">
+            <a:schemeClr val="accent1"/>
+          </a:effectRef>
+          <a:fontRef idx="minor">
+            <a:schemeClr val="lt1"/>
+          </a:fontRef>
+        </p:style>
+        <p:txBody>
+          <a:bodyPr rtlCol="0" anchor="ctr"/>
+          <a:lstStyle/>
+          <a:p>
+            <a:pPr algn="ctr"/>
+            <a:endParaRPr lang="ko-KR" altLang="en-US" dirty="0"/>
+          </a:p>
+        </p:txBody>
+      </p:sp>
+      <p:sp>
+        <p:nvSpPr>
+          <p:cNvPr id="10" name="TextBox 9">
+            <a:extLst>
+              <a:ext uri="{FF2B5EF4-FFF2-40B4-BE49-F238E27FC236}">
+                <a16:creationId xmlns:a16="http://schemas.microsoft.com/office/drawing/2014/main" id="{D50FBC27-0D34-478D-C2AC-A5F67052EFF4}"/>
+              </a:ext>
+            </a:extLst>
+          </p:cNvPr>
+          <p:cNvSpPr txBox="1"/>
+          <p:nvPr/>
+        </p:nvSpPr>
+        <p:spPr>
+          <a:xfrm>
+            <a:off x="543644" y="3331442"/>
+            <a:ext cx="1817273" cy="338554"/>
+          </a:xfrm>
+          <a:prstGeom prst="rect">
+            <a:avLst/>
+          </a:prstGeom>
+          <a:noFill/>
+        </p:spPr>
+        <p:txBody>
+          <a:bodyPr wrap="square">
+            <a:spAutoFit/>
+          </a:bodyPr>
+          <a:lstStyle/>
+          <a:p>
+            <a:pPr algn="ctr"/>
+            <a:r>
+              <a:rPr lang="en-US" altLang="ko-KR" sz="1600" dirty="0">
+                <a:latin typeface="Consolas" panose="020B0609020204030204" pitchFamily="49" charset="0"/>
               </a:rPr>
-              <a:t>대한민국</a:t>
-            </a:r>
+              <a:t>Header.js</a:t>
+            </a:r>
+            <a:endParaRPr lang="ko-KR" altLang="en-US" sz="1600" dirty="0">
+              <a:latin typeface="Consolas" panose="020B0609020204030204" pitchFamily="49" charset="0"/>
+            </a:endParaRPr>
+          </a:p>
+        </p:txBody>
+      </p:sp>
+      <p:sp>
+        <p:nvSpPr>
+          <p:cNvPr id="11" name="직사각형 10">
+            <a:extLst>
+              <a:ext uri="{FF2B5EF4-FFF2-40B4-BE49-F238E27FC236}">
+                <a16:creationId xmlns:a16="http://schemas.microsoft.com/office/drawing/2014/main" id="{7C1CE65C-7F66-11AA-2CE3-DC48A377D7A6}"/>
+              </a:ext>
+            </a:extLst>
+          </p:cNvPr>
+          <p:cNvSpPr/>
+          <p:nvPr/>
+        </p:nvSpPr>
+        <p:spPr>
+          <a:xfrm>
+            <a:off x="6424490" y="3105504"/>
+            <a:ext cx="1817273" cy="790431"/>
+          </a:xfrm>
+          <a:prstGeom prst="rect">
+            <a:avLst/>
+          </a:prstGeom>
+          <a:solidFill>
+            <a:srgbClr val="FFD966"/>
+          </a:solidFill>
+          <a:ln>
+            <a:noFill/>
+          </a:ln>
+        </p:spPr>
+        <p:style>
+          <a:lnRef idx="2">
+            <a:schemeClr val="accent1">
+              <a:shade val="50000"/>
+            </a:schemeClr>
+          </a:lnRef>
+          <a:fillRef idx="1">
+            <a:schemeClr val="accent1"/>
+          </a:fillRef>
+          <a:effectRef idx="0">
+            <a:schemeClr val="accent1"/>
+          </a:effectRef>
+          <a:fontRef idx="minor">
+            <a:schemeClr val="lt1"/>
+          </a:fontRef>
+        </p:style>
+        <p:txBody>
+          <a:bodyPr rtlCol="0" anchor="ctr"/>
+          <a:lstStyle/>
+          <a:p>
+            <a:pPr algn="ctr"/>
+            <a:endParaRPr lang="ko-KR" altLang="en-US" dirty="0"/>
+          </a:p>
+        </p:txBody>
+      </p:sp>
+      <p:sp>
+        <p:nvSpPr>
+          <p:cNvPr id="12" name="TextBox 11">
+            <a:extLst>
+              <a:ext uri="{FF2B5EF4-FFF2-40B4-BE49-F238E27FC236}">
+                <a16:creationId xmlns:a16="http://schemas.microsoft.com/office/drawing/2014/main" id="{5DEE405F-D374-6304-0141-3117251057F8}"/>
+              </a:ext>
+            </a:extLst>
+          </p:cNvPr>
+          <p:cNvSpPr txBox="1"/>
+          <p:nvPr/>
+        </p:nvSpPr>
+        <p:spPr>
+          <a:xfrm>
+            <a:off x="6424490" y="3331442"/>
+            <a:ext cx="1817273" cy="338554"/>
+          </a:xfrm>
+          <a:prstGeom prst="rect">
+            <a:avLst/>
+          </a:prstGeom>
+          <a:noFill/>
+        </p:spPr>
+        <p:txBody>
+          <a:bodyPr wrap="square">
+            <a:spAutoFit/>
+          </a:bodyPr>
+          <a:lstStyle/>
+          <a:p>
+            <a:pPr algn="ctr"/>
             <a:r>
               <a:rPr lang="en-US" altLang="ko-KR" sz="1600" dirty="0">
-                <a:latin typeface="+mj-lt"/>
+                <a:latin typeface="Consolas" panose="020B0609020204030204" pitchFamily="49" charset="0"/>
               </a:rPr>
-              <a:t>/</a:t>
-            </a:r>
-            <a:r>
-              <a:rPr lang="ko-KR" altLang="en-US" sz="1600" dirty="0">
-                <a:latin typeface="+mj-lt"/>
+              <a:t>Footer.js</a:t>
+            </a:r>
+            <a:endParaRPr lang="ko-KR" altLang="en-US" sz="1600" dirty="0">
+              <a:latin typeface="Consolas" panose="020B0609020204030204" pitchFamily="49" charset="0"/>
+            </a:endParaRPr>
+          </a:p>
+        </p:txBody>
+      </p:sp>
+      <p:sp>
+        <p:nvSpPr>
+          <p:cNvPr id="13" name="직사각형 12">
+            <a:extLst>
+              <a:ext uri="{FF2B5EF4-FFF2-40B4-BE49-F238E27FC236}">
+                <a16:creationId xmlns:a16="http://schemas.microsoft.com/office/drawing/2014/main" id="{231351DA-3C25-4E3B-BC1F-62A73BFB508E}"/>
+              </a:ext>
+            </a:extLst>
+          </p:cNvPr>
+          <p:cNvSpPr/>
+          <p:nvPr/>
+        </p:nvSpPr>
+        <p:spPr>
+          <a:xfrm>
+            <a:off x="543644" y="4441246"/>
+            <a:ext cx="1817273" cy="790431"/>
+          </a:xfrm>
+          <a:prstGeom prst="rect">
+            <a:avLst/>
+          </a:prstGeom>
+          <a:solidFill>
+            <a:srgbClr val="FFF89A"/>
+          </a:solidFill>
+          <a:ln>
+            <a:noFill/>
+          </a:ln>
+        </p:spPr>
+        <p:style>
+          <a:lnRef idx="2">
+            <a:schemeClr val="accent1">
+              <a:shade val="50000"/>
+            </a:schemeClr>
+          </a:lnRef>
+          <a:fillRef idx="1">
+            <a:schemeClr val="accent1"/>
+          </a:fillRef>
+          <a:effectRef idx="0">
+            <a:schemeClr val="accent1"/>
+          </a:effectRef>
+          <a:fontRef idx="minor">
+            <a:schemeClr val="lt1"/>
+          </a:fontRef>
+        </p:style>
+        <p:txBody>
+          <a:bodyPr rtlCol="0" anchor="ctr"/>
+          <a:lstStyle/>
+          <a:p>
+            <a:pPr algn="ctr"/>
+            <a:endParaRPr lang="ko-KR" altLang="en-US" dirty="0"/>
+          </a:p>
+        </p:txBody>
+      </p:sp>
+      <p:sp>
+        <p:nvSpPr>
+          <p:cNvPr id="14" name="TextBox 13">
+            <a:extLst>
+              <a:ext uri="{FF2B5EF4-FFF2-40B4-BE49-F238E27FC236}">
+                <a16:creationId xmlns:a16="http://schemas.microsoft.com/office/drawing/2014/main" id="{579DC2DD-AFE9-4FB9-C682-F9922C46E5FB}"/>
+              </a:ext>
+            </a:extLst>
+          </p:cNvPr>
+          <p:cNvSpPr txBox="1"/>
+          <p:nvPr/>
+        </p:nvSpPr>
+        <p:spPr>
+          <a:xfrm>
+            <a:off x="543644" y="4667184"/>
+            <a:ext cx="1817273" cy="338554"/>
+          </a:xfrm>
+          <a:prstGeom prst="rect">
+            <a:avLst/>
+          </a:prstGeom>
+          <a:noFill/>
+        </p:spPr>
+        <p:txBody>
+          <a:bodyPr wrap="square">
+            <a:spAutoFit/>
+          </a:bodyPr>
+          <a:lstStyle/>
+          <a:p>
+            <a:pPr algn="ctr"/>
+            <a:r>
+              <a:rPr lang="en-US" altLang="ko-KR" sz="1600" dirty="0">
+                <a:latin typeface="Consolas" panose="020B0609020204030204" pitchFamily="49" charset="0"/>
               </a:rPr>
-              <a:t>서울특별시</a:t>
-            </a:r>
+              <a:t>Navbar.js</a:t>
+            </a:r>
+            <a:endParaRPr lang="ko-KR" altLang="en-US" sz="1600" dirty="0">
+              <a:latin typeface="Consolas" panose="020B0609020204030204" pitchFamily="49" charset="0"/>
+            </a:endParaRPr>
+          </a:p>
+        </p:txBody>
+      </p:sp>
+      <p:sp>
+        <p:nvSpPr>
+          <p:cNvPr id="15" name="직사각형 14">
+            <a:extLst>
+              <a:ext uri="{FF2B5EF4-FFF2-40B4-BE49-F238E27FC236}">
+                <a16:creationId xmlns:a16="http://schemas.microsoft.com/office/drawing/2014/main" id="{E46A1A5C-D425-4C4A-2272-53E83D1D8AAC}"/>
+              </a:ext>
+            </a:extLst>
+          </p:cNvPr>
+          <p:cNvSpPr/>
+          <p:nvPr/>
+        </p:nvSpPr>
+        <p:spPr>
+          <a:xfrm>
+            <a:off x="3484067" y="4441246"/>
+            <a:ext cx="1817273" cy="790431"/>
+          </a:xfrm>
+          <a:prstGeom prst="rect">
+            <a:avLst/>
+          </a:prstGeom>
+          <a:solidFill>
+            <a:srgbClr val="FFF89A"/>
+          </a:solidFill>
+          <a:ln>
+            <a:noFill/>
+          </a:ln>
+        </p:spPr>
+        <p:style>
+          <a:lnRef idx="2">
+            <a:schemeClr val="accent1">
+              <a:shade val="50000"/>
+            </a:schemeClr>
+          </a:lnRef>
+          <a:fillRef idx="1">
+            <a:schemeClr val="accent1"/>
+          </a:fillRef>
+          <a:effectRef idx="0">
+            <a:schemeClr val="accent1"/>
+          </a:effectRef>
+          <a:fontRef idx="minor">
+            <a:schemeClr val="lt1"/>
+          </a:fontRef>
+        </p:style>
+        <p:txBody>
+          <a:bodyPr rtlCol="0" anchor="ctr"/>
+          <a:lstStyle/>
+          <a:p>
+            <a:pPr algn="ctr"/>
+            <a:endParaRPr lang="ko-KR" altLang="en-US" dirty="0"/>
+          </a:p>
+        </p:txBody>
+      </p:sp>
+      <p:sp>
+        <p:nvSpPr>
+          <p:cNvPr id="16" name="TextBox 15">
+            <a:extLst>
+              <a:ext uri="{FF2B5EF4-FFF2-40B4-BE49-F238E27FC236}">
+                <a16:creationId xmlns:a16="http://schemas.microsoft.com/office/drawing/2014/main" id="{D06902E1-C8FD-F380-B852-B64F1FD68966}"/>
+              </a:ext>
+            </a:extLst>
+          </p:cNvPr>
+          <p:cNvSpPr txBox="1"/>
+          <p:nvPr/>
+        </p:nvSpPr>
+        <p:spPr>
+          <a:xfrm>
+            <a:off x="3484067" y="4667184"/>
+            <a:ext cx="1817273" cy="338554"/>
+          </a:xfrm>
+          <a:prstGeom prst="rect">
+            <a:avLst/>
+          </a:prstGeom>
+          <a:noFill/>
+        </p:spPr>
+        <p:txBody>
+          <a:bodyPr wrap="square">
+            <a:spAutoFit/>
+          </a:bodyPr>
+          <a:lstStyle/>
+          <a:p>
+            <a:pPr algn="ctr"/>
             <a:r>
               <a:rPr lang="en-US" altLang="ko-KR" sz="1600" dirty="0">
-                <a:latin typeface="+mj-lt"/>
+                <a:latin typeface="Consolas" panose="020B0609020204030204" pitchFamily="49" charset="0"/>
               </a:rPr>
-              <a:t>/</a:t>
-            </a:r>
-            <a:r>
-              <a:rPr lang="ko-KR" altLang="en-US" sz="1600" dirty="0">
-                <a:latin typeface="+mj-lt"/>
+              <a:t>TodoList.js</a:t>
+            </a:r>
+            <a:endParaRPr lang="ko-KR" altLang="en-US" sz="1600" dirty="0">
+              <a:latin typeface="Consolas" panose="020B0609020204030204" pitchFamily="49" charset="0"/>
+            </a:endParaRPr>
+          </a:p>
+        </p:txBody>
+      </p:sp>
+      <p:sp>
+        <p:nvSpPr>
+          <p:cNvPr id="17" name="직사각형 16">
+            <a:extLst>
+              <a:ext uri="{FF2B5EF4-FFF2-40B4-BE49-F238E27FC236}">
+                <a16:creationId xmlns:a16="http://schemas.microsoft.com/office/drawing/2014/main" id="{AECC2858-6432-4164-C45D-5CC32DBEDB34}"/>
+              </a:ext>
+            </a:extLst>
+          </p:cNvPr>
+          <p:cNvSpPr/>
+          <p:nvPr/>
+        </p:nvSpPr>
+        <p:spPr>
+          <a:xfrm>
+            <a:off x="6424490" y="4441246"/>
+            <a:ext cx="1817273" cy="790431"/>
+          </a:xfrm>
+          <a:prstGeom prst="rect">
+            <a:avLst/>
+          </a:prstGeom>
+          <a:solidFill>
+            <a:srgbClr val="FFF89A"/>
+          </a:solidFill>
+          <a:ln>
+            <a:noFill/>
+          </a:ln>
+        </p:spPr>
+        <p:style>
+          <a:lnRef idx="2">
+            <a:schemeClr val="accent1">
+              <a:shade val="50000"/>
+            </a:schemeClr>
+          </a:lnRef>
+          <a:fillRef idx="1">
+            <a:schemeClr val="accent1"/>
+          </a:fillRef>
+          <a:effectRef idx="0">
+            <a:schemeClr val="accent1"/>
+          </a:effectRef>
+          <a:fontRef idx="minor">
+            <a:schemeClr val="lt1"/>
+          </a:fontRef>
+        </p:style>
+        <p:txBody>
+          <a:bodyPr rtlCol="0" anchor="ctr"/>
+          <a:lstStyle/>
+          <a:p>
+            <a:pPr algn="ctr"/>
+            <a:endParaRPr lang="ko-KR" altLang="en-US" dirty="0"/>
+          </a:p>
+        </p:txBody>
+      </p:sp>
+      <p:sp>
+        <p:nvSpPr>
+          <p:cNvPr id="18" name="TextBox 17">
+            <a:extLst>
+              <a:ext uri="{FF2B5EF4-FFF2-40B4-BE49-F238E27FC236}">
+                <a16:creationId xmlns:a16="http://schemas.microsoft.com/office/drawing/2014/main" id="{E1E88C22-33A1-AC4A-1AD0-39294A091D67}"/>
+              </a:ext>
+            </a:extLst>
+          </p:cNvPr>
+          <p:cNvSpPr txBox="1"/>
+          <p:nvPr/>
+        </p:nvSpPr>
+        <p:spPr>
+          <a:xfrm>
+            <a:off x="6424490" y="4667184"/>
+            <a:ext cx="1817273" cy="338554"/>
+          </a:xfrm>
+          <a:prstGeom prst="rect">
+            <a:avLst/>
+          </a:prstGeom>
+          <a:noFill/>
+        </p:spPr>
+        <p:txBody>
+          <a:bodyPr wrap="square">
+            <a:spAutoFit/>
+          </a:bodyPr>
+          <a:lstStyle/>
+          <a:p>
+            <a:pPr algn="ctr"/>
+            <a:r>
+              <a:rPr lang="en-US" altLang="ko-KR" sz="1600" dirty="0">
+                <a:latin typeface="Consolas" panose="020B0609020204030204" pitchFamily="49" charset="0"/>
               </a:rPr>
-              <a:t>중구</a:t>
-            </a:r>
-            <a:r>
-              <a:rPr lang="en-US" altLang="ko-KR" sz="1600" dirty="0">
-                <a:latin typeface="+mj-lt"/>
+              <a:t>Copylight.js</a:t>
+            </a:r>
+            <a:endParaRPr lang="ko-KR" altLang="en-US" sz="1600" dirty="0">
+              <a:latin typeface="Consolas" panose="020B0609020204030204" pitchFamily="49" charset="0"/>
+            </a:endParaRPr>
+          </a:p>
+        </p:txBody>
+      </p:sp>
+      <p:cxnSp>
+        <p:nvCxnSpPr>
+          <p:cNvPr id="20" name="직선 연결선 19">
+            <a:extLst>
+              <a:ext uri="{FF2B5EF4-FFF2-40B4-BE49-F238E27FC236}">
+                <a16:creationId xmlns:a16="http://schemas.microsoft.com/office/drawing/2014/main" id="{68E90AEA-C8F8-BE30-E2E9-17A1EC4ADFE8}"/>
+              </a:ext>
+            </a:extLst>
+          </p:cNvPr>
+          <p:cNvCxnSpPr>
+            <a:stCxn id="3" idx="2"/>
+            <a:endCxn id="5" idx="0"/>
+          </p:cNvCxnSpPr>
+          <p:nvPr/>
+        </p:nvCxnSpPr>
+        <p:spPr>
+          <a:xfrm>
+            <a:off x="4392704" y="1225293"/>
+            <a:ext cx="0" cy="535935"/>
+          </a:xfrm>
+          <a:prstGeom prst="line">
+            <a:avLst/>
+          </a:prstGeom>
+          <a:ln w="38100">
+            <a:solidFill>
+              <a:schemeClr val="tx1"/>
+            </a:solidFill>
+          </a:ln>
+        </p:spPr>
+        <p:style>
+          <a:lnRef idx="1">
+            <a:schemeClr val="accent1"/>
+          </a:lnRef>
+          <a:fillRef idx="0">
+            <a:schemeClr val="accent1"/>
+          </a:fillRef>
+          <a:effectRef idx="0">
+            <a:schemeClr val="accent1"/>
+          </a:effectRef>
+          <a:fontRef idx="minor">
+            <a:schemeClr val="tx1"/>
+          </a:fontRef>
+        </p:style>
+      </p:cxnSp>
+      <p:cxnSp>
+        <p:nvCxnSpPr>
+          <p:cNvPr id="22" name="직선 연결선 21">
+            <a:extLst>
+              <a:ext uri="{FF2B5EF4-FFF2-40B4-BE49-F238E27FC236}">
+                <a16:creationId xmlns:a16="http://schemas.microsoft.com/office/drawing/2014/main" id="{4931EB8D-7EA6-2B45-19C0-1B3803585033}"/>
+              </a:ext>
+            </a:extLst>
+          </p:cNvPr>
+          <p:cNvCxnSpPr>
+            <a:cxnSpLocks/>
+            <a:stCxn id="5" idx="2"/>
+            <a:endCxn id="7" idx="0"/>
+          </p:cNvCxnSpPr>
+          <p:nvPr/>
+        </p:nvCxnSpPr>
+        <p:spPr>
+          <a:xfrm>
+            <a:off x="4392704" y="2551659"/>
+            <a:ext cx="0" cy="553845"/>
+          </a:xfrm>
+          <a:prstGeom prst="line">
+            <a:avLst/>
+          </a:prstGeom>
+          <a:ln w="38100">
+            <a:solidFill>
+              <a:schemeClr val="tx1"/>
+            </a:solidFill>
+          </a:ln>
+        </p:spPr>
+        <p:style>
+          <a:lnRef idx="1">
+            <a:schemeClr val="accent1"/>
+          </a:lnRef>
+          <a:fillRef idx="0">
+            <a:schemeClr val="accent1"/>
+          </a:fillRef>
+          <a:effectRef idx="0">
+            <a:schemeClr val="accent1"/>
+          </a:effectRef>
+          <a:fontRef idx="minor">
+            <a:schemeClr val="tx1"/>
+          </a:fontRef>
+        </p:style>
+      </p:cxnSp>
+      <p:cxnSp>
+        <p:nvCxnSpPr>
+          <p:cNvPr id="31" name="직선 연결선 30">
+            <a:extLst>
+              <a:ext uri="{FF2B5EF4-FFF2-40B4-BE49-F238E27FC236}">
+                <a16:creationId xmlns:a16="http://schemas.microsoft.com/office/drawing/2014/main" id="{9FBE12DD-AE25-21B9-A406-5E0C2CB17FBF}"/>
+              </a:ext>
+            </a:extLst>
+          </p:cNvPr>
+          <p:cNvCxnSpPr>
+            <a:cxnSpLocks/>
+            <a:stCxn id="7" idx="2"/>
+            <a:endCxn id="15" idx="0"/>
+          </p:cNvCxnSpPr>
+          <p:nvPr/>
+        </p:nvCxnSpPr>
+        <p:spPr>
+          <a:xfrm>
+            <a:off x="4392704" y="3895935"/>
+            <a:ext cx="0" cy="545311"/>
+          </a:xfrm>
+          <a:prstGeom prst="line">
+            <a:avLst/>
+          </a:prstGeom>
+          <a:ln w="38100">
+            <a:solidFill>
+              <a:schemeClr val="tx1"/>
+            </a:solidFill>
+          </a:ln>
+        </p:spPr>
+        <p:style>
+          <a:lnRef idx="1">
+            <a:schemeClr val="accent1"/>
+          </a:lnRef>
+          <a:fillRef idx="0">
+            <a:schemeClr val="accent1"/>
+          </a:fillRef>
+          <a:effectRef idx="0">
+            <a:schemeClr val="accent1"/>
+          </a:effectRef>
+          <a:fontRef idx="minor">
+            <a:schemeClr val="tx1"/>
+          </a:fontRef>
+        </p:style>
+      </p:cxnSp>
+      <p:cxnSp>
+        <p:nvCxnSpPr>
+          <p:cNvPr id="35" name="직선 연결선 34">
+            <a:extLst>
+              <a:ext uri="{FF2B5EF4-FFF2-40B4-BE49-F238E27FC236}">
+                <a16:creationId xmlns:a16="http://schemas.microsoft.com/office/drawing/2014/main" id="{5F1F85B0-9CEE-14DE-68A4-3478F31A8878}"/>
+              </a:ext>
+            </a:extLst>
+          </p:cNvPr>
+          <p:cNvCxnSpPr>
+            <a:cxnSpLocks/>
+            <a:stCxn id="9" idx="2"/>
+            <a:endCxn id="13" idx="0"/>
+          </p:cNvCxnSpPr>
+          <p:nvPr/>
+        </p:nvCxnSpPr>
+        <p:spPr>
+          <a:xfrm>
+            <a:off x="1452281" y="3895935"/>
+            <a:ext cx="0" cy="545311"/>
+          </a:xfrm>
+          <a:prstGeom prst="line">
+            <a:avLst/>
+          </a:prstGeom>
+          <a:ln w="38100">
+            <a:solidFill>
+              <a:schemeClr val="tx1"/>
+            </a:solidFill>
+          </a:ln>
+        </p:spPr>
+        <p:style>
+          <a:lnRef idx="1">
+            <a:schemeClr val="accent1"/>
+          </a:lnRef>
+          <a:fillRef idx="0">
+            <a:schemeClr val="accent1"/>
+          </a:fillRef>
+          <a:effectRef idx="0">
+            <a:schemeClr val="accent1"/>
+          </a:effectRef>
+          <a:fontRef idx="minor">
+            <a:schemeClr val="tx1"/>
+          </a:fontRef>
+        </p:style>
+      </p:cxnSp>
+      <p:cxnSp>
+        <p:nvCxnSpPr>
+          <p:cNvPr id="38" name="직선 연결선 37">
+            <a:extLst>
+              <a:ext uri="{FF2B5EF4-FFF2-40B4-BE49-F238E27FC236}">
+                <a16:creationId xmlns:a16="http://schemas.microsoft.com/office/drawing/2014/main" id="{F618C174-2335-DE89-314B-5EC471CC172F}"/>
+              </a:ext>
+            </a:extLst>
+          </p:cNvPr>
+          <p:cNvCxnSpPr>
+            <a:cxnSpLocks/>
+            <a:stCxn id="11" idx="2"/>
+            <a:endCxn id="17" idx="0"/>
+          </p:cNvCxnSpPr>
+          <p:nvPr/>
+        </p:nvCxnSpPr>
+        <p:spPr>
+          <a:xfrm>
+            <a:off x="7333127" y="3895935"/>
+            <a:ext cx="0" cy="545311"/>
+          </a:xfrm>
+          <a:prstGeom prst="line">
+            <a:avLst/>
+          </a:prstGeom>
+          <a:ln w="38100">
+            <a:solidFill>
+              <a:schemeClr val="tx1"/>
+            </a:solidFill>
+          </a:ln>
+        </p:spPr>
+        <p:style>
+          <a:lnRef idx="1">
+            <a:schemeClr val="accent1"/>
+          </a:lnRef>
+          <a:fillRef idx="0">
+            <a:schemeClr val="accent1"/>
+          </a:fillRef>
+          <a:effectRef idx="0">
+            <a:schemeClr val="accent1"/>
+          </a:effectRef>
+          <a:fontRef idx="minor">
+            <a:schemeClr val="tx1"/>
+          </a:fontRef>
+        </p:style>
+      </p:cxnSp>
+      <p:sp>
+        <p:nvSpPr>
+          <p:cNvPr id="2" name="직사각형 1">
+            <a:extLst>
+              <a:ext uri="{FF2B5EF4-FFF2-40B4-BE49-F238E27FC236}">
+                <a16:creationId xmlns:a16="http://schemas.microsoft.com/office/drawing/2014/main" id="{701E3040-A5AC-1DF9-AEAE-2EE2C0DFF6DF}"/>
+              </a:ext>
+            </a:extLst>
+          </p:cNvPr>
+          <p:cNvSpPr/>
+          <p:nvPr/>
+        </p:nvSpPr>
+        <p:spPr>
+          <a:xfrm>
+            <a:off x="8435789" y="1225293"/>
+            <a:ext cx="3093457" cy="1880211"/>
+          </a:xfrm>
+          <a:prstGeom prst="rect">
+            <a:avLst/>
+          </a:prstGeom>
+          <a:solidFill>
+            <a:srgbClr val="764ABC"/>
+          </a:solidFill>
+          <a:ln>
+            <a:noFill/>
+          </a:ln>
+        </p:spPr>
+        <p:style>
+          <a:lnRef idx="2">
+            <a:schemeClr val="accent1">
+              <a:shade val="50000"/>
+            </a:schemeClr>
+          </a:lnRef>
+          <a:fillRef idx="1">
+            <a:schemeClr val="accent1"/>
+          </a:fillRef>
+          <a:effectRef idx="0">
+            <a:schemeClr val="accent1"/>
+          </a:effectRef>
+          <a:fontRef idx="minor">
+            <a:schemeClr val="lt1"/>
+          </a:fontRef>
+        </p:style>
+        <p:txBody>
+          <a:bodyPr rtlCol="0" anchor="ctr"/>
+          <a:lstStyle/>
+          <a:p>
+            <a:pPr algn="ctr"/>
+            <a:endParaRPr lang="ko-KR" altLang="en-US"/>
+          </a:p>
+        </p:txBody>
+      </p:sp>
+      <p:cxnSp>
+        <p:nvCxnSpPr>
+          <p:cNvPr id="29" name="연결선: 꺾임 28">
+            <a:extLst>
+              <a:ext uri="{FF2B5EF4-FFF2-40B4-BE49-F238E27FC236}">
+                <a16:creationId xmlns:a16="http://schemas.microsoft.com/office/drawing/2014/main" id="{4154FE32-1C2C-EA48-2869-55BA36E11348}"/>
+              </a:ext>
+            </a:extLst>
+          </p:cNvPr>
+          <p:cNvCxnSpPr>
+            <a:cxnSpLocks/>
+            <a:stCxn id="2" idx="2"/>
+            <a:endCxn id="15" idx="2"/>
+          </p:cNvCxnSpPr>
+          <p:nvPr/>
+        </p:nvCxnSpPr>
+        <p:spPr>
+          <a:xfrm rot="5400000">
+            <a:off x="6124525" y="1373683"/>
+            <a:ext cx="2126173" cy="5589814"/>
+          </a:xfrm>
+          <a:prstGeom prst="bentConnector3">
+            <a:avLst>
+              <a:gd name="adj1" fmla="val 110752"/>
+            </a:avLst>
+          </a:prstGeom>
+          <a:ln w="38100">
+            <a:solidFill>
+              <a:srgbClr val="FF0000"/>
+            </a:solidFill>
+            <a:tailEnd type="triangle"/>
+          </a:ln>
+        </p:spPr>
+        <p:style>
+          <a:lnRef idx="1">
+            <a:schemeClr val="accent1"/>
+          </a:lnRef>
+          <a:fillRef idx="0">
+            <a:schemeClr val="accent1"/>
+          </a:fillRef>
+          <a:effectRef idx="0">
+            <a:schemeClr val="accent1"/>
+          </a:effectRef>
+          <a:fontRef idx="minor">
+            <a:schemeClr val="tx1"/>
+          </a:fontRef>
+        </p:style>
+      </p:cxnSp>
+      <p:cxnSp>
+        <p:nvCxnSpPr>
+          <p:cNvPr id="32" name="연결선: 꺾임 31">
+            <a:extLst>
+              <a:ext uri="{FF2B5EF4-FFF2-40B4-BE49-F238E27FC236}">
+                <a16:creationId xmlns:a16="http://schemas.microsoft.com/office/drawing/2014/main" id="{61CCDC6F-433D-BB98-6503-9A96B0D67A19}"/>
+              </a:ext>
+            </a:extLst>
+          </p:cNvPr>
+          <p:cNvCxnSpPr>
+            <a:cxnSpLocks/>
+            <a:stCxn id="4" idx="3"/>
+            <a:endCxn id="2" idx="0"/>
+          </p:cNvCxnSpPr>
+          <p:nvPr/>
+        </p:nvCxnSpPr>
+        <p:spPr>
+          <a:xfrm>
+            <a:off x="5301340" y="830078"/>
+            <a:ext cx="4681178" cy="395215"/>
+          </a:xfrm>
+          <a:prstGeom prst="bentConnector2">
+            <a:avLst/>
+          </a:prstGeom>
+          <a:ln w="38100">
+            <a:solidFill>
+              <a:srgbClr val="FF0000"/>
+            </a:solidFill>
+            <a:tailEnd type="triangle"/>
+          </a:ln>
+        </p:spPr>
+        <p:style>
+          <a:lnRef idx="1">
+            <a:schemeClr val="accent1"/>
+          </a:lnRef>
+          <a:fillRef idx="0">
+            <a:schemeClr val="accent1"/>
+          </a:fillRef>
+          <a:effectRef idx="0">
+            <a:schemeClr val="accent1"/>
+          </a:effectRef>
+          <a:fontRef idx="minor">
+            <a:schemeClr val="tx1"/>
+          </a:fontRef>
+        </p:style>
+      </p:cxnSp>
+      <p:sp>
+        <p:nvSpPr>
+          <p:cNvPr id="36" name="TextBox 35">
+            <a:extLst>
+              <a:ext uri="{FF2B5EF4-FFF2-40B4-BE49-F238E27FC236}">
+                <a16:creationId xmlns:a16="http://schemas.microsoft.com/office/drawing/2014/main" id="{297AFD8F-D5B2-712A-4B59-B72878648976}"/>
+              </a:ext>
+            </a:extLst>
+          </p:cNvPr>
+          <p:cNvSpPr txBox="1"/>
+          <p:nvPr/>
+        </p:nvSpPr>
+        <p:spPr>
+          <a:xfrm>
+            <a:off x="9495221" y="1281954"/>
+            <a:ext cx="974592" cy="307777"/>
+          </a:xfrm>
+          <a:prstGeom prst="rect">
+            <a:avLst/>
+          </a:prstGeom>
+          <a:noFill/>
+        </p:spPr>
+        <p:txBody>
+          <a:bodyPr wrap="square" rtlCol="0">
+            <a:spAutoFit/>
+          </a:bodyPr>
+          <a:lstStyle/>
+          <a:p>
+            <a:pPr algn="ctr"/>
+            <a:r>
+              <a:rPr lang="en-US" altLang="ko-KR" sz="1400" dirty="0">
+                <a:solidFill>
+                  <a:schemeClr val="bg1"/>
+                </a:solidFill>
+                <a:latin typeface="Consolas" panose="020B0609020204030204" pitchFamily="49" charset="0"/>
               </a:rPr>
-              <a:t>/</a:t>
-            </a:r>
-            <a:r>
-              <a:rPr lang="ko-KR" altLang="en-US" sz="1600" dirty="0">
-                <a:latin typeface="+mj-lt"/>
+              <a:t>Redux</a:t>
+            </a:r>
+            <a:endParaRPr lang="ko-KR" altLang="en-US" sz="1400" dirty="0">
+              <a:solidFill>
+                <a:schemeClr val="bg1"/>
+              </a:solidFill>
+              <a:latin typeface="Consolas" panose="020B0609020204030204" pitchFamily="49" charset="0"/>
+            </a:endParaRPr>
+          </a:p>
+        </p:txBody>
+      </p:sp>
+      <p:sp>
+        <p:nvSpPr>
+          <p:cNvPr id="55" name="직사각형 54">
+            <a:extLst>
+              <a:ext uri="{FF2B5EF4-FFF2-40B4-BE49-F238E27FC236}">
+                <a16:creationId xmlns:a16="http://schemas.microsoft.com/office/drawing/2014/main" id="{6F53C8A0-9B1B-E79F-9B24-FBA5ACF73358}"/>
+              </a:ext>
+            </a:extLst>
+          </p:cNvPr>
+          <p:cNvSpPr/>
+          <p:nvPr/>
+        </p:nvSpPr>
+        <p:spPr>
+          <a:xfrm>
+            <a:off x="8525435" y="1646392"/>
+            <a:ext cx="2931459" cy="1374715"/>
+          </a:xfrm>
+          <a:prstGeom prst="rect">
+            <a:avLst/>
+          </a:prstGeom>
+          <a:solidFill>
+            <a:srgbClr val="9ADCFF"/>
+          </a:solidFill>
+          <a:ln>
+            <a:noFill/>
+          </a:ln>
+        </p:spPr>
+        <p:style>
+          <a:lnRef idx="2">
+            <a:schemeClr val="accent1">
+              <a:shade val="50000"/>
+            </a:schemeClr>
+          </a:lnRef>
+          <a:fillRef idx="1">
+            <a:schemeClr val="accent1"/>
+          </a:fillRef>
+          <a:effectRef idx="0">
+            <a:schemeClr val="accent1"/>
+          </a:effectRef>
+          <a:fontRef idx="minor">
+            <a:schemeClr val="lt1"/>
+          </a:fontRef>
+        </p:style>
+        <p:txBody>
+          <a:bodyPr rtlCol="0" anchor="ctr"/>
+          <a:lstStyle/>
+          <a:p>
+            <a:pPr algn="ctr"/>
+            <a:endParaRPr lang="ko-KR" altLang="en-US"/>
+          </a:p>
+        </p:txBody>
+      </p:sp>
+      <p:sp>
+        <p:nvSpPr>
+          <p:cNvPr id="68" name="직사각형 67">
+            <a:extLst>
+              <a:ext uri="{FF2B5EF4-FFF2-40B4-BE49-F238E27FC236}">
+                <a16:creationId xmlns:a16="http://schemas.microsoft.com/office/drawing/2014/main" id="{CAD94270-3DDC-BF5F-CB0F-D247AB4744DC}"/>
+              </a:ext>
+            </a:extLst>
+          </p:cNvPr>
+          <p:cNvSpPr/>
+          <p:nvPr/>
+        </p:nvSpPr>
+        <p:spPr>
+          <a:xfrm>
+            <a:off x="8589485" y="2409565"/>
+            <a:ext cx="1393033" cy="547722"/>
+          </a:xfrm>
+          <a:prstGeom prst="rect">
+            <a:avLst/>
+          </a:prstGeom>
+          <a:solidFill>
+            <a:srgbClr val="FFD966"/>
+          </a:solidFill>
+          <a:ln>
+            <a:noFill/>
+          </a:ln>
+        </p:spPr>
+        <p:style>
+          <a:lnRef idx="2">
+            <a:schemeClr val="accent1">
+              <a:shade val="50000"/>
+            </a:schemeClr>
+          </a:lnRef>
+          <a:fillRef idx="1">
+            <a:schemeClr val="accent1"/>
+          </a:fillRef>
+          <a:effectRef idx="0">
+            <a:schemeClr val="accent1"/>
+          </a:effectRef>
+          <a:fontRef idx="minor">
+            <a:schemeClr val="lt1"/>
+          </a:fontRef>
+        </p:style>
+        <p:txBody>
+          <a:bodyPr rtlCol="0" anchor="ctr"/>
+          <a:lstStyle/>
+          <a:p>
+            <a:pPr algn="ctr"/>
+            <a:endParaRPr lang="ko-KR" altLang="en-US"/>
+          </a:p>
+        </p:txBody>
+      </p:sp>
+      <p:sp>
+        <p:nvSpPr>
+          <p:cNvPr id="69" name="TextBox 68">
+            <a:extLst>
+              <a:ext uri="{FF2B5EF4-FFF2-40B4-BE49-F238E27FC236}">
+                <a16:creationId xmlns:a16="http://schemas.microsoft.com/office/drawing/2014/main" id="{E523C75E-C5F0-92C8-C476-033C4E8B2C99}"/>
+              </a:ext>
+            </a:extLst>
+          </p:cNvPr>
+          <p:cNvSpPr txBox="1"/>
+          <p:nvPr/>
+        </p:nvSpPr>
+        <p:spPr>
+          <a:xfrm>
+            <a:off x="8739057" y="2527532"/>
+            <a:ext cx="1093887" cy="307777"/>
+          </a:xfrm>
+          <a:prstGeom prst="rect">
+            <a:avLst/>
+          </a:prstGeom>
+          <a:noFill/>
+        </p:spPr>
+        <p:txBody>
+          <a:bodyPr wrap="square">
+            <a:spAutoFit/>
+          </a:bodyPr>
+          <a:lstStyle/>
+          <a:p>
+            <a:pPr algn="ctr"/>
+            <a:r>
+              <a:rPr lang="en-US" altLang="ko-KR" sz="1400" dirty="0">
+                <a:latin typeface="Consolas" panose="020B0609020204030204" pitchFamily="49" charset="0"/>
               </a:rPr>
-              <a:t>세종대로</a:t>
-            </a:r>
-            <a:r>
-              <a:rPr lang="en-US" altLang="ko-KR" sz="1600" dirty="0">
-                <a:latin typeface="+mj-lt"/>
+              <a:t>State</a:t>
+            </a:r>
+            <a:endParaRPr lang="ko-KR" altLang="en-US" sz="1400" dirty="0">
+              <a:latin typeface="Consolas" panose="020B0609020204030204" pitchFamily="49" charset="0"/>
+            </a:endParaRPr>
+          </a:p>
+        </p:txBody>
+      </p:sp>
+      <p:sp>
+        <p:nvSpPr>
+          <p:cNvPr id="70" name="TextBox 69">
+            <a:extLst>
+              <a:ext uri="{FF2B5EF4-FFF2-40B4-BE49-F238E27FC236}">
+                <a16:creationId xmlns:a16="http://schemas.microsoft.com/office/drawing/2014/main" id="{93107B24-F1E8-D826-13C5-30FB6A89FE34}"/>
+              </a:ext>
+            </a:extLst>
+          </p:cNvPr>
+          <p:cNvSpPr txBox="1"/>
+          <p:nvPr/>
+        </p:nvSpPr>
+        <p:spPr>
+          <a:xfrm>
+            <a:off x="10072164" y="2447248"/>
+            <a:ext cx="1088896" cy="307777"/>
+          </a:xfrm>
+          <a:prstGeom prst="rect">
+            <a:avLst/>
+          </a:prstGeom>
+          <a:noFill/>
+        </p:spPr>
+        <p:txBody>
+          <a:bodyPr wrap="square">
+            <a:spAutoFit/>
+          </a:bodyPr>
+          <a:lstStyle/>
+          <a:p>
+            <a:pPr algn="ctr"/>
+            <a:r>
+              <a:rPr lang="en-US" altLang="ko-KR" sz="1400" dirty="0">
+                <a:latin typeface="Consolas" panose="020B0609020204030204" pitchFamily="49" charset="0"/>
               </a:rPr>
-              <a:t>/110/</a:t>
-            </a:r>
-            <a:r>
-              <a:rPr lang="ko-KR" altLang="en-US" sz="1600" dirty="0">
-                <a:latin typeface="+mj-lt"/>
+              <a:t>New State</a:t>
+            </a:r>
+            <a:endParaRPr lang="en-US" altLang="ko-KR" sz="1400" b="0" dirty="0">
+              <a:effectLst/>
+              <a:latin typeface="Consolas" panose="020B0609020204030204" pitchFamily="49" charset="0"/>
+            </a:endParaRPr>
+          </a:p>
+        </p:txBody>
+      </p:sp>
+      <p:cxnSp>
+        <p:nvCxnSpPr>
+          <p:cNvPr id="71" name="연결선: 꺾임 70">
+            <a:extLst>
+              <a:ext uri="{FF2B5EF4-FFF2-40B4-BE49-F238E27FC236}">
+                <a16:creationId xmlns:a16="http://schemas.microsoft.com/office/drawing/2014/main" id="{5C00005F-961D-6843-9084-C5ECFFB4A96E}"/>
+              </a:ext>
+            </a:extLst>
+          </p:cNvPr>
+          <p:cNvCxnSpPr>
+            <a:cxnSpLocks/>
+            <a:stCxn id="73" idx="3"/>
+          </p:cNvCxnSpPr>
+          <p:nvPr/>
+        </p:nvCxnSpPr>
+        <p:spPr>
+          <a:xfrm flipH="1">
+            <a:off x="10028804" y="2023089"/>
+            <a:ext cx="1024679" cy="812220"/>
+          </a:xfrm>
+          <a:prstGeom prst="bentConnector3">
+            <a:avLst>
+              <a:gd name="adj1" fmla="val -22309"/>
+            </a:avLst>
+          </a:prstGeom>
+          <a:ln w="38100">
+            <a:solidFill>
+              <a:srgbClr val="FF0000"/>
+            </a:solidFill>
+            <a:tailEnd type="triangle"/>
+          </a:ln>
+        </p:spPr>
+        <p:style>
+          <a:lnRef idx="1">
+            <a:schemeClr val="accent1"/>
+          </a:lnRef>
+          <a:fillRef idx="0">
+            <a:schemeClr val="accent1"/>
+          </a:fillRef>
+          <a:effectRef idx="0">
+            <a:schemeClr val="accent1"/>
+          </a:effectRef>
+          <a:fontRef idx="minor">
+            <a:schemeClr val="tx1"/>
+          </a:fontRef>
+        </p:style>
+      </p:cxnSp>
+      <p:sp>
+        <p:nvSpPr>
+          <p:cNvPr id="73" name="직사각형 72">
+            <a:extLst>
+              <a:ext uri="{FF2B5EF4-FFF2-40B4-BE49-F238E27FC236}">
+                <a16:creationId xmlns:a16="http://schemas.microsoft.com/office/drawing/2014/main" id="{923908B5-A214-74DE-F316-41BA59B92911}"/>
+              </a:ext>
+            </a:extLst>
+          </p:cNvPr>
+          <p:cNvSpPr/>
+          <p:nvPr/>
+        </p:nvSpPr>
+        <p:spPr>
+          <a:xfrm>
+            <a:off x="8589485" y="1761228"/>
+            <a:ext cx="2463998" cy="523722"/>
+          </a:xfrm>
+          <a:prstGeom prst="rect">
+            <a:avLst/>
+          </a:prstGeom>
+          <a:solidFill>
+            <a:srgbClr val="FFD966"/>
+          </a:solidFill>
+          <a:ln>
+            <a:noFill/>
+          </a:ln>
+        </p:spPr>
+        <p:style>
+          <a:lnRef idx="2">
+            <a:schemeClr val="accent1">
+              <a:shade val="50000"/>
+            </a:schemeClr>
+          </a:lnRef>
+          <a:fillRef idx="1">
+            <a:schemeClr val="accent1"/>
+          </a:fillRef>
+          <a:effectRef idx="0">
+            <a:schemeClr val="accent1"/>
+          </a:effectRef>
+          <a:fontRef idx="minor">
+            <a:schemeClr val="lt1"/>
+          </a:fontRef>
+        </p:style>
+        <p:txBody>
+          <a:bodyPr rtlCol="0" anchor="ctr"/>
+          <a:lstStyle/>
+          <a:p>
+            <a:pPr algn="ctr"/>
+            <a:endParaRPr lang="ko-KR" altLang="en-US"/>
+          </a:p>
+        </p:txBody>
+      </p:sp>
+      <p:sp>
+        <p:nvSpPr>
+          <p:cNvPr id="72" name="TextBox 71">
+            <a:extLst>
+              <a:ext uri="{FF2B5EF4-FFF2-40B4-BE49-F238E27FC236}">
+                <a16:creationId xmlns:a16="http://schemas.microsoft.com/office/drawing/2014/main" id="{A7C5832B-3D3D-D455-C430-57ECF5246C44}"/>
+              </a:ext>
+            </a:extLst>
+          </p:cNvPr>
+          <p:cNvSpPr txBox="1"/>
+          <p:nvPr/>
+        </p:nvSpPr>
+        <p:spPr>
+          <a:xfrm>
+            <a:off x="8632867" y="1856941"/>
+            <a:ext cx="2420616" cy="307777"/>
+          </a:xfrm>
+          <a:prstGeom prst="rect">
+            <a:avLst/>
+          </a:prstGeom>
+          <a:noFill/>
+        </p:spPr>
+        <p:txBody>
+          <a:bodyPr wrap="square">
+            <a:spAutoFit/>
+          </a:bodyPr>
+          <a:lstStyle/>
+          <a:p>
+            <a:r>
+              <a:rPr lang="en-US" altLang="ko-KR" sz="1400" dirty="0">
+                <a:latin typeface="Consolas" panose="020B0609020204030204" pitchFamily="49" charset="0"/>
               </a:rPr>
-              <a:t>시장실</a:t>
-            </a:r>
-            <a:r>
-              <a:rPr lang="en-US" altLang="ko-KR" sz="1600" dirty="0">
-                <a:latin typeface="+mj-lt"/>
+              <a:t>Reducer(</a:t>
+            </a:r>
+            <a:r>
+              <a:rPr lang="en-US" altLang="ko-KR" sz="1400" b="0" dirty="0">
+                <a:effectLst/>
+                <a:latin typeface="Consolas" panose="020B0609020204030204" pitchFamily="49" charset="0"/>
               </a:rPr>
-              <a:t>=</a:t>
-            </a:r>
-            <a:r>
-              <a:rPr lang="ko-KR" altLang="en-US" sz="1600" dirty="0">
-                <a:latin typeface="+mj-lt"/>
-              </a:rPr>
-              <a:t>서울특별시장</a:t>
-            </a:r>
-            <a:endParaRPr lang="en-US" altLang="ko-KR" sz="1600" dirty="0">
-              <a:latin typeface="+mj-lt"/>
-            </a:endParaRPr>
+              <a:t>state, action)</a:t>
+            </a:r>
           </a:p>
         </p:txBody>
       </p:sp>
     </p:spTree>
     <p:extLst>
       <p:ext uri="{BB962C8B-B14F-4D97-AF65-F5344CB8AC3E}">
-        <p14:creationId xmlns:p14="http://schemas.microsoft.com/office/powerpoint/2010/main" val="663724919"/>
+        <p14:creationId xmlns:p14="http://schemas.microsoft.com/office/powerpoint/2010/main" val="2717365359"/>
       </p:ext>
     </p:extLst>
   </p:cSld>
@@ -19864,6 +20176,333 @@
           <p:cNvPr id="2" name="직사각형 1">
             <a:extLst>
               <a:ext uri="{FF2B5EF4-FFF2-40B4-BE49-F238E27FC236}">
+                <a16:creationId xmlns:a16="http://schemas.microsoft.com/office/drawing/2014/main" id="{0D7D8B67-EF5C-8769-4A40-B05FF75C0107}"/>
+              </a:ext>
+            </a:extLst>
+          </p:cNvPr>
+          <p:cNvSpPr/>
+          <p:nvPr/>
+        </p:nvSpPr>
+        <p:spPr>
+          <a:xfrm>
+            <a:off x="293913" y="304799"/>
+            <a:ext cx="4528458" cy="5519057"/>
+          </a:xfrm>
+          <a:prstGeom prst="rect">
+            <a:avLst/>
+          </a:prstGeom>
+          <a:solidFill>
+            <a:srgbClr val="9999FF"/>
+          </a:solidFill>
+          <a:ln>
+            <a:noFill/>
+          </a:ln>
+        </p:spPr>
+        <p:style>
+          <a:lnRef idx="2">
+            <a:schemeClr val="accent1">
+              <a:shade val="50000"/>
+            </a:schemeClr>
+          </a:lnRef>
+          <a:fillRef idx="1">
+            <a:schemeClr val="accent1"/>
+          </a:fillRef>
+          <a:effectRef idx="0">
+            <a:schemeClr val="accent1"/>
+          </a:effectRef>
+          <a:fontRef idx="minor">
+            <a:schemeClr val="lt1"/>
+          </a:fontRef>
+        </p:style>
+        <p:txBody>
+          <a:bodyPr rtlCol="0" anchor="ctr"/>
+          <a:lstStyle/>
+          <a:p>
+            <a:pPr algn="ctr"/>
+            <a:endParaRPr lang="ko-KR" altLang="en-US"/>
+          </a:p>
+        </p:txBody>
+      </p:sp>
+      <p:sp>
+        <p:nvSpPr>
+          <p:cNvPr id="3" name="직사각형 2">
+            <a:extLst>
+              <a:ext uri="{FF2B5EF4-FFF2-40B4-BE49-F238E27FC236}">
+                <a16:creationId xmlns:a16="http://schemas.microsoft.com/office/drawing/2014/main" id="{BCF6B801-239F-D912-4CC6-89B0697E402F}"/>
+              </a:ext>
+            </a:extLst>
+          </p:cNvPr>
+          <p:cNvSpPr/>
+          <p:nvPr/>
+        </p:nvSpPr>
+        <p:spPr>
+          <a:xfrm>
+            <a:off x="514348" y="859970"/>
+            <a:ext cx="4087587" cy="4735285"/>
+          </a:xfrm>
+          <a:prstGeom prst="rect">
+            <a:avLst/>
+          </a:prstGeom>
+          <a:solidFill>
+            <a:srgbClr val="FFD966"/>
+          </a:solidFill>
+          <a:ln>
+            <a:noFill/>
+          </a:ln>
+        </p:spPr>
+        <p:style>
+          <a:lnRef idx="2">
+            <a:schemeClr val="accent1">
+              <a:shade val="50000"/>
+            </a:schemeClr>
+          </a:lnRef>
+          <a:fillRef idx="1">
+            <a:schemeClr val="accent1"/>
+          </a:fillRef>
+          <a:effectRef idx="0">
+            <a:schemeClr val="accent1"/>
+          </a:effectRef>
+          <a:fontRef idx="minor">
+            <a:schemeClr val="lt1"/>
+          </a:fontRef>
+        </p:style>
+        <p:txBody>
+          <a:bodyPr rtlCol="0" anchor="ctr"/>
+          <a:lstStyle/>
+          <a:p>
+            <a:pPr algn="ctr"/>
+            <a:endParaRPr lang="ko-KR" altLang="en-US"/>
+          </a:p>
+        </p:txBody>
+      </p:sp>
+      <p:sp>
+        <p:nvSpPr>
+          <p:cNvPr id="5" name="TextBox 4">
+            <a:extLst>
+              <a:ext uri="{FF2B5EF4-FFF2-40B4-BE49-F238E27FC236}">
+                <a16:creationId xmlns:a16="http://schemas.microsoft.com/office/drawing/2014/main" id="{1FAD1540-E3A4-D3E9-8C5F-B91357B28673}"/>
+              </a:ext>
+            </a:extLst>
+          </p:cNvPr>
+          <p:cNvSpPr txBox="1"/>
+          <p:nvPr/>
+        </p:nvSpPr>
+        <p:spPr>
+          <a:xfrm>
+            <a:off x="715552" y="397719"/>
+            <a:ext cx="3685178" cy="369332"/>
+          </a:xfrm>
+          <a:prstGeom prst="rect">
+            <a:avLst/>
+          </a:prstGeom>
+          <a:noFill/>
+        </p:spPr>
+        <p:txBody>
+          <a:bodyPr wrap="square">
+            <a:spAutoFit/>
+          </a:bodyPr>
+          <a:lstStyle/>
+          <a:p>
+            <a:pPr algn="ctr"/>
+            <a:r>
+              <a:rPr lang="en-US" altLang="ko-KR" b="0" i="0" dirty="0">
+                <a:solidFill>
+                  <a:srgbClr val="292929"/>
+                </a:solidFill>
+                <a:effectLst/>
+              </a:rPr>
+              <a:t>URI(Uniform resource Identifier)</a:t>
+            </a:r>
+            <a:endParaRPr lang="ko-KR" altLang="en-US" dirty="0"/>
+          </a:p>
+        </p:txBody>
+      </p:sp>
+      <p:sp>
+        <p:nvSpPr>
+          <p:cNvPr id="6" name="TextBox 5">
+            <a:extLst>
+              <a:ext uri="{FF2B5EF4-FFF2-40B4-BE49-F238E27FC236}">
+                <a16:creationId xmlns:a16="http://schemas.microsoft.com/office/drawing/2014/main" id="{FB495288-2C54-FF53-F4B9-7BC8FD2D2F4E}"/>
+              </a:ext>
+            </a:extLst>
+          </p:cNvPr>
+          <p:cNvSpPr txBox="1"/>
+          <p:nvPr/>
+        </p:nvSpPr>
+        <p:spPr>
+          <a:xfrm>
+            <a:off x="715552" y="1034144"/>
+            <a:ext cx="3685178" cy="369332"/>
+          </a:xfrm>
+          <a:prstGeom prst="rect">
+            <a:avLst/>
+          </a:prstGeom>
+          <a:noFill/>
+        </p:spPr>
+        <p:txBody>
+          <a:bodyPr wrap="square">
+            <a:spAutoFit/>
+          </a:bodyPr>
+          <a:lstStyle/>
+          <a:p>
+            <a:pPr algn="ctr"/>
+            <a:r>
+              <a:rPr lang="en-US" altLang="ko-KR" b="0" i="0" dirty="0">
+                <a:solidFill>
+                  <a:srgbClr val="292929"/>
+                </a:solidFill>
+                <a:effectLst/>
+                <a:latin typeface="+mj-lt"/>
+              </a:rPr>
+              <a:t>URL(Uniform Resource Locator)</a:t>
+            </a:r>
+            <a:endParaRPr lang="ko-KR" altLang="en-US" dirty="0">
+              <a:latin typeface="+mj-lt"/>
+            </a:endParaRPr>
+          </a:p>
+        </p:txBody>
+      </p:sp>
+      <p:sp>
+        <p:nvSpPr>
+          <p:cNvPr id="8" name="TextBox 7">
+            <a:extLst>
+              <a:ext uri="{FF2B5EF4-FFF2-40B4-BE49-F238E27FC236}">
+                <a16:creationId xmlns:a16="http://schemas.microsoft.com/office/drawing/2014/main" id="{48A83208-55E0-0A97-1F34-D5FE16B6A40A}"/>
+              </a:ext>
+            </a:extLst>
+          </p:cNvPr>
+          <p:cNvSpPr txBox="1"/>
+          <p:nvPr/>
+        </p:nvSpPr>
+        <p:spPr>
+          <a:xfrm>
+            <a:off x="4917300" y="397719"/>
+            <a:ext cx="6639807" cy="338554"/>
+          </a:xfrm>
+          <a:prstGeom prst="rect">
+            <a:avLst/>
+          </a:prstGeom>
+          <a:noFill/>
+        </p:spPr>
+        <p:txBody>
+          <a:bodyPr wrap="square">
+            <a:spAutoFit/>
+          </a:bodyPr>
+          <a:lstStyle/>
+          <a:p>
+            <a:r>
+              <a:rPr lang="en-US" altLang="ko-KR" sz="1600" dirty="0">
+                <a:latin typeface="+mj-lt"/>
+              </a:rPr>
+              <a:t>https://</a:t>
+            </a:r>
+            <a:r>
+              <a:rPr lang="ko-KR" altLang="en-US" sz="1600" dirty="0">
+                <a:latin typeface="+mj-lt"/>
+              </a:rPr>
+              <a:t>대한민국</a:t>
+            </a:r>
+            <a:r>
+              <a:rPr lang="en-US" altLang="ko-KR" sz="1600" dirty="0">
+                <a:latin typeface="+mj-lt"/>
+              </a:rPr>
+              <a:t>/</a:t>
+            </a:r>
+            <a:r>
+              <a:rPr lang="ko-KR" altLang="en-US" sz="1600" dirty="0">
+                <a:latin typeface="+mj-lt"/>
+              </a:rPr>
+              <a:t>서울특별시</a:t>
+            </a:r>
+            <a:r>
+              <a:rPr lang="en-US" altLang="ko-KR" sz="1600" dirty="0">
+                <a:latin typeface="+mj-lt"/>
+              </a:rPr>
+              <a:t>/</a:t>
+            </a:r>
+            <a:r>
+              <a:rPr lang="ko-KR" altLang="en-US" sz="1600" dirty="0">
+                <a:latin typeface="+mj-lt"/>
+              </a:rPr>
+              <a:t>중구</a:t>
+            </a:r>
+            <a:r>
+              <a:rPr lang="en-US" altLang="ko-KR" sz="1600" dirty="0">
+                <a:latin typeface="+mj-lt"/>
+              </a:rPr>
+              <a:t>/</a:t>
+            </a:r>
+            <a:r>
+              <a:rPr lang="ko-KR" altLang="en-US" sz="1600" dirty="0">
+                <a:latin typeface="+mj-lt"/>
+              </a:rPr>
+              <a:t>세종대로</a:t>
+            </a:r>
+            <a:r>
+              <a:rPr lang="en-US" altLang="ko-KR" sz="1600" dirty="0">
+                <a:latin typeface="+mj-lt"/>
+              </a:rPr>
+              <a:t>/110/</a:t>
+            </a:r>
+            <a:r>
+              <a:rPr lang="ko-KR" altLang="en-US" sz="1600" dirty="0">
+                <a:latin typeface="+mj-lt"/>
+              </a:rPr>
+              <a:t>시장실</a:t>
+            </a:r>
+            <a:r>
+              <a:rPr lang="en-US" altLang="ko-KR" sz="1600" dirty="0">
+                <a:latin typeface="+mj-lt"/>
+              </a:rPr>
+              <a:t>=</a:t>
+            </a:r>
+            <a:r>
+              <a:rPr lang="ko-KR" altLang="en-US" sz="1600" dirty="0">
+                <a:latin typeface="+mj-lt"/>
+              </a:rPr>
+              <a:t>서울특별시장</a:t>
+            </a:r>
+            <a:endParaRPr lang="en-US" altLang="ko-KR" sz="1600" dirty="0">
+              <a:latin typeface="+mj-lt"/>
+            </a:endParaRPr>
+          </a:p>
+        </p:txBody>
+      </p:sp>
+    </p:spTree>
+    <p:extLst>
+      <p:ext uri="{BB962C8B-B14F-4D97-AF65-F5344CB8AC3E}">
+        <p14:creationId xmlns:p14="http://schemas.microsoft.com/office/powerpoint/2010/main" val="663724919"/>
+      </p:ext>
+    </p:extLst>
+  </p:cSld>
+  <p:clrMapOvr>
+    <a:masterClrMapping/>
+  </p:clrMapOvr>
+</p:sld>
+</file>
+
+<file path=ppt/slides/slide24.xml><?xml version="1.0" encoding="utf-8"?>
+<p:sld xmlns:a="http://schemas.openxmlformats.org/drawingml/2006/main" xmlns:r="http://schemas.openxmlformats.org/officeDocument/2006/relationships" xmlns:p="http://schemas.openxmlformats.org/presentationml/2006/main">
+  <p:cSld>
+    <p:spTree>
+      <p:nvGrpSpPr>
+        <p:cNvPr id="1" name=""/>
+        <p:cNvGrpSpPr/>
+        <p:nvPr/>
+      </p:nvGrpSpPr>
+      <p:grpSpPr>
+        <a:xfrm>
+          <a:off x="0" y="0"/>
+          <a:ext cx="0" cy="0"/>
+          <a:chOff x="0" y="0"/>
+          <a:chExt cx="0" cy="0"/>
+        </a:xfrm>
+      </p:grpSpPr>
+      <p:sp>
+        <p:nvSpPr>
+          <p:cNvPr id="2" name="직사각형 1">
+            <a:extLst>
+              <a:ext uri="{FF2B5EF4-FFF2-40B4-BE49-F238E27FC236}">
                 <a16:creationId xmlns:a16="http://schemas.microsoft.com/office/drawing/2014/main" id="{ED2D55BD-C669-7DDA-F697-5AAFF8256D44}"/>
               </a:ext>
             </a:extLst>
@@ -21216,7 +21855,7 @@
 </p:sld>
 </file>
 
-<file path=ppt/slides/slide24.xml><?xml version="1.0" encoding="utf-8"?>
+<file path=ppt/slides/slide25.xml><?xml version="1.0" encoding="utf-8"?>
 <p:sld xmlns:a="http://schemas.openxmlformats.org/drawingml/2006/main" xmlns:r="http://schemas.openxmlformats.org/officeDocument/2006/relationships" xmlns:p="http://schemas.openxmlformats.org/presentationml/2006/main">
   <p:cSld>
     <p:spTree>

--- a/Image/Diagram/Canvas.pptx
+++ b/Image/Diagram/Canvas.pptx
@@ -5,10 +5,10 @@
     <p:sldMasterId id="2147483648" r:id="rId1"/>
   </p:sldMasterIdLst>
   <p:notesMasterIdLst>
-    <p:notesMasterId r:id="rId27"/>
+    <p:notesMasterId r:id="rId28"/>
   </p:notesMasterIdLst>
   <p:handoutMasterIdLst>
-    <p:handoutMasterId r:id="rId28"/>
+    <p:handoutMasterId r:id="rId29"/>
   </p:handoutMasterIdLst>
   <p:sldIdLst>
     <p:sldId id="278" r:id="rId2"/>
@@ -36,6 +36,7 @@
     <p:sldId id="276" r:id="rId24"/>
     <p:sldId id="279" r:id="rId25"/>
     <p:sldId id="280" r:id="rId26"/>
+    <p:sldId id="282" r:id="rId27"/>
   </p:sldIdLst>
   <p:sldSz cx="12192000" cy="6858000"/>
   <p:notesSz cx="6858000" cy="9144000"/>
@@ -239,7 +240,7 @@
           <a:p>
             <a:fld id="{29F43AEA-EBFF-4648-88A2-B3AE8909EBED}" type="datetimeFigureOut">
               <a:rPr lang="ko-KR" altLang="en-US" smtClean="0"/>
-              <a:t>2022-09-05</a:t>
+              <a:t>2022-09-18</a:t>
             </a:fld>
             <a:endParaRPr lang="ko-KR" altLang="en-US"/>
           </a:p>
@@ -416,7 +417,7 @@
           <a:p>
             <a:fld id="{D4F45FAA-3284-44C8-A10C-F89E7A7A9D0D}" type="datetimeFigureOut">
               <a:rPr lang="ko-KR" altLang="en-US" smtClean="0"/>
-              <a:t>2022-09-05</a:t>
+              <a:t>2022-09-18</a:t>
             </a:fld>
             <a:endParaRPr lang="ko-KR" altLang="en-US"/>
           </a:p>
@@ -812,7 +813,7 @@
           <a:p>
             <a:fld id="{B5FEAD0D-239A-466E-9319-07628EC22FD2}" type="datetimeFigureOut">
               <a:rPr lang="ko-KR" altLang="en-US" smtClean="0"/>
-              <a:t>2022-09-05</a:t>
+              <a:t>2022-09-18</a:t>
             </a:fld>
             <a:endParaRPr lang="ko-KR" altLang="en-US"/>
           </a:p>
@@ -980,7 +981,7 @@
           <a:p>
             <a:fld id="{B5FEAD0D-239A-466E-9319-07628EC22FD2}" type="datetimeFigureOut">
               <a:rPr lang="ko-KR" altLang="en-US" smtClean="0"/>
-              <a:t>2022-09-05</a:t>
+              <a:t>2022-09-18</a:t>
             </a:fld>
             <a:endParaRPr lang="ko-KR" altLang="en-US"/>
           </a:p>
@@ -1158,7 +1159,7 @@
           <a:p>
             <a:fld id="{B5FEAD0D-239A-466E-9319-07628EC22FD2}" type="datetimeFigureOut">
               <a:rPr lang="ko-KR" altLang="en-US" smtClean="0"/>
-              <a:t>2022-09-05</a:t>
+              <a:t>2022-09-18</a:t>
             </a:fld>
             <a:endParaRPr lang="ko-KR" altLang="en-US"/>
           </a:p>
@@ -1253,7 +1254,7 @@
           <a:p>
             <a:fld id="{B5FEAD0D-239A-466E-9319-07628EC22FD2}" type="datetimeFigureOut">
               <a:rPr lang="ko-KR" altLang="en-US" smtClean="0"/>
-              <a:t>2022-09-05</a:t>
+              <a:t>2022-09-18</a:t>
             </a:fld>
             <a:endParaRPr lang="ko-KR" altLang="en-US"/>
           </a:p>
@@ -1498,7 +1499,7 @@
           <a:p>
             <a:fld id="{B5FEAD0D-239A-466E-9319-07628EC22FD2}" type="datetimeFigureOut">
               <a:rPr lang="ko-KR" altLang="en-US" smtClean="0"/>
-              <a:t>2022-09-05</a:t>
+              <a:t>2022-09-18</a:t>
             </a:fld>
             <a:endParaRPr lang="ko-KR" altLang="en-US"/>
           </a:p>
@@ -1727,7 +1728,7 @@
           <a:p>
             <a:fld id="{B5FEAD0D-239A-466E-9319-07628EC22FD2}" type="datetimeFigureOut">
               <a:rPr lang="ko-KR" altLang="en-US" smtClean="0"/>
-              <a:t>2022-09-05</a:t>
+              <a:t>2022-09-18</a:t>
             </a:fld>
             <a:endParaRPr lang="ko-KR" altLang="en-US"/>
           </a:p>
@@ -2091,7 +2092,7 @@
           <a:p>
             <a:fld id="{B5FEAD0D-239A-466E-9319-07628EC22FD2}" type="datetimeFigureOut">
               <a:rPr lang="ko-KR" altLang="en-US" smtClean="0"/>
-              <a:t>2022-09-05</a:t>
+              <a:t>2022-09-18</a:t>
             </a:fld>
             <a:endParaRPr lang="ko-KR" altLang="en-US"/>
           </a:p>
@@ -2208,7 +2209,7 @@
           <a:p>
             <a:fld id="{B5FEAD0D-239A-466E-9319-07628EC22FD2}" type="datetimeFigureOut">
               <a:rPr lang="ko-KR" altLang="en-US" smtClean="0"/>
-              <a:t>2022-09-05</a:t>
+              <a:t>2022-09-18</a:t>
             </a:fld>
             <a:endParaRPr lang="ko-KR" altLang="en-US"/>
           </a:p>
@@ -2303,7 +2304,7 @@
           <a:p>
             <a:fld id="{B5FEAD0D-239A-466E-9319-07628EC22FD2}" type="datetimeFigureOut">
               <a:rPr lang="ko-KR" altLang="en-US" smtClean="0"/>
-              <a:t>2022-09-05</a:t>
+              <a:t>2022-09-18</a:t>
             </a:fld>
             <a:endParaRPr lang="ko-KR" altLang="en-US"/>
           </a:p>
@@ -2578,7 +2579,7 @@
           <a:p>
             <a:fld id="{B5FEAD0D-239A-466E-9319-07628EC22FD2}" type="datetimeFigureOut">
               <a:rPr lang="ko-KR" altLang="en-US" smtClean="0"/>
-              <a:t>2022-09-05</a:t>
+              <a:t>2022-09-18</a:t>
             </a:fld>
             <a:endParaRPr lang="ko-KR" altLang="en-US"/>
           </a:p>
@@ -2830,7 +2831,7 @@
           <a:p>
             <a:fld id="{B5FEAD0D-239A-466E-9319-07628EC22FD2}" type="datetimeFigureOut">
               <a:rPr lang="ko-KR" altLang="en-US" smtClean="0"/>
-              <a:t>2022-09-05</a:t>
+              <a:t>2022-09-18</a:t>
             </a:fld>
             <a:endParaRPr lang="ko-KR" altLang="en-US"/>
           </a:p>
@@ -3041,7 +3042,7 @@
           <a:p>
             <a:fld id="{B5FEAD0D-239A-466E-9319-07628EC22FD2}" type="datetimeFigureOut">
               <a:rPr lang="ko-KR" altLang="en-US" smtClean="0"/>
-              <a:t>2022-09-05</a:t>
+              <a:t>2022-09-18</a:t>
             </a:fld>
             <a:endParaRPr lang="ko-KR" altLang="en-US"/>
           </a:p>
@@ -16722,6 +16723,14 @@
               </a:rPr>
               <a:t>Views</a:t>
             </a:r>
+            <a:r>
+              <a:rPr lang="en-US" altLang="ko-KR" dirty="0">
+                <a:solidFill>
+                  <a:schemeClr val="bg1"/>
+                </a:solidFill>
+              </a:rPr>
+              <a:t/>
+            </a:r>
             <a:br>
               <a:rPr lang="en-US" altLang="ko-KR" dirty="0">
                 <a:solidFill>
@@ -16835,6 +16844,14 @@
               </a:rPr>
               <a:t>View Models</a:t>
             </a:r>
+            <a:r>
+              <a:rPr lang="en-US" altLang="ko-KR" dirty="0">
+                <a:solidFill>
+                  <a:schemeClr val="bg1"/>
+                </a:solidFill>
+              </a:rPr>
+              <a:t/>
+            </a:r>
             <a:br>
               <a:rPr lang="en-US" altLang="ko-KR" dirty="0">
                 <a:solidFill>
@@ -16948,6 +16965,14 @@
               </a:rPr>
               <a:t>Model</a:t>
             </a:r>
+            <a:r>
+              <a:rPr lang="en-US" altLang="ko-KR" dirty="0">
+                <a:solidFill>
+                  <a:schemeClr val="bg1"/>
+                </a:solidFill>
+              </a:rPr>
+              <a:t/>
+            </a:r>
             <a:br>
               <a:rPr lang="en-US" altLang="ko-KR" dirty="0">
                 <a:solidFill>
@@ -17060,6 +17085,14 @@
                 </a:solidFill>
               </a:rPr>
               <a:t>Database</a:t>
+            </a:r>
+            <a:r>
+              <a:rPr lang="en-US" altLang="ko-KR" dirty="0">
+                <a:solidFill>
+                  <a:schemeClr val="bg1"/>
+                </a:solidFill>
+              </a:rPr>
+              <a:t/>
             </a:r>
             <a:br>
               <a:rPr lang="en-US" altLang="ko-KR" dirty="0">
@@ -23356,6 +23389,1094 @@
     <p:extLst>
       <p:ext uri="{BB962C8B-B14F-4D97-AF65-F5344CB8AC3E}">
         <p14:creationId xmlns:p14="http://schemas.microsoft.com/office/powerpoint/2010/main" val="3297696192"/>
+      </p:ext>
+    </p:extLst>
+  </p:cSld>
+  <p:clrMapOvr>
+    <a:masterClrMapping/>
+  </p:clrMapOvr>
+</p:sld>
+</file>
+
+<file path=ppt/slides/slide26.xml><?xml version="1.0" encoding="utf-8"?>
+<p:sld xmlns:a="http://schemas.openxmlformats.org/drawingml/2006/main" xmlns:r="http://schemas.openxmlformats.org/officeDocument/2006/relationships" xmlns:p="http://schemas.openxmlformats.org/presentationml/2006/main">
+  <p:cSld>
+    <p:spTree>
+      <p:nvGrpSpPr>
+        <p:cNvPr id="1" name=""/>
+        <p:cNvGrpSpPr/>
+        <p:nvPr/>
+      </p:nvGrpSpPr>
+      <p:grpSpPr>
+        <a:xfrm>
+          <a:off x="0" y="0"/>
+          <a:ext cx="0" cy="0"/>
+          <a:chOff x="0" y="0"/>
+          <a:chExt cx="0" cy="0"/>
+        </a:xfrm>
+      </p:grpSpPr>
+      <p:sp>
+        <p:nvSpPr>
+          <p:cNvPr id="2" name="직사각형 1"/>
+          <p:cNvSpPr/>
+          <p:nvPr/>
+        </p:nvSpPr>
+        <p:spPr>
+          <a:xfrm>
+            <a:off x="541866" y="1016000"/>
+            <a:ext cx="1346200" cy="406400"/>
+          </a:xfrm>
+          <a:prstGeom prst="rect">
+            <a:avLst/>
+          </a:prstGeom>
+          <a:solidFill>
+            <a:srgbClr val="0070C0"/>
+          </a:solidFill>
+          <a:ln>
+            <a:noFill/>
+          </a:ln>
+        </p:spPr>
+        <p:style>
+          <a:lnRef idx="2">
+            <a:schemeClr val="accent1">
+              <a:shade val="50000"/>
+            </a:schemeClr>
+          </a:lnRef>
+          <a:fillRef idx="1">
+            <a:schemeClr val="accent1"/>
+          </a:fillRef>
+          <a:effectRef idx="0">
+            <a:schemeClr val="accent1"/>
+          </a:effectRef>
+          <a:fontRef idx="minor">
+            <a:schemeClr val="lt1"/>
+          </a:fontRef>
+        </p:style>
+        <p:txBody>
+          <a:bodyPr rtlCol="0" anchor="ctr"/>
+          <a:lstStyle/>
+          <a:p>
+            <a:pPr algn="ctr"/>
+            <a:endParaRPr lang="ko-KR" altLang="en-US" dirty="0"/>
+          </a:p>
+        </p:txBody>
+      </p:sp>
+      <p:sp>
+        <p:nvSpPr>
+          <p:cNvPr id="3" name="직사각형 2"/>
+          <p:cNvSpPr/>
+          <p:nvPr/>
+        </p:nvSpPr>
+        <p:spPr>
+          <a:xfrm>
+            <a:off x="3200400" y="550334"/>
+            <a:ext cx="1439334" cy="4504266"/>
+          </a:xfrm>
+          <a:prstGeom prst="rect">
+            <a:avLst/>
+          </a:prstGeom>
+          <a:solidFill>
+            <a:srgbClr val="9ADCFF"/>
+          </a:solidFill>
+          <a:ln>
+            <a:noFill/>
+          </a:ln>
+        </p:spPr>
+        <p:style>
+          <a:lnRef idx="2">
+            <a:schemeClr val="accent1">
+              <a:shade val="50000"/>
+            </a:schemeClr>
+          </a:lnRef>
+          <a:fillRef idx="1">
+            <a:schemeClr val="accent1"/>
+          </a:fillRef>
+          <a:effectRef idx="0">
+            <a:schemeClr val="accent1"/>
+          </a:effectRef>
+          <a:fontRef idx="minor">
+            <a:schemeClr val="lt1"/>
+          </a:fontRef>
+        </p:style>
+        <p:txBody>
+          <a:bodyPr rtlCol="0" anchor="ctr"/>
+          <a:lstStyle/>
+          <a:p>
+            <a:pPr algn="ctr"/>
+            <a:endParaRPr lang="ko-KR" altLang="en-US">
+              <a:solidFill>
+                <a:schemeClr val="tx1"/>
+              </a:solidFill>
+            </a:endParaRPr>
+          </a:p>
+        </p:txBody>
+      </p:sp>
+      <p:sp>
+        <p:nvSpPr>
+          <p:cNvPr id="4" name="직사각형 3"/>
+          <p:cNvSpPr/>
+          <p:nvPr/>
+        </p:nvSpPr>
+        <p:spPr>
+          <a:xfrm>
+            <a:off x="5393266" y="550334"/>
+            <a:ext cx="1439334" cy="4504266"/>
+          </a:xfrm>
+          <a:prstGeom prst="rect">
+            <a:avLst/>
+          </a:prstGeom>
+          <a:solidFill>
+            <a:srgbClr val="9ADCFF"/>
+          </a:solidFill>
+          <a:ln>
+            <a:noFill/>
+          </a:ln>
+        </p:spPr>
+        <p:style>
+          <a:lnRef idx="2">
+            <a:schemeClr val="accent1">
+              <a:shade val="50000"/>
+            </a:schemeClr>
+          </a:lnRef>
+          <a:fillRef idx="1">
+            <a:schemeClr val="accent1"/>
+          </a:fillRef>
+          <a:effectRef idx="0">
+            <a:schemeClr val="accent1"/>
+          </a:effectRef>
+          <a:fontRef idx="minor">
+            <a:schemeClr val="lt1"/>
+          </a:fontRef>
+        </p:style>
+        <p:txBody>
+          <a:bodyPr rtlCol="0" anchor="ctr"/>
+          <a:lstStyle/>
+          <a:p>
+            <a:pPr algn="ctr"/>
+            <a:endParaRPr lang="ko-KR" altLang="en-US">
+              <a:solidFill>
+                <a:schemeClr val="tx1"/>
+              </a:solidFill>
+            </a:endParaRPr>
+          </a:p>
+        </p:txBody>
+      </p:sp>
+      <p:sp>
+        <p:nvSpPr>
+          <p:cNvPr id="5" name="직사각형 4"/>
+          <p:cNvSpPr/>
+          <p:nvPr/>
+        </p:nvSpPr>
+        <p:spPr>
+          <a:xfrm>
+            <a:off x="7586132" y="550334"/>
+            <a:ext cx="1439334" cy="4504266"/>
+          </a:xfrm>
+          <a:prstGeom prst="rect">
+            <a:avLst/>
+          </a:prstGeom>
+          <a:solidFill>
+            <a:srgbClr val="9ADCFF"/>
+          </a:solidFill>
+          <a:ln>
+            <a:noFill/>
+          </a:ln>
+        </p:spPr>
+        <p:style>
+          <a:lnRef idx="2">
+            <a:schemeClr val="accent1">
+              <a:shade val="50000"/>
+            </a:schemeClr>
+          </a:lnRef>
+          <a:fillRef idx="1">
+            <a:schemeClr val="accent1"/>
+          </a:fillRef>
+          <a:effectRef idx="0">
+            <a:schemeClr val="accent1"/>
+          </a:effectRef>
+          <a:fontRef idx="minor">
+            <a:schemeClr val="lt1"/>
+          </a:fontRef>
+        </p:style>
+        <p:txBody>
+          <a:bodyPr rtlCol="0" anchor="ctr"/>
+          <a:lstStyle/>
+          <a:p>
+            <a:pPr algn="ctr"/>
+            <a:endParaRPr lang="ko-KR" altLang="en-US">
+              <a:solidFill>
+                <a:schemeClr val="tx1"/>
+              </a:solidFill>
+            </a:endParaRPr>
+          </a:p>
+        </p:txBody>
+      </p:sp>
+      <p:cxnSp>
+        <p:nvCxnSpPr>
+          <p:cNvPr id="7" name="직선 화살표 연결선 6"/>
+          <p:cNvCxnSpPr/>
+          <p:nvPr/>
+        </p:nvCxnSpPr>
+        <p:spPr>
+          <a:xfrm>
+            <a:off x="1888066" y="1227667"/>
+            <a:ext cx="1659467" cy="0"/>
+          </a:xfrm>
+          <a:prstGeom prst="straightConnector1">
+            <a:avLst/>
+          </a:prstGeom>
+          <a:ln w="38100">
+            <a:solidFill>
+              <a:srgbClr val="FF0000"/>
+            </a:solidFill>
+            <a:tailEnd type="triangle"/>
+          </a:ln>
+        </p:spPr>
+        <p:style>
+          <a:lnRef idx="1">
+            <a:schemeClr val="accent1"/>
+          </a:lnRef>
+          <a:fillRef idx="0">
+            <a:schemeClr val="accent1"/>
+          </a:fillRef>
+          <a:effectRef idx="0">
+            <a:schemeClr val="accent1"/>
+          </a:effectRef>
+          <a:fontRef idx="minor">
+            <a:schemeClr val="tx1"/>
+          </a:fontRef>
+        </p:style>
+      </p:cxnSp>
+      <p:sp>
+        <p:nvSpPr>
+          <p:cNvPr id="9" name="직사각형 8"/>
+          <p:cNvSpPr/>
+          <p:nvPr/>
+        </p:nvSpPr>
+        <p:spPr>
+          <a:xfrm>
+            <a:off x="752243" y="1049923"/>
+            <a:ext cx="925446" cy="338554"/>
+          </a:xfrm>
+          <a:prstGeom prst="rect">
+            <a:avLst/>
+          </a:prstGeom>
+        </p:spPr>
+        <p:txBody>
+          <a:bodyPr wrap="none">
+            <a:spAutoFit/>
+          </a:bodyPr>
+          <a:lstStyle/>
+          <a:p>
+            <a:pPr algn="r"/>
+            <a:r>
+              <a:rPr lang="en-US" altLang="ko-KR" sz="1600" dirty="0">
+                <a:solidFill>
+                  <a:schemeClr val="bg1"/>
+                </a:solidFill>
+              </a:rPr>
+              <a:t>Request</a:t>
+            </a:r>
+            <a:endParaRPr lang="ko-KR" altLang="en-US" sz="1600" dirty="0">
+              <a:solidFill>
+                <a:schemeClr val="bg1"/>
+              </a:solidFill>
+            </a:endParaRPr>
+          </a:p>
+        </p:txBody>
+      </p:sp>
+      <p:sp>
+        <p:nvSpPr>
+          <p:cNvPr id="10" name="직사각형 9"/>
+          <p:cNvSpPr/>
+          <p:nvPr/>
+        </p:nvSpPr>
+        <p:spPr>
+          <a:xfrm>
+            <a:off x="3263156" y="660168"/>
+            <a:ext cx="1313821" cy="307777"/>
+          </a:xfrm>
+          <a:prstGeom prst="rect">
+            <a:avLst/>
+          </a:prstGeom>
+        </p:spPr>
+        <p:txBody>
+          <a:bodyPr wrap="none">
+            <a:spAutoFit/>
+          </a:bodyPr>
+          <a:lstStyle/>
+          <a:p>
+            <a:pPr algn="r"/>
+            <a:r>
+              <a:rPr lang="en-US" altLang="ko-KR" sz="1400" dirty="0" smtClean="0"/>
+              <a:t>Middleware A</a:t>
+            </a:r>
+            <a:endParaRPr lang="ko-KR" altLang="en-US" sz="1400" dirty="0"/>
+          </a:p>
+        </p:txBody>
+      </p:sp>
+      <p:sp>
+        <p:nvSpPr>
+          <p:cNvPr id="13" name="직사각형 12"/>
+          <p:cNvSpPr/>
+          <p:nvPr/>
+        </p:nvSpPr>
+        <p:spPr>
+          <a:xfrm>
+            <a:off x="5470448" y="660168"/>
+            <a:ext cx="1299395" cy="307777"/>
+          </a:xfrm>
+          <a:prstGeom prst="rect">
+            <a:avLst/>
+          </a:prstGeom>
+        </p:spPr>
+        <p:txBody>
+          <a:bodyPr wrap="none">
+            <a:spAutoFit/>
+          </a:bodyPr>
+          <a:lstStyle/>
+          <a:p>
+            <a:pPr algn="r"/>
+            <a:r>
+              <a:rPr lang="en-US" altLang="ko-KR" sz="1400" dirty="0" smtClean="0"/>
+              <a:t>Middleware B</a:t>
+            </a:r>
+            <a:endParaRPr lang="ko-KR" altLang="en-US" sz="1400" dirty="0"/>
+          </a:p>
+        </p:txBody>
+      </p:sp>
+      <p:sp>
+        <p:nvSpPr>
+          <p:cNvPr id="16" name="직사각형 15"/>
+          <p:cNvSpPr/>
+          <p:nvPr/>
+        </p:nvSpPr>
+        <p:spPr>
+          <a:xfrm>
+            <a:off x="7653696" y="660168"/>
+            <a:ext cx="1309013" cy="307777"/>
+          </a:xfrm>
+          <a:prstGeom prst="rect">
+            <a:avLst/>
+          </a:prstGeom>
+        </p:spPr>
+        <p:txBody>
+          <a:bodyPr wrap="none">
+            <a:spAutoFit/>
+          </a:bodyPr>
+          <a:lstStyle/>
+          <a:p>
+            <a:pPr algn="r"/>
+            <a:r>
+              <a:rPr lang="en-US" altLang="ko-KR" sz="1400" dirty="0" smtClean="0"/>
+              <a:t>Middleware C</a:t>
+            </a:r>
+            <a:endParaRPr lang="ko-KR" altLang="en-US" sz="1400" dirty="0"/>
+          </a:p>
+        </p:txBody>
+      </p:sp>
+      <p:sp>
+        <p:nvSpPr>
+          <p:cNvPr id="18" name="직사각형 17"/>
+          <p:cNvSpPr/>
+          <p:nvPr/>
+        </p:nvSpPr>
+        <p:spPr>
+          <a:xfrm>
+            <a:off x="3398721" y="1487390"/>
+            <a:ext cx="1042690" cy="314774"/>
+          </a:xfrm>
+          <a:prstGeom prst="rect">
+            <a:avLst/>
+          </a:prstGeom>
+          <a:solidFill>
+            <a:srgbClr val="0070C0"/>
+          </a:solidFill>
+          <a:ln>
+            <a:noFill/>
+          </a:ln>
+        </p:spPr>
+        <p:style>
+          <a:lnRef idx="2">
+            <a:schemeClr val="accent1">
+              <a:shade val="50000"/>
+            </a:schemeClr>
+          </a:lnRef>
+          <a:fillRef idx="1">
+            <a:schemeClr val="accent1"/>
+          </a:fillRef>
+          <a:effectRef idx="0">
+            <a:schemeClr val="accent1"/>
+          </a:effectRef>
+          <a:fontRef idx="minor">
+            <a:schemeClr val="lt1"/>
+          </a:fontRef>
+        </p:style>
+        <p:txBody>
+          <a:bodyPr rtlCol="0" anchor="ctr"/>
+          <a:lstStyle/>
+          <a:p>
+            <a:pPr algn="ctr"/>
+            <a:endParaRPr lang="ko-KR" altLang="en-US" dirty="0"/>
+          </a:p>
+        </p:txBody>
+      </p:sp>
+      <p:sp>
+        <p:nvSpPr>
+          <p:cNvPr id="19" name="직사각형 18"/>
+          <p:cNvSpPr/>
+          <p:nvPr/>
+        </p:nvSpPr>
+        <p:spPr>
+          <a:xfrm>
+            <a:off x="3547533" y="1487390"/>
+            <a:ext cx="716798" cy="307777"/>
+          </a:xfrm>
+          <a:prstGeom prst="rect">
+            <a:avLst/>
+          </a:prstGeom>
+        </p:spPr>
+        <p:txBody>
+          <a:bodyPr wrap="square">
+            <a:spAutoFit/>
+          </a:bodyPr>
+          <a:lstStyle/>
+          <a:p>
+            <a:pPr algn="r"/>
+            <a:r>
+              <a:rPr lang="en-US" altLang="ko-KR" sz="1400" dirty="0" smtClean="0">
+                <a:solidFill>
+                  <a:schemeClr val="bg1"/>
+                </a:solidFill>
+              </a:rPr>
+              <a:t>next();</a:t>
+            </a:r>
+            <a:endParaRPr lang="ko-KR" altLang="en-US" sz="1400" dirty="0">
+              <a:solidFill>
+                <a:schemeClr val="bg1"/>
+              </a:solidFill>
+            </a:endParaRPr>
+          </a:p>
+        </p:txBody>
+      </p:sp>
+      <p:sp>
+        <p:nvSpPr>
+          <p:cNvPr id="20" name="직사각형 19"/>
+          <p:cNvSpPr/>
+          <p:nvPr/>
+        </p:nvSpPr>
+        <p:spPr>
+          <a:xfrm>
+            <a:off x="5586064" y="2020790"/>
+            <a:ext cx="1042690" cy="314774"/>
+          </a:xfrm>
+          <a:prstGeom prst="rect">
+            <a:avLst/>
+          </a:prstGeom>
+          <a:solidFill>
+            <a:srgbClr val="0070C0"/>
+          </a:solidFill>
+          <a:ln>
+            <a:noFill/>
+          </a:ln>
+        </p:spPr>
+        <p:style>
+          <a:lnRef idx="2">
+            <a:schemeClr val="accent1">
+              <a:shade val="50000"/>
+            </a:schemeClr>
+          </a:lnRef>
+          <a:fillRef idx="1">
+            <a:schemeClr val="accent1"/>
+          </a:fillRef>
+          <a:effectRef idx="0">
+            <a:schemeClr val="accent1"/>
+          </a:effectRef>
+          <a:fontRef idx="minor">
+            <a:schemeClr val="lt1"/>
+          </a:fontRef>
+        </p:style>
+        <p:txBody>
+          <a:bodyPr rtlCol="0" anchor="ctr"/>
+          <a:lstStyle/>
+          <a:p>
+            <a:pPr algn="ctr"/>
+            <a:endParaRPr lang="ko-KR" altLang="en-US" dirty="0"/>
+          </a:p>
+        </p:txBody>
+      </p:sp>
+      <p:sp>
+        <p:nvSpPr>
+          <p:cNvPr id="21" name="직사각형 20"/>
+          <p:cNvSpPr/>
+          <p:nvPr/>
+        </p:nvSpPr>
+        <p:spPr>
+          <a:xfrm>
+            <a:off x="5734876" y="2020790"/>
+            <a:ext cx="716798" cy="307777"/>
+          </a:xfrm>
+          <a:prstGeom prst="rect">
+            <a:avLst/>
+          </a:prstGeom>
+        </p:spPr>
+        <p:txBody>
+          <a:bodyPr wrap="square">
+            <a:spAutoFit/>
+          </a:bodyPr>
+          <a:lstStyle/>
+          <a:p>
+            <a:pPr algn="r"/>
+            <a:r>
+              <a:rPr lang="en-US" altLang="ko-KR" sz="1400" dirty="0" smtClean="0">
+                <a:solidFill>
+                  <a:schemeClr val="bg1"/>
+                </a:solidFill>
+              </a:rPr>
+              <a:t>next();</a:t>
+            </a:r>
+            <a:endParaRPr lang="ko-KR" altLang="en-US" sz="1400" dirty="0">
+              <a:solidFill>
+                <a:schemeClr val="bg1"/>
+              </a:solidFill>
+            </a:endParaRPr>
+          </a:p>
+        </p:txBody>
+      </p:sp>
+      <p:sp>
+        <p:nvSpPr>
+          <p:cNvPr id="22" name="직사각형 21"/>
+          <p:cNvSpPr/>
+          <p:nvPr/>
+        </p:nvSpPr>
+        <p:spPr>
+          <a:xfrm>
+            <a:off x="7789331" y="2645079"/>
+            <a:ext cx="1042690" cy="314774"/>
+          </a:xfrm>
+          <a:prstGeom prst="rect">
+            <a:avLst/>
+          </a:prstGeom>
+          <a:solidFill>
+            <a:srgbClr val="9999FF"/>
+          </a:solidFill>
+          <a:ln>
+            <a:noFill/>
+          </a:ln>
+        </p:spPr>
+        <p:style>
+          <a:lnRef idx="2">
+            <a:schemeClr val="accent1">
+              <a:shade val="50000"/>
+            </a:schemeClr>
+          </a:lnRef>
+          <a:fillRef idx="1">
+            <a:schemeClr val="accent1"/>
+          </a:fillRef>
+          <a:effectRef idx="0">
+            <a:schemeClr val="accent1"/>
+          </a:effectRef>
+          <a:fontRef idx="minor">
+            <a:schemeClr val="lt1"/>
+          </a:fontRef>
+        </p:style>
+        <p:txBody>
+          <a:bodyPr rtlCol="0" anchor="ctr"/>
+          <a:lstStyle/>
+          <a:p>
+            <a:pPr algn="ctr"/>
+            <a:endParaRPr lang="ko-KR" altLang="en-US" dirty="0"/>
+          </a:p>
+        </p:txBody>
+      </p:sp>
+      <p:sp>
+        <p:nvSpPr>
+          <p:cNvPr id="23" name="직사각형 22"/>
+          <p:cNvSpPr/>
+          <p:nvPr/>
+        </p:nvSpPr>
+        <p:spPr>
+          <a:xfrm>
+            <a:off x="7938143" y="2645079"/>
+            <a:ext cx="716798" cy="307777"/>
+          </a:xfrm>
+          <a:prstGeom prst="rect">
+            <a:avLst/>
+          </a:prstGeom>
+        </p:spPr>
+        <p:txBody>
+          <a:bodyPr wrap="square">
+            <a:spAutoFit/>
+          </a:bodyPr>
+          <a:lstStyle/>
+          <a:p>
+            <a:pPr algn="ctr"/>
+            <a:r>
+              <a:rPr lang="en-US" altLang="ko-KR" sz="1400" dirty="0" smtClean="0">
+                <a:solidFill>
+                  <a:schemeClr val="bg1"/>
+                </a:solidFill>
+              </a:rPr>
+              <a:t>Logic</a:t>
+            </a:r>
+            <a:endParaRPr lang="ko-KR" altLang="en-US" sz="1400" dirty="0">
+              <a:solidFill>
+                <a:schemeClr val="bg1"/>
+              </a:solidFill>
+            </a:endParaRPr>
+          </a:p>
+        </p:txBody>
+      </p:sp>
+      <p:cxnSp>
+        <p:nvCxnSpPr>
+          <p:cNvPr id="25" name="꺾인 연결선 24"/>
+          <p:cNvCxnSpPr>
+            <a:stCxn id="18" idx="2"/>
+          </p:cNvCxnSpPr>
+          <p:nvPr/>
+        </p:nvCxnSpPr>
+        <p:spPr>
+          <a:xfrm rot="16200000" flipH="1">
+            <a:off x="4270534" y="1451696"/>
+            <a:ext cx="787983" cy="1488918"/>
+          </a:xfrm>
+          <a:prstGeom prst="bentConnector2">
+            <a:avLst/>
+          </a:prstGeom>
+          <a:ln w="38100">
+            <a:solidFill>
+              <a:srgbClr val="FF0000"/>
+            </a:solidFill>
+            <a:tailEnd type="triangle"/>
+          </a:ln>
+        </p:spPr>
+        <p:style>
+          <a:lnRef idx="1">
+            <a:schemeClr val="accent1"/>
+          </a:lnRef>
+          <a:fillRef idx="0">
+            <a:schemeClr val="accent1"/>
+          </a:fillRef>
+          <a:effectRef idx="0">
+            <a:schemeClr val="accent1"/>
+          </a:effectRef>
+          <a:fontRef idx="minor">
+            <a:schemeClr val="tx1"/>
+          </a:fontRef>
+        </p:style>
+      </p:cxnSp>
+      <p:cxnSp>
+        <p:nvCxnSpPr>
+          <p:cNvPr id="26" name="꺾인 연결선 25"/>
+          <p:cNvCxnSpPr>
+            <a:stCxn id="20" idx="2"/>
+            <a:endCxn id="5" idx="1"/>
+          </p:cNvCxnSpPr>
+          <p:nvPr/>
+        </p:nvCxnSpPr>
+        <p:spPr>
+          <a:xfrm rot="16200000" flipH="1">
+            <a:off x="6613319" y="1829653"/>
+            <a:ext cx="466903" cy="1478723"/>
+          </a:xfrm>
+          <a:prstGeom prst="bentConnector2">
+            <a:avLst/>
+          </a:prstGeom>
+          <a:ln w="38100">
+            <a:solidFill>
+              <a:srgbClr val="FF0000"/>
+            </a:solidFill>
+            <a:tailEnd type="triangle"/>
+          </a:ln>
+        </p:spPr>
+        <p:style>
+          <a:lnRef idx="1">
+            <a:schemeClr val="accent1"/>
+          </a:lnRef>
+          <a:fillRef idx="0">
+            <a:schemeClr val="accent1"/>
+          </a:fillRef>
+          <a:effectRef idx="0">
+            <a:schemeClr val="accent1"/>
+          </a:effectRef>
+          <a:fontRef idx="minor">
+            <a:schemeClr val="tx1"/>
+          </a:fontRef>
+        </p:style>
+      </p:cxnSp>
+      <p:sp>
+        <p:nvSpPr>
+          <p:cNvPr id="30" name="직사각형 29"/>
+          <p:cNvSpPr/>
+          <p:nvPr/>
+        </p:nvSpPr>
+        <p:spPr>
+          <a:xfrm>
+            <a:off x="541866" y="4292600"/>
+            <a:ext cx="1346200" cy="406400"/>
+          </a:xfrm>
+          <a:prstGeom prst="rect">
+            <a:avLst/>
+          </a:prstGeom>
+          <a:solidFill>
+            <a:srgbClr val="0070C0"/>
+          </a:solidFill>
+          <a:ln>
+            <a:noFill/>
+          </a:ln>
+        </p:spPr>
+        <p:style>
+          <a:lnRef idx="2">
+            <a:schemeClr val="accent1">
+              <a:shade val="50000"/>
+            </a:schemeClr>
+          </a:lnRef>
+          <a:fillRef idx="1">
+            <a:schemeClr val="accent1"/>
+          </a:fillRef>
+          <a:effectRef idx="0">
+            <a:schemeClr val="accent1"/>
+          </a:effectRef>
+          <a:fontRef idx="minor">
+            <a:schemeClr val="lt1"/>
+          </a:fontRef>
+        </p:style>
+        <p:txBody>
+          <a:bodyPr rtlCol="0" anchor="ctr"/>
+          <a:lstStyle/>
+          <a:p>
+            <a:pPr algn="ctr"/>
+            <a:endParaRPr lang="ko-KR" altLang="en-US" dirty="0"/>
+          </a:p>
+        </p:txBody>
+      </p:sp>
+      <p:sp>
+        <p:nvSpPr>
+          <p:cNvPr id="32" name="직사각형 31"/>
+          <p:cNvSpPr/>
+          <p:nvPr/>
+        </p:nvSpPr>
+        <p:spPr>
+          <a:xfrm>
+            <a:off x="681711" y="4326523"/>
+            <a:ext cx="1066510" cy="338554"/>
+          </a:xfrm>
+          <a:prstGeom prst="rect">
+            <a:avLst/>
+          </a:prstGeom>
+        </p:spPr>
+        <p:txBody>
+          <a:bodyPr wrap="none">
+            <a:spAutoFit/>
+          </a:bodyPr>
+          <a:lstStyle/>
+          <a:p>
+            <a:pPr algn="r"/>
+            <a:r>
+              <a:rPr lang="en-US" altLang="ko-KR" sz="1600" dirty="0" smtClean="0">
+                <a:solidFill>
+                  <a:schemeClr val="bg1"/>
+                </a:solidFill>
+              </a:rPr>
+              <a:t>Response</a:t>
+            </a:r>
+            <a:endParaRPr lang="ko-KR" altLang="en-US" sz="1600" dirty="0">
+              <a:solidFill>
+                <a:schemeClr val="bg1"/>
+              </a:solidFill>
+            </a:endParaRPr>
+          </a:p>
+        </p:txBody>
+      </p:sp>
+      <p:sp>
+        <p:nvSpPr>
+          <p:cNvPr id="34" name="직사각형 33"/>
+          <p:cNvSpPr/>
+          <p:nvPr/>
+        </p:nvSpPr>
+        <p:spPr>
+          <a:xfrm>
+            <a:off x="3398721" y="3735038"/>
+            <a:ext cx="1042690" cy="314774"/>
+          </a:xfrm>
+          <a:prstGeom prst="rect">
+            <a:avLst/>
+          </a:prstGeom>
+          <a:solidFill>
+            <a:srgbClr val="9999FF"/>
+          </a:solidFill>
+          <a:ln>
+            <a:noFill/>
+          </a:ln>
+        </p:spPr>
+        <p:style>
+          <a:lnRef idx="2">
+            <a:schemeClr val="accent1">
+              <a:shade val="50000"/>
+            </a:schemeClr>
+          </a:lnRef>
+          <a:fillRef idx="1">
+            <a:schemeClr val="accent1"/>
+          </a:fillRef>
+          <a:effectRef idx="0">
+            <a:schemeClr val="accent1"/>
+          </a:effectRef>
+          <a:fontRef idx="minor">
+            <a:schemeClr val="lt1"/>
+          </a:fontRef>
+        </p:style>
+        <p:txBody>
+          <a:bodyPr rtlCol="0" anchor="ctr"/>
+          <a:lstStyle/>
+          <a:p>
+            <a:pPr algn="ctr"/>
+            <a:endParaRPr lang="ko-KR" altLang="en-US" dirty="0"/>
+          </a:p>
+        </p:txBody>
+      </p:sp>
+      <p:sp>
+        <p:nvSpPr>
+          <p:cNvPr id="35" name="직사각형 34"/>
+          <p:cNvSpPr/>
+          <p:nvPr/>
+        </p:nvSpPr>
+        <p:spPr>
+          <a:xfrm>
+            <a:off x="3547533" y="3735038"/>
+            <a:ext cx="716798" cy="307777"/>
+          </a:xfrm>
+          <a:prstGeom prst="rect">
+            <a:avLst/>
+          </a:prstGeom>
+        </p:spPr>
+        <p:txBody>
+          <a:bodyPr wrap="square">
+            <a:spAutoFit/>
+          </a:bodyPr>
+          <a:lstStyle/>
+          <a:p>
+            <a:pPr algn="ctr"/>
+            <a:r>
+              <a:rPr lang="en-US" altLang="ko-KR" sz="1400" dirty="0" smtClean="0">
+                <a:solidFill>
+                  <a:schemeClr val="bg1"/>
+                </a:solidFill>
+              </a:rPr>
+              <a:t>Logic</a:t>
+            </a:r>
+            <a:endParaRPr lang="ko-KR" altLang="en-US" sz="1400" dirty="0">
+              <a:solidFill>
+                <a:schemeClr val="bg1"/>
+              </a:solidFill>
+            </a:endParaRPr>
+          </a:p>
+        </p:txBody>
+      </p:sp>
+      <p:sp>
+        <p:nvSpPr>
+          <p:cNvPr id="36" name="직사각형 35"/>
+          <p:cNvSpPr/>
+          <p:nvPr/>
+        </p:nvSpPr>
+        <p:spPr>
+          <a:xfrm>
+            <a:off x="5636863" y="3203744"/>
+            <a:ext cx="1042690" cy="314774"/>
+          </a:xfrm>
+          <a:prstGeom prst="rect">
+            <a:avLst/>
+          </a:prstGeom>
+          <a:solidFill>
+            <a:srgbClr val="9999FF"/>
+          </a:solidFill>
+          <a:ln>
+            <a:noFill/>
+          </a:ln>
+        </p:spPr>
+        <p:style>
+          <a:lnRef idx="2">
+            <a:schemeClr val="accent1">
+              <a:shade val="50000"/>
+            </a:schemeClr>
+          </a:lnRef>
+          <a:fillRef idx="1">
+            <a:schemeClr val="accent1"/>
+          </a:fillRef>
+          <a:effectRef idx="0">
+            <a:schemeClr val="accent1"/>
+          </a:effectRef>
+          <a:fontRef idx="minor">
+            <a:schemeClr val="lt1"/>
+          </a:fontRef>
+        </p:style>
+        <p:txBody>
+          <a:bodyPr rtlCol="0" anchor="ctr"/>
+          <a:lstStyle/>
+          <a:p>
+            <a:pPr algn="ctr"/>
+            <a:endParaRPr lang="ko-KR" altLang="en-US" dirty="0"/>
+          </a:p>
+        </p:txBody>
+      </p:sp>
+      <p:sp>
+        <p:nvSpPr>
+          <p:cNvPr id="37" name="직사각형 36"/>
+          <p:cNvSpPr/>
+          <p:nvPr/>
+        </p:nvSpPr>
+        <p:spPr>
+          <a:xfrm>
+            <a:off x="5785675" y="3203744"/>
+            <a:ext cx="716798" cy="307777"/>
+          </a:xfrm>
+          <a:prstGeom prst="rect">
+            <a:avLst/>
+          </a:prstGeom>
+        </p:spPr>
+        <p:txBody>
+          <a:bodyPr wrap="square">
+            <a:spAutoFit/>
+          </a:bodyPr>
+          <a:lstStyle/>
+          <a:p>
+            <a:pPr algn="ctr"/>
+            <a:r>
+              <a:rPr lang="en-US" altLang="ko-KR" sz="1400" dirty="0" smtClean="0">
+                <a:solidFill>
+                  <a:schemeClr val="bg1"/>
+                </a:solidFill>
+              </a:rPr>
+              <a:t>Logic</a:t>
+            </a:r>
+            <a:endParaRPr lang="ko-KR" altLang="en-US" sz="1400" dirty="0">
+              <a:solidFill>
+                <a:schemeClr val="bg1"/>
+              </a:solidFill>
+            </a:endParaRPr>
+          </a:p>
+        </p:txBody>
+      </p:sp>
+      <p:cxnSp>
+        <p:nvCxnSpPr>
+          <p:cNvPr id="38" name="꺾인 연결선 37"/>
+          <p:cNvCxnSpPr>
+            <a:stCxn id="22" idx="2"/>
+            <a:endCxn id="36" idx="3"/>
+          </p:cNvCxnSpPr>
+          <p:nvPr/>
+        </p:nvCxnSpPr>
+        <p:spPr>
+          <a:xfrm rot="5400000">
+            <a:off x="7294476" y="2344931"/>
+            <a:ext cx="401278" cy="1631123"/>
+          </a:xfrm>
+          <a:prstGeom prst="bentConnector2">
+            <a:avLst/>
+          </a:prstGeom>
+          <a:ln w="38100">
+            <a:solidFill>
+              <a:srgbClr val="2155CD"/>
+            </a:solidFill>
+            <a:tailEnd type="triangle"/>
+          </a:ln>
+        </p:spPr>
+        <p:style>
+          <a:lnRef idx="1">
+            <a:schemeClr val="accent1"/>
+          </a:lnRef>
+          <a:fillRef idx="0">
+            <a:schemeClr val="accent1"/>
+          </a:fillRef>
+          <a:effectRef idx="0">
+            <a:schemeClr val="accent1"/>
+          </a:effectRef>
+          <a:fontRef idx="minor">
+            <a:schemeClr val="tx1"/>
+          </a:fontRef>
+        </p:style>
+      </p:cxnSp>
+      <p:cxnSp>
+        <p:nvCxnSpPr>
+          <p:cNvPr id="41" name="꺾인 연결선 40"/>
+          <p:cNvCxnSpPr>
+            <a:stCxn id="36" idx="2"/>
+            <a:endCxn id="34" idx="3"/>
+          </p:cNvCxnSpPr>
+          <p:nvPr/>
+        </p:nvCxnSpPr>
+        <p:spPr>
+          <a:xfrm rot="5400000">
+            <a:off x="5112857" y="2847073"/>
+            <a:ext cx="373907" cy="1716797"/>
+          </a:xfrm>
+          <a:prstGeom prst="bentConnector2">
+            <a:avLst/>
+          </a:prstGeom>
+          <a:ln w="38100">
+            <a:solidFill>
+              <a:srgbClr val="2155CD"/>
+            </a:solidFill>
+            <a:tailEnd type="triangle"/>
+          </a:ln>
+        </p:spPr>
+        <p:style>
+          <a:lnRef idx="1">
+            <a:schemeClr val="accent1"/>
+          </a:lnRef>
+          <a:fillRef idx="0">
+            <a:schemeClr val="accent1"/>
+          </a:fillRef>
+          <a:effectRef idx="0">
+            <a:schemeClr val="accent1"/>
+          </a:effectRef>
+          <a:fontRef idx="minor">
+            <a:schemeClr val="tx1"/>
+          </a:fontRef>
+        </p:style>
+      </p:cxnSp>
+      <p:cxnSp>
+        <p:nvCxnSpPr>
+          <p:cNvPr id="44" name="꺾인 연결선 43"/>
+          <p:cNvCxnSpPr>
+            <a:stCxn id="34" idx="2"/>
+            <a:endCxn id="30" idx="3"/>
+          </p:cNvCxnSpPr>
+          <p:nvPr/>
+        </p:nvCxnSpPr>
+        <p:spPr>
+          <a:xfrm rot="5400000">
+            <a:off x="2681072" y="3256806"/>
+            <a:ext cx="445988" cy="2032000"/>
+          </a:xfrm>
+          <a:prstGeom prst="bentConnector2">
+            <a:avLst/>
+          </a:prstGeom>
+          <a:ln w="38100">
+            <a:solidFill>
+              <a:srgbClr val="2155CD"/>
+            </a:solidFill>
+            <a:tailEnd type="triangle"/>
+          </a:ln>
+        </p:spPr>
+        <p:style>
+          <a:lnRef idx="1">
+            <a:schemeClr val="accent1"/>
+          </a:lnRef>
+          <a:fillRef idx="0">
+            <a:schemeClr val="accent1"/>
+          </a:fillRef>
+          <a:effectRef idx="0">
+            <a:schemeClr val="accent1"/>
+          </a:effectRef>
+          <a:fontRef idx="minor">
+            <a:schemeClr val="tx1"/>
+          </a:fontRef>
+        </p:style>
+      </p:cxnSp>
+    </p:spTree>
+    <p:extLst>
+      <p:ext uri="{BB962C8B-B14F-4D97-AF65-F5344CB8AC3E}">
+        <p14:creationId xmlns:p14="http://schemas.microsoft.com/office/powerpoint/2010/main" val="1750780433"/>
       </p:ext>
     </p:extLst>
   </p:cSld>

--- a/Image/Diagram/Canvas.pptx
+++ b/Image/Diagram/Canvas.pptx
@@ -5,10 +5,10 @@
     <p:sldMasterId id="2147483648" r:id="rId1"/>
   </p:sldMasterIdLst>
   <p:notesMasterIdLst>
-    <p:notesMasterId r:id="rId28"/>
+    <p:notesMasterId r:id="rId29"/>
   </p:notesMasterIdLst>
   <p:handoutMasterIdLst>
-    <p:handoutMasterId r:id="rId29"/>
+    <p:handoutMasterId r:id="rId30"/>
   </p:handoutMasterIdLst>
   <p:sldIdLst>
     <p:sldId id="278" r:id="rId2"/>
@@ -37,6 +37,7 @@
     <p:sldId id="279" r:id="rId25"/>
     <p:sldId id="280" r:id="rId26"/>
     <p:sldId id="282" r:id="rId27"/>
+    <p:sldId id="283" r:id="rId28"/>
   </p:sldIdLst>
   <p:sldSz cx="12192000" cy="6858000"/>
   <p:notesSz cx="6858000" cy="9144000"/>
@@ -240,7 +241,7 @@
           <a:p>
             <a:fld id="{29F43AEA-EBFF-4648-88A2-B3AE8909EBED}" type="datetimeFigureOut">
               <a:rPr lang="ko-KR" altLang="en-US" smtClean="0"/>
-              <a:t>2022-09-18</a:t>
+              <a:t>2022-09-19</a:t>
             </a:fld>
             <a:endParaRPr lang="ko-KR" altLang="en-US"/>
           </a:p>
@@ -417,7 +418,7 @@
           <a:p>
             <a:fld id="{D4F45FAA-3284-44C8-A10C-F89E7A7A9D0D}" type="datetimeFigureOut">
               <a:rPr lang="ko-KR" altLang="en-US" smtClean="0"/>
-              <a:t>2022-09-18</a:t>
+              <a:t>2022-09-19</a:t>
             </a:fld>
             <a:endParaRPr lang="ko-KR" altLang="en-US"/>
           </a:p>
@@ -813,7 +814,7 @@
           <a:p>
             <a:fld id="{B5FEAD0D-239A-466E-9319-07628EC22FD2}" type="datetimeFigureOut">
               <a:rPr lang="ko-KR" altLang="en-US" smtClean="0"/>
-              <a:t>2022-09-18</a:t>
+              <a:t>2022-09-19</a:t>
             </a:fld>
             <a:endParaRPr lang="ko-KR" altLang="en-US"/>
           </a:p>
@@ -981,7 +982,7 @@
           <a:p>
             <a:fld id="{B5FEAD0D-239A-466E-9319-07628EC22FD2}" type="datetimeFigureOut">
               <a:rPr lang="ko-KR" altLang="en-US" smtClean="0"/>
-              <a:t>2022-09-18</a:t>
+              <a:t>2022-09-19</a:t>
             </a:fld>
             <a:endParaRPr lang="ko-KR" altLang="en-US"/>
           </a:p>
@@ -1159,7 +1160,7 @@
           <a:p>
             <a:fld id="{B5FEAD0D-239A-466E-9319-07628EC22FD2}" type="datetimeFigureOut">
               <a:rPr lang="ko-KR" altLang="en-US" smtClean="0"/>
-              <a:t>2022-09-18</a:t>
+              <a:t>2022-09-19</a:t>
             </a:fld>
             <a:endParaRPr lang="ko-KR" altLang="en-US"/>
           </a:p>
@@ -1254,7 +1255,7 @@
           <a:p>
             <a:fld id="{B5FEAD0D-239A-466E-9319-07628EC22FD2}" type="datetimeFigureOut">
               <a:rPr lang="ko-KR" altLang="en-US" smtClean="0"/>
-              <a:t>2022-09-18</a:t>
+              <a:t>2022-09-19</a:t>
             </a:fld>
             <a:endParaRPr lang="ko-KR" altLang="en-US"/>
           </a:p>
@@ -1499,7 +1500,7 @@
           <a:p>
             <a:fld id="{B5FEAD0D-239A-466E-9319-07628EC22FD2}" type="datetimeFigureOut">
               <a:rPr lang="ko-KR" altLang="en-US" smtClean="0"/>
-              <a:t>2022-09-18</a:t>
+              <a:t>2022-09-19</a:t>
             </a:fld>
             <a:endParaRPr lang="ko-KR" altLang="en-US"/>
           </a:p>
@@ -1728,7 +1729,7 @@
           <a:p>
             <a:fld id="{B5FEAD0D-239A-466E-9319-07628EC22FD2}" type="datetimeFigureOut">
               <a:rPr lang="ko-KR" altLang="en-US" smtClean="0"/>
-              <a:t>2022-09-18</a:t>
+              <a:t>2022-09-19</a:t>
             </a:fld>
             <a:endParaRPr lang="ko-KR" altLang="en-US"/>
           </a:p>
@@ -2092,7 +2093,7 @@
           <a:p>
             <a:fld id="{B5FEAD0D-239A-466E-9319-07628EC22FD2}" type="datetimeFigureOut">
               <a:rPr lang="ko-KR" altLang="en-US" smtClean="0"/>
-              <a:t>2022-09-18</a:t>
+              <a:t>2022-09-19</a:t>
             </a:fld>
             <a:endParaRPr lang="ko-KR" altLang="en-US"/>
           </a:p>
@@ -2209,7 +2210,7 @@
           <a:p>
             <a:fld id="{B5FEAD0D-239A-466E-9319-07628EC22FD2}" type="datetimeFigureOut">
               <a:rPr lang="ko-KR" altLang="en-US" smtClean="0"/>
-              <a:t>2022-09-18</a:t>
+              <a:t>2022-09-19</a:t>
             </a:fld>
             <a:endParaRPr lang="ko-KR" altLang="en-US"/>
           </a:p>
@@ -2304,7 +2305,7 @@
           <a:p>
             <a:fld id="{B5FEAD0D-239A-466E-9319-07628EC22FD2}" type="datetimeFigureOut">
               <a:rPr lang="ko-KR" altLang="en-US" smtClean="0"/>
-              <a:t>2022-09-18</a:t>
+              <a:t>2022-09-19</a:t>
             </a:fld>
             <a:endParaRPr lang="ko-KR" altLang="en-US"/>
           </a:p>
@@ -2579,7 +2580,7 @@
           <a:p>
             <a:fld id="{B5FEAD0D-239A-466E-9319-07628EC22FD2}" type="datetimeFigureOut">
               <a:rPr lang="ko-KR" altLang="en-US" smtClean="0"/>
-              <a:t>2022-09-18</a:t>
+              <a:t>2022-09-19</a:t>
             </a:fld>
             <a:endParaRPr lang="ko-KR" altLang="en-US"/>
           </a:p>
@@ -2831,7 +2832,7 @@
           <a:p>
             <a:fld id="{B5FEAD0D-239A-466E-9319-07628EC22FD2}" type="datetimeFigureOut">
               <a:rPr lang="ko-KR" altLang="en-US" smtClean="0"/>
-              <a:t>2022-09-18</a:t>
+              <a:t>2022-09-19</a:t>
             </a:fld>
             <a:endParaRPr lang="ko-KR" altLang="en-US"/>
           </a:p>
@@ -3042,7 +3043,7 @@
           <a:p>
             <a:fld id="{B5FEAD0D-239A-466E-9319-07628EC22FD2}" type="datetimeFigureOut">
               <a:rPr lang="ko-KR" altLang="en-US" smtClean="0"/>
-              <a:t>2022-09-18</a:t>
+              <a:t>2022-09-19</a:t>
             </a:fld>
             <a:endParaRPr lang="ko-KR" altLang="en-US"/>
           </a:p>
@@ -16723,14 +16724,6 @@
               </a:rPr>
               <a:t>Views</a:t>
             </a:r>
-            <a:r>
-              <a:rPr lang="en-US" altLang="ko-KR" dirty="0">
-                <a:solidFill>
-                  <a:schemeClr val="bg1"/>
-                </a:solidFill>
-              </a:rPr>
-              <a:t/>
-            </a:r>
             <a:br>
               <a:rPr lang="en-US" altLang="ko-KR" dirty="0">
                 <a:solidFill>
@@ -16844,14 +16837,6 @@
               </a:rPr>
               <a:t>View Models</a:t>
             </a:r>
-            <a:r>
-              <a:rPr lang="en-US" altLang="ko-KR" dirty="0">
-                <a:solidFill>
-                  <a:schemeClr val="bg1"/>
-                </a:solidFill>
-              </a:rPr>
-              <a:t/>
-            </a:r>
             <a:br>
               <a:rPr lang="en-US" altLang="ko-KR" dirty="0">
                 <a:solidFill>
@@ -16965,14 +16950,6 @@
               </a:rPr>
               <a:t>Model</a:t>
             </a:r>
-            <a:r>
-              <a:rPr lang="en-US" altLang="ko-KR" dirty="0">
-                <a:solidFill>
-                  <a:schemeClr val="bg1"/>
-                </a:solidFill>
-              </a:rPr>
-              <a:t/>
-            </a:r>
             <a:br>
               <a:rPr lang="en-US" altLang="ko-KR" dirty="0">
                 <a:solidFill>
@@ -17085,14 +17062,6 @@
                 </a:solidFill>
               </a:rPr>
               <a:t>Database</a:t>
-            </a:r>
-            <a:r>
-              <a:rPr lang="en-US" altLang="ko-KR" dirty="0">
-                <a:solidFill>
-                  <a:schemeClr val="bg1"/>
-                </a:solidFill>
-              </a:rPr>
-              <a:t/>
             </a:r>
             <a:br>
               <a:rPr lang="en-US" altLang="ko-KR" dirty="0">
@@ -23614,13 +23583,15 @@
       <p:cxnSp>
         <p:nvCxnSpPr>
           <p:cNvPr id="7" name="직선 화살표 연결선 6"/>
-          <p:cNvCxnSpPr/>
+          <p:cNvCxnSpPr>
+            <a:cxnSpLocks/>
+          </p:cNvCxnSpPr>
           <p:nvPr/>
         </p:nvCxnSpPr>
         <p:spPr>
           <a:xfrm>
             <a:off x="1888066" y="1227667"/>
-            <a:ext cx="1659467" cy="0"/>
+            <a:ext cx="1510655" cy="0"/>
           </a:xfrm>
           <a:prstGeom prst="straightConnector1">
             <a:avLst/>
@@ -23708,7 +23679,7 @@
           <a:p>
             <a:pPr algn="r"/>
             <a:r>
-              <a:rPr lang="en-US" altLang="ko-KR" sz="1400" dirty="0" smtClean="0"/>
+              <a:rPr lang="en-US" altLang="ko-KR" sz="1400" dirty="0"/>
               <a:t>Middleware A</a:t>
             </a:r>
             <a:endParaRPr lang="ko-KR" altLang="en-US" sz="1400" dirty="0"/>
@@ -23738,7 +23709,7 @@
           <a:p>
             <a:pPr algn="r"/>
             <a:r>
-              <a:rPr lang="en-US" altLang="ko-KR" sz="1400" dirty="0" smtClean="0"/>
+              <a:rPr lang="en-US" altLang="ko-KR" sz="1400" dirty="0"/>
               <a:t>Middleware B</a:t>
             </a:r>
             <a:endParaRPr lang="ko-KR" altLang="en-US" sz="1400" dirty="0"/>
@@ -23768,7 +23739,7 @@
           <a:p>
             <a:pPr algn="r"/>
             <a:r>
-              <a:rPr lang="en-US" altLang="ko-KR" sz="1400" dirty="0" smtClean="0"/>
+              <a:rPr lang="en-US" altLang="ko-KR" sz="1400" dirty="0"/>
               <a:t>Middleware C</a:t>
             </a:r>
             <a:endParaRPr lang="ko-KR" altLang="en-US" sz="1400" dirty="0"/>
@@ -23783,7 +23754,7 @@
         </p:nvSpPr>
         <p:spPr>
           <a:xfrm>
-            <a:off x="3398721" y="1487390"/>
+            <a:off x="3412855" y="1453875"/>
             <a:ext cx="1042690" cy="314774"/>
           </a:xfrm>
           <a:prstGeom prst="rect">
@@ -23829,7 +23800,7 @@
         </p:nvSpPr>
         <p:spPr>
           <a:xfrm>
-            <a:off x="3547533" y="1487390"/>
+            <a:off x="3561667" y="1453875"/>
             <a:ext cx="716798" cy="307777"/>
           </a:xfrm>
           <a:prstGeom prst="rect">
@@ -23844,7 +23815,7 @@
           <a:p>
             <a:pPr algn="r"/>
             <a:r>
-              <a:rPr lang="en-US" altLang="ko-KR" sz="1400" dirty="0" smtClean="0">
+              <a:rPr lang="en-US" altLang="ko-KR" sz="1400" dirty="0">
                 <a:solidFill>
                   <a:schemeClr val="bg1"/>
                 </a:solidFill>
@@ -23928,7 +23899,7 @@
           <a:p>
             <a:pPr algn="r"/>
             <a:r>
-              <a:rPr lang="en-US" altLang="ko-KR" sz="1400" dirty="0" smtClean="0">
+              <a:rPr lang="en-US" altLang="ko-KR" sz="1400" dirty="0">
                 <a:solidFill>
                   <a:schemeClr val="bg1"/>
                 </a:solidFill>
@@ -24012,7 +23983,7 @@
           <a:p>
             <a:pPr algn="ctr"/>
             <a:r>
-              <a:rPr lang="en-US" altLang="ko-KR" sz="1400" dirty="0" smtClean="0">
+              <a:rPr lang="en-US" altLang="ko-KR" sz="1400" dirty="0">
                 <a:solidFill>
                   <a:schemeClr val="bg1"/>
                 </a:solidFill>
@@ -24037,7 +24008,7 @@
         </p:nvCxnSpPr>
         <p:spPr>
           <a:xfrm rot="16200000" flipH="1">
-            <a:off x="4270534" y="1451696"/>
+            <a:off x="4284668" y="1418181"/>
             <a:ext cx="787983" cy="1488918"/>
           </a:xfrm>
           <a:prstGeom prst="bentConnector2">
@@ -24173,7 +24144,7 @@
           <a:p>
             <a:pPr algn="r"/>
             <a:r>
-              <a:rPr lang="en-US" altLang="ko-KR" sz="1600" dirty="0" smtClean="0">
+              <a:rPr lang="en-US" altLang="ko-KR" sz="1600" dirty="0">
                 <a:solidFill>
                   <a:schemeClr val="bg1"/>
                 </a:solidFill>
@@ -24257,7 +24228,7 @@
           <a:p>
             <a:pPr algn="ctr"/>
             <a:r>
-              <a:rPr lang="en-US" altLang="ko-KR" sz="1400" dirty="0" smtClean="0">
+              <a:rPr lang="en-US" altLang="ko-KR" sz="1400" dirty="0">
                 <a:solidFill>
                   <a:schemeClr val="bg1"/>
                 </a:solidFill>
@@ -24341,7 +24312,7 @@
           <a:p>
             <a:pPr algn="ctr"/>
             <a:r>
-              <a:rPr lang="en-US" altLang="ko-KR" sz="1400" dirty="0" smtClean="0">
+              <a:rPr lang="en-US" altLang="ko-KR" sz="1400" dirty="0">
                 <a:solidFill>
                   <a:schemeClr val="bg1"/>
                 </a:solidFill>
@@ -24473,10 +24444,729 @@
           </a:fontRef>
         </p:style>
       </p:cxnSp>
+      <p:sp>
+        <p:nvSpPr>
+          <p:cNvPr id="6" name="직사각형 5">
+            <a:extLst>
+              <a:ext uri="{FF2B5EF4-FFF2-40B4-BE49-F238E27FC236}">
+                <a16:creationId xmlns:a16="http://schemas.microsoft.com/office/drawing/2014/main" id="{13508B44-9AAD-4FD9-1A80-10639E1CC7CA}"/>
+              </a:ext>
+            </a:extLst>
+          </p:cNvPr>
+          <p:cNvSpPr/>
+          <p:nvPr/>
+        </p:nvSpPr>
+        <p:spPr>
+          <a:xfrm>
+            <a:off x="3412855" y="1054759"/>
+            <a:ext cx="1042690" cy="314774"/>
+          </a:xfrm>
+          <a:prstGeom prst="rect">
+            <a:avLst/>
+          </a:prstGeom>
+          <a:solidFill>
+            <a:srgbClr val="9999FF"/>
+          </a:solidFill>
+          <a:ln>
+            <a:noFill/>
+          </a:ln>
+        </p:spPr>
+        <p:style>
+          <a:lnRef idx="2">
+            <a:schemeClr val="accent1">
+              <a:shade val="50000"/>
+            </a:schemeClr>
+          </a:lnRef>
+          <a:fillRef idx="1">
+            <a:schemeClr val="accent1"/>
+          </a:fillRef>
+          <a:effectRef idx="0">
+            <a:schemeClr val="accent1"/>
+          </a:effectRef>
+          <a:fontRef idx="minor">
+            <a:schemeClr val="lt1"/>
+          </a:fontRef>
+        </p:style>
+        <p:txBody>
+          <a:bodyPr rtlCol="0" anchor="ctr"/>
+          <a:lstStyle/>
+          <a:p>
+            <a:pPr algn="ctr"/>
+            <a:endParaRPr lang="ko-KR" altLang="en-US" dirty="0"/>
+          </a:p>
+        </p:txBody>
+      </p:sp>
+      <p:sp>
+        <p:nvSpPr>
+          <p:cNvPr id="8" name="직사각형 7">
+            <a:extLst>
+              <a:ext uri="{FF2B5EF4-FFF2-40B4-BE49-F238E27FC236}">
+                <a16:creationId xmlns:a16="http://schemas.microsoft.com/office/drawing/2014/main" id="{F6B56A9E-C23D-7916-5A0B-E649607C883C}"/>
+              </a:ext>
+            </a:extLst>
+          </p:cNvPr>
+          <p:cNvSpPr/>
+          <p:nvPr/>
+        </p:nvSpPr>
+        <p:spPr>
+          <a:xfrm>
+            <a:off x="3561667" y="1054759"/>
+            <a:ext cx="716798" cy="307777"/>
+          </a:xfrm>
+          <a:prstGeom prst="rect">
+            <a:avLst/>
+          </a:prstGeom>
+        </p:spPr>
+        <p:txBody>
+          <a:bodyPr wrap="square">
+            <a:spAutoFit/>
+          </a:bodyPr>
+          <a:lstStyle/>
+          <a:p>
+            <a:pPr algn="ctr"/>
+            <a:r>
+              <a:rPr lang="en-US" altLang="ko-KR" sz="1400" dirty="0">
+                <a:solidFill>
+                  <a:schemeClr val="bg1"/>
+                </a:solidFill>
+              </a:rPr>
+              <a:t>Logic</a:t>
+            </a:r>
+            <a:endParaRPr lang="ko-KR" altLang="en-US" sz="1400" dirty="0">
+              <a:solidFill>
+                <a:schemeClr val="bg1"/>
+              </a:solidFill>
+            </a:endParaRPr>
+          </a:p>
+        </p:txBody>
+      </p:sp>
+      <p:sp>
+        <p:nvSpPr>
+          <p:cNvPr id="12" name="직사각형 11">
+            <a:extLst>
+              <a:ext uri="{FF2B5EF4-FFF2-40B4-BE49-F238E27FC236}">
+                <a16:creationId xmlns:a16="http://schemas.microsoft.com/office/drawing/2014/main" id="{A855FE67-669C-36B6-1EC5-DB75D1F92DAE}"/>
+              </a:ext>
+            </a:extLst>
+          </p:cNvPr>
+          <p:cNvSpPr/>
+          <p:nvPr/>
+        </p:nvSpPr>
+        <p:spPr>
+          <a:xfrm>
+            <a:off x="5586064" y="1619510"/>
+            <a:ext cx="1042690" cy="314774"/>
+          </a:xfrm>
+          <a:prstGeom prst="rect">
+            <a:avLst/>
+          </a:prstGeom>
+          <a:solidFill>
+            <a:srgbClr val="9999FF"/>
+          </a:solidFill>
+          <a:ln>
+            <a:noFill/>
+          </a:ln>
+        </p:spPr>
+        <p:style>
+          <a:lnRef idx="2">
+            <a:schemeClr val="accent1">
+              <a:shade val="50000"/>
+            </a:schemeClr>
+          </a:lnRef>
+          <a:fillRef idx="1">
+            <a:schemeClr val="accent1"/>
+          </a:fillRef>
+          <a:effectRef idx="0">
+            <a:schemeClr val="accent1"/>
+          </a:effectRef>
+          <a:fontRef idx="minor">
+            <a:schemeClr val="lt1"/>
+          </a:fontRef>
+        </p:style>
+        <p:txBody>
+          <a:bodyPr rtlCol="0" anchor="ctr"/>
+          <a:lstStyle/>
+          <a:p>
+            <a:pPr algn="ctr"/>
+            <a:endParaRPr lang="ko-KR" altLang="en-US" dirty="0"/>
+          </a:p>
+        </p:txBody>
+      </p:sp>
+      <p:sp>
+        <p:nvSpPr>
+          <p:cNvPr id="14" name="직사각형 13">
+            <a:extLst>
+              <a:ext uri="{FF2B5EF4-FFF2-40B4-BE49-F238E27FC236}">
+                <a16:creationId xmlns:a16="http://schemas.microsoft.com/office/drawing/2014/main" id="{83698360-1C46-0CBF-A032-CBAADCA6F402}"/>
+              </a:ext>
+            </a:extLst>
+          </p:cNvPr>
+          <p:cNvSpPr/>
+          <p:nvPr/>
+        </p:nvSpPr>
+        <p:spPr>
+          <a:xfrm>
+            <a:off x="5734876" y="1619510"/>
+            <a:ext cx="716798" cy="307777"/>
+          </a:xfrm>
+          <a:prstGeom prst="rect">
+            <a:avLst/>
+          </a:prstGeom>
+        </p:spPr>
+        <p:txBody>
+          <a:bodyPr wrap="square">
+            <a:spAutoFit/>
+          </a:bodyPr>
+          <a:lstStyle/>
+          <a:p>
+            <a:pPr algn="ctr"/>
+            <a:r>
+              <a:rPr lang="en-US" altLang="ko-KR" sz="1400" dirty="0">
+                <a:solidFill>
+                  <a:schemeClr val="bg1"/>
+                </a:solidFill>
+              </a:rPr>
+              <a:t>Logic</a:t>
+            </a:r>
+            <a:endParaRPr lang="ko-KR" altLang="en-US" sz="1400" dirty="0">
+              <a:solidFill>
+                <a:schemeClr val="bg1"/>
+              </a:solidFill>
+            </a:endParaRPr>
+          </a:p>
+        </p:txBody>
+      </p:sp>
     </p:spTree>
     <p:extLst>
       <p:ext uri="{BB962C8B-B14F-4D97-AF65-F5344CB8AC3E}">
         <p14:creationId xmlns:p14="http://schemas.microsoft.com/office/powerpoint/2010/main" val="1750780433"/>
+      </p:ext>
+    </p:extLst>
+  </p:cSld>
+  <p:clrMapOvr>
+    <a:masterClrMapping/>
+  </p:clrMapOvr>
+</p:sld>
+</file>
+
+<file path=ppt/slides/slide27.xml><?xml version="1.0" encoding="utf-8"?>
+<p:sld xmlns:a="http://schemas.openxmlformats.org/drawingml/2006/main" xmlns:r="http://schemas.openxmlformats.org/officeDocument/2006/relationships" xmlns:p="http://schemas.openxmlformats.org/presentationml/2006/main">
+  <p:cSld>
+    <p:spTree>
+      <p:nvGrpSpPr>
+        <p:cNvPr id="1" name=""/>
+        <p:cNvGrpSpPr/>
+        <p:nvPr/>
+      </p:nvGrpSpPr>
+      <p:grpSpPr>
+        <a:xfrm>
+          <a:off x="0" y="0"/>
+          <a:ext cx="0" cy="0"/>
+          <a:chOff x="0" y="0"/>
+          <a:chExt cx="0" cy="0"/>
+        </a:xfrm>
+      </p:grpSpPr>
+      <p:pic>
+        <p:nvPicPr>
+          <p:cNvPr id="7" name="그림 6">
+            <a:extLst>
+              <a:ext uri="{FF2B5EF4-FFF2-40B4-BE49-F238E27FC236}">
+                <a16:creationId xmlns:a16="http://schemas.microsoft.com/office/drawing/2014/main" id="{27259BDF-2C90-5A14-85E7-E5784F336298}"/>
+              </a:ext>
+            </a:extLst>
+          </p:cNvPr>
+          <p:cNvPicPr>
+            <a:picLocks noChangeAspect="1"/>
+          </p:cNvPicPr>
+          <p:nvPr/>
+        </p:nvPicPr>
+        <p:blipFill>
+          <a:blip r:embed="rId2"/>
+          <a:stretch>
+            <a:fillRect/>
+          </a:stretch>
+        </p:blipFill>
+        <p:spPr>
+          <a:xfrm>
+            <a:off x="1984282" y="342900"/>
+            <a:ext cx="6753225" cy="6172200"/>
+          </a:xfrm>
+          <a:prstGeom prst="rect">
+            <a:avLst/>
+          </a:prstGeom>
+        </p:spPr>
+      </p:pic>
+      <p:sp>
+        <p:nvSpPr>
+          <p:cNvPr id="11" name="직사각형 10">
+            <a:extLst>
+              <a:ext uri="{FF2B5EF4-FFF2-40B4-BE49-F238E27FC236}">
+                <a16:creationId xmlns:a16="http://schemas.microsoft.com/office/drawing/2014/main" id="{B60BB3DA-F407-3F5C-B7C7-CAFEF1675742}"/>
+              </a:ext>
+            </a:extLst>
+          </p:cNvPr>
+          <p:cNvSpPr/>
+          <p:nvPr/>
+        </p:nvSpPr>
+        <p:spPr>
+          <a:xfrm>
+            <a:off x="2656634" y="663388"/>
+            <a:ext cx="758714" cy="5522259"/>
+          </a:xfrm>
+          <a:prstGeom prst="rect">
+            <a:avLst/>
+          </a:prstGeom>
+          <a:solidFill>
+            <a:srgbClr val="1E1E1E"/>
+          </a:solidFill>
+          <a:ln>
+            <a:noFill/>
+          </a:ln>
+        </p:spPr>
+        <p:style>
+          <a:lnRef idx="2">
+            <a:schemeClr val="accent1">
+              <a:shade val="50000"/>
+            </a:schemeClr>
+          </a:lnRef>
+          <a:fillRef idx="1">
+            <a:schemeClr val="accent1"/>
+          </a:fillRef>
+          <a:effectRef idx="0">
+            <a:schemeClr val="accent1"/>
+          </a:effectRef>
+          <a:fontRef idx="minor">
+            <a:schemeClr val="lt1"/>
+          </a:fontRef>
+        </p:style>
+        <p:txBody>
+          <a:bodyPr rtlCol="0" anchor="ctr"/>
+          <a:lstStyle/>
+          <a:p>
+            <a:pPr algn="ctr"/>
+            <a:endParaRPr lang="ko-KR" altLang="en-US"/>
+          </a:p>
+        </p:txBody>
+      </p:sp>
+      <p:cxnSp>
+        <p:nvCxnSpPr>
+          <p:cNvPr id="4" name="직선 화살표 연결선 3">
+            <a:extLst>
+              <a:ext uri="{FF2B5EF4-FFF2-40B4-BE49-F238E27FC236}">
+                <a16:creationId xmlns:a16="http://schemas.microsoft.com/office/drawing/2014/main" id="{895EB632-BCCD-6199-D176-345234A2E303}"/>
+              </a:ext>
+            </a:extLst>
+          </p:cNvPr>
+          <p:cNvCxnSpPr>
+            <a:cxnSpLocks/>
+          </p:cNvCxnSpPr>
+          <p:nvPr/>
+        </p:nvCxnSpPr>
+        <p:spPr>
+          <a:xfrm>
+            <a:off x="2951277" y="1339104"/>
+            <a:ext cx="0" cy="4897717"/>
+          </a:xfrm>
+          <a:prstGeom prst="straightConnector1">
+            <a:avLst/>
+          </a:prstGeom>
+          <a:ln w="38100">
+            <a:solidFill>
+              <a:srgbClr val="FF0000"/>
+            </a:solidFill>
+            <a:tailEnd type="triangle"/>
+          </a:ln>
+        </p:spPr>
+        <p:style>
+          <a:lnRef idx="1">
+            <a:schemeClr val="accent1"/>
+          </a:lnRef>
+          <a:fillRef idx="0">
+            <a:schemeClr val="accent1"/>
+          </a:fillRef>
+          <a:effectRef idx="0">
+            <a:schemeClr val="accent1"/>
+          </a:effectRef>
+          <a:fontRef idx="minor">
+            <a:schemeClr val="tx1"/>
+          </a:fontRef>
+        </p:style>
+      </p:cxnSp>
+      <p:sp>
+        <p:nvSpPr>
+          <p:cNvPr id="8" name="직사각형 7">
+            <a:extLst>
+              <a:ext uri="{FF2B5EF4-FFF2-40B4-BE49-F238E27FC236}">
+                <a16:creationId xmlns:a16="http://schemas.microsoft.com/office/drawing/2014/main" id="{A21C1F28-BE61-1CB4-3FB9-3A76F5290451}"/>
+              </a:ext>
+            </a:extLst>
+          </p:cNvPr>
+          <p:cNvSpPr/>
+          <p:nvPr/>
+        </p:nvSpPr>
+        <p:spPr>
+          <a:xfrm>
+            <a:off x="2406526" y="932704"/>
+            <a:ext cx="1089504" cy="406400"/>
+          </a:xfrm>
+          <a:prstGeom prst="rect">
+            <a:avLst/>
+          </a:prstGeom>
+          <a:solidFill>
+            <a:srgbClr val="0070C0"/>
+          </a:solidFill>
+          <a:ln>
+            <a:noFill/>
+          </a:ln>
+        </p:spPr>
+        <p:style>
+          <a:lnRef idx="2">
+            <a:schemeClr val="accent1">
+              <a:shade val="50000"/>
+            </a:schemeClr>
+          </a:lnRef>
+          <a:fillRef idx="1">
+            <a:schemeClr val="accent1"/>
+          </a:fillRef>
+          <a:effectRef idx="0">
+            <a:schemeClr val="accent1"/>
+          </a:effectRef>
+          <a:fontRef idx="minor">
+            <a:schemeClr val="lt1"/>
+          </a:fontRef>
+        </p:style>
+        <p:txBody>
+          <a:bodyPr rtlCol="0" anchor="ctr"/>
+          <a:lstStyle/>
+          <a:p>
+            <a:pPr algn="ctr"/>
+            <a:endParaRPr lang="ko-KR" altLang="en-US" dirty="0"/>
+          </a:p>
+        </p:txBody>
+      </p:sp>
+      <p:sp>
+        <p:nvSpPr>
+          <p:cNvPr id="9" name="직사각형 8">
+            <a:extLst>
+              <a:ext uri="{FF2B5EF4-FFF2-40B4-BE49-F238E27FC236}">
+                <a16:creationId xmlns:a16="http://schemas.microsoft.com/office/drawing/2014/main" id="{01CA5F7B-6841-8F74-7CD5-4A648B976D3A}"/>
+              </a:ext>
+            </a:extLst>
+          </p:cNvPr>
+          <p:cNvSpPr/>
+          <p:nvPr/>
+        </p:nvSpPr>
+        <p:spPr>
+          <a:xfrm>
+            <a:off x="2534657" y="982015"/>
+            <a:ext cx="833241" cy="307777"/>
+          </a:xfrm>
+          <a:prstGeom prst="rect">
+            <a:avLst/>
+          </a:prstGeom>
+        </p:spPr>
+        <p:txBody>
+          <a:bodyPr wrap="none">
+            <a:spAutoFit/>
+          </a:bodyPr>
+          <a:lstStyle/>
+          <a:p>
+            <a:pPr algn="r"/>
+            <a:r>
+              <a:rPr lang="en-US" altLang="ko-KR" sz="1400" dirty="0">
+                <a:solidFill>
+                  <a:schemeClr val="bg1"/>
+                </a:solidFill>
+              </a:rPr>
+              <a:t>Request</a:t>
+            </a:r>
+            <a:endParaRPr lang="ko-KR" altLang="en-US" sz="1400" dirty="0">
+              <a:solidFill>
+                <a:schemeClr val="bg1"/>
+              </a:solidFill>
+            </a:endParaRPr>
+          </a:p>
+        </p:txBody>
+      </p:sp>
+      <p:sp>
+        <p:nvSpPr>
+          <p:cNvPr id="12" name="직사각형 11">
+            <a:extLst>
+              <a:ext uri="{FF2B5EF4-FFF2-40B4-BE49-F238E27FC236}">
+                <a16:creationId xmlns:a16="http://schemas.microsoft.com/office/drawing/2014/main" id="{CEF2EE92-2426-3A41-C335-193CAD6A5E81}"/>
+              </a:ext>
+            </a:extLst>
+          </p:cNvPr>
+          <p:cNvSpPr/>
+          <p:nvPr/>
+        </p:nvSpPr>
+        <p:spPr>
+          <a:xfrm>
+            <a:off x="8737507" y="342900"/>
+            <a:ext cx="968189" cy="6172200"/>
+          </a:xfrm>
+          <a:prstGeom prst="rect">
+            <a:avLst/>
+          </a:prstGeom>
+          <a:solidFill>
+            <a:srgbClr val="1E1E1E"/>
+          </a:solidFill>
+          <a:ln>
+            <a:noFill/>
+          </a:ln>
+        </p:spPr>
+        <p:style>
+          <a:lnRef idx="2">
+            <a:schemeClr val="accent1">
+              <a:shade val="50000"/>
+            </a:schemeClr>
+          </a:lnRef>
+          <a:fillRef idx="1">
+            <a:schemeClr val="accent1"/>
+          </a:fillRef>
+          <a:effectRef idx="0">
+            <a:schemeClr val="accent1"/>
+          </a:effectRef>
+          <a:fontRef idx="minor">
+            <a:schemeClr val="lt1"/>
+          </a:fontRef>
+        </p:style>
+        <p:txBody>
+          <a:bodyPr rtlCol="0" anchor="ctr"/>
+          <a:lstStyle/>
+          <a:p>
+            <a:pPr algn="ctr"/>
+            <a:endParaRPr lang="ko-KR" altLang="en-US"/>
+          </a:p>
+        </p:txBody>
+      </p:sp>
+      <p:cxnSp>
+        <p:nvCxnSpPr>
+          <p:cNvPr id="13" name="직선 화살표 연결선 12">
+            <a:extLst>
+              <a:ext uri="{FF2B5EF4-FFF2-40B4-BE49-F238E27FC236}">
+                <a16:creationId xmlns:a16="http://schemas.microsoft.com/office/drawing/2014/main" id="{9F19586F-0674-5783-B7AC-B8975219AC2C}"/>
+              </a:ext>
+            </a:extLst>
+          </p:cNvPr>
+          <p:cNvCxnSpPr>
+            <a:cxnSpLocks/>
+          </p:cNvCxnSpPr>
+          <p:nvPr/>
+        </p:nvCxnSpPr>
+        <p:spPr>
+          <a:xfrm flipV="1">
+            <a:off x="8879954" y="1339104"/>
+            <a:ext cx="0" cy="4897717"/>
+          </a:xfrm>
+          <a:prstGeom prst="straightConnector1">
+            <a:avLst/>
+          </a:prstGeom>
+          <a:ln w="38100">
+            <a:solidFill>
+              <a:srgbClr val="0070C0"/>
+            </a:solidFill>
+            <a:tailEnd type="triangle"/>
+          </a:ln>
+        </p:spPr>
+        <p:style>
+          <a:lnRef idx="1">
+            <a:schemeClr val="accent1"/>
+          </a:lnRef>
+          <a:fillRef idx="0">
+            <a:schemeClr val="accent1"/>
+          </a:fillRef>
+          <a:effectRef idx="0">
+            <a:schemeClr val="accent1"/>
+          </a:effectRef>
+          <a:fontRef idx="minor">
+            <a:schemeClr val="tx1"/>
+          </a:fontRef>
+        </p:style>
+      </p:cxnSp>
+      <p:sp>
+        <p:nvSpPr>
+          <p:cNvPr id="14" name="직사각형 13">
+            <a:extLst>
+              <a:ext uri="{FF2B5EF4-FFF2-40B4-BE49-F238E27FC236}">
+                <a16:creationId xmlns:a16="http://schemas.microsoft.com/office/drawing/2014/main" id="{A8331174-F314-70F9-7F52-77C2DB8031B3}"/>
+              </a:ext>
+            </a:extLst>
+          </p:cNvPr>
+          <p:cNvSpPr/>
+          <p:nvPr/>
+        </p:nvSpPr>
+        <p:spPr>
+          <a:xfrm>
+            <a:off x="8335203" y="932704"/>
+            <a:ext cx="1089504" cy="406400"/>
+          </a:xfrm>
+          <a:prstGeom prst="rect">
+            <a:avLst/>
+          </a:prstGeom>
+          <a:solidFill>
+            <a:srgbClr val="0070C0"/>
+          </a:solidFill>
+          <a:ln>
+            <a:noFill/>
+          </a:ln>
+        </p:spPr>
+        <p:style>
+          <a:lnRef idx="2">
+            <a:schemeClr val="accent1">
+              <a:shade val="50000"/>
+            </a:schemeClr>
+          </a:lnRef>
+          <a:fillRef idx="1">
+            <a:schemeClr val="accent1"/>
+          </a:fillRef>
+          <a:effectRef idx="0">
+            <a:schemeClr val="accent1"/>
+          </a:effectRef>
+          <a:fontRef idx="minor">
+            <a:schemeClr val="lt1"/>
+          </a:fontRef>
+        </p:style>
+        <p:txBody>
+          <a:bodyPr rtlCol="0" anchor="ctr"/>
+          <a:lstStyle/>
+          <a:p>
+            <a:pPr algn="ctr"/>
+            <a:endParaRPr lang="ko-KR" altLang="en-US" dirty="0"/>
+          </a:p>
+        </p:txBody>
+      </p:sp>
+      <p:sp>
+        <p:nvSpPr>
+          <p:cNvPr id="15" name="직사각형 14">
+            <a:extLst>
+              <a:ext uri="{FF2B5EF4-FFF2-40B4-BE49-F238E27FC236}">
+                <a16:creationId xmlns:a16="http://schemas.microsoft.com/office/drawing/2014/main" id="{1AA4D6E4-0F66-8AF6-D895-6B9E073DEF3B}"/>
+              </a:ext>
+            </a:extLst>
+          </p:cNvPr>
+          <p:cNvSpPr/>
+          <p:nvPr/>
+        </p:nvSpPr>
+        <p:spPr>
+          <a:xfrm>
+            <a:off x="8401618" y="982015"/>
+            <a:ext cx="956672" cy="307777"/>
+          </a:xfrm>
+          <a:prstGeom prst="rect">
+            <a:avLst/>
+          </a:prstGeom>
+        </p:spPr>
+        <p:txBody>
+          <a:bodyPr wrap="none">
+            <a:spAutoFit/>
+          </a:bodyPr>
+          <a:lstStyle/>
+          <a:p>
+            <a:pPr algn="r"/>
+            <a:r>
+              <a:rPr lang="en-US" altLang="ko-KR" sz="1400" dirty="0">
+                <a:solidFill>
+                  <a:schemeClr val="bg1"/>
+                </a:solidFill>
+              </a:rPr>
+              <a:t>Response</a:t>
+            </a:r>
+            <a:endParaRPr lang="ko-KR" altLang="en-US" sz="1400" dirty="0">
+              <a:solidFill>
+                <a:schemeClr val="bg1"/>
+              </a:solidFill>
+            </a:endParaRPr>
+          </a:p>
+        </p:txBody>
+      </p:sp>
+      <p:sp>
+        <p:nvSpPr>
+          <p:cNvPr id="16" name="직사각형 15">
+            <a:extLst>
+              <a:ext uri="{FF2B5EF4-FFF2-40B4-BE49-F238E27FC236}">
+                <a16:creationId xmlns:a16="http://schemas.microsoft.com/office/drawing/2014/main" id="{CF19004F-F926-B2CA-7AF6-10FD6A20A8DC}"/>
+              </a:ext>
+            </a:extLst>
+          </p:cNvPr>
+          <p:cNvSpPr/>
+          <p:nvPr/>
+        </p:nvSpPr>
+        <p:spPr>
+          <a:xfrm>
+            <a:off x="3050922" y="3424516"/>
+            <a:ext cx="723276" cy="307777"/>
+          </a:xfrm>
+          <a:prstGeom prst="rect">
+            <a:avLst/>
+          </a:prstGeom>
+        </p:spPr>
+        <p:txBody>
+          <a:bodyPr wrap="none">
+            <a:spAutoFit/>
+          </a:bodyPr>
+          <a:lstStyle/>
+          <a:p>
+            <a:pPr algn="r"/>
+            <a:r>
+              <a:rPr lang="ko-KR" altLang="en-US" sz="1400" dirty="0" err="1">
+                <a:solidFill>
+                  <a:schemeClr val="bg1"/>
+                </a:solidFill>
+              </a:rPr>
+              <a:t>정방향</a:t>
+            </a:r>
+            <a:endParaRPr lang="ko-KR" altLang="en-US" sz="1400" dirty="0">
+              <a:solidFill>
+                <a:schemeClr val="bg1"/>
+              </a:solidFill>
+            </a:endParaRPr>
+          </a:p>
+        </p:txBody>
+      </p:sp>
+      <p:sp>
+        <p:nvSpPr>
+          <p:cNvPr id="17" name="직사각형 16">
+            <a:extLst>
+              <a:ext uri="{FF2B5EF4-FFF2-40B4-BE49-F238E27FC236}">
+                <a16:creationId xmlns:a16="http://schemas.microsoft.com/office/drawing/2014/main" id="{980542D9-ABA9-6E5A-5F25-1D67F8316BA1}"/>
+              </a:ext>
+            </a:extLst>
+          </p:cNvPr>
+          <p:cNvSpPr/>
+          <p:nvPr/>
+        </p:nvSpPr>
+        <p:spPr>
+          <a:xfrm>
+            <a:off x="8039980" y="3424515"/>
+            <a:ext cx="723276" cy="307777"/>
+          </a:xfrm>
+          <a:prstGeom prst="rect">
+            <a:avLst/>
+          </a:prstGeom>
+        </p:spPr>
+        <p:txBody>
+          <a:bodyPr wrap="square">
+            <a:spAutoFit/>
+          </a:bodyPr>
+          <a:lstStyle/>
+          <a:p>
+            <a:pPr algn="r"/>
+            <a:r>
+              <a:rPr lang="ko-KR" altLang="en-US" sz="1400" dirty="0">
+                <a:solidFill>
+                  <a:schemeClr val="bg1"/>
+                </a:solidFill>
+              </a:rPr>
+              <a:t>역방향</a:t>
+            </a:r>
+          </a:p>
+        </p:txBody>
+      </p:sp>
+    </p:spTree>
+    <p:extLst>
+      <p:ext uri="{BB962C8B-B14F-4D97-AF65-F5344CB8AC3E}">
+        <p14:creationId xmlns:p14="http://schemas.microsoft.com/office/powerpoint/2010/main" val="676225328"/>
       </p:ext>
     </p:extLst>
   </p:cSld>

--- a/Image/Diagram/Canvas.pptx
+++ b/Image/Diagram/Canvas.pptx
@@ -5,10 +5,10 @@
     <p:sldMasterId id="2147483648" r:id="rId1"/>
   </p:sldMasterIdLst>
   <p:notesMasterIdLst>
-    <p:notesMasterId r:id="rId29"/>
+    <p:notesMasterId r:id="rId30"/>
   </p:notesMasterIdLst>
   <p:handoutMasterIdLst>
-    <p:handoutMasterId r:id="rId30"/>
+    <p:handoutMasterId r:id="rId31"/>
   </p:handoutMasterIdLst>
   <p:sldIdLst>
     <p:sldId id="278" r:id="rId2"/>
@@ -38,6 +38,7 @@
     <p:sldId id="280" r:id="rId26"/>
     <p:sldId id="282" r:id="rId27"/>
     <p:sldId id="283" r:id="rId28"/>
+    <p:sldId id="284" r:id="rId29"/>
   </p:sldIdLst>
   <p:sldSz cx="12192000" cy="6858000"/>
   <p:notesSz cx="6858000" cy="9144000"/>
@@ -241,7 +242,7 @@
           <a:p>
             <a:fld id="{29F43AEA-EBFF-4648-88A2-B3AE8909EBED}" type="datetimeFigureOut">
               <a:rPr lang="ko-KR" altLang="en-US" smtClean="0"/>
-              <a:t>2022-09-19</a:t>
+              <a:t>2022-09-26</a:t>
             </a:fld>
             <a:endParaRPr lang="ko-KR" altLang="en-US"/>
           </a:p>
@@ -418,7 +419,7 @@
           <a:p>
             <a:fld id="{D4F45FAA-3284-44C8-A10C-F89E7A7A9D0D}" type="datetimeFigureOut">
               <a:rPr lang="ko-KR" altLang="en-US" smtClean="0"/>
-              <a:t>2022-09-19</a:t>
+              <a:t>2022-09-26</a:t>
             </a:fld>
             <a:endParaRPr lang="ko-KR" altLang="en-US"/>
           </a:p>
@@ -814,7 +815,7 @@
           <a:p>
             <a:fld id="{B5FEAD0D-239A-466E-9319-07628EC22FD2}" type="datetimeFigureOut">
               <a:rPr lang="ko-KR" altLang="en-US" smtClean="0"/>
-              <a:t>2022-09-19</a:t>
+              <a:t>2022-09-26</a:t>
             </a:fld>
             <a:endParaRPr lang="ko-KR" altLang="en-US"/>
           </a:p>
@@ -982,7 +983,7 @@
           <a:p>
             <a:fld id="{B5FEAD0D-239A-466E-9319-07628EC22FD2}" type="datetimeFigureOut">
               <a:rPr lang="ko-KR" altLang="en-US" smtClean="0"/>
-              <a:t>2022-09-19</a:t>
+              <a:t>2022-09-26</a:t>
             </a:fld>
             <a:endParaRPr lang="ko-KR" altLang="en-US"/>
           </a:p>
@@ -1160,7 +1161,7 @@
           <a:p>
             <a:fld id="{B5FEAD0D-239A-466E-9319-07628EC22FD2}" type="datetimeFigureOut">
               <a:rPr lang="ko-KR" altLang="en-US" smtClean="0"/>
-              <a:t>2022-09-19</a:t>
+              <a:t>2022-09-26</a:t>
             </a:fld>
             <a:endParaRPr lang="ko-KR" altLang="en-US"/>
           </a:p>
@@ -1255,7 +1256,7 @@
           <a:p>
             <a:fld id="{B5FEAD0D-239A-466E-9319-07628EC22FD2}" type="datetimeFigureOut">
               <a:rPr lang="ko-KR" altLang="en-US" smtClean="0"/>
-              <a:t>2022-09-19</a:t>
+              <a:t>2022-09-26</a:t>
             </a:fld>
             <a:endParaRPr lang="ko-KR" altLang="en-US"/>
           </a:p>
@@ -1500,7 +1501,7 @@
           <a:p>
             <a:fld id="{B5FEAD0D-239A-466E-9319-07628EC22FD2}" type="datetimeFigureOut">
               <a:rPr lang="ko-KR" altLang="en-US" smtClean="0"/>
-              <a:t>2022-09-19</a:t>
+              <a:t>2022-09-26</a:t>
             </a:fld>
             <a:endParaRPr lang="ko-KR" altLang="en-US"/>
           </a:p>
@@ -1729,7 +1730,7 @@
           <a:p>
             <a:fld id="{B5FEAD0D-239A-466E-9319-07628EC22FD2}" type="datetimeFigureOut">
               <a:rPr lang="ko-KR" altLang="en-US" smtClean="0"/>
-              <a:t>2022-09-19</a:t>
+              <a:t>2022-09-26</a:t>
             </a:fld>
             <a:endParaRPr lang="ko-KR" altLang="en-US"/>
           </a:p>
@@ -2093,7 +2094,7 @@
           <a:p>
             <a:fld id="{B5FEAD0D-239A-466E-9319-07628EC22FD2}" type="datetimeFigureOut">
               <a:rPr lang="ko-KR" altLang="en-US" smtClean="0"/>
-              <a:t>2022-09-19</a:t>
+              <a:t>2022-09-26</a:t>
             </a:fld>
             <a:endParaRPr lang="ko-KR" altLang="en-US"/>
           </a:p>
@@ -2210,7 +2211,7 @@
           <a:p>
             <a:fld id="{B5FEAD0D-239A-466E-9319-07628EC22FD2}" type="datetimeFigureOut">
               <a:rPr lang="ko-KR" altLang="en-US" smtClean="0"/>
-              <a:t>2022-09-19</a:t>
+              <a:t>2022-09-26</a:t>
             </a:fld>
             <a:endParaRPr lang="ko-KR" altLang="en-US"/>
           </a:p>
@@ -2305,7 +2306,7 @@
           <a:p>
             <a:fld id="{B5FEAD0D-239A-466E-9319-07628EC22FD2}" type="datetimeFigureOut">
               <a:rPr lang="ko-KR" altLang="en-US" smtClean="0"/>
-              <a:t>2022-09-19</a:t>
+              <a:t>2022-09-26</a:t>
             </a:fld>
             <a:endParaRPr lang="ko-KR" altLang="en-US"/>
           </a:p>
@@ -2580,7 +2581,7 @@
           <a:p>
             <a:fld id="{B5FEAD0D-239A-466E-9319-07628EC22FD2}" type="datetimeFigureOut">
               <a:rPr lang="ko-KR" altLang="en-US" smtClean="0"/>
-              <a:t>2022-09-19</a:t>
+              <a:t>2022-09-26</a:t>
             </a:fld>
             <a:endParaRPr lang="ko-KR" altLang="en-US"/>
           </a:p>
@@ -2832,7 +2833,7 @@
           <a:p>
             <a:fld id="{B5FEAD0D-239A-466E-9319-07628EC22FD2}" type="datetimeFigureOut">
               <a:rPr lang="ko-KR" altLang="en-US" smtClean="0"/>
-              <a:t>2022-09-19</a:t>
+              <a:t>2022-09-26</a:t>
             </a:fld>
             <a:endParaRPr lang="ko-KR" altLang="en-US"/>
           </a:p>
@@ -3043,7 +3044,7 @@
           <a:p>
             <a:fld id="{B5FEAD0D-239A-466E-9319-07628EC22FD2}" type="datetimeFigureOut">
               <a:rPr lang="ko-KR" altLang="en-US" smtClean="0"/>
-              <a:t>2022-09-19</a:t>
+              <a:t>2022-09-26</a:t>
             </a:fld>
             <a:endParaRPr lang="ko-KR" altLang="en-US"/>
           </a:p>
@@ -20187,8 +20188,8 @@
         </p:nvSpPr>
         <p:spPr>
           <a:xfrm>
-            <a:off x="293913" y="304799"/>
-            <a:ext cx="4528458" cy="5519057"/>
+            <a:off x="1247292" y="493059"/>
+            <a:ext cx="4528458" cy="2402542"/>
           </a:xfrm>
           <a:prstGeom prst="rect">
             <a:avLst/>
@@ -20239,8 +20240,8 @@
         </p:nvSpPr>
         <p:spPr>
           <a:xfrm>
-            <a:off x="514348" y="859970"/>
-            <a:ext cx="4087587" cy="4735285"/>
+            <a:off x="1392650" y="1048230"/>
+            <a:ext cx="4222375" cy="1694970"/>
           </a:xfrm>
           <a:prstGeom prst="rect">
             <a:avLst/>
@@ -20291,8 +20292,8 @@
         </p:nvSpPr>
         <p:spPr>
           <a:xfrm>
-            <a:off x="715552" y="397719"/>
-            <a:ext cx="3685178" cy="369332"/>
+            <a:off x="1668931" y="585978"/>
+            <a:ext cx="3685178" cy="338554"/>
           </a:xfrm>
           <a:prstGeom prst="rect">
             <a:avLst/>
@@ -20307,15 +20308,18 @@
           <a:p>
             <a:pPr algn="ctr"/>
             <a:r>
-              <a:rPr lang="en-US" altLang="ko-KR" b="0" i="0" dirty="0">
+              <a:rPr lang="en-US" altLang="ko-KR" sz="1600" b="0" i="0" dirty="0">
                 <a:solidFill>
                   <a:srgbClr val="292929"/>
                 </a:solidFill>
                 <a:effectLst/>
+                <a:latin typeface="+mj-lt"/>
               </a:rPr>
               <a:t>URI(Uniform resource Identifier)</a:t>
             </a:r>
-            <a:endParaRPr lang="ko-KR" altLang="en-US" dirty="0"/>
+            <a:endParaRPr lang="ko-KR" altLang="en-US" sz="1600" dirty="0">
+              <a:latin typeface="+mj-lt"/>
+            </a:endParaRPr>
           </a:p>
         </p:txBody>
       </p:sp>
@@ -20333,8 +20337,8 @@
         </p:nvSpPr>
         <p:spPr>
           <a:xfrm>
-            <a:off x="715552" y="1034144"/>
-            <a:ext cx="3685178" cy="369332"/>
+            <a:off x="1668931" y="1222403"/>
+            <a:ext cx="3685178" cy="338554"/>
           </a:xfrm>
           <a:prstGeom prst="rect">
             <a:avLst/>
@@ -20349,7 +20353,7 @@
           <a:p>
             <a:pPr algn="ctr"/>
             <a:r>
-              <a:rPr lang="en-US" altLang="ko-KR" b="0" i="0" dirty="0">
+              <a:rPr lang="en-US" altLang="ko-KR" sz="1600" b="0" i="0" dirty="0">
                 <a:solidFill>
                   <a:srgbClr val="292929"/>
                 </a:solidFill>
@@ -20358,7 +20362,7 @@
               </a:rPr>
               <a:t>URL(Uniform Resource Locator)</a:t>
             </a:r>
-            <a:endParaRPr lang="ko-KR" altLang="en-US" dirty="0">
+            <a:endParaRPr lang="ko-KR" altLang="en-US" sz="1600" dirty="0">
               <a:latin typeface="+mj-lt"/>
             </a:endParaRPr>
           </a:p>
@@ -20378,7 +20382,7 @@
         </p:nvSpPr>
         <p:spPr>
           <a:xfrm>
-            <a:off x="4917300" y="397719"/>
+            <a:off x="183935" y="3090446"/>
             <a:ext cx="6639807" cy="338554"/>
           </a:xfrm>
           <a:prstGeom prst="rect">
@@ -25167,6 +25171,880 @@
     <p:extLst>
       <p:ext uri="{BB962C8B-B14F-4D97-AF65-F5344CB8AC3E}">
         <p14:creationId xmlns:p14="http://schemas.microsoft.com/office/powerpoint/2010/main" val="676225328"/>
+      </p:ext>
+    </p:extLst>
+  </p:cSld>
+  <p:clrMapOvr>
+    <a:masterClrMapping/>
+  </p:clrMapOvr>
+</p:sld>
+</file>
+
+<file path=ppt/slides/slide28.xml><?xml version="1.0" encoding="utf-8"?>
+<p:sld xmlns:a="http://schemas.openxmlformats.org/drawingml/2006/main" xmlns:r="http://schemas.openxmlformats.org/officeDocument/2006/relationships" xmlns:p="http://schemas.openxmlformats.org/presentationml/2006/main">
+  <p:cSld>
+    <p:spTree>
+      <p:nvGrpSpPr>
+        <p:cNvPr id="1" name=""/>
+        <p:cNvGrpSpPr/>
+        <p:nvPr/>
+      </p:nvGrpSpPr>
+      <p:grpSpPr>
+        <a:xfrm>
+          <a:off x="0" y="0"/>
+          <a:ext cx="0" cy="0"/>
+          <a:chOff x="0" y="0"/>
+          <a:chExt cx="0" cy="0"/>
+        </a:xfrm>
+      </p:grpSpPr>
+      <p:sp>
+        <p:nvSpPr>
+          <p:cNvPr id="2" name="직사각형 1">
+            <a:extLst>
+              <a:ext uri="{FF2B5EF4-FFF2-40B4-BE49-F238E27FC236}">
+                <a16:creationId xmlns:a16="http://schemas.microsoft.com/office/drawing/2014/main" id="{DD654FE3-2495-5268-BA03-89C9110740CD}"/>
+              </a:ext>
+            </a:extLst>
+          </p:cNvPr>
+          <p:cNvSpPr/>
+          <p:nvPr/>
+        </p:nvSpPr>
+        <p:spPr>
+          <a:xfrm>
+            <a:off x="2043952" y="2113522"/>
+            <a:ext cx="2528048" cy="717177"/>
+          </a:xfrm>
+          <a:prstGeom prst="rect">
+            <a:avLst/>
+          </a:prstGeom>
+          <a:solidFill>
+            <a:srgbClr val="EFB1FF"/>
+          </a:solidFill>
+          <a:ln>
+            <a:noFill/>
+          </a:ln>
+        </p:spPr>
+        <p:style>
+          <a:lnRef idx="2">
+            <a:schemeClr val="accent1">
+              <a:shade val="50000"/>
+            </a:schemeClr>
+          </a:lnRef>
+          <a:fillRef idx="1">
+            <a:schemeClr val="accent1"/>
+          </a:fillRef>
+          <a:effectRef idx="0">
+            <a:schemeClr val="accent1"/>
+          </a:effectRef>
+          <a:fontRef idx="minor">
+            <a:schemeClr val="lt1"/>
+          </a:fontRef>
+        </p:style>
+        <p:txBody>
+          <a:bodyPr rtlCol="0" anchor="ctr"/>
+          <a:lstStyle/>
+          <a:p>
+            <a:pPr algn="ctr"/>
+            <a:endParaRPr lang="ko-KR" altLang="en-US"/>
+          </a:p>
+        </p:txBody>
+      </p:sp>
+      <p:sp>
+        <p:nvSpPr>
+          <p:cNvPr id="6" name="TextBox 5">
+            <a:extLst>
+              <a:ext uri="{FF2B5EF4-FFF2-40B4-BE49-F238E27FC236}">
+                <a16:creationId xmlns:a16="http://schemas.microsoft.com/office/drawing/2014/main" id="{4F023A94-1853-0585-2DCB-38C9116E5730}"/>
+              </a:ext>
+            </a:extLst>
+          </p:cNvPr>
+          <p:cNvSpPr txBox="1"/>
+          <p:nvPr/>
+        </p:nvSpPr>
+        <p:spPr>
+          <a:xfrm>
+            <a:off x="2209798" y="2302833"/>
+            <a:ext cx="2242000" cy="338554"/>
+          </a:xfrm>
+          <a:prstGeom prst="rect">
+            <a:avLst/>
+          </a:prstGeom>
+          <a:noFill/>
+        </p:spPr>
+        <p:txBody>
+          <a:bodyPr wrap="square" rtlCol="0">
+            <a:spAutoFit/>
+          </a:bodyPr>
+          <a:lstStyle/>
+          <a:p>
+            <a:pPr algn="ctr"/>
+            <a:r>
+              <a:rPr lang="en-US" altLang="ko-KR" sz="1600" dirty="0"/>
+              <a:t>Identity Policy</a:t>
+            </a:r>
+            <a:endParaRPr lang="ko-KR" altLang="en-US" sz="1600" dirty="0"/>
+          </a:p>
+        </p:txBody>
+      </p:sp>
+      <p:sp>
+        <p:nvSpPr>
+          <p:cNvPr id="12" name="직사각형 11">
+            <a:extLst>
+              <a:ext uri="{FF2B5EF4-FFF2-40B4-BE49-F238E27FC236}">
+                <a16:creationId xmlns:a16="http://schemas.microsoft.com/office/drawing/2014/main" id="{D9AE5A68-1303-4696-5A3B-50076AB113D9}"/>
+              </a:ext>
+            </a:extLst>
+          </p:cNvPr>
+          <p:cNvSpPr/>
+          <p:nvPr/>
+        </p:nvSpPr>
+        <p:spPr>
+          <a:xfrm>
+            <a:off x="3567952" y="3795120"/>
+            <a:ext cx="2528048" cy="717177"/>
+          </a:xfrm>
+          <a:prstGeom prst="rect">
+            <a:avLst/>
+          </a:prstGeom>
+          <a:solidFill>
+            <a:srgbClr val="9ADCFF"/>
+          </a:solidFill>
+          <a:ln>
+            <a:noFill/>
+          </a:ln>
+        </p:spPr>
+        <p:style>
+          <a:lnRef idx="2">
+            <a:schemeClr val="accent1">
+              <a:shade val="50000"/>
+            </a:schemeClr>
+          </a:lnRef>
+          <a:fillRef idx="1">
+            <a:schemeClr val="accent1"/>
+          </a:fillRef>
+          <a:effectRef idx="0">
+            <a:schemeClr val="accent1"/>
+          </a:effectRef>
+          <a:fontRef idx="minor">
+            <a:schemeClr val="lt1"/>
+          </a:fontRef>
+        </p:style>
+        <p:txBody>
+          <a:bodyPr rtlCol="0" anchor="ctr"/>
+          <a:lstStyle/>
+          <a:p>
+            <a:pPr algn="ctr"/>
+            <a:endParaRPr lang="ko-KR" altLang="en-US"/>
+          </a:p>
+        </p:txBody>
+      </p:sp>
+      <p:sp>
+        <p:nvSpPr>
+          <p:cNvPr id="13" name="TextBox 12">
+            <a:extLst>
+              <a:ext uri="{FF2B5EF4-FFF2-40B4-BE49-F238E27FC236}">
+                <a16:creationId xmlns:a16="http://schemas.microsoft.com/office/drawing/2014/main" id="{5BE3E037-B4A9-7F91-C2C9-AFF2F22A0085}"/>
+              </a:ext>
+            </a:extLst>
+          </p:cNvPr>
+          <p:cNvSpPr txBox="1"/>
+          <p:nvPr/>
+        </p:nvSpPr>
+        <p:spPr>
+          <a:xfrm>
+            <a:off x="3733798" y="3984431"/>
+            <a:ext cx="2242000" cy="338554"/>
+          </a:xfrm>
+          <a:prstGeom prst="rect">
+            <a:avLst/>
+          </a:prstGeom>
+          <a:noFill/>
+        </p:spPr>
+        <p:txBody>
+          <a:bodyPr wrap="square" rtlCol="0">
+            <a:spAutoFit/>
+          </a:bodyPr>
+          <a:lstStyle/>
+          <a:p>
+            <a:pPr algn="ctr"/>
+            <a:r>
+              <a:rPr lang="en-US" altLang="ko-KR" sz="1600" dirty="0"/>
+              <a:t>Identity Role</a:t>
+            </a:r>
+            <a:endParaRPr lang="ko-KR" altLang="en-US" sz="1600" dirty="0"/>
+          </a:p>
+        </p:txBody>
+      </p:sp>
+      <p:sp>
+        <p:nvSpPr>
+          <p:cNvPr id="14" name="직사각형 13">
+            <a:extLst>
+              <a:ext uri="{FF2B5EF4-FFF2-40B4-BE49-F238E27FC236}">
+                <a16:creationId xmlns:a16="http://schemas.microsoft.com/office/drawing/2014/main" id="{25A662DC-93EE-30C5-CD4D-3470723D1A2D}"/>
+              </a:ext>
+            </a:extLst>
+          </p:cNvPr>
+          <p:cNvSpPr/>
+          <p:nvPr/>
+        </p:nvSpPr>
+        <p:spPr>
+          <a:xfrm>
+            <a:off x="3567953" y="5118129"/>
+            <a:ext cx="2528048" cy="717177"/>
+          </a:xfrm>
+          <a:prstGeom prst="rect">
+            <a:avLst/>
+          </a:prstGeom>
+          <a:solidFill>
+            <a:srgbClr val="9999FF"/>
+          </a:solidFill>
+          <a:ln>
+            <a:noFill/>
+          </a:ln>
+        </p:spPr>
+        <p:style>
+          <a:lnRef idx="2">
+            <a:schemeClr val="accent1">
+              <a:shade val="50000"/>
+            </a:schemeClr>
+          </a:lnRef>
+          <a:fillRef idx="1">
+            <a:schemeClr val="accent1"/>
+          </a:fillRef>
+          <a:effectRef idx="0">
+            <a:schemeClr val="accent1"/>
+          </a:effectRef>
+          <a:fontRef idx="minor">
+            <a:schemeClr val="lt1"/>
+          </a:fontRef>
+        </p:style>
+        <p:txBody>
+          <a:bodyPr rtlCol="0" anchor="ctr"/>
+          <a:lstStyle/>
+          <a:p>
+            <a:pPr algn="ctr"/>
+            <a:endParaRPr lang="ko-KR" altLang="en-US"/>
+          </a:p>
+        </p:txBody>
+      </p:sp>
+      <p:sp>
+        <p:nvSpPr>
+          <p:cNvPr id="15" name="TextBox 14">
+            <a:extLst>
+              <a:ext uri="{FF2B5EF4-FFF2-40B4-BE49-F238E27FC236}">
+                <a16:creationId xmlns:a16="http://schemas.microsoft.com/office/drawing/2014/main" id="{8ECA2F1E-E5DC-0C72-ADE2-74A826050AD8}"/>
+              </a:ext>
+            </a:extLst>
+          </p:cNvPr>
+          <p:cNvSpPr txBox="1"/>
+          <p:nvPr/>
+        </p:nvSpPr>
+        <p:spPr>
+          <a:xfrm>
+            <a:off x="3733799" y="5307440"/>
+            <a:ext cx="2242000" cy="338554"/>
+          </a:xfrm>
+          <a:prstGeom prst="rect">
+            <a:avLst/>
+          </a:prstGeom>
+          <a:noFill/>
+        </p:spPr>
+        <p:txBody>
+          <a:bodyPr wrap="square" rtlCol="0">
+            <a:spAutoFit/>
+          </a:bodyPr>
+          <a:lstStyle/>
+          <a:p>
+            <a:pPr algn="ctr"/>
+            <a:r>
+              <a:rPr lang="en-US" altLang="ko-KR" sz="1600" dirty="0"/>
+              <a:t>Identity Claim By Role</a:t>
+            </a:r>
+            <a:endParaRPr lang="ko-KR" altLang="en-US" sz="1600" dirty="0"/>
+          </a:p>
+        </p:txBody>
+      </p:sp>
+      <p:sp>
+        <p:nvSpPr>
+          <p:cNvPr id="16" name="직사각형 15">
+            <a:extLst>
+              <a:ext uri="{FF2B5EF4-FFF2-40B4-BE49-F238E27FC236}">
+                <a16:creationId xmlns:a16="http://schemas.microsoft.com/office/drawing/2014/main" id="{25E1CE89-79E5-55DC-10FF-91792833DDFA}"/>
+              </a:ext>
+            </a:extLst>
+          </p:cNvPr>
+          <p:cNvSpPr/>
+          <p:nvPr/>
+        </p:nvSpPr>
+        <p:spPr>
+          <a:xfrm>
+            <a:off x="573740" y="3795120"/>
+            <a:ext cx="2528048" cy="717177"/>
+          </a:xfrm>
+          <a:prstGeom prst="rect">
+            <a:avLst/>
+          </a:prstGeom>
+          <a:solidFill>
+            <a:srgbClr val="9ADCFF"/>
+          </a:solidFill>
+          <a:ln>
+            <a:noFill/>
+          </a:ln>
+        </p:spPr>
+        <p:style>
+          <a:lnRef idx="2">
+            <a:schemeClr val="accent1">
+              <a:shade val="50000"/>
+            </a:schemeClr>
+          </a:lnRef>
+          <a:fillRef idx="1">
+            <a:schemeClr val="accent1"/>
+          </a:fillRef>
+          <a:effectRef idx="0">
+            <a:schemeClr val="accent1"/>
+          </a:effectRef>
+          <a:fontRef idx="minor">
+            <a:schemeClr val="lt1"/>
+          </a:fontRef>
+        </p:style>
+        <p:txBody>
+          <a:bodyPr rtlCol="0" anchor="ctr"/>
+          <a:lstStyle/>
+          <a:p>
+            <a:pPr algn="ctr"/>
+            <a:endParaRPr lang="ko-KR" altLang="en-US"/>
+          </a:p>
+        </p:txBody>
+      </p:sp>
+      <p:sp>
+        <p:nvSpPr>
+          <p:cNvPr id="17" name="TextBox 16">
+            <a:extLst>
+              <a:ext uri="{FF2B5EF4-FFF2-40B4-BE49-F238E27FC236}">
+                <a16:creationId xmlns:a16="http://schemas.microsoft.com/office/drawing/2014/main" id="{72E3E535-DC66-00D6-6ED9-B0E9969C405C}"/>
+              </a:ext>
+            </a:extLst>
+          </p:cNvPr>
+          <p:cNvSpPr txBox="1"/>
+          <p:nvPr/>
+        </p:nvSpPr>
+        <p:spPr>
+          <a:xfrm>
+            <a:off x="739586" y="3984431"/>
+            <a:ext cx="2242000" cy="338554"/>
+          </a:xfrm>
+          <a:prstGeom prst="rect">
+            <a:avLst/>
+          </a:prstGeom>
+          <a:noFill/>
+        </p:spPr>
+        <p:txBody>
+          <a:bodyPr wrap="square" rtlCol="0">
+            <a:spAutoFit/>
+          </a:bodyPr>
+          <a:lstStyle/>
+          <a:p>
+            <a:pPr algn="ctr"/>
+            <a:r>
+              <a:rPr lang="en-US" altLang="ko-KR" sz="1600" dirty="0"/>
+              <a:t>Identity Claim</a:t>
+            </a:r>
+            <a:endParaRPr lang="ko-KR" altLang="en-US" sz="1600" dirty="0"/>
+          </a:p>
+        </p:txBody>
+      </p:sp>
+      <p:cxnSp>
+        <p:nvCxnSpPr>
+          <p:cNvPr id="19" name="연결선: 꺾임 18">
+            <a:extLst>
+              <a:ext uri="{FF2B5EF4-FFF2-40B4-BE49-F238E27FC236}">
+                <a16:creationId xmlns:a16="http://schemas.microsoft.com/office/drawing/2014/main" id="{C49710D9-2468-B576-33F9-6360ED3BD328}"/>
+              </a:ext>
+            </a:extLst>
+          </p:cNvPr>
+          <p:cNvCxnSpPr>
+            <a:stCxn id="2" idx="2"/>
+            <a:endCxn id="16" idx="0"/>
+          </p:cNvCxnSpPr>
+          <p:nvPr/>
+        </p:nvCxnSpPr>
+        <p:spPr>
+          <a:xfrm rot="5400000">
+            <a:off x="2090660" y="2577803"/>
+            <a:ext cx="964421" cy="1470212"/>
+          </a:xfrm>
+          <a:prstGeom prst="bentConnector3">
+            <a:avLst/>
+          </a:prstGeom>
+          <a:ln w="38100">
+            <a:solidFill>
+              <a:srgbClr val="FF0000"/>
+            </a:solidFill>
+            <a:tailEnd type="triangle"/>
+          </a:ln>
+        </p:spPr>
+        <p:style>
+          <a:lnRef idx="1">
+            <a:schemeClr val="accent1"/>
+          </a:lnRef>
+          <a:fillRef idx="0">
+            <a:schemeClr val="accent1"/>
+          </a:fillRef>
+          <a:effectRef idx="0">
+            <a:schemeClr val="accent1"/>
+          </a:effectRef>
+          <a:fontRef idx="minor">
+            <a:schemeClr val="tx1"/>
+          </a:fontRef>
+        </p:style>
+      </p:cxnSp>
+      <p:cxnSp>
+        <p:nvCxnSpPr>
+          <p:cNvPr id="20" name="연결선: 꺾임 19">
+            <a:extLst>
+              <a:ext uri="{FF2B5EF4-FFF2-40B4-BE49-F238E27FC236}">
+                <a16:creationId xmlns:a16="http://schemas.microsoft.com/office/drawing/2014/main" id="{888A13D6-B813-F986-B06C-884A5E2D62AB}"/>
+              </a:ext>
+            </a:extLst>
+          </p:cNvPr>
+          <p:cNvCxnSpPr>
+            <a:cxnSpLocks/>
+            <a:stCxn id="2" idx="2"/>
+            <a:endCxn id="12" idx="0"/>
+          </p:cNvCxnSpPr>
+          <p:nvPr/>
+        </p:nvCxnSpPr>
+        <p:spPr>
+          <a:xfrm rot="16200000" flipH="1">
+            <a:off x="3587766" y="2550909"/>
+            <a:ext cx="964421" cy="1524000"/>
+          </a:xfrm>
+          <a:prstGeom prst="bentConnector3">
+            <a:avLst>
+              <a:gd name="adj1" fmla="val 50000"/>
+            </a:avLst>
+          </a:prstGeom>
+          <a:ln w="38100">
+            <a:solidFill>
+              <a:srgbClr val="FF0000"/>
+            </a:solidFill>
+            <a:tailEnd type="triangle"/>
+          </a:ln>
+        </p:spPr>
+        <p:style>
+          <a:lnRef idx="1">
+            <a:schemeClr val="accent1"/>
+          </a:lnRef>
+          <a:fillRef idx="0">
+            <a:schemeClr val="accent1"/>
+          </a:fillRef>
+          <a:effectRef idx="0">
+            <a:schemeClr val="accent1"/>
+          </a:effectRef>
+          <a:fontRef idx="minor">
+            <a:schemeClr val="tx1"/>
+          </a:fontRef>
+        </p:style>
+      </p:cxnSp>
+      <p:cxnSp>
+        <p:nvCxnSpPr>
+          <p:cNvPr id="28" name="직선 화살표 연결선 27">
+            <a:extLst>
+              <a:ext uri="{FF2B5EF4-FFF2-40B4-BE49-F238E27FC236}">
+                <a16:creationId xmlns:a16="http://schemas.microsoft.com/office/drawing/2014/main" id="{2CAAFEBD-879A-1851-74D0-BB62C80BF98C}"/>
+              </a:ext>
+            </a:extLst>
+          </p:cNvPr>
+          <p:cNvCxnSpPr>
+            <a:cxnSpLocks/>
+            <a:stCxn id="12" idx="2"/>
+            <a:endCxn id="14" idx="0"/>
+          </p:cNvCxnSpPr>
+          <p:nvPr/>
+        </p:nvCxnSpPr>
+        <p:spPr>
+          <a:xfrm>
+            <a:off x="4831976" y="4512297"/>
+            <a:ext cx="1" cy="605832"/>
+          </a:xfrm>
+          <a:prstGeom prst="straightConnector1">
+            <a:avLst/>
+          </a:prstGeom>
+          <a:ln w="38100">
+            <a:solidFill>
+              <a:srgbClr val="FF0000"/>
+            </a:solidFill>
+            <a:tailEnd type="triangle"/>
+          </a:ln>
+        </p:spPr>
+        <p:style>
+          <a:lnRef idx="1">
+            <a:schemeClr val="accent1"/>
+          </a:lnRef>
+          <a:fillRef idx="0">
+            <a:schemeClr val="accent1"/>
+          </a:fillRef>
+          <a:effectRef idx="0">
+            <a:schemeClr val="accent1"/>
+          </a:effectRef>
+          <a:fontRef idx="minor">
+            <a:schemeClr val="tx1"/>
+          </a:fontRef>
+        </p:style>
+      </p:cxnSp>
+      <p:sp>
+        <p:nvSpPr>
+          <p:cNvPr id="32" name="TextBox 31">
+            <a:extLst>
+              <a:ext uri="{FF2B5EF4-FFF2-40B4-BE49-F238E27FC236}">
+                <a16:creationId xmlns:a16="http://schemas.microsoft.com/office/drawing/2014/main" id="{088B4F1B-6436-1EBC-946E-086E96BC12CC}"/>
+              </a:ext>
+            </a:extLst>
+          </p:cNvPr>
+          <p:cNvSpPr txBox="1"/>
+          <p:nvPr/>
+        </p:nvSpPr>
+        <p:spPr>
+          <a:xfrm>
+            <a:off x="6261846" y="3999819"/>
+            <a:ext cx="2528048" cy="307777"/>
+          </a:xfrm>
+          <a:prstGeom prst="rect">
+            <a:avLst/>
+          </a:prstGeom>
+          <a:noFill/>
+        </p:spPr>
+        <p:txBody>
+          <a:bodyPr wrap="square" rtlCol="0">
+            <a:spAutoFit/>
+          </a:bodyPr>
+          <a:lstStyle/>
+          <a:p>
+            <a:r>
+              <a:rPr lang="ko-KR" altLang="en-US" sz="1400" dirty="0"/>
+              <a:t>권한</a:t>
+            </a:r>
+            <a:r>
+              <a:rPr lang="en-US" altLang="ko-KR" sz="1400" dirty="0"/>
+              <a:t>(Role)</a:t>
+            </a:r>
+            <a:r>
+              <a:rPr lang="ko-KR" altLang="en-US" sz="1400" dirty="0"/>
+              <a:t> </a:t>
+            </a:r>
+            <a:r>
+              <a:rPr lang="en-US" altLang="ko-KR" sz="1400" dirty="0"/>
+              <a:t>– Ex. </a:t>
+            </a:r>
+            <a:r>
+              <a:rPr lang="ko-KR" altLang="en-US" sz="1400" dirty="0"/>
+              <a:t>개발팀 팀원</a:t>
+            </a:r>
+          </a:p>
+        </p:txBody>
+      </p:sp>
+      <p:sp>
+        <p:nvSpPr>
+          <p:cNvPr id="33" name="TextBox 32">
+            <a:extLst>
+              <a:ext uri="{FF2B5EF4-FFF2-40B4-BE49-F238E27FC236}">
+                <a16:creationId xmlns:a16="http://schemas.microsoft.com/office/drawing/2014/main" id="{E28B8F44-E4A0-3C4D-26B1-38D8283F6295}"/>
+              </a:ext>
+            </a:extLst>
+          </p:cNvPr>
+          <p:cNvSpPr txBox="1"/>
+          <p:nvPr/>
+        </p:nvSpPr>
+        <p:spPr>
+          <a:xfrm>
+            <a:off x="6261847" y="5322828"/>
+            <a:ext cx="3688976" cy="307777"/>
+          </a:xfrm>
+          <a:prstGeom prst="rect">
+            <a:avLst/>
+          </a:prstGeom>
+          <a:noFill/>
+        </p:spPr>
+        <p:txBody>
+          <a:bodyPr wrap="square" rtlCol="0">
+            <a:spAutoFit/>
+          </a:bodyPr>
+          <a:lstStyle/>
+          <a:p>
+            <a:r>
+              <a:rPr lang="ko-KR" altLang="en-US" sz="1400" dirty="0"/>
+              <a:t>권한 별 역할 </a:t>
+            </a:r>
+            <a:r>
+              <a:rPr lang="en-US" altLang="ko-KR" sz="1400" dirty="0"/>
+              <a:t>(Claim)</a:t>
+            </a:r>
+            <a:r>
+              <a:rPr lang="ko-KR" altLang="en-US" sz="1400" dirty="0"/>
+              <a:t> </a:t>
+            </a:r>
+            <a:r>
+              <a:rPr lang="en-US" altLang="ko-KR" sz="1400" dirty="0"/>
+              <a:t>– Ex. Back-End </a:t>
+            </a:r>
+            <a:r>
+              <a:rPr lang="ko-KR" altLang="en-US" sz="1400" dirty="0"/>
+              <a:t>개발자</a:t>
+            </a:r>
+          </a:p>
+        </p:txBody>
+      </p:sp>
+      <p:sp>
+        <p:nvSpPr>
+          <p:cNvPr id="36" name="직사각형 35">
+            <a:extLst>
+              <a:ext uri="{FF2B5EF4-FFF2-40B4-BE49-F238E27FC236}">
+                <a16:creationId xmlns:a16="http://schemas.microsoft.com/office/drawing/2014/main" id="{75418CEF-2C83-9A7D-9D4F-B65EBF6A8AFD}"/>
+              </a:ext>
+            </a:extLst>
+          </p:cNvPr>
+          <p:cNvSpPr/>
+          <p:nvPr/>
+        </p:nvSpPr>
+        <p:spPr>
+          <a:xfrm>
+            <a:off x="2043952" y="943101"/>
+            <a:ext cx="2528048" cy="717177"/>
+          </a:xfrm>
+          <a:prstGeom prst="rect">
+            <a:avLst/>
+          </a:prstGeom>
+          <a:solidFill>
+            <a:srgbClr val="FFD966"/>
+          </a:solidFill>
+          <a:ln>
+            <a:noFill/>
+          </a:ln>
+        </p:spPr>
+        <p:style>
+          <a:lnRef idx="2">
+            <a:schemeClr val="accent1">
+              <a:shade val="50000"/>
+            </a:schemeClr>
+          </a:lnRef>
+          <a:fillRef idx="1">
+            <a:schemeClr val="accent1"/>
+          </a:fillRef>
+          <a:effectRef idx="0">
+            <a:schemeClr val="accent1"/>
+          </a:effectRef>
+          <a:fontRef idx="minor">
+            <a:schemeClr val="lt1"/>
+          </a:fontRef>
+        </p:style>
+        <p:txBody>
+          <a:bodyPr rtlCol="0" anchor="ctr"/>
+          <a:lstStyle/>
+          <a:p>
+            <a:pPr algn="ctr"/>
+            <a:endParaRPr lang="ko-KR" altLang="en-US"/>
+          </a:p>
+        </p:txBody>
+      </p:sp>
+      <p:sp>
+        <p:nvSpPr>
+          <p:cNvPr id="37" name="TextBox 36">
+            <a:extLst>
+              <a:ext uri="{FF2B5EF4-FFF2-40B4-BE49-F238E27FC236}">
+                <a16:creationId xmlns:a16="http://schemas.microsoft.com/office/drawing/2014/main" id="{F1755EA7-C760-FCAC-B73B-8A629C2A6CCA}"/>
+              </a:ext>
+            </a:extLst>
+          </p:cNvPr>
+          <p:cNvSpPr txBox="1"/>
+          <p:nvPr/>
+        </p:nvSpPr>
+        <p:spPr>
+          <a:xfrm>
+            <a:off x="2209798" y="1132412"/>
+            <a:ext cx="2242000" cy="338554"/>
+          </a:xfrm>
+          <a:prstGeom prst="rect">
+            <a:avLst/>
+          </a:prstGeom>
+          <a:noFill/>
+        </p:spPr>
+        <p:txBody>
+          <a:bodyPr wrap="square" rtlCol="0">
+            <a:spAutoFit/>
+          </a:bodyPr>
+          <a:lstStyle/>
+          <a:p>
+            <a:pPr algn="ctr"/>
+            <a:r>
+              <a:rPr lang="en-US" altLang="ko-KR" sz="1600" dirty="0"/>
+              <a:t>ASP.NET Core Identity</a:t>
+            </a:r>
+            <a:endParaRPr lang="ko-KR" altLang="en-US" sz="1600" dirty="0"/>
+          </a:p>
+        </p:txBody>
+      </p:sp>
+      <p:cxnSp>
+        <p:nvCxnSpPr>
+          <p:cNvPr id="38" name="직선 화살표 연결선 37">
+            <a:extLst>
+              <a:ext uri="{FF2B5EF4-FFF2-40B4-BE49-F238E27FC236}">
+                <a16:creationId xmlns:a16="http://schemas.microsoft.com/office/drawing/2014/main" id="{6D359125-E580-8810-D29A-83A4BEF4BE2A}"/>
+              </a:ext>
+            </a:extLst>
+          </p:cNvPr>
+          <p:cNvCxnSpPr>
+            <a:cxnSpLocks/>
+            <a:stCxn id="36" idx="2"/>
+            <a:endCxn id="2" idx="0"/>
+          </p:cNvCxnSpPr>
+          <p:nvPr/>
+        </p:nvCxnSpPr>
+        <p:spPr>
+          <a:xfrm>
+            <a:off x="3307976" y="1660278"/>
+            <a:ext cx="0" cy="453244"/>
+          </a:xfrm>
+          <a:prstGeom prst="straightConnector1">
+            <a:avLst/>
+          </a:prstGeom>
+          <a:ln w="38100">
+            <a:solidFill>
+              <a:srgbClr val="FF0000"/>
+            </a:solidFill>
+            <a:tailEnd type="triangle"/>
+          </a:ln>
+        </p:spPr>
+        <p:style>
+          <a:lnRef idx="1">
+            <a:schemeClr val="accent1"/>
+          </a:lnRef>
+          <a:fillRef idx="0">
+            <a:schemeClr val="accent1"/>
+          </a:fillRef>
+          <a:effectRef idx="0">
+            <a:schemeClr val="accent1"/>
+          </a:effectRef>
+          <a:fontRef idx="minor">
+            <a:schemeClr val="tx1"/>
+          </a:fontRef>
+        </p:style>
+      </p:cxnSp>
+      <p:sp>
+        <p:nvSpPr>
+          <p:cNvPr id="41" name="TextBox 40">
+            <a:extLst>
+              <a:ext uri="{FF2B5EF4-FFF2-40B4-BE49-F238E27FC236}">
+                <a16:creationId xmlns:a16="http://schemas.microsoft.com/office/drawing/2014/main" id="{9A5D60FA-0223-6242-C9F2-C9B50E7E6B17}"/>
+              </a:ext>
+            </a:extLst>
+          </p:cNvPr>
+          <p:cNvSpPr txBox="1"/>
+          <p:nvPr/>
+        </p:nvSpPr>
+        <p:spPr>
+          <a:xfrm>
+            <a:off x="4617644" y="2318221"/>
+            <a:ext cx="1202094" cy="307777"/>
+          </a:xfrm>
+          <a:prstGeom prst="rect">
+            <a:avLst/>
+          </a:prstGeom>
+          <a:noFill/>
+        </p:spPr>
+        <p:txBody>
+          <a:bodyPr wrap="square" rtlCol="0">
+            <a:spAutoFit/>
+          </a:bodyPr>
+          <a:lstStyle/>
+          <a:p>
+            <a:r>
+              <a:rPr lang="ko-KR" altLang="en-US" sz="1400" dirty="0"/>
+              <a:t>정책</a:t>
+            </a:r>
+            <a:r>
+              <a:rPr lang="en-US" altLang="ko-KR" sz="1400" dirty="0"/>
+              <a:t>(Policy)</a:t>
+            </a:r>
+            <a:endParaRPr lang="ko-KR" altLang="en-US" sz="1400" dirty="0"/>
+          </a:p>
+        </p:txBody>
+      </p:sp>
+      <p:sp>
+        <p:nvSpPr>
+          <p:cNvPr id="43" name="TextBox 42">
+            <a:extLst>
+              <a:ext uri="{FF2B5EF4-FFF2-40B4-BE49-F238E27FC236}">
+                <a16:creationId xmlns:a16="http://schemas.microsoft.com/office/drawing/2014/main" id="{0FDD54A7-AE70-38BB-5A42-305F000DB963}"/>
+              </a:ext>
+            </a:extLst>
+          </p:cNvPr>
+          <p:cNvSpPr txBox="1"/>
+          <p:nvPr/>
+        </p:nvSpPr>
+        <p:spPr>
+          <a:xfrm>
+            <a:off x="5819739" y="2174055"/>
+            <a:ext cx="2865046" cy="307777"/>
+          </a:xfrm>
+          <a:prstGeom prst="rect">
+            <a:avLst/>
+          </a:prstGeom>
+          <a:noFill/>
+        </p:spPr>
+        <p:txBody>
+          <a:bodyPr wrap="square">
+            <a:spAutoFit/>
+          </a:bodyPr>
+          <a:lstStyle/>
+          <a:p>
+            <a:r>
+              <a:rPr lang="en-US" altLang="ko-KR" sz="1400" dirty="0"/>
+              <a:t>Policy(Role 1, Role 2, …Role N)</a:t>
+            </a:r>
+            <a:endParaRPr lang="ko-KR" altLang="en-US" sz="1400" dirty="0"/>
+          </a:p>
+        </p:txBody>
+      </p:sp>
+      <p:sp>
+        <p:nvSpPr>
+          <p:cNvPr id="44" name="TextBox 43">
+            <a:extLst>
+              <a:ext uri="{FF2B5EF4-FFF2-40B4-BE49-F238E27FC236}">
+                <a16:creationId xmlns:a16="http://schemas.microsoft.com/office/drawing/2014/main" id="{0C33179A-4336-BB7C-CD20-7FECA3CD0EDD}"/>
+              </a:ext>
+            </a:extLst>
+          </p:cNvPr>
+          <p:cNvSpPr txBox="1"/>
+          <p:nvPr/>
+        </p:nvSpPr>
+        <p:spPr>
+          <a:xfrm>
+            <a:off x="5819738" y="2472109"/>
+            <a:ext cx="3192257" cy="307777"/>
+          </a:xfrm>
+          <a:prstGeom prst="rect">
+            <a:avLst/>
+          </a:prstGeom>
+          <a:noFill/>
+        </p:spPr>
+        <p:txBody>
+          <a:bodyPr wrap="square">
+            <a:spAutoFit/>
+          </a:bodyPr>
+          <a:lstStyle/>
+          <a:p>
+            <a:r>
+              <a:rPr lang="en-US" altLang="ko-KR" sz="1400" dirty="0"/>
+              <a:t>Policy(Claim 1, Claim 2, … Claim N)</a:t>
+            </a:r>
+            <a:endParaRPr lang="ko-KR" altLang="en-US" sz="1400" dirty="0"/>
+          </a:p>
+        </p:txBody>
+      </p:sp>
+    </p:spTree>
+    <p:extLst>
+      <p:ext uri="{BB962C8B-B14F-4D97-AF65-F5344CB8AC3E}">
+        <p14:creationId xmlns:p14="http://schemas.microsoft.com/office/powerpoint/2010/main" val="2327124629"/>
       </p:ext>
     </p:extLst>
   </p:cSld>
@@ -40544,6 +41422,29 @@
         </a:fontRef>
       </a:style>
     </a:spDef>
+    <a:lnDef>
+      <a:spPr>
+        <a:ln w="38100">
+          <a:tailEnd type="triangle"/>
+        </a:ln>
+      </a:spPr>
+      <a:bodyPr/>
+      <a:lstStyle/>
+      <a:style>
+        <a:lnRef idx="1">
+          <a:schemeClr val="accent1"/>
+        </a:lnRef>
+        <a:fillRef idx="0">
+          <a:schemeClr val="accent1"/>
+        </a:fillRef>
+        <a:effectRef idx="0">
+          <a:schemeClr val="accent1"/>
+        </a:effectRef>
+        <a:fontRef idx="minor">
+          <a:schemeClr val="tx1"/>
+        </a:fontRef>
+      </a:style>
+    </a:lnDef>
   </a:objectDefaults>
   <a:extraClrSchemeLst/>
   <a:extLst>

--- a/Image/Diagram/Canvas.pptx
+++ b/Image/Diagram/Canvas.pptx
@@ -5,10 +5,10 @@
     <p:sldMasterId id="2147483648" r:id="rId1"/>
   </p:sldMasterIdLst>
   <p:notesMasterIdLst>
-    <p:notesMasterId r:id="rId30"/>
+    <p:notesMasterId r:id="rId32"/>
   </p:notesMasterIdLst>
   <p:handoutMasterIdLst>
-    <p:handoutMasterId r:id="rId31"/>
+    <p:handoutMasterId r:id="rId33"/>
   </p:handoutMasterIdLst>
   <p:sldIdLst>
     <p:sldId id="278" r:id="rId2"/>
@@ -39,6 +39,8 @@
     <p:sldId id="282" r:id="rId27"/>
     <p:sldId id="283" r:id="rId28"/>
     <p:sldId id="284" r:id="rId29"/>
+    <p:sldId id="286" r:id="rId30"/>
+    <p:sldId id="285" r:id="rId31"/>
   </p:sldIdLst>
   <p:sldSz cx="12192000" cy="6858000"/>
   <p:notesSz cx="6858000" cy="9144000"/>
@@ -242,7 +244,7 @@
           <a:p>
             <a:fld id="{29F43AEA-EBFF-4648-88A2-B3AE8909EBED}" type="datetimeFigureOut">
               <a:rPr lang="ko-KR" altLang="en-US" smtClean="0"/>
-              <a:t>2022-09-26</a:t>
+              <a:t>2022-09-28</a:t>
             </a:fld>
             <a:endParaRPr lang="ko-KR" altLang="en-US"/>
           </a:p>
@@ -419,7 +421,7 @@
           <a:p>
             <a:fld id="{D4F45FAA-3284-44C8-A10C-F89E7A7A9D0D}" type="datetimeFigureOut">
               <a:rPr lang="ko-KR" altLang="en-US" smtClean="0"/>
-              <a:t>2022-09-26</a:t>
+              <a:t>2022-09-28</a:t>
             </a:fld>
             <a:endParaRPr lang="ko-KR" altLang="en-US"/>
           </a:p>
@@ -815,7 +817,7 @@
           <a:p>
             <a:fld id="{B5FEAD0D-239A-466E-9319-07628EC22FD2}" type="datetimeFigureOut">
               <a:rPr lang="ko-KR" altLang="en-US" smtClean="0"/>
-              <a:t>2022-09-26</a:t>
+              <a:t>2022-09-28</a:t>
             </a:fld>
             <a:endParaRPr lang="ko-KR" altLang="en-US"/>
           </a:p>
@@ -983,7 +985,7 @@
           <a:p>
             <a:fld id="{B5FEAD0D-239A-466E-9319-07628EC22FD2}" type="datetimeFigureOut">
               <a:rPr lang="ko-KR" altLang="en-US" smtClean="0"/>
-              <a:t>2022-09-26</a:t>
+              <a:t>2022-09-28</a:t>
             </a:fld>
             <a:endParaRPr lang="ko-KR" altLang="en-US"/>
           </a:p>
@@ -1161,7 +1163,7 @@
           <a:p>
             <a:fld id="{B5FEAD0D-239A-466E-9319-07628EC22FD2}" type="datetimeFigureOut">
               <a:rPr lang="ko-KR" altLang="en-US" smtClean="0"/>
-              <a:t>2022-09-26</a:t>
+              <a:t>2022-09-28</a:t>
             </a:fld>
             <a:endParaRPr lang="ko-KR" altLang="en-US"/>
           </a:p>
@@ -1256,7 +1258,7 @@
           <a:p>
             <a:fld id="{B5FEAD0D-239A-466E-9319-07628EC22FD2}" type="datetimeFigureOut">
               <a:rPr lang="ko-KR" altLang="en-US" smtClean="0"/>
-              <a:t>2022-09-26</a:t>
+              <a:t>2022-09-28</a:t>
             </a:fld>
             <a:endParaRPr lang="ko-KR" altLang="en-US"/>
           </a:p>
@@ -1501,7 +1503,7 @@
           <a:p>
             <a:fld id="{B5FEAD0D-239A-466E-9319-07628EC22FD2}" type="datetimeFigureOut">
               <a:rPr lang="ko-KR" altLang="en-US" smtClean="0"/>
-              <a:t>2022-09-26</a:t>
+              <a:t>2022-09-28</a:t>
             </a:fld>
             <a:endParaRPr lang="ko-KR" altLang="en-US"/>
           </a:p>
@@ -1730,7 +1732,7 @@
           <a:p>
             <a:fld id="{B5FEAD0D-239A-466E-9319-07628EC22FD2}" type="datetimeFigureOut">
               <a:rPr lang="ko-KR" altLang="en-US" smtClean="0"/>
-              <a:t>2022-09-26</a:t>
+              <a:t>2022-09-28</a:t>
             </a:fld>
             <a:endParaRPr lang="ko-KR" altLang="en-US"/>
           </a:p>
@@ -2094,7 +2096,7 @@
           <a:p>
             <a:fld id="{B5FEAD0D-239A-466E-9319-07628EC22FD2}" type="datetimeFigureOut">
               <a:rPr lang="ko-KR" altLang="en-US" smtClean="0"/>
-              <a:t>2022-09-26</a:t>
+              <a:t>2022-09-28</a:t>
             </a:fld>
             <a:endParaRPr lang="ko-KR" altLang="en-US"/>
           </a:p>
@@ -2211,7 +2213,7 @@
           <a:p>
             <a:fld id="{B5FEAD0D-239A-466E-9319-07628EC22FD2}" type="datetimeFigureOut">
               <a:rPr lang="ko-KR" altLang="en-US" smtClean="0"/>
-              <a:t>2022-09-26</a:t>
+              <a:t>2022-09-28</a:t>
             </a:fld>
             <a:endParaRPr lang="ko-KR" altLang="en-US"/>
           </a:p>
@@ -2306,7 +2308,7 @@
           <a:p>
             <a:fld id="{B5FEAD0D-239A-466E-9319-07628EC22FD2}" type="datetimeFigureOut">
               <a:rPr lang="ko-KR" altLang="en-US" smtClean="0"/>
-              <a:t>2022-09-26</a:t>
+              <a:t>2022-09-28</a:t>
             </a:fld>
             <a:endParaRPr lang="ko-KR" altLang="en-US"/>
           </a:p>
@@ -2581,7 +2583,7 @@
           <a:p>
             <a:fld id="{B5FEAD0D-239A-466E-9319-07628EC22FD2}" type="datetimeFigureOut">
               <a:rPr lang="ko-KR" altLang="en-US" smtClean="0"/>
-              <a:t>2022-09-26</a:t>
+              <a:t>2022-09-28</a:t>
             </a:fld>
             <a:endParaRPr lang="ko-KR" altLang="en-US"/>
           </a:p>
@@ -2833,7 +2835,7 @@
           <a:p>
             <a:fld id="{B5FEAD0D-239A-466E-9319-07628EC22FD2}" type="datetimeFigureOut">
               <a:rPr lang="ko-KR" altLang="en-US" smtClean="0"/>
-              <a:t>2022-09-26</a:t>
+              <a:t>2022-09-28</a:t>
             </a:fld>
             <a:endParaRPr lang="ko-KR" altLang="en-US"/>
           </a:p>
@@ -3044,7 +3046,7 @@
           <a:p>
             <a:fld id="{B5FEAD0D-239A-466E-9319-07628EC22FD2}" type="datetimeFigureOut">
               <a:rPr lang="ko-KR" altLang="en-US" smtClean="0"/>
-              <a:t>2022-09-26</a:t>
+              <a:t>2022-09-28</a:t>
             </a:fld>
             <a:endParaRPr lang="ko-KR" altLang="en-US"/>
           </a:p>
@@ -26054,6 +26056,1053 @@
 </p:sld>
 </file>
 
+<file path=ppt/slides/slide29.xml><?xml version="1.0" encoding="utf-8"?>
+<p:sld xmlns:a="http://schemas.openxmlformats.org/drawingml/2006/main" xmlns:r="http://schemas.openxmlformats.org/officeDocument/2006/relationships" xmlns:p="http://schemas.openxmlformats.org/presentationml/2006/main">
+  <p:cSld>
+    <p:spTree>
+      <p:nvGrpSpPr>
+        <p:cNvPr id="1" name=""/>
+        <p:cNvGrpSpPr/>
+        <p:nvPr/>
+      </p:nvGrpSpPr>
+      <p:grpSpPr>
+        <a:xfrm>
+          <a:off x="0" y="0"/>
+          <a:ext cx="0" cy="0"/>
+          <a:chOff x="0" y="0"/>
+          <a:chExt cx="0" cy="0"/>
+        </a:xfrm>
+      </p:grpSpPr>
+      <p:sp>
+        <p:nvSpPr>
+          <p:cNvPr id="2" name="직사각형 1">
+            <a:extLst>
+              <a:ext uri="{FF2B5EF4-FFF2-40B4-BE49-F238E27FC236}">
+                <a16:creationId xmlns:a16="http://schemas.microsoft.com/office/drawing/2014/main" id="{713C5120-A54C-C8CB-6165-D36066AFE985}"/>
+              </a:ext>
+            </a:extLst>
+          </p:cNvPr>
+          <p:cNvSpPr/>
+          <p:nvPr/>
+        </p:nvSpPr>
+        <p:spPr>
+          <a:xfrm>
+            <a:off x="3366246" y="668761"/>
+            <a:ext cx="5569319" cy="3862895"/>
+          </a:xfrm>
+          <a:prstGeom prst="rect">
+            <a:avLst/>
+          </a:prstGeom>
+          <a:solidFill>
+            <a:schemeClr val="bg1"/>
+          </a:solidFill>
+          <a:ln w="38100">
+            <a:solidFill>
+              <a:srgbClr val="0AA1DD"/>
+            </a:solidFill>
+          </a:ln>
+        </p:spPr>
+        <p:style>
+          <a:lnRef idx="2">
+            <a:schemeClr val="accent1">
+              <a:shade val="50000"/>
+            </a:schemeClr>
+          </a:lnRef>
+          <a:fillRef idx="1">
+            <a:schemeClr val="accent1"/>
+          </a:fillRef>
+          <a:effectRef idx="0">
+            <a:schemeClr val="accent1"/>
+          </a:effectRef>
+          <a:fontRef idx="minor">
+            <a:schemeClr val="lt1"/>
+          </a:fontRef>
+        </p:style>
+        <p:txBody>
+          <a:bodyPr rtlCol="0" anchor="ctr"/>
+          <a:lstStyle/>
+          <a:p>
+            <a:pPr algn="ctr"/>
+            <a:endParaRPr lang="ko-KR" altLang="en-US"/>
+          </a:p>
+        </p:txBody>
+      </p:sp>
+      <p:cxnSp>
+        <p:nvCxnSpPr>
+          <p:cNvPr id="3" name="직선 연결선 2">
+            <a:extLst>
+              <a:ext uri="{FF2B5EF4-FFF2-40B4-BE49-F238E27FC236}">
+                <a16:creationId xmlns:a16="http://schemas.microsoft.com/office/drawing/2014/main" id="{7F0318DB-CF47-AEA9-13A8-956E0AF72F5D}"/>
+              </a:ext>
+            </a:extLst>
+          </p:cNvPr>
+          <p:cNvCxnSpPr>
+            <a:cxnSpLocks/>
+            <a:stCxn id="8" idx="2"/>
+            <a:endCxn id="10" idx="0"/>
+          </p:cNvCxnSpPr>
+          <p:nvPr/>
+        </p:nvCxnSpPr>
+        <p:spPr>
+          <a:xfrm flipH="1">
+            <a:off x="5221943" y="1748119"/>
+            <a:ext cx="874058" cy="363070"/>
+          </a:xfrm>
+          <a:prstGeom prst="line">
+            <a:avLst/>
+          </a:prstGeom>
+          <a:ln w="38100">
+            <a:solidFill>
+              <a:schemeClr val="tx1"/>
+            </a:solidFill>
+            <a:headEnd type="none" w="med" len="med"/>
+            <a:tailEnd type="none" w="med" len="med"/>
+          </a:ln>
+        </p:spPr>
+        <p:style>
+          <a:lnRef idx="1">
+            <a:schemeClr val="accent1"/>
+          </a:lnRef>
+          <a:fillRef idx="0">
+            <a:schemeClr val="accent1"/>
+          </a:fillRef>
+          <a:effectRef idx="0">
+            <a:schemeClr val="accent1"/>
+          </a:effectRef>
+          <a:fontRef idx="minor">
+            <a:schemeClr val="tx1"/>
+          </a:fontRef>
+        </p:style>
+      </p:cxnSp>
+      <p:cxnSp>
+        <p:nvCxnSpPr>
+          <p:cNvPr id="4" name="직선 연결선 3">
+            <a:extLst>
+              <a:ext uri="{FF2B5EF4-FFF2-40B4-BE49-F238E27FC236}">
+                <a16:creationId xmlns:a16="http://schemas.microsoft.com/office/drawing/2014/main" id="{81D9A9CD-64F0-A2C5-11B2-E486364006F4}"/>
+              </a:ext>
+            </a:extLst>
+          </p:cNvPr>
+          <p:cNvCxnSpPr>
+            <a:cxnSpLocks/>
+            <a:stCxn id="8" idx="2"/>
+            <a:endCxn id="9" idx="0"/>
+          </p:cNvCxnSpPr>
+          <p:nvPr/>
+        </p:nvCxnSpPr>
+        <p:spPr>
+          <a:xfrm>
+            <a:off x="6096001" y="1748119"/>
+            <a:ext cx="927848" cy="363070"/>
+          </a:xfrm>
+          <a:prstGeom prst="line">
+            <a:avLst/>
+          </a:prstGeom>
+          <a:ln w="38100">
+            <a:solidFill>
+              <a:schemeClr val="tx1"/>
+            </a:solidFill>
+            <a:headEnd type="none" w="med" len="med"/>
+            <a:tailEnd type="none" w="med" len="med"/>
+          </a:ln>
+        </p:spPr>
+        <p:style>
+          <a:lnRef idx="1">
+            <a:schemeClr val="accent1"/>
+          </a:lnRef>
+          <a:fillRef idx="0">
+            <a:schemeClr val="accent1"/>
+          </a:fillRef>
+          <a:effectRef idx="0">
+            <a:schemeClr val="accent1"/>
+          </a:effectRef>
+          <a:fontRef idx="minor">
+            <a:schemeClr val="tx1"/>
+          </a:fontRef>
+        </p:style>
+      </p:cxnSp>
+      <p:cxnSp>
+        <p:nvCxnSpPr>
+          <p:cNvPr id="5" name="직선 연결선 4">
+            <a:extLst>
+              <a:ext uri="{FF2B5EF4-FFF2-40B4-BE49-F238E27FC236}">
+                <a16:creationId xmlns:a16="http://schemas.microsoft.com/office/drawing/2014/main" id="{90A08665-3EC7-9A83-4A14-123576661060}"/>
+              </a:ext>
+            </a:extLst>
+          </p:cNvPr>
+          <p:cNvCxnSpPr>
+            <a:cxnSpLocks/>
+            <a:stCxn id="11" idx="0"/>
+            <a:endCxn id="10" idx="2"/>
+          </p:cNvCxnSpPr>
+          <p:nvPr/>
+        </p:nvCxnSpPr>
+        <p:spPr>
+          <a:xfrm flipV="1">
+            <a:off x="4294095" y="2747683"/>
+            <a:ext cx="927848" cy="363070"/>
+          </a:xfrm>
+          <a:prstGeom prst="line">
+            <a:avLst/>
+          </a:prstGeom>
+          <a:ln w="38100">
+            <a:solidFill>
+              <a:schemeClr val="tx1"/>
+            </a:solidFill>
+            <a:headEnd type="none" w="med" len="med"/>
+            <a:tailEnd type="none" w="med" len="med"/>
+          </a:ln>
+        </p:spPr>
+        <p:style>
+          <a:lnRef idx="1">
+            <a:schemeClr val="accent1"/>
+          </a:lnRef>
+          <a:fillRef idx="0">
+            <a:schemeClr val="accent1"/>
+          </a:fillRef>
+          <a:effectRef idx="0">
+            <a:schemeClr val="accent1"/>
+          </a:effectRef>
+          <a:fontRef idx="minor">
+            <a:schemeClr val="tx1"/>
+          </a:fontRef>
+        </p:style>
+      </p:cxnSp>
+      <p:cxnSp>
+        <p:nvCxnSpPr>
+          <p:cNvPr id="6" name="직선 연결선 5">
+            <a:extLst>
+              <a:ext uri="{FF2B5EF4-FFF2-40B4-BE49-F238E27FC236}">
+                <a16:creationId xmlns:a16="http://schemas.microsoft.com/office/drawing/2014/main" id="{58E55088-BF05-9A00-0777-D76646ED7B20}"/>
+              </a:ext>
+            </a:extLst>
+          </p:cNvPr>
+          <p:cNvCxnSpPr>
+            <a:cxnSpLocks/>
+            <a:stCxn id="12" idx="0"/>
+            <a:endCxn id="10" idx="2"/>
+          </p:cNvCxnSpPr>
+          <p:nvPr/>
+        </p:nvCxnSpPr>
+        <p:spPr>
+          <a:xfrm flipH="1" flipV="1">
+            <a:off x="5221943" y="2747683"/>
+            <a:ext cx="874058" cy="363070"/>
+          </a:xfrm>
+          <a:prstGeom prst="line">
+            <a:avLst/>
+          </a:prstGeom>
+          <a:ln w="38100">
+            <a:solidFill>
+              <a:schemeClr val="tx1"/>
+            </a:solidFill>
+            <a:headEnd type="none" w="med" len="med"/>
+            <a:tailEnd type="none" w="med" len="med"/>
+          </a:ln>
+        </p:spPr>
+        <p:style>
+          <a:lnRef idx="1">
+            <a:schemeClr val="accent1"/>
+          </a:lnRef>
+          <a:fillRef idx="0">
+            <a:schemeClr val="accent1"/>
+          </a:fillRef>
+          <a:effectRef idx="0">
+            <a:schemeClr val="accent1"/>
+          </a:effectRef>
+          <a:fontRef idx="minor">
+            <a:schemeClr val="tx1"/>
+          </a:fontRef>
+        </p:style>
+      </p:cxnSp>
+      <p:cxnSp>
+        <p:nvCxnSpPr>
+          <p:cNvPr id="7" name="직선 연결선 6">
+            <a:extLst>
+              <a:ext uri="{FF2B5EF4-FFF2-40B4-BE49-F238E27FC236}">
+                <a16:creationId xmlns:a16="http://schemas.microsoft.com/office/drawing/2014/main" id="{E7F6D7AA-BA5F-0AD0-BBFC-CD8AF3F823CA}"/>
+              </a:ext>
+            </a:extLst>
+          </p:cNvPr>
+          <p:cNvCxnSpPr>
+            <a:cxnSpLocks/>
+            <a:stCxn id="12" idx="0"/>
+            <a:endCxn id="9" idx="2"/>
+          </p:cNvCxnSpPr>
+          <p:nvPr/>
+        </p:nvCxnSpPr>
+        <p:spPr>
+          <a:xfrm flipV="1">
+            <a:off x="6096001" y="2747683"/>
+            <a:ext cx="927848" cy="363070"/>
+          </a:xfrm>
+          <a:prstGeom prst="line">
+            <a:avLst/>
+          </a:prstGeom>
+          <a:ln w="38100">
+            <a:solidFill>
+              <a:schemeClr val="tx1"/>
+            </a:solidFill>
+            <a:headEnd type="none" w="med" len="med"/>
+            <a:tailEnd type="none" w="med" len="med"/>
+          </a:ln>
+        </p:spPr>
+        <p:style>
+          <a:lnRef idx="1">
+            <a:schemeClr val="accent1"/>
+          </a:lnRef>
+          <a:fillRef idx="0">
+            <a:schemeClr val="accent1"/>
+          </a:fillRef>
+          <a:effectRef idx="0">
+            <a:schemeClr val="accent1"/>
+          </a:effectRef>
+          <a:fontRef idx="minor">
+            <a:schemeClr val="tx1"/>
+          </a:fontRef>
+        </p:style>
+      </p:cxnSp>
+      <p:sp>
+        <p:nvSpPr>
+          <p:cNvPr id="8" name="직사각형 7">
+            <a:extLst>
+              <a:ext uri="{FF2B5EF4-FFF2-40B4-BE49-F238E27FC236}">
+                <a16:creationId xmlns:a16="http://schemas.microsoft.com/office/drawing/2014/main" id="{206272EB-7A21-13D4-5C3F-6B5B505D07EF}"/>
+              </a:ext>
+            </a:extLst>
+          </p:cNvPr>
+          <p:cNvSpPr/>
+          <p:nvPr/>
+        </p:nvSpPr>
+        <p:spPr>
+          <a:xfrm>
+            <a:off x="5410200" y="1111625"/>
+            <a:ext cx="1371601" cy="636494"/>
+          </a:xfrm>
+          <a:prstGeom prst="rect">
+            <a:avLst/>
+          </a:prstGeom>
+          <a:solidFill>
+            <a:srgbClr val="9999FF"/>
+          </a:solidFill>
+          <a:ln>
+            <a:noFill/>
+          </a:ln>
+        </p:spPr>
+        <p:style>
+          <a:lnRef idx="2">
+            <a:schemeClr val="accent1">
+              <a:shade val="50000"/>
+            </a:schemeClr>
+          </a:lnRef>
+          <a:fillRef idx="1">
+            <a:schemeClr val="accent1"/>
+          </a:fillRef>
+          <a:effectRef idx="0">
+            <a:schemeClr val="accent1"/>
+          </a:effectRef>
+          <a:fontRef idx="minor">
+            <a:schemeClr val="lt1"/>
+          </a:fontRef>
+        </p:style>
+        <p:txBody>
+          <a:bodyPr rtlCol="0" anchor="ctr"/>
+          <a:lstStyle/>
+          <a:p>
+            <a:pPr algn="ctr"/>
+            <a:endParaRPr lang="ko-KR" altLang="en-US"/>
+          </a:p>
+        </p:txBody>
+      </p:sp>
+      <p:sp>
+        <p:nvSpPr>
+          <p:cNvPr id="10" name="직사각형 9">
+            <a:extLst>
+              <a:ext uri="{FF2B5EF4-FFF2-40B4-BE49-F238E27FC236}">
+                <a16:creationId xmlns:a16="http://schemas.microsoft.com/office/drawing/2014/main" id="{B057E772-D6C5-44C8-B978-2A0E48D69E42}"/>
+              </a:ext>
+            </a:extLst>
+          </p:cNvPr>
+          <p:cNvSpPr/>
+          <p:nvPr/>
+        </p:nvSpPr>
+        <p:spPr>
+          <a:xfrm>
+            <a:off x="4536142" y="2111189"/>
+            <a:ext cx="1371601" cy="636494"/>
+          </a:xfrm>
+          <a:prstGeom prst="rect">
+            <a:avLst/>
+          </a:prstGeom>
+          <a:solidFill>
+            <a:srgbClr val="9999FF"/>
+          </a:solidFill>
+          <a:ln>
+            <a:noFill/>
+          </a:ln>
+        </p:spPr>
+        <p:style>
+          <a:lnRef idx="2">
+            <a:schemeClr val="accent1">
+              <a:shade val="50000"/>
+            </a:schemeClr>
+          </a:lnRef>
+          <a:fillRef idx="1">
+            <a:schemeClr val="accent1"/>
+          </a:fillRef>
+          <a:effectRef idx="0">
+            <a:schemeClr val="accent1"/>
+          </a:effectRef>
+          <a:fontRef idx="minor">
+            <a:schemeClr val="lt1"/>
+          </a:fontRef>
+        </p:style>
+        <p:txBody>
+          <a:bodyPr rtlCol="0" anchor="ctr"/>
+          <a:lstStyle/>
+          <a:p>
+            <a:pPr algn="ctr"/>
+            <a:endParaRPr lang="ko-KR" altLang="en-US"/>
+          </a:p>
+        </p:txBody>
+      </p:sp>
+      <p:sp>
+        <p:nvSpPr>
+          <p:cNvPr id="11" name="직사각형 10">
+            <a:extLst>
+              <a:ext uri="{FF2B5EF4-FFF2-40B4-BE49-F238E27FC236}">
+                <a16:creationId xmlns:a16="http://schemas.microsoft.com/office/drawing/2014/main" id="{992A735E-B27C-AC89-E6FD-FBDD2AFE68DF}"/>
+              </a:ext>
+            </a:extLst>
+          </p:cNvPr>
+          <p:cNvSpPr/>
+          <p:nvPr/>
+        </p:nvSpPr>
+        <p:spPr>
+          <a:xfrm>
+            <a:off x="3608294" y="3110753"/>
+            <a:ext cx="1371601" cy="636494"/>
+          </a:xfrm>
+          <a:prstGeom prst="rect">
+            <a:avLst/>
+          </a:prstGeom>
+          <a:solidFill>
+            <a:srgbClr val="9999FF"/>
+          </a:solidFill>
+          <a:ln>
+            <a:noFill/>
+          </a:ln>
+        </p:spPr>
+        <p:style>
+          <a:lnRef idx="2">
+            <a:schemeClr val="accent1">
+              <a:shade val="50000"/>
+            </a:schemeClr>
+          </a:lnRef>
+          <a:fillRef idx="1">
+            <a:schemeClr val="accent1"/>
+          </a:fillRef>
+          <a:effectRef idx="0">
+            <a:schemeClr val="accent1"/>
+          </a:effectRef>
+          <a:fontRef idx="minor">
+            <a:schemeClr val="lt1"/>
+          </a:fontRef>
+        </p:style>
+        <p:txBody>
+          <a:bodyPr rtlCol="0" anchor="ctr"/>
+          <a:lstStyle/>
+          <a:p>
+            <a:pPr algn="ctr"/>
+            <a:endParaRPr lang="ko-KR" altLang="en-US"/>
+          </a:p>
+        </p:txBody>
+      </p:sp>
+      <p:sp>
+        <p:nvSpPr>
+          <p:cNvPr id="12" name="직사각형 11">
+            <a:extLst>
+              <a:ext uri="{FF2B5EF4-FFF2-40B4-BE49-F238E27FC236}">
+                <a16:creationId xmlns:a16="http://schemas.microsoft.com/office/drawing/2014/main" id="{257B55BF-B4E6-1EBB-84DD-3F4196FD4B14}"/>
+              </a:ext>
+            </a:extLst>
+          </p:cNvPr>
+          <p:cNvSpPr/>
+          <p:nvPr/>
+        </p:nvSpPr>
+        <p:spPr>
+          <a:xfrm>
+            <a:off x="5410200" y="3110753"/>
+            <a:ext cx="1371601" cy="636494"/>
+          </a:xfrm>
+          <a:prstGeom prst="rect">
+            <a:avLst/>
+          </a:prstGeom>
+          <a:solidFill>
+            <a:srgbClr val="9999FF"/>
+          </a:solidFill>
+          <a:ln>
+            <a:noFill/>
+          </a:ln>
+        </p:spPr>
+        <p:style>
+          <a:lnRef idx="2">
+            <a:schemeClr val="accent1">
+              <a:shade val="50000"/>
+            </a:schemeClr>
+          </a:lnRef>
+          <a:fillRef idx="1">
+            <a:schemeClr val="accent1"/>
+          </a:fillRef>
+          <a:effectRef idx="0">
+            <a:schemeClr val="accent1"/>
+          </a:effectRef>
+          <a:fontRef idx="minor">
+            <a:schemeClr val="lt1"/>
+          </a:fontRef>
+        </p:style>
+        <p:txBody>
+          <a:bodyPr rtlCol="0" anchor="ctr"/>
+          <a:lstStyle/>
+          <a:p>
+            <a:pPr algn="ctr"/>
+            <a:endParaRPr lang="ko-KR" altLang="en-US"/>
+          </a:p>
+        </p:txBody>
+      </p:sp>
+      <p:sp>
+        <p:nvSpPr>
+          <p:cNvPr id="13" name="TextBox 12">
+            <a:extLst>
+              <a:ext uri="{FF2B5EF4-FFF2-40B4-BE49-F238E27FC236}">
+                <a16:creationId xmlns:a16="http://schemas.microsoft.com/office/drawing/2014/main" id="{B15B66C6-6EBA-093D-551A-398EEBB40020}"/>
+              </a:ext>
+            </a:extLst>
+          </p:cNvPr>
+          <p:cNvSpPr txBox="1"/>
+          <p:nvPr/>
+        </p:nvSpPr>
+        <p:spPr>
+          <a:xfrm>
+            <a:off x="5441576" y="499485"/>
+            <a:ext cx="1308847" cy="338554"/>
+          </a:xfrm>
+          <a:prstGeom prst="rect">
+            <a:avLst/>
+          </a:prstGeom>
+          <a:solidFill>
+            <a:schemeClr val="bg1"/>
+          </a:solidFill>
+        </p:spPr>
+        <p:txBody>
+          <a:bodyPr wrap="square" rtlCol="0">
+            <a:spAutoFit/>
+          </a:bodyPr>
+          <a:lstStyle/>
+          <a:p>
+            <a:pPr algn="ctr"/>
+            <a:r>
+              <a:rPr lang="en-US" altLang="ko-KR" sz="1600" dirty="0"/>
+              <a:t>DOM</a:t>
+            </a:r>
+            <a:endParaRPr lang="ko-KR" altLang="en-US" sz="1600" dirty="0"/>
+          </a:p>
+        </p:txBody>
+      </p:sp>
+      <p:sp>
+        <p:nvSpPr>
+          <p:cNvPr id="14" name="TextBox 13">
+            <a:extLst>
+              <a:ext uri="{FF2B5EF4-FFF2-40B4-BE49-F238E27FC236}">
+                <a16:creationId xmlns:a16="http://schemas.microsoft.com/office/drawing/2014/main" id="{BA7B26D8-9B4E-E74F-C3F8-4E6DF37B698B}"/>
+              </a:ext>
+            </a:extLst>
+          </p:cNvPr>
+          <p:cNvSpPr txBox="1"/>
+          <p:nvPr/>
+        </p:nvSpPr>
+        <p:spPr>
+          <a:xfrm>
+            <a:off x="5599577" y="1275983"/>
+            <a:ext cx="992846" cy="307777"/>
+          </a:xfrm>
+          <a:prstGeom prst="rect">
+            <a:avLst/>
+          </a:prstGeom>
+          <a:noFill/>
+        </p:spPr>
+        <p:txBody>
+          <a:bodyPr wrap="square" rtlCol="0">
+            <a:spAutoFit/>
+          </a:bodyPr>
+          <a:lstStyle/>
+          <a:p>
+            <a:pPr algn="ctr"/>
+            <a:r>
+              <a:rPr lang="en-US" altLang="ko-KR" sz="1400" dirty="0"/>
+              <a:t>Event</a:t>
+            </a:r>
+            <a:endParaRPr lang="ko-KR" altLang="en-US" sz="1400" dirty="0"/>
+          </a:p>
+        </p:txBody>
+      </p:sp>
+      <p:sp>
+        <p:nvSpPr>
+          <p:cNvPr id="15" name="TextBox 14">
+            <a:extLst>
+              <a:ext uri="{FF2B5EF4-FFF2-40B4-BE49-F238E27FC236}">
+                <a16:creationId xmlns:a16="http://schemas.microsoft.com/office/drawing/2014/main" id="{A29BD983-224F-DD90-7578-5BE814F7B2BC}"/>
+              </a:ext>
+            </a:extLst>
+          </p:cNvPr>
+          <p:cNvSpPr txBox="1"/>
+          <p:nvPr/>
+        </p:nvSpPr>
+        <p:spPr>
+          <a:xfrm>
+            <a:off x="4725519" y="2272552"/>
+            <a:ext cx="992846" cy="307777"/>
+          </a:xfrm>
+          <a:prstGeom prst="rect">
+            <a:avLst/>
+          </a:prstGeom>
+          <a:noFill/>
+        </p:spPr>
+        <p:txBody>
+          <a:bodyPr wrap="square" rtlCol="0">
+            <a:spAutoFit/>
+          </a:bodyPr>
+          <a:lstStyle/>
+          <a:p>
+            <a:pPr algn="ctr"/>
+            <a:r>
+              <a:rPr lang="en-US" altLang="ko-KR" sz="1400" dirty="0"/>
+              <a:t>Event</a:t>
+            </a:r>
+            <a:endParaRPr lang="ko-KR" altLang="en-US" sz="1400" dirty="0"/>
+          </a:p>
+        </p:txBody>
+      </p:sp>
+      <p:sp>
+        <p:nvSpPr>
+          <p:cNvPr id="17" name="TextBox 16">
+            <a:extLst>
+              <a:ext uri="{FF2B5EF4-FFF2-40B4-BE49-F238E27FC236}">
+                <a16:creationId xmlns:a16="http://schemas.microsoft.com/office/drawing/2014/main" id="{CBE830E6-DF0C-302A-DDEE-021345B50F06}"/>
+              </a:ext>
+            </a:extLst>
+          </p:cNvPr>
+          <p:cNvSpPr txBox="1"/>
+          <p:nvPr/>
+        </p:nvSpPr>
+        <p:spPr>
+          <a:xfrm>
+            <a:off x="5599577" y="3275111"/>
+            <a:ext cx="992846" cy="307777"/>
+          </a:xfrm>
+          <a:prstGeom prst="rect">
+            <a:avLst/>
+          </a:prstGeom>
+          <a:noFill/>
+        </p:spPr>
+        <p:txBody>
+          <a:bodyPr wrap="square" rtlCol="0">
+            <a:spAutoFit/>
+          </a:bodyPr>
+          <a:lstStyle/>
+          <a:p>
+            <a:pPr algn="ctr"/>
+            <a:r>
+              <a:rPr lang="en-US" altLang="ko-KR" sz="1400" dirty="0"/>
+              <a:t>Event</a:t>
+            </a:r>
+            <a:endParaRPr lang="ko-KR" altLang="en-US" sz="1400" dirty="0"/>
+          </a:p>
+        </p:txBody>
+      </p:sp>
+      <p:sp>
+        <p:nvSpPr>
+          <p:cNvPr id="18" name="TextBox 17">
+            <a:extLst>
+              <a:ext uri="{FF2B5EF4-FFF2-40B4-BE49-F238E27FC236}">
+                <a16:creationId xmlns:a16="http://schemas.microsoft.com/office/drawing/2014/main" id="{D2CD30D6-930B-F563-FED5-16A6DC98104D}"/>
+              </a:ext>
+            </a:extLst>
+          </p:cNvPr>
+          <p:cNvSpPr txBox="1"/>
+          <p:nvPr/>
+        </p:nvSpPr>
+        <p:spPr>
+          <a:xfrm>
+            <a:off x="3797671" y="3270630"/>
+            <a:ext cx="992846" cy="307777"/>
+          </a:xfrm>
+          <a:prstGeom prst="rect">
+            <a:avLst/>
+          </a:prstGeom>
+          <a:noFill/>
+        </p:spPr>
+        <p:txBody>
+          <a:bodyPr wrap="square" rtlCol="0">
+            <a:spAutoFit/>
+          </a:bodyPr>
+          <a:lstStyle/>
+          <a:p>
+            <a:pPr algn="ctr"/>
+            <a:r>
+              <a:rPr lang="en-US" altLang="ko-KR" sz="1400" dirty="0"/>
+              <a:t>Event</a:t>
+            </a:r>
+            <a:endParaRPr lang="ko-KR" altLang="en-US" sz="1400" dirty="0"/>
+          </a:p>
+        </p:txBody>
+      </p:sp>
+      <p:sp>
+        <p:nvSpPr>
+          <p:cNvPr id="21" name="직사각형 20">
+            <a:extLst>
+              <a:ext uri="{FF2B5EF4-FFF2-40B4-BE49-F238E27FC236}">
+                <a16:creationId xmlns:a16="http://schemas.microsoft.com/office/drawing/2014/main" id="{D3950625-F493-A63C-2538-121F31AE76BE}"/>
+              </a:ext>
+            </a:extLst>
+          </p:cNvPr>
+          <p:cNvSpPr/>
+          <p:nvPr/>
+        </p:nvSpPr>
+        <p:spPr>
+          <a:xfrm>
+            <a:off x="7217722" y="3110753"/>
+            <a:ext cx="1371601" cy="636494"/>
+          </a:xfrm>
+          <a:prstGeom prst="rect">
+            <a:avLst/>
+          </a:prstGeom>
+          <a:solidFill>
+            <a:srgbClr val="9999FF"/>
+          </a:solidFill>
+          <a:ln>
+            <a:noFill/>
+          </a:ln>
+        </p:spPr>
+        <p:style>
+          <a:lnRef idx="2">
+            <a:schemeClr val="accent1">
+              <a:shade val="50000"/>
+            </a:schemeClr>
+          </a:lnRef>
+          <a:fillRef idx="1">
+            <a:schemeClr val="accent1"/>
+          </a:fillRef>
+          <a:effectRef idx="0">
+            <a:schemeClr val="accent1"/>
+          </a:effectRef>
+          <a:fontRef idx="minor">
+            <a:schemeClr val="lt1"/>
+          </a:fontRef>
+        </p:style>
+        <p:txBody>
+          <a:bodyPr rtlCol="0" anchor="ctr"/>
+          <a:lstStyle/>
+          <a:p>
+            <a:pPr algn="ctr"/>
+            <a:endParaRPr lang="ko-KR" altLang="en-US"/>
+          </a:p>
+        </p:txBody>
+      </p:sp>
+      <p:cxnSp>
+        <p:nvCxnSpPr>
+          <p:cNvPr id="23" name="직선 연결선 22">
+            <a:extLst>
+              <a:ext uri="{FF2B5EF4-FFF2-40B4-BE49-F238E27FC236}">
+                <a16:creationId xmlns:a16="http://schemas.microsoft.com/office/drawing/2014/main" id="{790D248C-FFAD-8D14-8963-B1E01B704680}"/>
+              </a:ext>
+            </a:extLst>
+          </p:cNvPr>
+          <p:cNvCxnSpPr>
+            <a:cxnSpLocks/>
+            <a:stCxn id="21" idx="0"/>
+            <a:endCxn id="9" idx="2"/>
+          </p:cNvCxnSpPr>
+          <p:nvPr/>
+        </p:nvCxnSpPr>
+        <p:spPr>
+          <a:xfrm flipH="1" flipV="1">
+            <a:off x="7023849" y="2747683"/>
+            <a:ext cx="879674" cy="363070"/>
+          </a:xfrm>
+          <a:prstGeom prst="line">
+            <a:avLst/>
+          </a:prstGeom>
+          <a:ln w="38100">
+            <a:solidFill>
+              <a:schemeClr val="tx1"/>
+            </a:solidFill>
+            <a:headEnd type="none" w="med" len="med"/>
+            <a:tailEnd type="none" w="med" len="med"/>
+          </a:ln>
+        </p:spPr>
+        <p:style>
+          <a:lnRef idx="1">
+            <a:schemeClr val="accent1"/>
+          </a:lnRef>
+          <a:fillRef idx="0">
+            <a:schemeClr val="accent1"/>
+          </a:fillRef>
+          <a:effectRef idx="0">
+            <a:schemeClr val="accent1"/>
+          </a:effectRef>
+          <a:fontRef idx="minor">
+            <a:schemeClr val="tx1"/>
+          </a:fontRef>
+        </p:style>
+      </p:cxnSp>
+      <p:sp>
+        <p:nvSpPr>
+          <p:cNvPr id="22" name="TextBox 21">
+            <a:extLst>
+              <a:ext uri="{FF2B5EF4-FFF2-40B4-BE49-F238E27FC236}">
+                <a16:creationId xmlns:a16="http://schemas.microsoft.com/office/drawing/2014/main" id="{9EE1185E-FDC4-F5ED-F9ED-C95170C62E7E}"/>
+              </a:ext>
+            </a:extLst>
+          </p:cNvPr>
+          <p:cNvSpPr txBox="1"/>
+          <p:nvPr/>
+        </p:nvSpPr>
+        <p:spPr>
+          <a:xfrm>
+            <a:off x="7407099" y="3275111"/>
+            <a:ext cx="992846" cy="307777"/>
+          </a:xfrm>
+          <a:prstGeom prst="rect">
+            <a:avLst/>
+          </a:prstGeom>
+          <a:noFill/>
+        </p:spPr>
+        <p:txBody>
+          <a:bodyPr wrap="square" rtlCol="0">
+            <a:spAutoFit/>
+          </a:bodyPr>
+          <a:lstStyle/>
+          <a:p>
+            <a:pPr algn="ctr"/>
+            <a:r>
+              <a:rPr lang="en-US" altLang="ko-KR" sz="1400" dirty="0"/>
+              <a:t>Event</a:t>
+            </a:r>
+            <a:endParaRPr lang="ko-KR" altLang="en-US" sz="1400" dirty="0"/>
+          </a:p>
+        </p:txBody>
+      </p:sp>
+      <p:sp>
+        <p:nvSpPr>
+          <p:cNvPr id="9" name="직사각형 8">
+            <a:extLst>
+              <a:ext uri="{FF2B5EF4-FFF2-40B4-BE49-F238E27FC236}">
+                <a16:creationId xmlns:a16="http://schemas.microsoft.com/office/drawing/2014/main" id="{B05FCF96-69F5-6051-4FFF-32B7915B00A3}"/>
+              </a:ext>
+            </a:extLst>
+          </p:cNvPr>
+          <p:cNvSpPr/>
+          <p:nvPr/>
+        </p:nvSpPr>
+        <p:spPr>
+          <a:xfrm>
+            <a:off x="6338048" y="2111189"/>
+            <a:ext cx="1371601" cy="636494"/>
+          </a:xfrm>
+          <a:prstGeom prst="rect">
+            <a:avLst/>
+          </a:prstGeom>
+          <a:solidFill>
+            <a:srgbClr val="9999FF"/>
+          </a:solidFill>
+          <a:ln>
+            <a:noFill/>
+          </a:ln>
+        </p:spPr>
+        <p:style>
+          <a:lnRef idx="2">
+            <a:schemeClr val="accent1">
+              <a:shade val="50000"/>
+            </a:schemeClr>
+          </a:lnRef>
+          <a:fillRef idx="1">
+            <a:schemeClr val="accent1"/>
+          </a:fillRef>
+          <a:effectRef idx="0">
+            <a:schemeClr val="accent1"/>
+          </a:effectRef>
+          <a:fontRef idx="minor">
+            <a:schemeClr val="lt1"/>
+          </a:fontRef>
+        </p:style>
+        <p:txBody>
+          <a:bodyPr rtlCol="0" anchor="ctr"/>
+          <a:lstStyle/>
+          <a:p>
+            <a:pPr algn="ctr"/>
+            <a:endParaRPr lang="ko-KR" altLang="en-US"/>
+          </a:p>
+        </p:txBody>
+      </p:sp>
+      <p:sp>
+        <p:nvSpPr>
+          <p:cNvPr id="16" name="TextBox 15">
+            <a:extLst>
+              <a:ext uri="{FF2B5EF4-FFF2-40B4-BE49-F238E27FC236}">
+                <a16:creationId xmlns:a16="http://schemas.microsoft.com/office/drawing/2014/main" id="{FA7B6B0A-D977-1805-9145-E98C02200881}"/>
+              </a:ext>
+            </a:extLst>
+          </p:cNvPr>
+          <p:cNvSpPr txBox="1"/>
+          <p:nvPr/>
+        </p:nvSpPr>
+        <p:spPr>
+          <a:xfrm>
+            <a:off x="6527425" y="2272552"/>
+            <a:ext cx="992846" cy="307777"/>
+          </a:xfrm>
+          <a:prstGeom prst="rect">
+            <a:avLst/>
+          </a:prstGeom>
+          <a:noFill/>
+        </p:spPr>
+        <p:txBody>
+          <a:bodyPr wrap="square" rtlCol="0">
+            <a:spAutoFit/>
+          </a:bodyPr>
+          <a:lstStyle/>
+          <a:p>
+            <a:pPr algn="ctr"/>
+            <a:r>
+              <a:rPr lang="en-US" altLang="ko-KR" sz="1400" dirty="0"/>
+              <a:t>Event</a:t>
+            </a:r>
+            <a:endParaRPr lang="ko-KR" altLang="en-US" sz="1400" dirty="0"/>
+          </a:p>
+        </p:txBody>
+      </p:sp>
+      <p:sp>
+        <p:nvSpPr>
+          <p:cNvPr id="35" name="TextBox 34">
+            <a:extLst>
+              <a:ext uri="{FF2B5EF4-FFF2-40B4-BE49-F238E27FC236}">
+                <a16:creationId xmlns:a16="http://schemas.microsoft.com/office/drawing/2014/main" id="{5AD4AD13-2C54-64B0-41D6-8F6E074295C7}"/>
+              </a:ext>
+            </a:extLst>
+          </p:cNvPr>
+          <p:cNvSpPr txBox="1"/>
+          <p:nvPr/>
+        </p:nvSpPr>
+        <p:spPr>
+          <a:xfrm rot="5400000">
+            <a:off x="4155141" y="3730540"/>
+            <a:ext cx="636496" cy="707886"/>
+          </a:xfrm>
+          <a:prstGeom prst="rect">
+            <a:avLst/>
+          </a:prstGeom>
+          <a:noFill/>
+        </p:spPr>
+        <p:txBody>
+          <a:bodyPr vert="horz" wrap="square" rtlCol="0" anchor="ctr">
+            <a:spAutoFit/>
+          </a:bodyPr>
+          <a:lstStyle/>
+          <a:p>
+            <a:r>
+              <a:rPr lang="en-US" altLang="ko-KR" sz="4000" dirty="0"/>
+              <a:t>…</a:t>
+            </a:r>
+            <a:endParaRPr lang="ko-KR" altLang="en-US" sz="4000" dirty="0"/>
+          </a:p>
+        </p:txBody>
+      </p:sp>
+      <p:sp>
+        <p:nvSpPr>
+          <p:cNvPr id="36" name="TextBox 35">
+            <a:extLst>
+              <a:ext uri="{FF2B5EF4-FFF2-40B4-BE49-F238E27FC236}">
+                <a16:creationId xmlns:a16="http://schemas.microsoft.com/office/drawing/2014/main" id="{66DC897B-54F1-39A9-80AD-9235B5858F02}"/>
+              </a:ext>
+            </a:extLst>
+          </p:cNvPr>
+          <p:cNvSpPr txBox="1"/>
+          <p:nvPr/>
+        </p:nvSpPr>
+        <p:spPr>
+          <a:xfrm rot="5400000">
+            <a:off x="5981619" y="3730540"/>
+            <a:ext cx="636496" cy="707886"/>
+          </a:xfrm>
+          <a:prstGeom prst="rect">
+            <a:avLst/>
+          </a:prstGeom>
+          <a:noFill/>
+        </p:spPr>
+        <p:txBody>
+          <a:bodyPr vert="horz" wrap="square" rtlCol="0" anchor="ctr">
+            <a:spAutoFit/>
+          </a:bodyPr>
+          <a:lstStyle/>
+          <a:p>
+            <a:r>
+              <a:rPr lang="en-US" altLang="ko-KR" sz="4000" dirty="0"/>
+              <a:t>…</a:t>
+            </a:r>
+            <a:endParaRPr lang="ko-KR" altLang="en-US" sz="4000" dirty="0"/>
+          </a:p>
+        </p:txBody>
+      </p:sp>
+      <p:sp>
+        <p:nvSpPr>
+          <p:cNvPr id="37" name="TextBox 36">
+            <a:extLst>
+              <a:ext uri="{FF2B5EF4-FFF2-40B4-BE49-F238E27FC236}">
+                <a16:creationId xmlns:a16="http://schemas.microsoft.com/office/drawing/2014/main" id="{EC899AE7-2F7B-07B0-1002-D38ADBDB7C2D}"/>
+              </a:ext>
+            </a:extLst>
+          </p:cNvPr>
+          <p:cNvSpPr txBox="1"/>
+          <p:nvPr/>
+        </p:nvSpPr>
+        <p:spPr>
+          <a:xfrm rot="5400000">
+            <a:off x="7808097" y="3730540"/>
+            <a:ext cx="636496" cy="707886"/>
+          </a:xfrm>
+          <a:prstGeom prst="rect">
+            <a:avLst/>
+          </a:prstGeom>
+          <a:noFill/>
+        </p:spPr>
+        <p:txBody>
+          <a:bodyPr vert="horz" wrap="square" rtlCol="0" anchor="ctr">
+            <a:spAutoFit/>
+          </a:bodyPr>
+          <a:lstStyle/>
+          <a:p>
+            <a:r>
+              <a:rPr lang="en-US" altLang="ko-KR" sz="4000" dirty="0"/>
+              <a:t>…</a:t>
+            </a:r>
+            <a:endParaRPr lang="ko-KR" altLang="en-US" sz="4000" dirty="0"/>
+          </a:p>
+        </p:txBody>
+      </p:sp>
+    </p:spTree>
+    <p:extLst>
+      <p:ext uri="{BB962C8B-B14F-4D97-AF65-F5344CB8AC3E}">
+        <p14:creationId xmlns:p14="http://schemas.microsoft.com/office/powerpoint/2010/main" val="3627986927"/>
+      </p:ext>
+    </p:extLst>
+  </p:cSld>
+  <p:clrMapOvr>
+    <a:masterClrMapping/>
+  </p:clrMapOvr>
+</p:sld>
+</file>
+
 <file path=ppt/slides/slide3.xml><?xml version="1.0" encoding="utf-8"?>
 <p:sld xmlns:a="http://schemas.openxmlformats.org/drawingml/2006/main" xmlns:r="http://schemas.openxmlformats.org/officeDocument/2006/relationships" xmlns:p="http://schemas.openxmlformats.org/presentationml/2006/main">
   <p:cSld>
@@ -30376,6 +31425,1729 @@
     <p:extLst>
       <p:ext uri="{BB962C8B-B14F-4D97-AF65-F5344CB8AC3E}">
         <p14:creationId xmlns:p14="http://schemas.microsoft.com/office/powerpoint/2010/main" val="3893871237"/>
+      </p:ext>
+    </p:extLst>
+  </p:cSld>
+  <p:clrMapOvr>
+    <a:masterClrMapping/>
+  </p:clrMapOvr>
+</p:sld>
+</file>
+
+<file path=ppt/slides/slide30.xml><?xml version="1.0" encoding="utf-8"?>
+<p:sld xmlns:a="http://schemas.openxmlformats.org/drawingml/2006/main" xmlns:r="http://schemas.openxmlformats.org/officeDocument/2006/relationships" xmlns:p="http://schemas.openxmlformats.org/presentationml/2006/main">
+  <p:cSld>
+    <p:spTree>
+      <p:nvGrpSpPr>
+        <p:cNvPr id="1" name=""/>
+        <p:cNvGrpSpPr/>
+        <p:nvPr/>
+      </p:nvGrpSpPr>
+      <p:grpSpPr>
+        <a:xfrm>
+          <a:off x="0" y="0"/>
+          <a:ext cx="0" cy="0"/>
+          <a:chOff x="0" y="0"/>
+          <a:chExt cx="0" cy="0"/>
+        </a:xfrm>
+      </p:grpSpPr>
+      <p:sp>
+        <p:nvSpPr>
+          <p:cNvPr id="21" name="직사각형 20">
+            <a:extLst>
+              <a:ext uri="{FF2B5EF4-FFF2-40B4-BE49-F238E27FC236}">
+                <a16:creationId xmlns:a16="http://schemas.microsoft.com/office/drawing/2014/main" id="{28A375DD-C54F-201A-DFC0-112DCE36FB17}"/>
+              </a:ext>
+            </a:extLst>
+          </p:cNvPr>
+          <p:cNvSpPr/>
+          <p:nvPr/>
+        </p:nvSpPr>
+        <p:spPr>
+          <a:xfrm>
+            <a:off x="0" y="849746"/>
+            <a:ext cx="12192000" cy="5126181"/>
+          </a:xfrm>
+          <a:prstGeom prst="rect">
+            <a:avLst/>
+          </a:prstGeom>
+          <a:solidFill>
+            <a:schemeClr val="bg1"/>
+          </a:solidFill>
+          <a:ln>
+            <a:noFill/>
+          </a:ln>
+        </p:spPr>
+        <p:style>
+          <a:lnRef idx="2">
+            <a:schemeClr val="accent1">
+              <a:shade val="50000"/>
+            </a:schemeClr>
+          </a:lnRef>
+          <a:fillRef idx="1">
+            <a:schemeClr val="accent1"/>
+          </a:fillRef>
+          <a:effectRef idx="0">
+            <a:schemeClr val="accent1"/>
+          </a:effectRef>
+          <a:fontRef idx="minor">
+            <a:schemeClr val="lt1"/>
+          </a:fontRef>
+        </p:style>
+        <p:txBody>
+          <a:bodyPr rtlCol="0" anchor="ctr"/>
+          <a:lstStyle/>
+          <a:p>
+            <a:pPr algn="ctr"/>
+            <a:endParaRPr lang="ko-KR" altLang="en-US"/>
+          </a:p>
+        </p:txBody>
+      </p:sp>
+      <p:sp>
+        <p:nvSpPr>
+          <p:cNvPr id="2" name="직사각형 1">
+            <a:extLst>
+              <a:ext uri="{FF2B5EF4-FFF2-40B4-BE49-F238E27FC236}">
+                <a16:creationId xmlns:a16="http://schemas.microsoft.com/office/drawing/2014/main" id="{375F6CFC-BBA1-1616-57F0-DB5DA83D24BF}"/>
+              </a:ext>
+            </a:extLst>
+          </p:cNvPr>
+          <p:cNvSpPr/>
+          <p:nvPr/>
+        </p:nvSpPr>
+        <p:spPr>
+          <a:xfrm>
+            <a:off x="5851747" y="1235229"/>
+            <a:ext cx="5905458" cy="3613861"/>
+          </a:xfrm>
+          <a:prstGeom prst="rect">
+            <a:avLst/>
+          </a:prstGeom>
+          <a:solidFill>
+            <a:schemeClr val="bg1"/>
+          </a:solidFill>
+          <a:ln w="38100">
+            <a:solidFill>
+              <a:srgbClr val="EFB1FF"/>
+            </a:solidFill>
+          </a:ln>
+        </p:spPr>
+        <p:style>
+          <a:lnRef idx="2">
+            <a:schemeClr val="accent1">
+              <a:shade val="50000"/>
+            </a:schemeClr>
+          </a:lnRef>
+          <a:fillRef idx="1">
+            <a:schemeClr val="accent1"/>
+          </a:fillRef>
+          <a:effectRef idx="0">
+            <a:schemeClr val="accent1"/>
+          </a:effectRef>
+          <a:fontRef idx="minor">
+            <a:schemeClr val="lt1"/>
+          </a:fontRef>
+        </p:style>
+        <p:txBody>
+          <a:bodyPr rtlCol="0" anchor="ctr"/>
+          <a:lstStyle/>
+          <a:p>
+            <a:pPr algn="ctr"/>
+            <a:endParaRPr lang="ko-KR" altLang="en-US"/>
+          </a:p>
+        </p:txBody>
+      </p:sp>
+      <p:sp>
+        <p:nvSpPr>
+          <p:cNvPr id="44" name="직사각형 43">
+            <a:extLst>
+              <a:ext uri="{FF2B5EF4-FFF2-40B4-BE49-F238E27FC236}">
+                <a16:creationId xmlns:a16="http://schemas.microsoft.com/office/drawing/2014/main" id="{D2FDA730-EA97-7548-CDEB-CDDC7DE8E432}"/>
+              </a:ext>
+            </a:extLst>
+          </p:cNvPr>
+          <p:cNvSpPr/>
+          <p:nvPr/>
+        </p:nvSpPr>
+        <p:spPr>
+          <a:xfrm>
+            <a:off x="192748" y="1235229"/>
+            <a:ext cx="5183601" cy="3456843"/>
+          </a:xfrm>
+          <a:prstGeom prst="rect">
+            <a:avLst/>
+          </a:prstGeom>
+          <a:solidFill>
+            <a:schemeClr val="bg1"/>
+          </a:solidFill>
+          <a:ln w="38100">
+            <a:solidFill>
+              <a:srgbClr val="0AA1DD"/>
+            </a:solidFill>
+          </a:ln>
+        </p:spPr>
+        <p:style>
+          <a:lnRef idx="2">
+            <a:schemeClr val="accent1">
+              <a:shade val="50000"/>
+            </a:schemeClr>
+          </a:lnRef>
+          <a:fillRef idx="1">
+            <a:schemeClr val="accent1"/>
+          </a:fillRef>
+          <a:effectRef idx="0">
+            <a:schemeClr val="accent1"/>
+          </a:effectRef>
+          <a:fontRef idx="minor">
+            <a:schemeClr val="lt1"/>
+          </a:fontRef>
+        </p:style>
+        <p:txBody>
+          <a:bodyPr rtlCol="0" anchor="ctr"/>
+          <a:lstStyle/>
+          <a:p>
+            <a:pPr algn="ctr"/>
+            <a:endParaRPr lang="ko-KR" altLang="en-US"/>
+          </a:p>
+        </p:txBody>
+      </p:sp>
+      <p:cxnSp>
+        <p:nvCxnSpPr>
+          <p:cNvPr id="45" name="직선 연결선 44">
+            <a:extLst>
+              <a:ext uri="{FF2B5EF4-FFF2-40B4-BE49-F238E27FC236}">
+                <a16:creationId xmlns:a16="http://schemas.microsoft.com/office/drawing/2014/main" id="{62AAEC4F-C4AA-59EC-013C-08CCCA4325AB}"/>
+              </a:ext>
+            </a:extLst>
+          </p:cNvPr>
+          <p:cNvCxnSpPr>
+            <a:cxnSpLocks/>
+            <a:stCxn id="50" idx="2"/>
+            <a:endCxn id="51" idx="0"/>
+          </p:cNvCxnSpPr>
+          <p:nvPr/>
+        </p:nvCxnSpPr>
+        <p:spPr>
+          <a:xfrm flipH="1">
+            <a:off x="1905063" y="2424545"/>
+            <a:ext cx="874058" cy="363070"/>
+          </a:xfrm>
+          <a:prstGeom prst="line">
+            <a:avLst/>
+          </a:prstGeom>
+          <a:ln w="38100">
+            <a:solidFill>
+              <a:schemeClr val="tx1"/>
+            </a:solidFill>
+            <a:headEnd type="none" w="med" len="med"/>
+            <a:tailEnd type="none" w="med" len="med"/>
+          </a:ln>
+        </p:spPr>
+        <p:style>
+          <a:lnRef idx="1">
+            <a:schemeClr val="accent1"/>
+          </a:lnRef>
+          <a:fillRef idx="0">
+            <a:schemeClr val="accent1"/>
+          </a:fillRef>
+          <a:effectRef idx="0">
+            <a:schemeClr val="accent1"/>
+          </a:effectRef>
+          <a:fontRef idx="minor">
+            <a:schemeClr val="tx1"/>
+          </a:fontRef>
+        </p:style>
+      </p:cxnSp>
+      <p:cxnSp>
+        <p:nvCxnSpPr>
+          <p:cNvPr id="46" name="직선 연결선 45">
+            <a:extLst>
+              <a:ext uri="{FF2B5EF4-FFF2-40B4-BE49-F238E27FC236}">
+                <a16:creationId xmlns:a16="http://schemas.microsoft.com/office/drawing/2014/main" id="{3E4C9478-DA4D-1C97-21D6-06935DB33AFF}"/>
+              </a:ext>
+            </a:extLst>
+          </p:cNvPr>
+          <p:cNvCxnSpPr>
+            <a:cxnSpLocks/>
+            <a:stCxn id="50" idx="2"/>
+            <a:endCxn id="62" idx="0"/>
+          </p:cNvCxnSpPr>
+          <p:nvPr/>
+        </p:nvCxnSpPr>
+        <p:spPr>
+          <a:xfrm>
+            <a:off x="2779121" y="2424545"/>
+            <a:ext cx="927848" cy="363070"/>
+          </a:xfrm>
+          <a:prstGeom prst="line">
+            <a:avLst/>
+          </a:prstGeom>
+          <a:ln w="38100">
+            <a:solidFill>
+              <a:schemeClr val="tx1"/>
+            </a:solidFill>
+            <a:headEnd type="none" w="med" len="med"/>
+            <a:tailEnd type="none" w="med" len="med"/>
+          </a:ln>
+        </p:spPr>
+        <p:style>
+          <a:lnRef idx="1">
+            <a:schemeClr val="accent1"/>
+          </a:lnRef>
+          <a:fillRef idx="0">
+            <a:schemeClr val="accent1"/>
+          </a:fillRef>
+          <a:effectRef idx="0">
+            <a:schemeClr val="accent1"/>
+          </a:effectRef>
+          <a:fontRef idx="minor">
+            <a:schemeClr val="tx1"/>
+          </a:fontRef>
+        </p:style>
+      </p:cxnSp>
+      <p:cxnSp>
+        <p:nvCxnSpPr>
+          <p:cNvPr id="47" name="직선 연결선 46">
+            <a:extLst>
+              <a:ext uri="{FF2B5EF4-FFF2-40B4-BE49-F238E27FC236}">
+                <a16:creationId xmlns:a16="http://schemas.microsoft.com/office/drawing/2014/main" id="{01EBBB5B-9D45-11AE-8F6B-B19D6A92372A}"/>
+              </a:ext>
+            </a:extLst>
+          </p:cNvPr>
+          <p:cNvCxnSpPr>
+            <a:cxnSpLocks/>
+            <a:stCxn id="52" idx="0"/>
+            <a:endCxn id="51" idx="2"/>
+          </p:cNvCxnSpPr>
+          <p:nvPr/>
+        </p:nvCxnSpPr>
+        <p:spPr>
+          <a:xfrm flipV="1">
+            <a:off x="977215" y="3424109"/>
+            <a:ext cx="927848" cy="363070"/>
+          </a:xfrm>
+          <a:prstGeom prst="line">
+            <a:avLst/>
+          </a:prstGeom>
+          <a:ln w="38100">
+            <a:solidFill>
+              <a:schemeClr val="tx1"/>
+            </a:solidFill>
+            <a:headEnd type="none" w="med" len="med"/>
+            <a:tailEnd type="none" w="med" len="med"/>
+          </a:ln>
+        </p:spPr>
+        <p:style>
+          <a:lnRef idx="1">
+            <a:schemeClr val="accent1"/>
+          </a:lnRef>
+          <a:fillRef idx="0">
+            <a:schemeClr val="accent1"/>
+          </a:fillRef>
+          <a:effectRef idx="0">
+            <a:schemeClr val="accent1"/>
+          </a:effectRef>
+          <a:fontRef idx="minor">
+            <a:schemeClr val="tx1"/>
+          </a:fontRef>
+        </p:style>
+      </p:cxnSp>
+      <p:cxnSp>
+        <p:nvCxnSpPr>
+          <p:cNvPr id="48" name="직선 연결선 47">
+            <a:extLst>
+              <a:ext uri="{FF2B5EF4-FFF2-40B4-BE49-F238E27FC236}">
+                <a16:creationId xmlns:a16="http://schemas.microsoft.com/office/drawing/2014/main" id="{1275A050-A519-4AAF-8934-4562330C2C44}"/>
+              </a:ext>
+            </a:extLst>
+          </p:cNvPr>
+          <p:cNvCxnSpPr>
+            <a:cxnSpLocks/>
+            <a:stCxn id="53" idx="0"/>
+            <a:endCxn id="51" idx="2"/>
+          </p:cNvCxnSpPr>
+          <p:nvPr/>
+        </p:nvCxnSpPr>
+        <p:spPr>
+          <a:xfrm flipH="1" flipV="1">
+            <a:off x="1905063" y="3424109"/>
+            <a:ext cx="874058" cy="363070"/>
+          </a:xfrm>
+          <a:prstGeom prst="line">
+            <a:avLst/>
+          </a:prstGeom>
+          <a:ln w="38100">
+            <a:solidFill>
+              <a:schemeClr val="tx1"/>
+            </a:solidFill>
+            <a:headEnd type="none" w="med" len="med"/>
+            <a:tailEnd type="none" w="med" len="med"/>
+          </a:ln>
+        </p:spPr>
+        <p:style>
+          <a:lnRef idx="1">
+            <a:schemeClr val="accent1"/>
+          </a:lnRef>
+          <a:fillRef idx="0">
+            <a:schemeClr val="accent1"/>
+          </a:fillRef>
+          <a:effectRef idx="0">
+            <a:schemeClr val="accent1"/>
+          </a:effectRef>
+          <a:fontRef idx="minor">
+            <a:schemeClr val="tx1"/>
+          </a:fontRef>
+        </p:style>
+      </p:cxnSp>
+      <p:cxnSp>
+        <p:nvCxnSpPr>
+          <p:cNvPr id="49" name="직선 연결선 48">
+            <a:extLst>
+              <a:ext uri="{FF2B5EF4-FFF2-40B4-BE49-F238E27FC236}">
+                <a16:creationId xmlns:a16="http://schemas.microsoft.com/office/drawing/2014/main" id="{23896774-93CA-51C6-818A-ACB5556198A0}"/>
+              </a:ext>
+            </a:extLst>
+          </p:cNvPr>
+          <p:cNvCxnSpPr>
+            <a:cxnSpLocks/>
+            <a:stCxn id="53" idx="0"/>
+            <a:endCxn id="62" idx="2"/>
+          </p:cNvCxnSpPr>
+          <p:nvPr/>
+        </p:nvCxnSpPr>
+        <p:spPr>
+          <a:xfrm flipV="1">
+            <a:off x="2779121" y="3424109"/>
+            <a:ext cx="927848" cy="363070"/>
+          </a:xfrm>
+          <a:prstGeom prst="line">
+            <a:avLst/>
+          </a:prstGeom>
+          <a:ln w="38100">
+            <a:solidFill>
+              <a:schemeClr val="tx1"/>
+            </a:solidFill>
+            <a:headEnd type="none" w="med" len="med"/>
+            <a:tailEnd type="none" w="med" len="med"/>
+          </a:ln>
+        </p:spPr>
+        <p:style>
+          <a:lnRef idx="1">
+            <a:schemeClr val="accent1"/>
+          </a:lnRef>
+          <a:fillRef idx="0">
+            <a:schemeClr val="accent1"/>
+          </a:fillRef>
+          <a:effectRef idx="0">
+            <a:schemeClr val="accent1"/>
+          </a:effectRef>
+          <a:fontRef idx="minor">
+            <a:schemeClr val="tx1"/>
+          </a:fontRef>
+        </p:style>
+      </p:cxnSp>
+      <p:sp>
+        <p:nvSpPr>
+          <p:cNvPr id="50" name="직사각형 49">
+            <a:extLst>
+              <a:ext uri="{FF2B5EF4-FFF2-40B4-BE49-F238E27FC236}">
+                <a16:creationId xmlns:a16="http://schemas.microsoft.com/office/drawing/2014/main" id="{AED93681-2143-5EC0-BE41-37E4D99F9440}"/>
+              </a:ext>
+            </a:extLst>
+          </p:cNvPr>
+          <p:cNvSpPr/>
+          <p:nvPr/>
+        </p:nvSpPr>
+        <p:spPr>
+          <a:xfrm>
+            <a:off x="2093320" y="1788051"/>
+            <a:ext cx="1371601" cy="636494"/>
+          </a:xfrm>
+          <a:prstGeom prst="rect">
+            <a:avLst/>
+          </a:prstGeom>
+          <a:solidFill>
+            <a:srgbClr val="9999FF"/>
+          </a:solidFill>
+          <a:ln>
+            <a:noFill/>
+          </a:ln>
+        </p:spPr>
+        <p:style>
+          <a:lnRef idx="2">
+            <a:schemeClr val="accent1">
+              <a:shade val="50000"/>
+            </a:schemeClr>
+          </a:lnRef>
+          <a:fillRef idx="1">
+            <a:schemeClr val="accent1"/>
+          </a:fillRef>
+          <a:effectRef idx="0">
+            <a:schemeClr val="accent1"/>
+          </a:effectRef>
+          <a:fontRef idx="minor">
+            <a:schemeClr val="lt1"/>
+          </a:fontRef>
+        </p:style>
+        <p:txBody>
+          <a:bodyPr rtlCol="0" anchor="ctr"/>
+          <a:lstStyle/>
+          <a:p>
+            <a:pPr algn="ctr"/>
+            <a:endParaRPr lang="ko-KR" altLang="en-US"/>
+          </a:p>
+        </p:txBody>
+      </p:sp>
+      <p:sp>
+        <p:nvSpPr>
+          <p:cNvPr id="51" name="직사각형 50">
+            <a:extLst>
+              <a:ext uri="{FF2B5EF4-FFF2-40B4-BE49-F238E27FC236}">
+                <a16:creationId xmlns:a16="http://schemas.microsoft.com/office/drawing/2014/main" id="{2119CCA3-5B4F-A7B8-5114-8D4A5C39CECB}"/>
+              </a:ext>
+            </a:extLst>
+          </p:cNvPr>
+          <p:cNvSpPr/>
+          <p:nvPr/>
+        </p:nvSpPr>
+        <p:spPr>
+          <a:xfrm>
+            <a:off x="1219262" y="2787615"/>
+            <a:ext cx="1371601" cy="636494"/>
+          </a:xfrm>
+          <a:prstGeom prst="rect">
+            <a:avLst/>
+          </a:prstGeom>
+          <a:solidFill>
+            <a:srgbClr val="9999FF"/>
+          </a:solidFill>
+          <a:ln>
+            <a:noFill/>
+          </a:ln>
+        </p:spPr>
+        <p:style>
+          <a:lnRef idx="2">
+            <a:schemeClr val="accent1">
+              <a:shade val="50000"/>
+            </a:schemeClr>
+          </a:lnRef>
+          <a:fillRef idx="1">
+            <a:schemeClr val="accent1"/>
+          </a:fillRef>
+          <a:effectRef idx="0">
+            <a:schemeClr val="accent1"/>
+          </a:effectRef>
+          <a:fontRef idx="minor">
+            <a:schemeClr val="lt1"/>
+          </a:fontRef>
+        </p:style>
+        <p:txBody>
+          <a:bodyPr rtlCol="0" anchor="ctr"/>
+          <a:lstStyle/>
+          <a:p>
+            <a:pPr algn="ctr"/>
+            <a:endParaRPr lang="ko-KR" altLang="en-US"/>
+          </a:p>
+        </p:txBody>
+      </p:sp>
+      <p:sp>
+        <p:nvSpPr>
+          <p:cNvPr id="52" name="직사각형 51">
+            <a:extLst>
+              <a:ext uri="{FF2B5EF4-FFF2-40B4-BE49-F238E27FC236}">
+                <a16:creationId xmlns:a16="http://schemas.microsoft.com/office/drawing/2014/main" id="{8C5EF756-591E-CD60-C051-99E04628C4E1}"/>
+              </a:ext>
+            </a:extLst>
+          </p:cNvPr>
+          <p:cNvSpPr/>
+          <p:nvPr/>
+        </p:nvSpPr>
+        <p:spPr>
+          <a:xfrm>
+            <a:off x="291414" y="3787179"/>
+            <a:ext cx="1371601" cy="636494"/>
+          </a:xfrm>
+          <a:prstGeom prst="rect">
+            <a:avLst/>
+          </a:prstGeom>
+          <a:solidFill>
+            <a:srgbClr val="9999FF"/>
+          </a:solidFill>
+          <a:ln>
+            <a:noFill/>
+          </a:ln>
+        </p:spPr>
+        <p:style>
+          <a:lnRef idx="2">
+            <a:schemeClr val="accent1">
+              <a:shade val="50000"/>
+            </a:schemeClr>
+          </a:lnRef>
+          <a:fillRef idx="1">
+            <a:schemeClr val="accent1"/>
+          </a:fillRef>
+          <a:effectRef idx="0">
+            <a:schemeClr val="accent1"/>
+          </a:effectRef>
+          <a:fontRef idx="minor">
+            <a:schemeClr val="lt1"/>
+          </a:fontRef>
+        </p:style>
+        <p:txBody>
+          <a:bodyPr rtlCol="0" anchor="ctr"/>
+          <a:lstStyle/>
+          <a:p>
+            <a:pPr algn="ctr"/>
+            <a:endParaRPr lang="ko-KR" altLang="en-US"/>
+          </a:p>
+        </p:txBody>
+      </p:sp>
+      <p:sp>
+        <p:nvSpPr>
+          <p:cNvPr id="53" name="직사각형 52">
+            <a:extLst>
+              <a:ext uri="{FF2B5EF4-FFF2-40B4-BE49-F238E27FC236}">
+                <a16:creationId xmlns:a16="http://schemas.microsoft.com/office/drawing/2014/main" id="{BC71FFA8-6661-4865-1109-EE237CFA1B4F}"/>
+              </a:ext>
+            </a:extLst>
+          </p:cNvPr>
+          <p:cNvSpPr/>
+          <p:nvPr/>
+        </p:nvSpPr>
+        <p:spPr>
+          <a:xfrm>
+            <a:off x="2093320" y="3787179"/>
+            <a:ext cx="1371601" cy="636494"/>
+          </a:xfrm>
+          <a:prstGeom prst="rect">
+            <a:avLst/>
+          </a:prstGeom>
+          <a:solidFill>
+            <a:srgbClr val="9999FF"/>
+          </a:solidFill>
+          <a:ln>
+            <a:noFill/>
+          </a:ln>
+        </p:spPr>
+        <p:style>
+          <a:lnRef idx="2">
+            <a:schemeClr val="accent1">
+              <a:shade val="50000"/>
+            </a:schemeClr>
+          </a:lnRef>
+          <a:fillRef idx="1">
+            <a:schemeClr val="accent1"/>
+          </a:fillRef>
+          <a:effectRef idx="0">
+            <a:schemeClr val="accent1"/>
+          </a:effectRef>
+          <a:fontRef idx="minor">
+            <a:schemeClr val="lt1"/>
+          </a:fontRef>
+        </p:style>
+        <p:txBody>
+          <a:bodyPr rtlCol="0" anchor="ctr"/>
+          <a:lstStyle/>
+          <a:p>
+            <a:pPr algn="ctr"/>
+            <a:endParaRPr lang="ko-KR" altLang="en-US"/>
+          </a:p>
+        </p:txBody>
+      </p:sp>
+      <p:sp>
+        <p:nvSpPr>
+          <p:cNvPr id="54" name="TextBox 53">
+            <a:extLst>
+              <a:ext uri="{FF2B5EF4-FFF2-40B4-BE49-F238E27FC236}">
+                <a16:creationId xmlns:a16="http://schemas.microsoft.com/office/drawing/2014/main" id="{93BE8163-042C-82B4-B399-864F7EDF06D9}"/>
+              </a:ext>
+            </a:extLst>
+          </p:cNvPr>
+          <p:cNvSpPr txBox="1"/>
+          <p:nvPr/>
+        </p:nvSpPr>
+        <p:spPr>
+          <a:xfrm>
+            <a:off x="2268078" y="1065952"/>
+            <a:ext cx="1308847" cy="338554"/>
+          </a:xfrm>
+          <a:prstGeom prst="rect">
+            <a:avLst/>
+          </a:prstGeom>
+          <a:solidFill>
+            <a:schemeClr val="bg1"/>
+          </a:solidFill>
+        </p:spPr>
+        <p:txBody>
+          <a:bodyPr wrap="square" rtlCol="0">
+            <a:spAutoFit/>
+          </a:bodyPr>
+          <a:lstStyle/>
+          <a:p>
+            <a:pPr algn="ctr"/>
+            <a:r>
+              <a:rPr lang="en-US" altLang="ko-KR" sz="1600" dirty="0"/>
+              <a:t>Real DOM</a:t>
+            </a:r>
+            <a:endParaRPr lang="ko-KR" altLang="en-US" sz="1600" dirty="0"/>
+          </a:p>
+        </p:txBody>
+      </p:sp>
+      <p:sp>
+        <p:nvSpPr>
+          <p:cNvPr id="59" name="직사각형 58">
+            <a:extLst>
+              <a:ext uri="{FF2B5EF4-FFF2-40B4-BE49-F238E27FC236}">
+                <a16:creationId xmlns:a16="http://schemas.microsoft.com/office/drawing/2014/main" id="{2C24F9E8-BF10-336D-A04C-64447E844CBE}"/>
+              </a:ext>
+            </a:extLst>
+          </p:cNvPr>
+          <p:cNvSpPr/>
+          <p:nvPr/>
+        </p:nvSpPr>
+        <p:spPr>
+          <a:xfrm>
+            <a:off x="3900842" y="3787179"/>
+            <a:ext cx="1371601" cy="636494"/>
+          </a:xfrm>
+          <a:prstGeom prst="rect">
+            <a:avLst/>
+          </a:prstGeom>
+          <a:solidFill>
+            <a:srgbClr val="9999FF"/>
+          </a:solidFill>
+          <a:ln>
+            <a:noFill/>
+          </a:ln>
+        </p:spPr>
+        <p:style>
+          <a:lnRef idx="2">
+            <a:schemeClr val="accent1">
+              <a:shade val="50000"/>
+            </a:schemeClr>
+          </a:lnRef>
+          <a:fillRef idx="1">
+            <a:schemeClr val="accent1"/>
+          </a:fillRef>
+          <a:effectRef idx="0">
+            <a:schemeClr val="accent1"/>
+          </a:effectRef>
+          <a:fontRef idx="minor">
+            <a:schemeClr val="lt1"/>
+          </a:fontRef>
+        </p:style>
+        <p:txBody>
+          <a:bodyPr rtlCol="0" anchor="ctr"/>
+          <a:lstStyle/>
+          <a:p>
+            <a:pPr algn="ctr"/>
+            <a:endParaRPr lang="ko-KR" altLang="en-US"/>
+          </a:p>
+        </p:txBody>
+      </p:sp>
+      <p:cxnSp>
+        <p:nvCxnSpPr>
+          <p:cNvPr id="60" name="직선 연결선 59">
+            <a:extLst>
+              <a:ext uri="{FF2B5EF4-FFF2-40B4-BE49-F238E27FC236}">
+                <a16:creationId xmlns:a16="http://schemas.microsoft.com/office/drawing/2014/main" id="{739ED518-F549-0D31-4D87-65B928486E95}"/>
+              </a:ext>
+            </a:extLst>
+          </p:cNvPr>
+          <p:cNvCxnSpPr>
+            <a:cxnSpLocks/>
+            <a:stCxn id="59" idx="0"/>
+            <a:endCxn id="62" idx="2"/>
+          </p:cNvCxnSpPr>
+          <p:nvPr/>
+        </p:nvCxnSpPr>
+        <p:spPr>
+          <a:xfrm flipH="1" flipV="1">
+            <a:off x="3706969" y="3424109"/>
+            <a:ext cx="879674" cy="363070"/>
+          </a:xfrm>
+          <a:prstGeom prst="line">
+            <a:avLst/>
+          </a:prstGeom>
+          <a:ln w="38100">
+            <a:solidFill>
+              <a:schemeClr val="tx1"/>
+            </a:solidFill>
+            <a:headEnd type="none" w="med" len="med"/>
+            <a:tailEnd type="none" w="med" len="med"/>
+          </a:ln>
+        </p:spPr>
+        <p:style>
+          <a:lnRef idx="1">
+            <a:schemeClr val="accent1"/>
+          </a:lnRef>
+          <a:fillRef idx="0">
+            <a:schemeClr val="accent1"/>
+          </a:fillRef>
+          <a:effectRef idx="0">
+            <a:schemeClr val="accent1"/>
+          </a:effectRef>
+          <a:fontRef idx="minor">
+            <a:schemeClr val="tx1"/>
+          </a:fontRef>
+        </p:style>
+      </p:cxnSp>
+      <p:sp>
+        <p:nvSpPr>
+          <p:cNvPr id="62" name="직사각형 61">
+            <a:extLst>
+              <a:ext uri="{FF2B5EF4-FFF2-40B4-BE49-F238E27FC236}">
+                <a16:creationId xmlns:a16="http://schemas.microsoft.com/office/drawing/2014/main" id="{5F641185-E63B-2FBC-0577-3A87FD37E60A}"/>
+              </a:ext>
+            </a:extLst>
+          </p:cNvPr>
+          <p:cNvSpPr/>
+          <p:nvPr/>
+        </p:nvSpPr>
+        <p:spPr>
+          <a:xfrm>
+            <a:off x="3021168" y="2787615"/>
+            <a:ext cx="1371601" cy="636494"/>
+          </a:xfrm>
+          <a:prstGeom prst="rect">
+            <a:avLst/>
+          </a:prstGeom>
+          <a:solidFill>
+            <a:srgbClr val="9999FF"/>
+          </a:solidFill>
+          <a:ln>
+            <a:noFill/>
+          </a:ln>
+        </p:spPr>
+        <p:style>
+          <a:lnRef idx="2">
+            <a:schemeClr val="accent1">
+              <a:shade val="50000"/>
+            </a:schemeClr>
+          </a:lnRef>
+          <a:fillRef idx="1">
+            <a:schemeClr val="accent1"/>
+          </a:fillRef>
+          <a:effectRef idx="0">
+            <a:schemeClr val="accent1"/>
+          </a:effectRef>
+          <a:fontRef idx="minor">
+            <a:schemeClr val="lt1"/>
+          </a:fontRef>
+        </p:style>
+        <p:txBody>
+          <a:bodyPr rtlCol="0" anchor="ctr"/>
+          <a:lstStyle/>
+          <a:p>
+            <a:pPr algn="ctr"/>
+            <a:endParaRPr lang="ko-KR" altLang="en-US"/>
+          </a:p>
+        </p:txBody>
+      </p:sp>
+      <p:sp>
+        <p:nvSpPr>
+          <p:cNvPr id="64" name="직사각형 63">
+            <a:extLst>
+              <a:ext uri="{FF2B5EF4-FFF2-40B4-BE49-F238E27FC236}">
+                <a16:creationId xmlns:a16="http://schemas.microsoft.com/office/drawing/2014/main" id="{029DF00A-6CC2-173D-6B42-8C4C2FE09110}"/>
+              </a:ext>
+            </a:extLst>
+          </p:cNvPr>
+          <p:cNvSpPr/>
+          <p:nvPr/>
+        </p:nvSpPr>
+        <p:spPr>
+          <a:xfrm>
+            <a:off x="6047260" y="1543006"/>
+            <a:ext cx="5569319" cy="3149066"/>
+          </a:xfrm>
+          <a:prstGeom prst="rect">
+            <a:avLst/>
+          </a:prstGeom>
+          <a:solidFill>
+            <a:schemeClr val="bg1"/>
+          </a:solidFill>
+          <a:ln w="38100">
+            <a:solidFill>
+              <a:srgbClr val="0AA1DD"/>
+            </a:solidFill>
+          </a:ln>
+        </p:spPr>
+        <p:style>
+          <a:lnRef idx="2">
+            <a:schemeClr val="accent1">
+              <a:shade val="50000"/>
+            </a:schemeClr>
+          </a:lnRef>
+          <a:fillRef idx="1">
+            <a:schemeClr val="accent1"/>
+          </a:fillRef>
+          <a:effectRef idx="0">
+            <a:schemeClr val="accent1"/>
+          </a:effectRef>
+          <a:fontRef idx="minor">
+            <a:schemeClr val="lt1"/>
+          </a:fontRef>
+        </p:style>
+        <p:txBody>
+          <a:bodyPr rtlCol="0" anchor="ctr"/>
+          <a:lstStyle/>
+          <a:p>
+            <a:pPr algn="ctr"/>
+            <a:endParaRPr lang="ko-KR" altLang="en-US"/>
+          </a:p>
+        </p:txBody>
+      </p:sp>
+      <p:cxnSp>
+        <p:nvCxnSpPr>
+          <p:cNvPr id="65" name="직선 연결선 64">
+            <a:extLst>
+              <a:ext uri="{FF2B5EF4-FFF2-40B4-BE49-F238E27FC236}">
+                <a16:creationId xmlns:a16="http://schemas.microsoft.com/office/drawing/2014/main" id="{E981FC01-0A22-A263-4E4D-D1B66FD56B65}"/>
+              </a:ext>
+            </a:extLst>
+          </p:cNvPr>
+          <p:cNvCxnSpPr>
+            <a:cxnSpLocks/>
+            <a:stCxn id="70" idx="2"/>
+            <a:endCxn id="71" idx="0"/>
+          </p:cNvCxnSpPr>
+          <p:nvPr/>
+        </p:nvCxnSpPr>
+        <p:spPr>
+          <a:xfrm flipH="1">
+            <a:off x="7887254" y="2424545"/>
+            <a:ext cx="874058" cy="363070"/>
+          </a:xfrm>
+          <a:prstGeom prst="line">
+            <a:avLst/>
+          </a:prstGeom>
+          <a:ln w="38100">
+            <a:solidFill>
+              <a:schemeClr val="tx1"/>
+            </a:solidFill>
+            <a:headEnd type="none" w="med" len="med"/>
+            <a:tailEnd type="none" w="med" len="med"/>
+          </a:ln>
+        </p:spPr>
+        <p:style>
+          <a:lnRef idx="1">
+            <a:schemeClr val="accent1"/>
+          </a:lnRef>
+          <a:fillRef idx="0">
+            <a:schemeClr val="accent1"/>
+          </a:fillRef>
+          <a:effectRef idx="0">
+            <a:schemeClr val="accent1"/>
+          </a:effectRef>
+          <a:fontRef idx="minor">
+            <a:schemeClr val="tx1"/>
+          </a:fontRef>
+        </p:style>
+      </p:cxnSp>
+      <p:cxnSp>
+        <p:nvCxnSpPr>
+          <p:cNvPr id="66" name="직선 연결선 65">
+            <a:extLst>
+              <a:ext uri="{FF2B5EF4-FFF2-40B4-BE49-F238E27FC236}">
+                <a16:creationId xmlns:a16="http://schemas.microsoft.com/office/drawing/2014/main" id="{83DB543A-D986-3384-A1A8-1C91B63F1DEB}"/>
+              </a:ext>
+            </a:extLst>
+          </p:cNvPr>
+          <p:cNvCxnSpPr>
+            <a:cxnSpLocks/>
+            <a:stCxn id="70" idx="2"/>
+            <a:endCxn id="82" idx="0"/>
+          </p:cNvCxnSpPr>
+          <p:nvPr/>
+        </p:nvCxnSpPr>
+        <p:spPr>
+          <a:xfrm>
+            <a:off x="8761312" y="2424545"/>
+            <a:ext cx="927848" cy="363070"/>
+          </a:xfrm>
+          <a:prstGeom prst="line">
+            <a:avLst/>
+          </a:prstGeom>
+          <a:ln w="38100">
+            <a:solidFill>
+              <a:schemeClr val="tx1"/>
+            </a:solidFill>
+            <a:headEnd type="none" w="med" len="med"/>
+            <a:tailEnd type="none" w="med" len="med"/>
+          </a:ln>
+        </p:spPr>
+        <p:style>
+          <a:lnRef idx="1">
+            <a:schemeClr val="accent1"/>
+          </a:lnRef>
+          <a:fillRef idx="0">
+            <a:schemeClr val="accent1"/>
+          </a:fillRef>
+          <a:effectRef idx="0">
+            <a:schemeClr val="accent1"/>
+          </a:effectRef>
+          <a:fontRef idx="minor">
+            <a:schemeClr val="tx1"/>
+          </a:fontRef>
+        </p:style>
+      </p:cxnSp>
+      <p:cxnSp>
+        <p:nvCxnSpPr>
+          <p:cNvPr id="67" name="직선 연결선 66">
+            <a:extLst>
+              <a:ext uri="{FF2B5EF4-FFF2-40B4-BE49-F238E27FC236}">
+                <a16:creationId xmlns:a16="http://schemas.microsoft.com/office/drawing/2014/main" id="{DD98C9D2-3FEC-51FF-36EA-0837646D704F}"/>
+              </a:ext>
+            </a:extLst>
+          </p:cNvPr>
+          <p:cNvCxnSpPr>
+            <a:cxnSpLocks/>
+            <a:stCxn id="72" idx="0"/>
+            <a:endCxn id="71" idx="2"/>
+          </p:cNvCxnSpPr>
+          <p:nvPr/>
+        </p:nvCxnSpPr>
+        <p:spPr>
+          <a:xfrm flipV="1">
+            <a:off x="6959406" y="3424109"/>
+            <a:ext cx="927848" cy="363070"/>
+          </a:xfrm>
+          <a:prstGeom prst="line">
+            <a:avLst/>
+          </a:prstGeom>
+          <a:ln w="38100">
+            <a:solidFill>
+              <a:schemeClr val="tx1"/>
+            </a:solidFill>
+            <a:headEnd type="none" w="med" len="med"/>
+            <a:tailEnd type="none" w="med" len="med"/>
+          </a:ln>
+        </p:spPr>
+        <p:style>
+          <a:lnRef idx="1">
+            <a:schemeClr val="accent1"/>
+          </a:lnRef>
+          <a:fillRef idx="0">
+            <a:schemeClr val="accent1"/>
+          </a:fillRef>
+          <a:effectRef idx="0">
+            <a:schemeClr val="accent1"/>
+          </a:effectRef>
+          <a:fontRef idx="minor">
+            <a:schemeClr val="tx1"/>
+          </a:fontRef>
+        </p:style>
+      </p:cxnSp>
+      <p:cxnSp>
+        <p:nvCxnSpPr>
+          <p:cNvPr id="68" name="직선 연결선 67">
+            <a:extLst>
+              <a:ext uri="{FF2B5EF4-FFF2-40B4-BE49-F238E27FC236}">
+                <a16:creationId xmlns:a16="http://schemas.microsoft.com/office/drawing/2014/main" id="{43B1C745-3C1E-B7CD-188C-F56F9FCA1F0E}"/>
+              </a:ext>
+            </a:extLst>
+          </p:cNvPr>
+          <p:cNvCxnSpPr>
+            <a:cxnSpLocks/>
+            <a:stCxn id="73" idx="0"/>
+            <a:endCxn id="71" idx="2"/>
+          </p:cNvCxnSpPr>
+          <p:nvPr/>
+        </p:nvCxnSpPr>
+        <p:spPr>
+          <a:xfrm flipH="1" flipV="1">
+            <a:off x="7887254" y="3424109"/>
+            <a:ext cx="869813" cy="363070"/>
+          </a:xfrm>
+          <a:prstGeom prst="line">
+            <a:avLst/>
+          </a:prstGeom>
+          <a:ln w="38100">
+            <a:solidFill>
+              <a:schemeClr val="tx1"/>
+            </a:solidFill>
+            <a:headEnd type="none" w="med" len="med"/>
+            <a:tailEnd type="none" w="med" len="med"/>
+          </a:ln>
+        </p:spPr>
+        <p:style>
+          <a:lnRef idx="1">
+            <a:schemeClr val="accent1"/>
+          </a:lnRef>
+          <a:fillRef idx="0">
+            <a:schemeClr val="accent1"/>
+          </a:fillRef>
+          <a:effectRef idx="0">
+            <a:schemeClr val="accent1"/>
+          </a:effectRef>
+          <a:fontRef idx="minor">
+            <a:schemeClr val="tx1"/>
+          </a:fontRef>
+        </p:style>
+      </p:cxnSp>
+      <p:cxnSp>
+        <p:nvCxnSpPr>
+          <p:cNvPr id="69" name="직선 연결선 68">
+            <a:extLst>
+              <a:ext uri="{FF2B5EF4-FFF2-40B4-BE49-F238E27FC236}">
+                <a16:creationId xmlns:a16="http://schemas.microsoft.com/office/drawing/2014/main" id="{6C503425-8474-CD76-4B8E-6A7AC1545ED6}"/>
+              </a:ext>
+            </a:extLst>
+          </p:cNvPr>
+          <p:cNvCxnSpPr>
+            <a:cxnSpLocks/>
+            <a:stCxn id="73" idx="0"/>
+            <a:endCxn id="82" idx="2"/>
+          </p:cNvCxnSpPr>
+          <p:nvPr/>
+        </p:nvCxnSpPr>
+        <p:spPr>
+          <a:xfrm flipV="1">
+            <a:off x="8757067" y="3424109"/>
+            <a:ext cx="932093" cy="363070"/>
+          </a:xfrm>
+          <a:prstGeom prst="line">
+            <a:avLst/>
+          </a:prstGeom>
+          <a:ln w="38100">
+            <a:solidFill>
+              <a:schemeClr val="tx1"/>
+            </a:solidFill>
+            <a:headEnd type="none" w="med" len="med"/>
+            <a:tailEnd type="none" w="med" len="med"/>
+          </a:ln>
+        </p:spPr>
+        <p:style>
+          <a:lnRef idx="1">
+            <a:schemeClr val="accent1"/>
+          </a:lnRef>
+          <a:fillRef idx="0">
+            <a:schemeClr val="accent1"/>
+          </a:fillRef>
+          <a:effectRef idx="0">
+            <a:schemeClr val="accent1"/>
+          </a:effectRef>
+          <a:fontRef idx="minor">
+            <a:schemeClr val="tx1"/>
+          </a:fontRef>
+        </p:style>
+      </p:cxnSp>
+      <p:sp>
+        <p:nvSpPr>
+          <p:cNvPr id="70" name="직사각형 69">
+            <a:extLst>
+              <a:ext uri="{FF2B5EF4-FFF2-40B4-BE49-F238E27FC236}">
+                <a16:creationId xmlns:a16="http://schemas.microsoft.com/office/drawing/2014/main" id="{C5C758BB-EEFC-3977-A357-46AEC4A74D8E}"/>
+              </a:ext>
+            </a:extLst>
+          </p:cNvPr>
+          <p:cNvSpPr/>
+          <p:nvPr/>
+        </p:nvSpPr>
+        <p:spPr>
+          <a:xfrm>
+            <a:off x="8075511" y="1788051"/>
+            <a:ext cx="1371601" cy="636494"/>
+          </a:xfrm>
+          <a:prstGeom prst="rect">
+            <a:avLst/>
+          </a:prstGeom>
+          <a:solidFill>
+            <a:srgbClr val="9999FF"/>
+          </a:solidFill>
+          <a:ln>
+            <a:noFill/>
+          </a:ln>
+        </p:spPr>
+        <p:style>
+          <a:lnRef idx="2">
+            <a:schemeClr val="accent1">
+              <a:shade val="50000"/>
+            </a:schemeClr>
+          </a:lnRef>
+          <a:fillRef idx="1">
+            <a:schemeClr val="accent1"/>
+          </a:fillRef>
+          <a:effectRef idx="0">
+            <a:schemeClr val="accent1"/>
+          </a:effectRef>
+          <a:fontRef idx="minor">
+            <a:schemeClr val="lt1"/>
+          </a:fontRef>
+        </p:style>
+        <p:txBody>
+          <a:bodyPr rtlCol="0" anchor="ctr"/>
+          <a:lstStyle/>
+          <a:p>
+            <a:pPr algn="ctr"/>
+            <a:endParaRPr lang="ko-KR" altLang="en-US"/>
+          </a:p>
+        </p:txBody>
+      </p:sp>
+      <p:sp>
+        <p:nvSpPr>
+          <p:cNvPr id="71" name="직사각형 70">
+            <a:extLst>
+              <a:ext uri="{FF2B5EF4-FFF2-40B4-BE49-F238E27FC236}">
+                <a16:creationId xmlns:a16="http://schemas.microsoft.com/office/drawing/2014/main" id="{C9479BA4-6383-FC9D-FB88-7A00397C768D}"/>
+              </a:ext>
+            </a:extLst>
+          </p:cNvPr>
+          <p:cNvSpPr/>
+          <p:nvPr/>
+        </p:nvSpPr>
+        <p:spPr>
+          <a:xfrm>
+            <a:off x="7201453" y="2787615"/>
+            <a:ext cx="1371601" cy="636494"/>
+          </a:xfrm>
+          <a:prstGeom prst="rect">
+            <a:avLst/>
+          </a:prstGeom>
+          <a:solidFill>
+            <a:srgbClr val="9999FF"/>
+          </a:solidFill>
+          <a:ln>
+            <a:noFill/>
+          </a:ln>
+        </p:spPr>
+        <p:style>
+          <a:lnRef idx="2">
+            <a:schemeClr val="accent1">
+              <a:shade val="50000"/>
+            </a:schemeClr>
+          </a:lnRef>
+          <a:fillRef idx="1">
+            <a:schemeClr val="accent1"/>
+          </a:fillRef>
+          <a:effectRef idx="0">
+            <a:schemeClr val="accent1"/>
+          </a:effectRef>
+          <a:fontRef idx="minor">
+            <a:schemeClr val="lt1"/>
+          </a:fontRef>
+        </p:style>
+        <p:txBody>
+          <a:bodyPr rtlCol="0" anchor="ctr"/>
+          <a:lstStyle/>
+          <a:p>
+            <a:pPr algn="ctr"/>
+            <a:endParaRPr lang="ko-KR" altLang="en-US"/>
+          </a:p>
+        </p:txBody>
+      </p:sp>
+      <p:sp>
+        <p:nvSpPr>
+          <p:cNvPr id="72" name="직사각형 71">
+            <a:extLst>
+              <a:ext uri="{FF2B5EF4-FFF2-40B4-BE49-F238E27FC236}">
+                <a16:creationId xmlns:a16="http://schemas.microsoft.com/office/drawing/2014/main" id="{DC655499-020C-0516-E0BB-A8E9C58816F3}"/>
+              </a:ext>
+            </a:extLst>
+          </p:cNvPr>
+          <p:cNvSpPr/>
+          <p:nvPr/>
+        </p:nvSpPr>
+        <p:spPr>
+          <a:xfrm>
+            <a:off x="6273605" y="3787179"/>
+            <a:ext cx="1371601" cy="636494"/>
+          </a:xfrm>
+          <a:prstGeom prst="rect">
+            <a:avLst/>
+          </a:prstGeom>
+          <a:solidFill>
+            <a:srgbClr val="FFD966"/>
+          </a:solidFill>
+          <a:ln>
+            <a:noFill/>
+          </a:ln>
+        </p:spPr>
+        <p:style>
+          <a:lnRef idx="2">
+            <a:schemeClr val="accent1">
+              <a:shade val="50000"/>
+            </a:schemeClr>
+          </a:lnRef>
+          <a:fillRef idx="1">
+            <a:schemeClr val="accent1"/>
+          </a:fillRef>
+          <a:effectRef idx="0">
+            <a:schemeClr val="accent1"/>
+          </a:effectRef>
+          <a:fontRef idx="minor">
+            <a:schemeClr val="lt1"/>
+          </a:fontRef>
+        </p:style>
+        <p:txBody>
+          <a:bodyPr rtlCol="0" anchor="ctr"/>
+          <a:lstStyle/>
+          <a:p>
+            <a:pPr algn="ctr"/>
+            <a:endParaRPr lang="ko-KR" altLang="en-US"/>
+          </a:p>
+        </p:txBody>
+      </p:sp>
+      <p:sp>
+        <p:nvSpPr>
+          <p:cNvPr id="73" name="직사각형 72">
+            <a:extLst>
+              <a:ext uri="{FF2B5EF4-FFF2-40B4-BE49-F238E27FC236}">
+                <a16:creationId xmlns:a16="http://schemas.microsoft.com/office/drawing/2014/main" id="{EEEA7022-5CEA-F338-5587-D11E1F53EB4F}"/>
+              </a:ext>
+            </a:extLst>
+          </p:cNvPr>
+          <p:cNvSpPr/>
+          <p:nvPr/>
+        </p:nvSpPr>
+        <p:spPr>
+          <a:xfrm>
+            <a:off x="8071266" y="3787179"/>
+            <a:ext cx="1371601" cy="636494"/>
+          </a:xfrm>
+          <a:prstGeom prst="rect">
+            <a:avLst/>
+          </a:prstGeom>
+          <a:solidFill>
+            <a:srgbClr val="9999FF"/>
+          </a:solidFill>
+          <a:ln>
+            <a:noFill/>
+          </a:ln>
+        </p:spPr>
+        <p:style>
+          <a:lnRef idx="2">
+            <a:schemeClr val="accent1">
+              <a:shade val="50000"/>
+            </a:schemeClr>
+          </a:lnRef>
+          <a:fillRef idx="1">
+            <a:schemeClr val="accent1"/>
+          </a:fillRef>
+          <a:effectRef idx="0">
+            <a:schemeClr val="accent1"/>
+          </a:effectRef>
+          <a:fontRef idx="minor">
+            <a:schemeClr val="lt1"/>
+          </a:fontRef>
+        </p:style>
+        <p:txBody>
+          <a:bodyPr rtlCol="0" anchor="ctr"/>
+          <a:lstStyle/>
+          <a:p>
+            <a:pPr algn="ctr"/>
+            <a:endParaRPr lang="ko-KR" altLang="en-US"/>
+          </a:p>
+        </p:txBody>
+      </p:sp>
+      <p:sp>
+        <p:nvSpPr>
+          <p:cNvPr id="74" name="TextBox 73">
+            <a:extLst>
+              <a:ext uri="{FF2B5EF4-FFF2-40B4-BE49-F238E27FC236}">
+                <a16:creationId xmlns:a16="http://schemas.microsoft.com/office/drawing/2014/main" id="{416DB7CC-5141-EEBD-525F-AB5257534B77}"/>
+              </a:ext>
+            </a:extLst>
+          </p:cNvPr>
+          <p:cNvSpPr txBox="1"/>
+          <p:nvPr/>
+        </p:nvSpPr>
+        <p:spPr>
+          <a:xfrm>
+            <a:off x="8022845" y="1389118"/>
+            <a:ext cx="1476934" cy="307777"/>
+          </a:xfrm>
+          <a:prstGeom prst="rect">
+            <a:avLst/>
+          </a:prstGeom>
+          <a:solidFill>
+            <a:schemeClr val="bg1"/>
+          </a:solidFill>
+        </p:spPr>
+        <p:txBody>
+          <a:bodyPr wrap="square" rtlCol="0">
+            <a:spAutoFit/>
+          </a:bodyPr>
+          <a:lstStyle/>
+          <a:p>
+            <a:pPr algn="ctr"/>
+            <a:r>
+              <a:rPr lang="en-US" altLang="ko-KR" sz="1400" dirty="0"/>
+              <a:t>Virtual DOM</a:t>
+            </a:r>
+            <a:endParaRPr lang="ko-KR" altLang="en-US" sz="1400" dirty="0"/>
+          </a:p>
+        </p:txBody>
+      </p:sp>
+      <p:sp>
+        <p:nvSpPr>
+          <p:cNvPr id="79" name="직사각형 78">
+            <a:extLst>
+              <a:ext uri="{FF2B5EF4-FFF2-40B4-BE49-F238E27FC236}">
+                <a16:creationId xmlns:a16="http://schemas.microsoft.com/office/drawing/2014/main" id="{E8C93AB0-BD25-D85C-6F2E-B69DD620AF69}"/>
+              </a:ext>
+            </a:extLst>
+          </p:cNvPr>
+          <p:cNvSpPr/>
+          <p:nvPr/>
+        </p:nvSpPr>
+        <p:spPr>
+          <a:xfrm>
+            <a:off x="9883033" y="3787179"/>
+            <a:ext cx="1371601" cy="636494"/>
+          </a:xfrm>
+          <a:prstGeom prst="rect">
+            <a:avLst/>
+          </a:prstGeom>
+          <a:solidFill>
+            <a:srgbClr val="9999FF"/>
+          </a:solidFill>
+          <a:ln>
+            <a:noFill/>
+          </a:ln>
+        </p:spPr>
+        <p:style>
+          <a:lnRef idx="2">
+            <a:schemeClr val="accent1">
+              <a:shade val="50000"/>
+            </a:schemeClr>
+          </a:lnRef>
+          <a:fillRef idx="1">
+            <a:schemeClr val="accent1"/>
+          </a:fillRef>
+          <a:effectRef idx="0">
+            <a:schemeClr val="accent1"/>
+          </a:effectRef>
+          <a:fontRef idx="minor">
+            <a:schemeClr val="lt1"/>
+          </a:fontRef>
+        </p:style>
+        <p:txBody>
+          <a:bodyPr rtlCol="0" anchor="ctr"/>
+          <a:lstStyle/>
+          <a:p>
+            <a:pPr algn="ctr"/>
+            <a:endParaRPr lang="ko-KR" altLang="en-US"/>
+          </a:p>
+        </p:txBody>
+      </p:sp>
+      <p:cxnSp>
+        <p:nvCxnSpPr>
+          <p:cNvPr id="80" name="직선 연결선 79">
+            <a:extLst>
+              <a:ext uri="{FF2B5EF4-FFF2-40B4-BE49-F238E27FC236}">
+                <a16:creationId xmlns:a16="http://schemas.microsoft.com/office/drawing/2014/main" id="{80C0AFCB-2A84-E22F-7920-D2F60A8F81D2}"/>
+              </a:ext>
+            </a:extLst>
+          </p:cNvPr>
+          <p:cNvCxnSpPr>
+            <a:cxnSpLocks/>
+            <a:stCxn id="79" idx="0"/>
+            <a:endCxn id="82" idx="2"/>
+          </p:cNvCxnSpPr>
+          <p:nvPr/>
+        </p:nvCxnSpPr>
+        <p:spPr>
+          <a:xfrm flipH="1" flipV="1">
+            <a:off x="9689160" y="3424109"/>
+            <a:ext cx="879674" cy="363070"/>
+          </a:xfrm>
+          <a:prstGeom prst="line">
+            <a:avLst/>
+          </a:prstGeom>
+          <a:ln w="38100">
+            <a:solidFill>
+              <a:schemeClr val="tx1"/>
+            </a:solidFill>
+            <a:headEnd type="none" w="med" len="med"/>
+            <a:tailEnd type="none" w="med" len="med"/>
+          </a:ln>
+        </p:spPr>
+        <p:style>
+          <a:lnRef idx="1">
+            <a:schemeClr val="accent1"/>
+          </a:lnRef>
+          <a:fillRef idx="0">
+            <a:schemeClr val="accent1"/>
+          </a:fillRef>
+          <a:effectRef idx="0">
+            <a:schemeClr val="accent1"/>
+          </a:effectRef>
+          <a:fontRef idx="minor">
+            <a:schemeClr val="tx1"/>
+          </a:fontRef>
+        </p:style>
+      </p:cxnSp>
+      <p:sp>
+        <p:nvSpPr>
+          <p:cNvPr id="82" name="직사각형 81">
+            <a:extLst>
+              <a:ext uri="{FF2B5EF4-FFF2-40B4-BE49-F238E27FC236}">
+                <a16:creationId xmlns:a16="http://schemas.microsoft.com/office/drawing/2014/main" id="{FA9838CF-7F82-0314-34F2-042B623F82C8}"/>
+              </a:ext>
+            </a:extLst>
+          </p:cNvPr>
+          <p:cNvSpPr/>
+          <p:nvPr/>
+        </p:nvSpPr>
+        <p:spPr>
+          <a:xfrm>
+            <a:off x="9003359" y="2787615"/>
+            <a:ext cx="1371601" cy="636494"/>
+          </a:xfrm>
+          <a:prstGeom prst="rect">
+            <a:avLst/>
+          </a:prstGeom>
+          <a:solidFill>
+            <a:srgbClr val="9999FF"/>
+          </a:solidFill>
+          <a:ln>
+            <a:noFill/>
+          </a:ln>
+        </p:spPr>
+        <p:style>
+          <a:lnRef idx="2">
+            <a:schemeClr val="accent1">
+              <a:shade val="50000"/>
+            </a:schemeClr>
+          </a:lnRef>
+          <a:fillRef idx="1">
+            <a:schemeClr val="accent1"/>
+          </a:fillRef>
+          <a:effectRef idx="0">
+            <a:schemeClr val="accent1"/>
+          </a:effectRef>
+          <a:fontRef idx="minor">
+            <a:schemeClr val="lt1"/>
+          </a:fontRef>
+        </p:style>
+        <p:txBody>
+          <a:bodyPr rtlCol="0" anchor="ctr"/>
+          <a:lstStyle/>
+          <a:p>
+            <a:pPr algn="ctr"/>
+            <a:endParaRPr lang="ko-KR" altLang="en-US"/>
+          </a:p>
+        </p:txBody>
+      </p:sp>
+      <p:sp>
+        <p:nvSpPr>
+          <p:cNvPr id="3" name="TextBox 2">
+            <a:extLst>
+              <a:ext uri="{FF2B5EF4-FFF2-40B4-BE49-F238E27FC236}">
+                <a16:creationId xmlns:a16="http://schemas.microsoft.com/office/drawing/2014/main" id="{AEF21BE4-7DDE-8536-B7A0-7ACAE1BA4A24}"/>
+              </a:ext>
+            </a:extLst>
+          </p:cNvPr>
+          <p:cNvSpPr txBox="1"/>
+          <p:nvPr/>
+        </p:nvSpPr>
+        <p:spPr>
+          <a:xfrm>
+            <a:off x="7995401" y="1095305"/>
+            <a:ext cx="1476934" cy="307777"/>
+          </a:xfrm>
+          <a:prstGeom prst="rect">
+            <a:avLst/>
+          </a:prstGeom>
+          <a:solidFill>
+            <a:schemeClr val="bg1"/>
+          </a:solidFill>
+        </p:spPr>
+        <p:txBody>
+          <a:bodyPr wrap="square" rtlCol="0">
+            <a:spAutoFit/>
+          </a:bodyPr>
+          <a:lstStyle/>
+          <a:p>
+            <a:pPr algn="ctr"/>
+            <a:r>
+              <a:rPr lang="en-US" altLang="ko-KR" sz="1400" dirty="0"/>
+              <a:t>In-Memory</a:t>
+            </a:r>
+            <a:endParaRPr lang="ko-KR" altLang="en-US" sz="1400" dirty="0"/>
+          </a:p>
+        </p:txBody>
+      </p:sp>
+      <p:cxnSp>
+        <p:nvCxnSpPr>
+          <p:cNvPr id="7" name="연결선: 꺾임 6">
+            <a:extLst>
+              <a:ext uri="{FF2B5EF4-FFF2-40B4-BE49-F238E27FC236}">
+                <a16:creationId xmlns:a16="http://schemas.microsoft.com/office/drawing/2014/main" id="{4A24B16B-3CFD-CF5B-91D2-6D594203DF71}"/>
+              </a:ext>
+            </a:extLst>
+          </p:cNvPr>
+          <p:cNvCxnSpPr>
+            <a:stCxn id="72" idx="2"/>
+            <a:endCxn id="52" idx="2"/>
+          </p:cNvCxnSpPr>
+          <p:nvPr/>
+        </p:nvCxnSpPr>
+        <p:spPr>
+          <a:xfrm rot="5400000">
+            <a:off x="3968311" y="1432578"/>
+            <a:ext cx="12700" cy="5982191"/>
+          </a:xfrm>
+          <a:prstGeom prst="bentConnector3">
+            <a:avLst>
+              <a:gd name="adj1" fmla="val 7400016"/>
+            </a:avLst>
+          </a:prstGeom>
+          <a:ln w="38100">
+            <a:solidFill>
+              <a:srgbClr val="FF0000"/>
+            </a:solidFill>
+            <a:headEnd type="none" w="med" len="med"/>
+            <a:tailEnd type="triangle"/>
+          </a:ln>
+        </p:spPr>
+        <p:style>
+          <a:lnRef idx="1">
+            <a:schemeClr val="accent1"/>
+          </a:lnRef>
+          <a:fillRef idx="0">
+            <a:schemeClr val="accent1"/>
+          </a:fillRef>
+          <a:effectRef idx="0">
+            <a:schemeClr val="accent1"/>
+          </a:effectRef>
+          <a:fontRef idx="minor">
+            <a:schemeClr val="tx1"/>
+          </a:fontRef>
+        </p:style>
+      </p:cxnSp>
+      <p:sp>
+        <p:nvSpPr>
+          <p:cNvPr id="9" name="TextBox 8">
+            <a:extLst>
+              <a:ext uri="{FF2B5EF4-FFF2-40B4-BE49-F238E27FC236}">
+                <a16:creationId xmlns:a16="http://schemas.microsoft.com/office/drawing/2014/main" id="{D4750DB3-8620-D650-6EAD-665C4A4BE8C2}"/>
+              </a:ext>
+            </a:extLst>
+          </p:cNvPr>
+          <p:cNvSpPr txBox="1"/>
+          <p:nvPr/>
+        </p:nvSpPr>
+        <p:spPr>
+          <a:xfrm>
+            <a:off x="3487321" y="5428323"/>
+            <a:ext cx="974680" cy="369332"/>
+          </a:xfrm>
+          <a:prstGeom prst="rect">
+            <a:avLst/>
+          </a:prstGeom>
+          <a:noFill/>
+        </p:spPr>
+        <p:txBody>
+          <a:bodyPr wrap="square">
+            <a:spAutoFit/>
+          </a:bodyPr>
+          <a:lstStyle/>
+          <a:p>
+            <a:pPr algn="ctr"/>
+            <a:r>
+              <a:rPr lang="en-US" altLang="ko-KR" dirty="0"/>
+              <a:t>Patch</a:t>
+            </a:r>
+            <a:endParaRPr lang="ko-KR" altLang="en-US" dirty="0"/>
+          </a:p>
+        </p:txBody>
+      </p:sp>
+      <p:sp>
+        <p:nvSpPr>
+          <p:cNvPr id="27" name="화살표: 왼쪽/오른쪽 26">
+            <a:extLst>
+              <a:ext uri="{FF2B5EF4-FFF2-40B4-BE49-F238E27FC236}">
+                <a16:creationId xmlns:a16="http://schemas.microsoft.com/office/drawing/2014/main" id="{8F692CA9-97EA-0731-BFA9-DC41C89F8D45}"/>
+              </a:ext>
+            </a:extLst>
+          </p:cNvPr>
+          <p:cNvSpPr/>
+          <p:nvPr/>
+        </p:nvSpPr>
+        <p:spPr>
+          <a:xfrm>
+            <a:off x="4758601" y="2751309"/>
+            <a:ext cx="1710895" cy="569557"/>
+          </a:xfrm>
+          <a:prstGeom prst="leftRightArrow">
+            <a:avLst/>
+          </a:prstGeom>
+          <a:solidFill>
+            <a:srgbClr val="79DAE8"/>
+          </a:solidFill>
+          <a:ln>
+            <a:noFill/>
+          </a:ln>
+        </p:spPr>
+        <p:style>
+          <a:lnRef idx="2">
+            <a:schemeClr val="accent1">
+              <a:shade val="50000"/>
+            </a:schemeClr>
+          </a:lnRef>
+          <a:fillRef idx="1">
+            <a:schemeClr val="accent1"/>
+          </a:fillRef>
+          <a:effectRef idx="0">
+            <a:schemeClr val="accent1"/>
+          </a:effectRef>
+          <a:fontRef idx="minor">
+            <a:schemeClr val="lt1"/>
+          </a:fontRef>
+        </p:style>
+        <p:txBody>
+          <a:bodyPr rtlCol="0" anchor="ctr"/>
+          <a:lstStyle/>
+          <a:p>
+            <a:pPr algn="ctr"/>
+            <a:endParaRPr lang="ko-KR" altLang="en-US"/>
+          </a:p>
+        </p:txBody>
+      </p:sp>
+      <p:sp>
+        <p:nvSpPr>
+          <p:cNvPr id="31" name="TextBox 30">
+            <a:extLst>
+              <a:ext uri="{FF2B5EF4-FFF2-40B4-BE49-F238E27FC236}">
+                <a16:creationId xmlns:a16="http://schemas.microsoft.com/office/drawing/2014/main" id="{B4DB9B99-7946-0597-4BAE-3E7026C5BA1B}"/>
+              </a:ext>
+            </a:extLst>
+          </p:cNvPr>
+          <p:cNvSpPr txBox="1"/>
+          <p:nvPr/>
+        </p:nvSpPr>
+        <p:spPr>
+          <a:xfrm>
+            <a:off x="5110548" y="2897587"/>
+            <a:ext cx="974680" cy="276999"/>
+          </a:xfrm>
+          <a:prstGeom prst="rect">
+            <a:avLst/>
+          </a:prstGeom>
+          <a:noFill/>
+        </p:spPr>
+        <p:txBody>
+          <a:bodyPr wrap="square">
+            <a:spAutoFit/>
+          </a:bodyPr>
+          <a:lstStyle/>
+          <a:p>
+            <a:pPr algn="ctr"/>
+            <a:r>
+              <a:rPr lang="en-US" altLang="ko-KR" sz="1200" b="1" dirty="0"/>
+              <a:t>State</a:t>
+            </a:r>
+            <a:endParaRPr lang="ko-KR" altLang="en-US" sz="1200" b="1" dirty="0"/>
+          </a:p>
+        </p:txBody>
+      </p:sp>
+    </p:spTree>
+    <p:extLst>
+      <p:ext uri="{BB962C8B-B14F-4D97-AF65-F5344CB8AC3E}">
+        <p14:creationId xmlns:p14="http://schemas.microsoft.com/office/powerpoint/2010/main" val="3249100903"/>
       </p:ext>
     </p:extLst>
   </p:cSld>
@@ -41425,7 +44197,8 @@
     <a:lnDef>
       <a:spPr>
         <a:ln w="38100">
-          <a:tailEnd type="triangle"/>
+          <a:headEnd type="none" w="med" len="med"/>
+          <a:tailEnd type="none" w="med" len="med"/>
         </a:ln>
       </a:spPr>
       <a:bodyPr/>

--- a/Image/Diagram/Canvas.pptx
+++ b/Image/Diagram/Canvas.pptx
@@ -5,10 +5,10 @@
     <p:sldMasterId id="2147483648" r:id="rId1"/>
   </p:sldMasterIdLst>
   <p:notesMasterIdLst>
-    <p:notesMasterId r:id="rId32"/>
+    <p:notesMasterId r:id="rId33"/>
   </p:notesMasterIdLst>
   <p:handoutMasterIdLst>
-    <p:handoutMasterId r:id="rId33"/>
+    <p:handoutMasterId r:id="rId34"/>
   </p:handoutMasterIdLst>
   <p:sldIdLst>
     <p:sldId id="278" r:id="rId2"/>
@@ -41,6 +41,7 @@
     <p:sldId id="284" r:id="rId29"/>
     <p:sldId id="286" r:id="rId30"/>
     <p:sldId id="285" r:id="rId31"/>
+    <p:sldId id="287" r:id="rId32"/>
   </p:sldIdLst>
   <p:sldSz cx="12192000" cy="6858000"/>
   <p:notesSz cx="6858000" cy="9144000"/>
@@ -244,7 +245,7 @@
           <a:p>
             <a:fld id="{29F43AEA-EBFF-4648-88A2-B3AE8909EBED}" type="datetimeFigureOut">
               <a:rPr lang="ko-KR" altLang="en-US" smtClean="0"/>
-              <a:t>2022-09-28</a:t>
+              <a:t>2022-09-30</a:t>
             </a:fld>
             <a:endParaRPr lang="ko-KR" altLang="en-US"/>
           </a:p>
@@ -421,7 +422,7 @@
           <a:p>
             <a:fld id="{D4F45FAA-3284-44C8-A10C-F89E7A7A9D0D}" type="datetimeFigureOut">
               <a:rPr lang="ko-KR" altLang="en-US" smtClean="0"/>
-              <a:t>2022-09-28</a:t>
+              <a:t>2022-09-30</a:t>
             </a:fld>
             <a:endParaRPr lang="ko-KR" altLang="en-US"/>
           </a:p>
@@ -817,7 +818,7 @@
           <a:p>
             <a:fld id="{B5FEAD0D-239A-466E-9319-07628EC22FD2}" type="datetimeFigureOut">
               <a:rPr lang="ko-KR" altLang="en-US" smtClean="0"/>
-              <a:t>2022-09-28</a:t>
+              <a:t>2022-09-30</a:t>
             </a:fld>
             <a:endParaRPr lang="ko-KR" altLang="en-US"/>
           </a:p>
@@ -985,7 +986,7 @@
           <a:p>
             <a:fld id="{B5FEAD0D-239A-466E-9319-07628EC22FD2}" type="datetimeFigureOut">
               <a:rPr lang="ko-KR" altLang="en-US" smtClean="0"/>
-              <a:t>2022-09-28</a:t>
+              <a:t>2022-09-30</a:t>
             </a:fld>
             <a:endParaRPr lang="ko-KR" altLang="en-US"/>
           </a:p>
@@ -1163,7 +1164,7 @@
           <a:p>
             <a:fld id="{B5FEAD0D-239A-466E-9319-07628EC22FD2}" type="datetimeFigureOut">
               <a:rPr lang="ko-KR" altLang="en-US" smtClean="0"/>
-              <a:t>2022-09-28</a:t>
+              <a:t>2022-09-30</a:t>
             </a:fld>
             <a:endParaRPr lang="ko-KR" altLang="en-US"/>
           </a:p>
@@ -1258,7 +1259,7 @@
           <a:p>
             <a:fld id="{B5FEAD0D-239A-466E-9319-07628EC22FD2}" type="datetimeFigureOut">
               <a:rPr lang="ko-KR" altLang="en-US" smtClean="0"/>
-              <a:t>2022-09-28</a:t>
+              <a:t>2022-09-30</a:t>
             </a:fld>
             <a:endParaRPr lang="ko-KR" altLang="en-US"/>
           </a:p>
@@ -1503,7 +1504,7 @@
           <a:p>
             <a:fld id="{B5FEAD0D-239A-466E-9319-07628EC22FD2}" type="datetimeFigureOut">
               <a:rPr lang="ko-KR" altLang="en-US" smtClean="0"/>
-              <a:t>2022-09-28</a:t>
+              <a:t>2022-09-30</a:t>
             </a:fld>
             <a:endParaRPr lang="ko-KR" altLang="en-US"/>
           </a:p>
@@ -1732,7 +1733,7 @@
           <a:p>
             <a:fld id="{B5FEAD0D-239A-466E-9319-07628EC22FD2}" type="datetimeFigureOut">
               <a:rPr lang="ko-KR" altLang="en-US" smtClean="0"/>
-              <a:t>2022-09-28</a:t>
+              <a:t>2022-09-30</a:t>
             </a:fld>
             <a:endParaRPr lang="ko-KR" altLang="en-US"/>
           </a:p>
@@ -2096,7 +2097,7 @@
           <a:p>
             <a:fld id="{B5FEAD0D-239A-466E-9319-07628EC22FD2}" type="datetimeFigureOut">
               <a:rPr lang="ko-KR" altLang="en-US" smtClean="0"/>
-              <a:t>2022-09-28</a:t>
+              <a:t>2022-09-30</a:t>
             </a:fld>
             <a:endParaRPr lang="ko-KR" altLang="en-US"/>
           </a:p>
@@ -2213,7 +2214,7 @@
           <a:p>
             <a:fld id="{B5FEAD0D-239A-466E-9319-07628EC22FD2}" type="datetimeFigureOut">
               <a:rPr lang="ko-KR" altLang="en-US" smtClean="0"/>
-              <a:t>2022-09-28</a:t>
+              <a:t>2022-09-30</a:t>
             </a:fld>
             <a:endParaRPr lang="ko-KR" altLang="en-US"/>
           </a:p>
@@ -2308,7 +2309,7 @@
           <a:p>
             <a:fld id="{B5FEAD0D-239A-466E-9319-07628EC22FD2}" type="datetimeFigureOut">
               <a:rPr lang="ko-KR" altLang="en-US" smtClean="0"/>
-              <a:t>2022-09-28</a:t>
+              <a:t>2022-09-30</a:t>
             </a:fld>
             <a:endParaRPr lang="ko-KR" altLang="en-US"/>
           </a:p>
@@ -2583,7 +2584,7 @@
           <a:p>
             <a:fld id="{B5FEAD0D-239A-466E-9319-07628EC22FD2}" type="datetimeFigureOut">
               <a:rPr lang="ko-KR" altLang="en-US" smtClean="0"/>
-              <a:t>2022-09-28</a:t>
+              <a:t>2022-09-30</a:t>
             </a:fld>
             <a:endParaRPr lang="ko-KR" altLang="en-US"/>
           </a:p>
@@ -2835,7 +2836,7 @@
           <a:p>
             <a:fld id="{B5FEAD0D-239A-466E-9319-07628EC22FD2}" type="datetimeFigureOut">
               <a:rPr lang="ko-KR" altLang="en-US" smtClean="0"/>
-              <a:t>2022-09-28</a:t>
+              <a:t>2022-09-30</a:t>
             </a:fld>
             <a:endParaRPr lang="ko-KR" altLang="en-US"/>
           </a:p>
@@ -3046,7 +3047,7 @@
           <a:p>
             <a:fld id="{B5FEAD0D-239A-466E-9319-07628EC22FD2}" type="datetimeFigureOut">
               <a:rPr lang="ko-KR" altLang="en-US" smtClean="0"/>
-              <a:t>2022-09-28</a:t>
+              <a:t>2022-09-30</a:t>
             </a:fld>
             <a:endParaRPr lang="ko-KR" altLang="en-US"/>
           </a:p>
@@ -33148,6 +33149,865 @@
     <p:extLst>
       <p:ext uri="{BB962C8B-B14F-4D97-AF65-F5344CB8AC3E}">
         <p14:creationId xmlns:p14="http://schemas.microsoft.com/office/powerpoint/2010/main" val="3249100903"/>
+      </p:ext>
+    </p:extLst>
+  </p:cSld>
+  <p:clrMapOvr>
+    <a:masterClrMapping/>
+  </p:clrMapOvr>
+</p:sld>
+</file>
+
+<file path=ppt/slides/slide31.xml><?xml version="1.0" encoding="utf-8"?>
+<p:sld xmlns:a="http://schemas.openxmlformats.org/drawingml/2006/main" xmlns:r="http://schemas.openxmlformats.org/officeDocument/2006/relationships" xmlns:p="http://schemas.openxmlformats.org/presentationml/2006/main">
+  <p:cSld>
+    <p:spTree>
+      <p:nvGrpSpPr>
+        <p:cNvPr id="1" name=""/>
+        <p:cNvGrpSpPr/>
+        <p:nvPr/>
+      </p:nvGrpSpPr>
+      <p:grpSpPr>
+        <a:xfrm>
+          <a:off x="0" y="0"/>
+          <a:ext cx="0" cy="0"/>
+          <a:chOff x="0" y="0"/>
+          <a:chExt cx="0" cy="0"/>
+        </a:xfrm>
+      </p:grpSpPr>
+      <p:sp>
+        <p:nvSpPr>
+          <p:cNvPr id="2" name="사각형: 모서리가 접힌 도형 1">
+            <a:extLst>
+              <a:ext uri="{FF2B5EF4-FFF2-40B4-BE49-F238E27FC236}">
+                <a16:creationId xmlns:a16="http://schemas.microsoft.com/office/drawing/2014/main" id="{F482A274-724B-7A02-69C6-41BCD3B16BD8}"/>
+              </a:ext>
+            </a:extLst>
+          </p:cNvPr>
+          <p:cNvSpPr/>
+          <p:nvPr/>
+        </p:nvSpPr>
+        <p:spPr>
+          <a:xfrm>
+            <a:off x="1066801" y="1474645"/>
+            <a:ext cx="1362635" cy="1676400"/>
+          </a:xfrm>
+          <a:prstGeom prst="foldedCorner">
+            <a:avLst/>
+          </a:prstGeom>
+          <a:solidFill>
+            <a:srgbClr val="FF6161"/>
+          </a:solidFill>
+          <a:ln w="38100">
+            <a:solidFill>
+              <a:schemeClr val="bg1"/>
+            </a:solidFill>
+          </a:ln>
+        </p:spPr>
+        <p:style>
+          <a:lnRef idx="2">
+            <a:schemeClr val="accent1">
+              <a:shade val="50000"/>
+            </a:schemeClr>
+          </a:lnRef>
+          <a:fillRef idx="1">
+            <a:schemeClr val="accent1"/>
+          </a:fillRef>
+          <a:effectRef idx="0">
+            <a:schemeClr val="accent1"/>
+          </a:effectRef>
+          <a:fontRef idx="minor">
+            <a:schemeClr val="lt1"/>
+          </a:fontRef>
+        </p:style>
+        <p:txBody>
+          <a:bodyPr rtlCol="0" anchor="ctr"/>
+          <a:lstStyle/>
+          <a:p>
+            <a:pPr algn="ctr"/>
+            <a:endParaRPr lang="ko-KR" altLang="en-US"/>
+          </a:p>
+        </p:txBody>
+      </p:sp>
+      <p:sp>
+        <p:nvSpPr>
+          <p:cNvPr id="4" name="TextBox 3">
+            <a:extLst>
+              <a:ext uri="{FF2B5EF4-FFF2-40B4-BE49-F238E27FC236}">
+                <a16:creationId xmlns:a16="http://schemas.microsoft.com/office/drawing/2014/main" id="{77EA343B-A354-10CB-3439-AA501C4B92C1}"/>
+              </a:ext>
+            </a:extLst>
+          </p:cNvPr>
+          <p:cNvSpPr txBox="1"/>
+          <p:nvPr/>
+        </p:nvSpPr>
+        <p:spPr>
+          <a:xfrm>
+            <a:off x="1066801" y="1474645"/>
+            <a:ext cx="1165412" cy="338554"/>
+          </a:xfrm>
+          <a:prstGeom prst="rect">
+            <a:avLst/>
+          </a:prstGeom>
+          <a:noFill/>
+        </p:spPr>
+        <p:txBody>
+          <a:bodyPr wrap="square" rtlCol="0">
+            <a:spAutoFit/>
+          </a:bodyPr>
+          <a:lstStyle/>
+          <a:p>
+            <a:r>
+              <a:rPr lang="en-US" altLang="ko-KR" sz="1600" dirty="0">
+                <a:solidFill>
+                  <a:schemeClr val="bg1"/>
+                </a:solidFill>
+              </a:rPr>
+              <a:t>Class</a:t>
+            </a:r>
+            <a:endParaRPr lang="ko-KR" altLang="en-US" sz="1600" dirty="0">
+              <a:solidFill>
+                <a:schemeClr val="bg1"/>
+              </a:solidFill>
+            </a:endParaRPr>
+          </a:p>
+        </p:txBody>
+      </p:sp>
+      <p:sp>
+        <p:nvSpPr>
+          <p:cNvPr id="5" name="사각형: 모서리가 접힌 도형 4">
+            <a:extLst>
+              <a:ext uri="{FF2B5EF4-FFF2-40B4-BE49-F238E27FC236}">
+                <a16:creationId xmlns:a16="http://schemas.microsoft.com/office/drawing/2014/main" id="{A64700D9-29E0-01F0-829F-03B845CBB38C}"/>
+              </a:ext>
+            </a:extLst>
+          </p:cNvPr>
+          <p:cNvSpPr/>
+          <p:nvPr/>
+        </p:nvSpPr>
+        <p:spPr>
+          <a:xfrm>
+            <a:off x="1335742" y="1852878"/>
+            <a:ext cx="1362635" cy="1676400"/>
+          </a:xfrm>
+          <a:prstGeom prst="foldedCorner">
+            <a:avLst/>
+          </a:prstGeom>
+          <a:solidFill>
+            <a:srgbClr val="FF6161"/>
+          </a:solidFill>
+          <a:ln w="38100">
+            <a:solidFill>
+              <a:schemeClr val="bg1"/>
+            </a:solidFill>
+          </a:ln>
+        </p:spPr>
+        <p:style>
+          <a:lnRef idx="2">
+            <a:schemeClr val="accent1">
+              <a:shade val="50000"/>
+            </a:schemeClr>
+          </a:lnRef>
+          <a:fillRef idx="1">
+            <a:schemeClr val="accent1"/>
+          </a:fillRef>
+          <a:effectRef idx="0">
+            <a:schemeClr val="accent1"/>
+          </a:effectRef>
+          <a:fontRef idx="minor">
+            <a:schemeClr val="lt1"/>
+          </a:fontRef>
+        </p:style>
+        <p:txBody>
+          <a:bodyPr rtlCol="0" anchor="ctr"/>
+          <a:lstStyle/>
+          <a:p>
+            <a:pPr algn="ctr"/>
+            <a:endParaRPr lang="ko-KR" altLang="en-US"/>
+          </a:p>
+        </p:txBody>
+      </p:sp>
+      <p:sp>
+        <p:nvSpPr>
+          <p:cNvPr id="6" name="TextBox 5">
+            <a:extLst>
+              <a:ext uri="{FF2B5EF4-FFF2-40B4-BE49-F238E27FC236}">
+                <a16:creationId xmlns:a16="http://schemas.microsoft.com/office/drawing/2014/main" id="{C8748B70-C531-0E82-B751-584E1AAA8D24}"/>
+              </a:ext>
+            </a:extLst>
+          </p:cNvPr>
+          <p:cNvSpPr txBox="1"/>
+          <p:nvPr/>
+        </p:nvSpPr>
+        <p:spPr>
+          <a:xfrm>
+            <a:off x="1335742" y="1878057"/>
+            <a:ext cx="1165412" cy="338554"/>
+          </a:xfrm>
+          <a:prstGeom prst="rect">
+            <a:avLst/>
+          </a:prstGeom>
+          <a:noFill/>
+        </p:spPr>
+        <p:txBody>
+          <a:bodyPr wrap="square" rtlCol="0">
+            <a:spAutoFit/>
+          </a:bodyPr>
+          <a:lstStyle/>
+          <a:p>
+            <a:r>
+              <a:rPr lang="en-US" altLang="ko-KR" sz="1600" dirty="0">
+                <a:solidFill>
+                  <a:schemeClr val="bg1"/>
+                </a:solidFill>
+              </a:rPr>
+              <a:t>Class</a:t>
+            </a:r>
+            <a:endParaRPr lang="ko-KR" altLang="en-US" sz="1600" dirty="0">
+              <a:solidFill>
+                <a:schemeClr val="bg1"/>
+              </a:solidFill>
+            </a:endParaRPr>
+          </a:p>
+        </p:txBody>
+      </p:sp>
+      <p:sp>
+        <p:nvSpPr>
+          <p:cNvPr id="7" name="사각형: 모서리가 접힌 도형 6">
+            <a:extLst>
+              <a:ext uri="{FF2B5EF4-FFF2-40B4-BE49-F238E27FC236}">
+                <a16:creationId xmlns:a16="http://schemas.microsoft.com/office/drawing/2014/main" id="{473D2431-1053-680B-ACCA-92846D199B56}"/>
+              </a:ext>
+            </a:extLst>
+          </p:cNvPr>
+          <p:cNvSpPr/>
+          <p:nvPr/>
+        </p:nvSpPr>
+        <p:spPr>
+          <a:xfrm>
+            <a:off x="1649507" y="2241790"/>
+            <a:ext cx="1362635" cy="1676400"/>
+          </a:xfrm>
+          <a:prstGeom prst="foldedCorner">
+            <a:avLst/>
+          </a:prstGeom>
+          <a:solidFill>
+            <a:srgbClr val="FF6161"/>
+          </a:solidFill>
+          <a:ln w="38100">
+            <a:solidFill>
+              <a:schemeClr val="bg1"/>
+            </a:solidFill>
+          </a:ln>
+        </p:spPr>
+        <p:style>
+          <a:lnRef idx="2">
+            <a:schemeClr val="accent1">
+              <a:shade val="50000"/>
+            </a:schemeClr>
+          </a:lnRef>
+          <a:fillRef idx="1">
+            <a:schemeClr val="accent1"/>
+          </a:fillRef>
+          <a:effectRef idx="0">
+            <a:schemeClr val="accent1"/>
+          </a:effectRef>
+          <a:fontRef idx="minor">
+            <a:schemeClr val="lt1"/>
+          </a:fontRef>
+        </p:style>
+        <p:txBody>
+          <a:bodyPr rtlCol="0" anchor="ctr"/>
+          <a:lstStyle/>
+          <a:p>
+            <a:pPr algn="ctr"/>
+            <a:endParaRPr lang="ko-KR" altLang="en-US"/>
+          </a:p>
+        </p:txBody>
+      </p:sp>
+      <p:sp>
+        <p:nvSpPr>
+          <p:cNvPr id="8" name="TextBox 7">
+            <a:extLst>
+              <a:ext uri="{FF2B5EF4-FFF2-40B4-BE49-F238E27FC236}">
+                <a16:creationId xmlns:a16="http://schemas.microsoft.com/office/drawing/2014/main" id="{1CB1918E-88CC-8427-188F-081D70ED10A3}"/>
+              </a:ext>
+            </a:extLst>
+          </p:cNvPr>
+          <p:cNvSpPr txBox="1"/>
+          <p:nvPr/>
+        </p:nvSpPr>
+        <p:spPr>
+          <a:xfrm>
+            <a:off x="1649507" y="2241790"/>
+            <a:ext cx="1165412" cy="338554"/>
+          </a:xfrm>
+          <a:prstGeom prst="rect">
+            <a:avLst/>
+          </a:prstGeom>
+          <a:noFill/>
+        </p:spPr>
+        <p:txBody>
+          <a:bodyPr wrap="square" rtlCol="0">
+            <a:spAutoFit/>
+          </a:bodyPr>
+          <a:lstStyle/>
+          <a:p>
+            <a:r>
+              <a:rPr lang="en-US" altLang="ko-KR" sz="1600" dirty="0">
+                <a:solidFill>
+                  <a:schemeClr val="bg1"/>
+                </a:solidFill>
+              </a:rPr>
+              <a:t>Class</a:t>
+            </a:r>
+            <a:endParaRPr lang="ko-KR" altLang="en-US" sz="1600" dirty="0">
+              <a:solidFill>
+                <a:schemeClr val="bg1"/>
+              </a:solidFill>
+            </a:endParaRPr>
+          </a:p>
+        </p:txBody>
+      </p:sp>
+      <p:sp>
+        <p:nvSpPr>
+          <p:cNvPr id="11" name="원통형 10">
+            <a:extLst>
+              <a:ext uri="{FF2B5EF4-FFF2-40B4-BE49-F238E27FC236}">
+                <a16:creationId xmlns:a16="http://schemas.microsoft.com/office/drawing/2014/main" id="{BB8CC784-AEC2-DCAF-6BA8-D24169B840DF}"/>
+              </a:ext>
+            </a:extLst>
+          </p:cNvPr>
+          <p:cNvSpPr/>
+          <p:nvPr/>
+        </p:nvSpPr>
+        <p:spPr>
+          <a:xfrm>
+            <a:off x="8264334" y="1238394"/>
+            <a:ext cx="2803715" cy="3278304"/>
+          </a:xfrm>
+          <a:prstGeom prst="can">
+            <a:avLst/>
+          </a:prstGeom>
+          <a:solidFill>
+            <a:srgbClr val="9999FF"/>
+          </a:solidFill>
+          <a:ln>
+            <a:noFill/>
+          </a:ln>
+        </p:spPr>
+        <p:style>
+          <a:lnRef idx="2">
+            <a:schemeClr val="accent1">
+              <a:shade val="50000"/>
+            </a:schemeClr>
+          </a:lnRef>
+          <a:fillRef idx="1">
+            <a:schemeClr val="accent1"/>
+          </a:fillRef>
+          <a:effectRef idx="0">
+            <a:schemeClr val="accent1"/>
+          </a:effectRef>
+          <a:fontRef idx="minor">
+            <a:schemeClr val="lt1"/>
+          </a:fontRef>
+        </p:style>
+        <p:txBody>
+          <a:bodyPr rtlCol="0" anchor="ctr"/>
+          <a:lstStyle/>
+          <a:p>
+            <a:pPr algn="ctr"/>
+            <a:endParaRPr lang="ko-KR" altLang="en-US"/>
+          </a:p>
+        </p:txBody>
+      </p:sp>
+      <p:sp>
+        <p:nvSpPr>
+          <p:cNvPr id="14" name="순서도: 내부 저장소 13">
+            <a:extLst>
+              <a:ext uri="{FF2B5EF4-FFF2-40B4-BE49-F238E27FC236}">
+                <a16:creationId xmlns:a16="http://schemas.microsoft.com/office/drawing/2014/main" id="{418D44C5-F004-6703-1A51-D11186399744}"/>
+              </a:ext>
+            </a:extLst>
+          </p:cNvPr>
+          <p:cNvSpPr/>
+          <p:nvPr/>
+        </p:nvSpPr>
+        <p:spPr>
+          <a:xfrm>
+            <a:off x="8581463" y="2047333"/>
+            <a:ext cx="1362635" cy="1211951"/>
+          </a:xfrm>
+          <a:prstGeom prst="flowChartInternalStorage">
+            <a:avLst/>
+          </a:prstGeom>
+          <a:solidFill>
+            <a:srgbClr val="0AA1DD"/>
+          </a:solidFill>
+          <a:ln>
+            <a:solidFill>
+              <a:schemeClr val="bg1"/>
+            </a:solidFill>
+          </a:ln>
+        </p:spPr>
+        <p:style>
+          <a:lnRef idx="2">
+            <a:schemeClr val="accent1">
+              <a:shade val="50000"/>
+            </a:schemeClr>
+          </a:lnRef>
+          <a:fillRef idx="1">
+            <a:schemeClr val="accent1"/>
+          </a:fillRef>
+          <a:effectRef idx="0">
+            <a:schemeClr val="accent1"/>
+          </a:effectRef>
+          <a:fontRef idx="minor">
+            <a:schemeClr val="lt1"/>
+          </a:fontRef>
+        </p:style>
+        <p:txBody>
+          <a:bodyPr rtlCol="0" anchor="ctr"/>
+          <a:lstStyle/>
+          <a:p>
+            <a:pPr algn="ctr"/>
+            <a:endParaRPr lang="ko-KR" altLang="en-US"/>
+          </a:p>
+        </p:txBody>
+      </p:sp>
+      <p:sp>
+        <p:nvSpPr>
+          <p:cNvPr id="15" name="TextBox 14">
+            <a:extLst>
+              <a:ext uri="{FF2B5EF4-FFF2-40B4-BE49-F238E27FC236}">
+                <a16:creationId xmlns:a16="http://schemas.microsoft.com/office/drawing/2014/main" id="{FF85C448-5BFD-87F2-0772-7F86D293D4A4}"/>
+              </a:ext>
+            </a:extLst>
+          </p:cNvPr>
+          <p:cNvSpPr txBox="1"/>
+          <p:nvPr/>
+        </p:nvSpPr>
+        <p:spPr>
+          <a:xfrm>
+            <a:off x="8759637" y="2229169"/>
+            <a:ext cx="1184461" cy="338555"/>
+          </a:xfrm>
+          <a:prstGeom prst="rect">
+            <a:avLst/>
+          </a:prstGeom>
+          <a:noFill/>
+        </p:spPr>
+        <p:txBody>
+          <a:bodyPr wrap="square" rtlCol="0">
+            <a:spAutoFit/>
+          </a:bodyPr>
+          <a:lstStyle/>
+          <a:p>
+            <a:r>
+              <a:rPr lang="en-US" altLang="ko-KR" sz="1400" dirty="0">
+                <a:solidFill>
+                  <a:schemeClr val="bg1"/>
+                </a:solidFill>
+              </a:rPr>
+              <a:t>Table</a:t>
+            </a:r>
+            <a:endParaRPr lang="ko-KR" altLang="en-US" sz="1400" dirty="0">
+              <a:solidFill>
+                <a:schemeClr val="bg1"/>
+              </a:solidFill>
+            </a:endParaRPr>
+          </a:p>
+        </p:txBody>
+      </p:sp>
+      <p:sp>
+        <p:nvSpPr>
+          <p:cNvPr id="16" name="순서도: 내부 저장소 15">
+            <a:extLst>
+              <a:ext uri="{FF2B5EF4-FFF2-40B4-BE49-F238E27FC236}">
+                <a16:creationId xmlns:a16="http://schemas.microsoft.com/office/drawing/2014/main" id="{81787FFF-AE2D-92C3-2D76-1B513D15B4B5}"/>
+              </a:ext>
+            </a:extLst>
+          </p:cNvPr>
+          <p:cNvSpPr/>
+          <p:nvPr/>
+        </p:nvSpPr>
+        <p:spPr>
+          <a:xfrm>
+            <a:off x="8885143" y="2564730"/>
+            <a:ext cx="1362635" cy="1211951"/>
+          </a:xfrm>
+          <a:prstGeom prst="flowChartInternalStorage">
+            <a:avLst/>
+          </a:prstGeom>
+          <a:solidFill>
+            <a:srgbClr val="0AA1DD"/>
+          </a:solidFill>
+          <a:ln>
+            <a:solidFill>
+              <a:schemeClr val="bg1"/>
+            </a:solidFill>
+          </a:ln>
+        </p:spPr>
+        <p:style>
+          <a:lnRef idx="2">
+            <a:schemeClr val="accent1">
+              <a:shade val="50000"/>
+            </a:schemeClr>
+          </a:lnRef>
+          <a:fillRef idx="1">
+            <a:schemeClr val="accent1"/>
+          </a:fillRef>
+          <a:effectRef idx="0">
+            <a:schemeClr val="accent1"/>
+          </a:effectRef>
+          <a:fontRef idx="minor">
+            <a:schemeClr val="lt1"/>
+          </a:fontRef>
+        </p:style>
+        <p:txBody>
+          <a:bodyPr rtlCol="0" anchor="ctr"/>
+          <a:lstStyle/>
+          <a:p>
+            <a:pPr algn="ctr"/>
+            <a:endParaRPr lang="ko-KR" altLang="en-US"/>
+          </a:p>
+        </p:txBody>
+      </p:sp>
+      <p:sp>
+        <p:nvSpPr>
+          <p:cNvPr id="17" name="TextBox 16">
+            <a:extLst>
+              <a:ext uri="{FF2B5EF4-FFF2-40B4-BE49-F238E27FC236}">
+                <a16:creationId xmlns:a16="http://schemas.microsoft.com/office/drawing/2014/main" id="{D0662888-81ED-E950-C810-BE5B7DC5B662}"/>
+              </a:ext>
+            </a:extLst>
+          </p:cNvPr>
+          <p:cNvSpPr txBox="1"/>
+          <p:nvPr/>
+        </p:nvSpPr>
+        <p:spPr>
+          <a:xfrm>
+            <a:off x="9063317" y="2746566"/>
+            <a:ext cx="1184461" cy="338555"/>
+          </a:xfrm>
+          <a:prstGeom prst="rect">
+            <a:avLst/>
+          </a:prstGeom>
+          <a:noFill/>
+        </p:spPr>
+        <p:txBody>
+          <a:bodyPr wrap="square" rtlCol="0">
+            <a:spAutoFit/>
+          </a:bodyPr>
+          <a:lstStyle/>
+          <a:p>
+            <a:r>
+              <a:rPr lang="en-US" altLang="ko-KR" sz="1400" dirty="0">
+                <a:solidFill>
+                  <a:schemeClr val="bg1"/>
+                </a:solidFill>
+              </a:rPr>
+              <a:t>Table</a:t>
+            </a:r>
+            <a:endParaRPr lang="ko-KR" altLang="en-US" sz="1400" dirty="0">
+              <a:solidFill>
+                <a:schemeClr val="bg1"/>
+              </a:solidFill>
+            </a:endParaRPr>
+          </a:p>
+        </p:txBody>
+      </p:sp>
+      <p:sp>
+        <p:nvSpPr>
+          <p:cNvPr id="18" name="순서도: 내부 저장소 17">
+            <a:extLst>
+              <a:ext uri="{FF2B5EF4-FFF2-40B4-BE49-F238E27FC236}">
+                <a16:creationId xmlns:a16="http://schemas.microsoft.com/office/drawing/2014/main" id="{8F6A718F-A9EB-58F4-4CAA-FF75012FBDBD}"/>
+              </a:ext>
+            </a:extLst>
+          </p:cNvPr>
+          <p:cNvSpPr/>
+          <p:nvPr/>
+        </p:nvSpPr>
+        <p:spPr>
+          <a:xfrm>
+            <a:off x="9262780" y="3085121"/>
+            <a:ext cx="1362635" cy="1211951"/>
+          </a:xfrm>
+          <a:prstGeom prst="flowChartInternalStorage">
+            <a:avLst/>
+          </a:prstGeom>
+          <a:solidFill>
+            <a:srgbClr val="0AA1DD"/>
+          </a:solidFill>
+          <a:ln>
+            <a:solidFill>
+              <a:schemeClr val="bg1"/>
+            </a:solidFill>
+          </a:ln>
+        </p:spPr>
+        <p:style>
+          <a:lnRef idx="2">
+            <a:schemeClr val="accent1">
+              <a:shade val="50000"/>
+            </a:schemeClr>
+          </a:lnRef>
+          <a:fillRef idx="1">
+            <a:schemeClr val="accent1"/>
+          </a:fillRef>
+          <a:effectRef idx="0">
+            <a:schemeClr val="accent1"/>
+          </a:effectRef>
+          <a:fontRef idx="minor">
+            <a:schemeClr val="lt1"/>
+          </a:fontRef>
+        </p:style>
+        <p:txBody>
+          <a:bodyPr rtlCol="0" anchor="ctr"/>
+          <a:lstStyle/>
+          <a:p>
+            <a:pPr algn="ctr"/>
+            <a:endParaRPr lang="ko-KR" altLang="en-US"/>
+          </a:p>
+        </p:txBody>
+      </p:sp>
+      <p:sp>
+        <p:nvSpPr>
+          <p:cNvPr id="19" name="TextBox 18">
+            <a:extLst>
+              <a:ext uri="{FF2B5EF4-FFF2-40B4-BE49-F238E27FC236}">
+                <a16:creationId xmlns:a16="http://schemas.microsoft.com/office/drawing/2014/main" id="{DEA41B1C-CFB0-681B-CD2D-4ACDAD3678F5}"/>
+              </a:ext>
+            </a:extLst>
+          </p:cNvPr>
+          <p:cNvSpPr txBox="1"/>
+          <p:nvPr/>
+        </p:nvSpPr>
+        <p:spPr>
+          <a:xfrm>
+            <a:off x="9440954" y="3266957"/>
+            <a:ext cx="1184461" cy="338555"/>
+          </a:xfrm>
+          <a:prstGeom prst="rect">
+            <a:avLst/>
+          </a:prstGeom>
+          <a:noFill/>
+        </p:spPr>
+        <p:txBody>
+          <a:bodyPr wrap="square" rtlCol="0">
+            <a:spAutoFit/>
+          </a:bodyPr>
+          <a:lstStyle/>
+          <a:p>
+            <a:r>
+              <a:rPr lang="en-US" altLang="ko-KR" sz="1400" dirty="0">
+                <a:solidFill>
+                  <a:schemeClr val="bg1"/>
+                </a:solidFill>
+              </a:rPr>
+              <a:t>Table</a:t>
+            </a:r>
+            <a:endParaRPr lang="ko-KR" altLang="en-US" sz="1400" dirty="0">
+              <a:solidFill>
+                <a:schemeClr val="bg1"/>
+              </a:solidFill>
+            </a:endParaRPr>
+          </a:p>
+        </p:txBody>
+      </p:sp>
+      <p:cxnSp>
+        <p:nvCxnSpPr>
+          <p:cNvPr id="21" name="직선 화살표 연결선 20">
+            <a:extLst>
+              <a:ext uri="{FF2B5EF4-FFF2-40B4-BE49-F238E27FC236}">
+                <a16:creationId xmlns:a16="http://schemas.microsoft.com/office/drawing/2014/main" id="{2AC80C1B-1E83-E7EF-F464-04BF0A38834E}"/>
+              </a:ext>
+            </a:extLst>
+          </p:cNvPr>
+          <p:cNvCxnSpPr>
+            <a:cxnSpLocks/>
+          </p:cNvCxnSpPr>
+          <p:nvPr/>
+        </p:nvCxnSpPr>
+        <p:spPr>
+          <a:xfrm>
+            <a:off x="3246351" y="2764496"/>
+            <a:ext cx="932328" cy="0"/>
+          </a:xfrm>
+          <a:prstGeom prst="straightConnector1">
+            <a:avLst/>
+          </a:prstGeom>
+          <a:ln w="38100">
+            <a:solidFill>
+              <a:schemeClr val="accent4"/>
+            </a:solidFill>
+            <a:headEnd type="none" w="med" len="med"/>
+            <a:tailEnd type="triangle"/>
+          </a:ln>
+        </p:spPr>
+        <p:style>
+          <a:lnRef idx="1">
+            <a:schemeClr val="accent1"/>
+          </a:lnRef>
+          <a:fillRef idx="0">
+            <a:schemeClr val="accent1"/>
+          </a:fillRef>
+          <a:effectRef idx="0">
+            <a:schemeClr val="accent1"/>
+          </a:effectRef>
+          <a:fontRef idx="minor">
+            <a:schemeClr val="tx1"/>
+          </a:fontRef>
+        </p:style>
+      </p:cxnSp>
+      <p:sp>
+        <p:nvSpPr>
+          <p:cNvPr id="22" name="순서도: 종속 처리 21">
+            <a:extLst>
+              <a:ext uri="{FF2B5EF4-FFF2-40B4-BE49-F238E27FC236}">
+                <a16:creationId xmlns:a16="http://schemas.microsoft.com/office/drawing/2014/main" id="{C086CFE1-E3D3-7FE6-18E6-EA234428A59F}"/>
+              </a:ext>
+            </a:extLst>
+          </p:cNvPr>
+          <p:cNvSpPr/>
+          <p:nvPr/>
+        </p:nvSpPr>
+        <p:spPr>
+          <a:xfrm>
+            <a:off x="4626907" y="2037597"/>
+            <a:ext cx="2043954" cy="1417938"/>
+          </a:xfrm>
+          <a:prstGeom prst="flowChartPredefinedProcess">
+            <a:avLst/>
+          </a:prstGeom>
+          <a:solidFill>
+            <a:srgbClr val="6D18A1"/>
+          </a:solidFill>
+          <a:ln>
+            <a:solidFill>
+              <a:schemeClr val="bg1"/>
+            </a:solidFill>
+          </a:ln>
+        </p:spPr>
+        <p:style>
+          <a:lnRef idx="2">
+            <a:schemeClr val="accent1">
+              <a:shade val="50000"/>
+            </a:schemeClr>
+          </a:lnRef>
+          <a:fillRef idx="1">
+            <a:schemeClr val="accent1"/>
+          </a:fillRef>
+          <a:effectRef idx="0">
+            <a:schemeClr val="accent1"/>
+          </a:effectRef>
+          <a:fontRef idx="minor">
+            <a:schemeClr val="lt1"/>
+          </a:fontRef>
+        </p:style>
+        <p:txBody>
+          <a:bodyPr rtlCol="0" anchor="ctr"/>
+          <a:lstStyle/>
+          <a:p>
+            <a:pPr algn="ctr"/>
+            <a:endParaRPr lang="ko-KR" altLang="en-US"/>
+          </a:p>
+        </p:txBody>
+      </p:sp>
+      <p:sp>
+        <p:nvSpPr>
+          <p:cNvPr id="23" name="TextBox 22">
+            <a:extLst>
+              <a:ext uri="{FF2B5EF4-FFF2-40B4-BE49-F238E27FC236}">
+                <a16:creationId xmlns:a16="http://schemas.microsoft.com/office/drawing/2014/main" id="{4EF5D4C3-84FF-3D41-4757-FC405F4229B3}"/>
+              </a:ext>
+            </a:extLst>
+          </p:cNvPr>
+          <p:cNvSpPr txBox="1"/>
+          <p:nvPr/>
+        </p:nvSpPr>
+        <p:spPr>
+          <a:xfrm>
+            <a:off x="4645954" y="2560033"/>
+            <a:ext cx="2024907" cy="307777"/>
+          </a:xfrm>
+          <a:prstGeom prst="rect">
+            <a:avLst/>
+          </a:prstGeom>
+          <a:noFill/>
+        </p:spPr>
+        <p:txBody>
+          <a:bodyPr wrap="square" rtlCol="0">
+            <a:spAutoFit/>
+          </a:bodyPr>
+          <a:lstStyle/>
+          <a:p>
+            <a:pPr algn="ctr"/>
+            <a:r>
+              <a:rPr lang="en-US" altLang="ko-KR" sz="1400" dirty="0">
+                <a:solidFill>
+                  <a:schemeClr val="bg1"/>
+                </a:solidFill>
+              </a:rPr>
+              <a:t>Entity Framework</a:t>
+            </a:r>
+            <a:endParaRPr lang="ko-KR" altLang="en-US" sz="1400" dirty="0">
+              <a:solidFill>
+                <a:schemeClr val="bg1"/>
+              </a:solidFill>
+            </a:endParaRPr>
+          </a:p>
+        </p:txBody>
+      </p:sp>
+      <p:cxnSp>
+        <p:nvCxnSpPr>
+          <p:cNvPr id="25" name="직선 화살표 연결선 24">
+            <a:extLst>
+              <a:ext uri="{FF2B5EF4-FFF2-40B4-BE49-F238E27FC236}">
+                <a16:creationId xmlns:a16="http://schemas.microsoft.com/office/drawing/2014/main" id="{D7F305DA-1709-E6C6-B80E-4573A8942412}"/>
+              </a:ext>
+            </a:extLst>
+          </p:cNvPr>
+          <p:cNvCxnSpPr>
+            <a:cxnSpLocks/>
+          </p:cNvCxnSpPr>
+          <p:nvPr/>
+        </p:nvCxnSpPr>
+        <p:spPr>
+          <a:xfrm>
+            <a:off x="6974541" y="2764496"/>
+            <a:ext cx="932328" cy="0"/>
+          </a:xfrm>
+          <a:prstGeom prst="straightConnector1">
+            <a:avLst/>
+          </a:prstGeom>
+          <a:ln w="38100">
+            <a:solidFill>
+              <a:schemeClr val="accent4"/>
+            </a:solidFill>
+            <a:headEnd type="none" w="med" len="med"/>
+            <a:tailEnd type="triangle"/>
+          </a:ln>
+        </p:spPr>
+        <p:style>
+          <a:lnRef idx="1">
+            <a:schemeClr val="accent1"/>
+          </a:lnRef>
+          <a:fillRef idx="0">
+            <a:schemeClr val="accent1"/>
+          </a:fillRef>
+          <a:effectRef idx="0">
+            <a:schemeClr val="accent1"/>
+          </a:effectRef>
+          <a:fontRef idx="minor">
+            <a:schemeClr val="tx1"/>
+          </a:fontRef>
+        </p:style>
+      </p:cxnSp>
+    </p:spTree>
+    <p:extLst>
+      <p:ext uri="{BB962C8B-B14F-4D97-AF65-F5344CB8AC3E}">
+        <p14:creationId xmlns:p14="http://schemas.microsoft.com/office/powerpoint/2010/main" val="3574804424"/>
       </p:ext>
     </p:extLst>
   </p:cSld>
